--- a/Dynamic languages/OpenSlava 2013 - Dynamic languages.pptx
+++ b/Dynamic languages/OpenSlava 2013 - Dynamic languages.pptx
@@ -1,50 +1,65 @@
 
 <file path=ppt/presentation.xml><?xml version="1.0" encoding="utf-8"?>
-<p:presentation xmlns:a="http://schemas.openxmlformats.org/drawingml/2006/main" xmlns:r="http://schemas.openxmlformats.org/officeDocument/2006/relationships" xmlns:p="http://schemas.openxmlformats.org/presentationml/2006/main" showSpecialPlsOnTitleSld="0" saveSubsetFonts="1">
+<p:presentation xmlns:a="http://schemas.openxmlformats.org/drawingml/2006/main" xmlns:r="http://schemas.openxmlformats.org/officeDocument/2006/relationships" xmlns:p="http://schemas.openxmlformats.org/presentationml/2006/main" showSpecialPlsOnTitleSld="0" embedTrueTypeFonts="1">
   <p:sldMasterIdLst>
     <p:sldMasterId id="2147483648" r:id="rId4"/>
   </p:sldMasterIdLst>
   <p:notesMasterIdLst>
-    <p:notesMasterId r:id="rId34"/>
+    <p:notesMasterId r:id="rId36"/>
   </p:notesMasterIdLst>
   <p:handoutMasterIdLst>
-    <p:handoutMasterId r:id="rId35"/>
+    <p:handoutMasterId r:id="rId37"/>
   </p:handoutMasterIdLst>
   <p:sldIdLst>
-    <p:sldId id="313" r:id="rId5"/>
-    <p:sldId id="408" r:id="rId6"/>
-    <p:sldId id="317" r:id="rId7"/>
-    <p:sldId id="371" r:id="rId8"/>
-    <p:sldId id="321" r:id="rId9"/>
-    <p:sldId id="378" r:id="rId10"/>
-    <p:sldId id="380" r:id="rId11"/>
-    <p:sldId id="381" r:id="rId12"/>
-    <p:sldId id="382" r:id="rId13"/>
-    <p:sldId id="413" r:id="rId14"/>
-    <p:sldId id="384" r:id="rId15"/>
-    <p:sldId id="415" r:id="rId16"/>
-    <p:sldId id="386" r:id="rId17"/>
-    <p:sldId id="387" r:id="rId18"/>
-    <p:sldId id="418" r:id="rId19"/>
-    <p:sldId id="389" r:id="rId20"/>
-    <p:sldId id="390" r:id="rId21"/>
-    <p:sldId id="391" r:id="rId22"/>
-    <p:sldId id="392" r:id="rId23"/>
-    <p:sldId id="394" r:id="rId24"/>
-    <p:sldId id="395" r:id="rId25"/>
-    <p:sldId id="396" r:id="rId26"/>
-    <p:sldId id="397" r:id="rId27"/>
-    <p:sldId id="398" r:id="rId28"/>
-    <p:sldId id="399" r:id="rId29"/>
-    <p:sldId id="400" r:id="rId30"/>
-    <p:sldId id="401" r:id="rId31"/>
-    <p:sldId id="402" r:id="rId32"/>
-    <p:sldId id="407" r:id="rId33"/>
+    <p:sldId id="419" r:id="rId5"/>
+    <p:sldId id="420" r:id="rId6"/>
+    <p:sldId id="408" r:id="rId7"/>
+    <p:sldId id="317" r:id="rId8"/>
+    <p:sldId id="371" r:id="rId9"/>
+    <p:sldId id="321" r:id="rId10"/>
+    <p:sldId id="378" r:id="rId11"/>
+    <p:sldId id="380" r:id="rId12"/>
+    <p:sldId id="381" r:id="rId13"/>
+    <p:sldId id="382" r:id="rId14"/>
+    <p:sldId id="413" r:id="rId15"/>
+    <p:sldId id="384" r:id="rId16"/>
+    <p:sldId id="415" r:id="rId17"/>
+    <p:sldId id="386" r:id="rId18"/>
+    <p:sldId id="387" r:id="rId19"/>
+    <p:sldId id="418" r:id="rId20"/>
+    <p:sldId id="389" r:id="rId21"/>
+    <p:sldId id="390" r:id="rId22"/>
+    <p:sldId id="391" r:id="rId23"/>
+    <p:sldId id="392" r:id="rId24"/>
+    <p:sldId id="394" r:id="rId25"/>
+    <p:sldId id="395" r:id="rId26"/>
+    <p:sldId id="396" r:id="rId27"/>
+    <p:sldId id="397" r:id="rId28"/>
+    <p:sldId id="398" r:id="rId29"/>
+    <p:sldId id="399" r:id="rId30"/>
+    <p:sldId id="400" r:id="rId31"/>
+    <p:sldId id="401" r:id="rId32"/>
+    <p:sldId id="402" r:id="rId33"/>
+    <p:sldId id="407" r:id="rId34"/>
+    <p:sldId id="421" r:id="rId35"/>
   </p:sldIdLst>
   <p:sldSz cx="9144000" cy="6858000" type="screen4x3"/>
   <p:notesSz cx="6858000" cy="9144000"/>
+  <p:embeddedFontLst>
+    <p:embeddedFont>
+      <p:font typeface="Webdings" panose="05030102010509060703" pitchFamily="18" charset="2"/>
+      <p:regular r:id="rId38"/>
+    </p:embeddedFont>
+    <p:embeddedFont>
+      <p:font typeface="Calibri" panose="020F0502020204030204" pitchFamily="34" charset="0"/>
+      <p:regular r:id="rId39"/>
+      <p:bold r:id="rId40"/>
+      <p:italic r:id="rId41"/>
+      <p:boldItalic r:id="rId42"/>
+    </p:embeddedFont>
+  </p:embeddedFontLst>
   <p:custDataLst>
-    <p:tags r:id="rId36"/>
+    <p:tags r:id="rId43"/>
   </p:custDataLst>
   <p:defaultTextStyle>
     <a:defPPr>
@@ -318,7 +333,7 @@
             <a:fld id="{BD8FA3CA-5725-4BA7-A851-72A62AC5A8EE}" type="datetimeFigureOut">
               <a:rPr lang="en-CA" smtClean="0"/>
               <a:pPr/>
-              <a:t>24/09/2013</a:t>
+              <a:t>30/09/2013</a:t>
             </a:fld>
             <a:endParaRPr lang="en-CA"/>
           </a:p>
@@ -449,7 +464,7 @@
             <a:fld id="{C3B58700-9FA2-48CE-AC88-D71D45EB490A}" type="datetimeFigureOut">
               <a:rPr lang="en-US" smtClean="0"/>
               <a:pPr/>
-              <a:t>9/24/2013</a:t>
+              <a:t>9/30/2013</a:t>
             </a:fld>
             <a:endParaRPr lang="en-US"/>
           </a:p>
@@ -781,10 +796,9 @@
           <a:bodyPr/>
           <a:lstStyle/>
           <a:p>
-            <a:fld id="{FE9BC4E5-2BC1-4F43-85DD-A1B8F74CB7EB}" type="slidenum">
+            <a:fld id="{4847F595-67E2-4395-A9B6-787F6D57856C}" type="slidenum">
               <a:rPr lang="en-US" smtClean="0"/>
-              <a:pPr/>
-              <a:t>1</a:t>
+              <a:t>2</a:t>
             </a:fld>
             <a:endParaRPr lang="en-US"/>
           </a:p>
@@ -793,7 +807,7 @@
     </p:spTree>
     <p:extLst>
       <p:ext uri="{BB962C8B-B14F-4D97-AF65-F5344CB8AC3E}">
-        <p14:creationId xmlns:p14="http://schemas.microsoft.com/office/powerpoint/2010/main" val="205886454"/>
+        <p14:creationId xmlns:p14="http://schemas.microsoft.com/office/powerpoint/2010/main" val="726841577"/>
       </p:ext>
     </p:extLst>
   </p:cSld>
@@ -1180,7 +1194,7 @@
             <a:fld id="{45852B25-0A42-4B2F-A5CC-84F19853E605}" type="slidenum">
               <a:rPr lang="en-US" smtClean="0"/>
               <a:pPr/>
-              <a:t>10</a:t>
+              <a:t>11</a:t>
             </a:fld>
             <a:endParaRPr lang="en-US"/>
           </a:p>
@@ -1311,7 +1325,7 @@
             <a:fld id="{45852B25-0A42-4B2F-A5CC-84F19853E605}" type="slidenum">
               <a:rPr lang="en-US" smtClean="0"/>
               <a:pPr/>
-              <a:t>11</a:t>
+              <a:t>12</a:t>
             </a:fld>
             <a:endParaRPr lang="en-US"/>
           </a:p>
@@ -1460,7 +1474,7 @@
             <a:fld id="{45852B25-0A42-4B2F-A5CC-84F19853E605}" type="slidenum">
               <a:rPr lang="en-US" smtClean="0"/>
               <a:pPr/>
-              <a:t>12</a:t>
+              <a:t>13</a:t>
             </a:fld>
             <a:endParaRPr lang="en-US"/>
           </a:p>
@@ -1591,7 +1605,7 @@
             <a:fld id="{45852B25-0A42-4B2F-A5CC-84F19853E605}" type="slidenum">
               <a:rPr lang="en-US" smtClean="0"/>
               <a:pPr/>
-              <a:t>13</a:t>
+              <a:t>14</a:t>
             </a:fld>
             <a:endParaRPr lang="en-US"/>
           </a:p>
@@ -1819,7 +1833,7 @@
             <a:fld id="{45852B25-0A42-4B2F-A5CC-84F19853E605}" type="slidenum">
               <a:rPr lang="en-US" smtClean="0"/>
               <a:pPr/>
-              <a:t>14</a:t>
+              <a:t>15</a:t>
             </a:fld>
             <a:endParaRPr lang="en-US"/>
           </a:p>
@@ -2038,7 +2052,7 @@
                 </a:solidFill>
               </a:rPr>
               <a:pPr/>
-              <a:t>16</a:t>
+              <a:t>17</a:t>
             </a:fld>
             <a:endParaRPr lang="en-US">
               <a:solidFill>
@@ -2538,7 +2552,7 @@
                 </a:solidFill>
               </a:rPr>
               <a:pPr/>
-              <a:t>17</a:t>
+              <a:t>18</a:t>
             </a:fld>
             <a:endParaRPr lang="en-US">
               <a:solidFill>
@@ -2633,7 +2647,7 @@
                 </a:solidFill>
               </a:rPr>
               <a:pPr/>
-              <a:t>18</a:t>
+              <a:t>19</a:t>
             </a:fld>
             <a:endParaRPr lang="en-US">
               <a:solidFill>
@@ -3171,7 +3185,7 @@
                 </a:solidFill>
               </a:rPr>
               <a:pPr/>
-              <a:t>19</a:t>
+              <a:t>20</a:t>
             </a:fld>
             <a:endParaRPr lang="en-US">
               <a:solidFill>
@@ -3264,7 +3278,7 @@
                 </a:solidFill>
               </a:rPr>
               <a:pPr/>
-              <a:t>20</a:t>
+              <a:t>21</a:t>
             </a:fld>
             <a:endParaRPr lang="en-US">
               <a:solidFill>
@@ -3352,7 +3366,7 @@
           <a:p>
             <a:fld id="{0C2B02A6-44A8-594C-8023-D31DDC0C2785}" type="slidenum">
               <a:rPr lang="en-US" smtClean="0"/>
-              <a:t>2</a:t>
+              <a:t>3</a:t>
             </a:fld>
             <a:endParaRPr lang="en-US"/>
           </a:p>
@@ -3437,7 +3451,7 @@
             <a:fld id="{FE9BC4E5-2BC1-4F43-85DD-A1B8F74CB7EB}" type="slidenum">
               <a:rPr lang="en-US" smtClean="0"/>
               <a:pPr/>
-              <a:t>21</a:t>
+              <a:t>22</a:t>
             </a:fld>
             <a:endParaRPr lang="en-US"/>
           </a:p>
@@ -3522,7 +3536,7 @@
             <a:fld id="{FE9BC4E5-2BC1-4F43-85DD-A1B8F74CB7EB}" type="slidenum">
               <a:rPr lang="en-US" smtClean="0"/>
               <a:pPr/>
-              <a:t>22</a:t>
+              <a:t>23</a:t>
             </a:fld>
             <a:endParaRPr lang="en-US"/>
           </a:p>
@@ -3607,7 +3621,7 @@
             <a:fld id="{FE9BC4E5-2BC1-4F43-85DD-A1B8F74CB7EB}" type="slidenum">
               <a:rPr lang="en-US" smtClean="0"/>
               <a:pPr/>
-              <a:t>23</a:t>
+              <a:t>24</a:t>
             </a:fld>
             <a:endParaRPr lang="en-US"/>
           </a:p>
@@ -3692,7 +3706,7 @@
             <a:fld id="{FE9BC4E5-2BC1-4F43-85DD-A1B8F74CB7EB}" type="slidenum">
               <a:rPr lang="en-US" smtClean="0"/>
               <a:pPr/>
-              <a:t>24</a:t>
+              <a:t>25</a:t>
             </a:fld>
             <a:endParaRPr lang="en-US"/>
           </a:p>
@@ -3777,7 +3791,7 @@
             <a:fld id="{FE9BC4E5-2BC1-4F43-85DD-A1B8F74CB7EB}" type="slidenum">
               <a:rPr lang="en-US" smtClean="0"/>
               <a:pPr/>
-              <a:t>25</a:t>
+              <a:t>26</a:t>
             </a:fld>
             <a:endParaRPr lang="en-US"/>
           </a:p>
@@ -4055,7 +4069,7 @@
                 </a:solidFill>
               </a:rPr>
               <a:pPr/>
-              <a:t>29</a:t>
+              <a:t>30</a:t>
             </a:fld>
             <a:endParaRPr lang="en-US">
               <a:solidFill>
@@ -4280,7 +4294,7 @@
                 </a:solidFill>
               </a:rPr>
               <a:pPr/>
-              <a:t>3</a:t>
+              <a:t>4</a:t>
             </a:fld>
             <a:endParaRPr lang="en-US">
               <a:solidFill>
@@ -4375,7 +4389,7 @@
                 </a:solidFill>
               </a:rPr>
               <a:pPr/>
-              <a:t>4</a:t>
+              <a:t>5</a:t>
             </a:fld>
             <a:endParaRPr lang="en-US">
               <a:solidFill>
@@ -4503,7 +4517,7 @@
             <a:fld id="{FE9BC4E5-2BC1-4F43-85DD-A1B8F74CB7EB}" type="slidenum">
               <a:rPr lang="en-US" smtClean="0"/>
               <a:pPr/>
-              <a:t>5</a:t>
+              <a:t>6</a:t>
             </a:fld>
             <a:endParaRPr lang="en-US"/>
           </a:p>
@@ -4612,7 +4626,7 @@
             <a:fld id="{45852B25-0A42-4B2F-A5CC-84F19853E605}" type="slidenum">
               <a:rPr lang="en-US" smtClean="0"/>
               <a:pPr/>
-              <a:t>6</a:t>
+              <a:t>7</a:t>
             </a:fld>
             <a:endParaRPr lang="en-US"/>
           </a:p>
@@ -4715,7 +4729,7 @@
             <a:fld id="{45852B25-0A42-4B2F-A5CC-84F19853E605}" type="slidenum">
               <a:rPr lang="en-US" smtClean="0"/>
               <a:pPr/>
-              <a:t>7</a:t>
+              <a:t>8</a:t>
             </a:fld>
             <a:endParaRPr lang="en-US"/>
           </a:p>
@@ -4800,7 +4814,7 @@
             <a:fld id="{45852B25-0A42-4B2F-A5CC-84F19853E605}" type="slidenum">
               <a:rPr lang="en-US" smtClean="0"/>
               <a:pPr/>
-              <a:t>8</a:t>
+              <a:t>9</a:t>
             </a:fld>
             <a:endParaRPr lang="en-US"/>
           </a:p>
@@ -4885,7 +4899,7 @@
             <a:fld id="{45852B25-0A42-4B2F-A5CC-84F19853E605}" type="slidenum">
               <a:rPr lang="en-US" smtClean="0"/>
               <a:pPr/>
-              <a:t>9</a:t>
+              <a:t>10</a:t>
             </a:fld>
             <a:endParaRPr lang="en-US"/>
           </a:p>
@@ -4905,1742 +4919,6 @@
 </file>
 
 <file path=ppt/slideLayouts/slideLayout1.xml><?xml version="1.0" encoding="utf-8"?>
-<p:sldLayout xmlns:a="http://schemas.openxmlformats.org/drawingml/2006/main" xmlns:r="http://schemas.openxmlformats.org/officeDocument/2006/relationships" xmlns:p="http://schemas.openxmlformats.org/presentationml/2006/main" preserve="1" userDrawn="1">
-  <p:cSld name="Title Slide with White Signature">
-    <p:spTree>
-      <p:nvGrpSpPr>
-        <p:cNvPr id="1" name=""/>
-        <p:cNvGrpSpPr/>
-        <p:nvPr/>
-      </p:nvGrpSpPr>
-      <p:grpSpPr>
-        <a:xfrm>
-          <a:off x="0" y="0"/>
-          <a:ext cx="0" cy="0"/>
-          <a:chOff x="0" y="0"/>
-          <a:chExt cx="0" cy="0"/>
-        </a:xfrm>
-      </p:grpSpPr>
-      <p:pic>
-        <p:nvPicPr>
-          <p:cNvPr id="14" name="Picture 6" descr="Innovation_Final_10_24.jpg"/>
-          <p:cNvPicPr>
-            <a:picLocks noChangeAspect="1"/>
-          </p:cNvPicPr>
-          <p:nvPr userDrawn="1"/>
-        </p:nvPicPr>
-        <p:blipFill>
-          <a:blip r:embed="rId2" cstate="print"/>
-          <a:srcRect/>
-          <a:stretch>
-            <a:fillRect/>
-          </a:stretch>
-        </p:blipFill>
-        <p:spPr bwMode="auto">
-          <a:xfrm>
-            <a:off x="0" y="0"/>
-            <a:ext cx="9144000" cy="6858000"/>
-          </a:xfrm>
-          <a:prstGeom prst="rect">
-            <a:avLst/>
-          </a:prstGeom>
-          <a:noFill/>
-          <a:ln w="9525">
-            <a:noFill/>
-            <a:miter lim="800000"/>
-            <a:headEnd/>
-            <a:tailEnd/>
-          </a:ln>
-        </p:spPr>
-      </p:pic>
-      <p:sp>
-        <p:nvSpPr>
-          <p:cNvPr id="9" name="Text Placeholder 8"/>
-          <p:cNvSpPr>
-            <a:spLocks noGrp="1"/>
-          </p:cNvSpPr>
-          <p:nvPr>
-            <p:ph type="body" sz="quarter" idx="10" hasCustomPrompt="1"/>
-          </p:nvPr>
-        </p:nvSpPr>
-        <p:spPr>
-          <a:xfrm>
-            <a:off x="458788" y="5088467"/>
-            <a:ext cx="4024312" cy="1233311"/>
-          </a:xfrm>
-        </p:spPr>
-        <p:txBody>
-          <a:bodyPr>
-            <a:noAutofit/>
-          </a:bodyPr>
-          <a:lstStyle>
-            <a:lvl1pPr marL="0" indent="0">
-              <a:lnSpc>
-                <a:spcPts val="3900"/>
-              </a:lnSpc>
-              <a:spcBef>
-                <a:spcPts val="0"/>
-              </a:spcBef>
-              <a:spcAft>
-                <a:spcPts val="0"/>
-              </a:spcAft>
-              <a:buNone/>
-              <a:defRPr sz="3600" baseline="0">
-                <a:solidFill>
-                  <a:schemeClr val="bg1"/>
-                </a:solidFill>
-              </a:defRPr>
-            </a:lvl1pPr>
-            <a:lvl2pPr marL="0" indent="0">
-              <a:lnSpc>
-                <a:spcPct val="100000"/>
-              </a:lnSpc>
-              <a:spcAft>
-                <a:spcPts val="0"/>
-              </a:spcAft>
-              <a:buNone/>
-              <a:defRPr sz="1900">
-                <a:solidFill>
-                  <a:schemeClr val="bg1"/>
-                </a:solidFill>
-              </a:defRPr>
-            </a:lvl2pPr>
-            <a:lvl3pPr marL="468000" indent="0">
-              <a:buNone/>
-              <a:defRPr/>
-            </a:lvl3pPr>
-          </a:lstStyle>
-          <a:p>
-            <a:pPr lvl="0"/>
-            <a:r>
-              <a:rPr lang="en-US" dirty="0" smtClean="0"/>
-              <a:t>Master Title Slide Headline</a:t>
-            </a:r>
-          </a:p>
-        </p:txBody>
-      </p:sp>
-      <p:grpSp>
-        <p:nvGrpSpPr>
-          <p:cNvPr id="5" name="Group 4"/>
-          <p:cNvGrpSpPr/>
-          <p:nvPr userDrawn="1"/>
-        </p:nvGrpSpPr>
-        <p:grpSpPr>
-          <a:xfrm>
-            <a:off x="5701703" y="1790952"/>
-            <a:ext cx="3074395" cy="2060440"/>
-            <a:chOff x="5701703" y="682760"/>
-            <a:chExt cx="3074395" cy="2060440"/>
-          </a:xfrm>
-        </p:grpSpPr>
-        <p:sp>
-          <p:nvSpPr>
-            <p:cNvPr id="6" name="Freeform 5"/>
-            <p:cNvSpPr/>
-            <p:nvPr/>
-          </p:nvSpPr>
-          <p:spPr>
-            <a:xfrm>
-              <a:off x="6164291" y="682760"/>
-              <a:ext cx="2013677" cy="2060440"/>
-            </a:xfrm>
-            <a:custGeom>
-              <a:avLst/>
-              <a:gdLst>
-                <a:gd name="connsiteX0" fmla="*/ 0 w 4457700"/>
-                <a:gd name="connsiteY0" fmla="*/ 0 h 4552950"/>
-                <a:gd name="connsiteX1" fmla="*/ 4457700 w 4457700"/>
-                <a:gd name="connsiteY1" fmla="*/ 1828800 h 4552950"/>
-                <a:gd name="connsiteX2" fmla="*/ 4457700 w 4457700"/>
-                <a:gd name="connsiteY2" fmla="*/ 2743200 h 4552950"/>
-                <a:gd name="connsiteX3" fmla="*/ 0 w 4457700"/>
-                <a:gd name="connsiteY3" fmla="*/ 4552950 h 4552950"/>
-                <a:gd name="connsiteX4" fmla="*/ 0 w 4457700"/>
-                <a:gd name="connsiteY4" fmla="*/ 3543300 h 4552950"/>
-                <a:gd name="connsiteX5" fmla="*/ 3282950 w 4457700"/>
-                <a:gd name="connsiteY5" fmla="*/ 2286000 h 4552950"/>
-                <a:gd name="connsiteX6" fmla="*/ 0 w 4457700"/>
-                <a:gd name="connsiteY6" fmla="*/ 1016000 h 4552950"/>
-                <a:gd name="connsiteX7" fmla="*/ 0 w 4457700"/>
-                <a:gd name="connsiteY7" fmla="*/ 0 h 4552950"/>
-                <a:gd name="connsiteX0" fmla="*/ 0 w 4457700"/>
-                <a:gd name="connsiteY0" fmla="*/ 0 h 4552950"/>
-                <a:gd name="connsiteX1" fmla="*/ 4457700 w 4457700"/>
-                <a:gd name="connsiteY1" fmla="*/ 1824037 h 4552950"/>
-                <a:gd name="connsiteX2" fmla="*/ 4457700 w 4457700"/>
-                <a:gd name="connsiteY2" fmla="*/ 2743200 h 4552950"/>
-                <a:gd name="connsiteX3" fmla="*/ 0 w 4457700"/>
-                <a:gd name="connsiteY3" fmla="*/ 4552950 h 4552950"/>
-                <a:gd name="connsiteX4" fmla="*/ 0 w 4457700"/>
-                <a:gd name="connsiteY4" fmla="*/ 3543300 h 4552950"/>
-                <a:gd name="connsiteX5" fmla="*/ 3282950 w 4457700"/>
-                <a:gd name="connsiteY5" fmla="*/ 2286000 h 4552950"/>
-                <a:gd name="connsiteX6" fmla="*/ 0 w 4457700"/>
-                <a:gd name="connsiteY6" fmla="*/ 1016000 h 4552950"/>
-                <a:gd name="connsiteX7" fmla="*/ 0 w 4457700"/>
-                <a:gd name="connsiteY7" fmla="*/ 0 h 4552950"/>
-                <a:gd name="connsiteX0" fmla="*/ 0 w 4457700"/>
-                <a:gd name="connsiteY0" fmla="*/ 0 h 4552950"/>
-                <a:gd name="connsiteX1" fmla="*/ 4457700 w 4457700"/>
-                <a:gd name="connsiteY1" fmla="*/ 1816893 h 4552950"/>
-                <a:gd name="connsiteX2" fmla="*/ 4457700 w 4457700"/>
-                <a:gd name="connsiteY2" fmla="*/ 2743200 h 4552950"/>
-                <a:gd name="connsiteX3" fmla="*/ 0 w 4457700"/>
-                <a:gd name="connsiteY3" fmla="*/ 4552950 h 4552950"/>
-                <a:gd name="connsiteX4" fmla="*/ 0 w 4457700"/>
-                <a:gd name="connsiteY4" fmla="*/ 3543300 h 4552950"/>
-                <a:gd name="connsiteX5" fmla="*/ 3282950 w 4457700"/>
-                <a:gd name="connsiteY5" fmla="*/ 2286000 h 4552950"/>
-                <a:gd name="connsiteX6" fmla="*/ 0 w 4457700"/>
-                <a:gd name="connsiteY6" fmla="*/ 1016000 h 4552950"/>
-                <a:gd name="connsiteX7" fmla="*/ 0 w 4457700"/>
-                <a:gd name="connsiteY7" fmla="*/ 0 h 4552950"/>
-                <a:gd name="connsiteX0" fmla="*/ 0 w 4462462"/>
-                <a:gd name="connsiteY0" fmla="*/ 0 h 4552950"/>
-                <a:gd name="connsiteX1" fmla="*/ 4462462 w 4462462"/>
-                <a:gd name="connsiteY1" fmla="*/ 1819275 h 4552950"/>
-                <a:gd name="connsiteX2" fmla="*/ 4457700 w 4462462"/>
-                <a:gd name="connsiteY2" fmla="*/ 2743200 h 4552950"/>
-                <a:gd name="connsiteX3" fmla="*/ 0 w 4462462"/>
-                <a:gd name="connsiteY3" fmla="*/ 4552950 h 4552950"/>
-                <a:gd name="connsiteX4" fmla="*/ 0 w 4462462"/>
-                <a:gd name="connsiteY4" fmla="*/ 3543300 h 4552950"/>
-                <a:gd name="connsiteX5" fmla="*/ 3282950 w 4462462"/>
-                <a:gd name="connsiteY5" fmla="*/ 2286000 h 4552950"/>
-                <a:gd name="connsiteX6" fmla="*/ 0 w 4462462"/>
-                <a:gd name="connsiteY6" fmla="*/ 1016000 h 4552950"/>
-                <a:gd name="connsiteX7" fmla="*/ 0 w 4462462"/>
-                <a:gd name="connsiteY7" fmla="*/ 0 h 4552950"/>
-                <a:gd name="connsiteX0" fmla="*/ 0 w 4462921"/>
-                <a:gd name="connsiteY0" fmla="*/ 0 h 4552950"/>
-                <a:gd name="connsiteX1" fmla="*/ 4462462 w 4462921"/>
-                <a:gd name="connsiteY1" fmla="*/ 1819275 h 4552950"/>
-                <a:gd name="connsiteX2" fmla="*/ 4462463 w 4462921"/>
-                <a:gd name="connsiteY2" fmla="*/ 2747962 h 4552950"/>
-                <a:gd name="connsiteX3" fmla="*/ 0 w 4462921"/>
-                <a:gd name="connsiteY3" fmla="*/ 4552950 h 4552950"/>
-                <a:gd name="connsiteX4" fmla="*/ 0 w 4462921"/>
-                <a:gd name="connsiteY4" fmla="*/ 3543300 h 4552950"/>
-                <a:gd name="connsiteX5" fmla="*/ 3282950 w 4462921"/>
-                <a:gd name="connsiteY5" fmla="*/ 2286000 h 4552950"/>
-                <a:gd name="connsiteX6" fmla="*/ 0 w 4462921"/>
-                <a:gd name="connsiteY6" fmla="*/ 1016000 h 4552950"/>
-                <a:gd name="connsiteX7" fmla="*/ 0 w 4462921"/>
-                <a:gd name="connsiteY7" fmla="*/ 0 h 4552950"/>
-                <a:gd name="connsiteX0" fmla="*/ 0 w 4462921"/>
-                <a:gd name="connsiteY0" fmla="*/ 0 h 4552950"/>
-                <a:gd name="connsiteX1" fmla="*/ 4462462 w 4462921"/>
-                <a:gd name="connsiteY1" fmla="*/ 1819275 h 4552950"/>
-                <a:gd name="connsiteX2" fmla="*/ 4462463 w 4462921"/>
-                <a:gd name="connsiteY2" fmla="*/ 2747962 h 4552950"/>
-                <a:gd name="connsiteX3" fmla="*/ 0 w 4462921"/>
-                <a:gd name="connsiteY3" fmla="*/ 4552950 h 4552950"/>
-                <a:gd name="connsiteX4" fmla="*/ 0 w 4462921"/>
-                <a:gd name="connsiteY4" fmla="*/ 3543300 h 4552950"/>
-                <a:gd name="connsiteX5" fmla="*/ 3282950 w 4462921"/>
-                <a:gd name="connsiteY5" fmla="*/ 2286000 h 4552950"/>
-                <a:gd name="connsiteX6" fmla="*/ 0 w 4462921"/>
-                <a:gd name="connsiteY6" fmla="*/ 1016000 h 4552950"/>
-                <a:gd name="connsiteX7" fmla="*/ 0 w 4462921"/>
-                <a:gd name="connsiteY7" fmla="*/ 0 h 4552950"/>
-                <a:gd name="connsiteX0" fmla="*/ 0 w 4462921"/>
-                <a:gd name="connsiteY0" fmla="*/ 0 h 4560094"/>
-                <a:gd name="connsiteX1" fmla="*/ 4462462 w 4462921"/>
-                <a:gd name="connsiteY1" fmla="*/ 1819275 h 4560094"/>
-                <a:gd name="connsiteX2" fmla="*/ 4462463 w 4462921"/>
-                <a:gd name="connsiteY2" fmla="*/ 2747962 h 4560094"/>
-                <a:gd name="connsiteX3" fmla="*/ 2381 w 4462921"/>
-                <a:gd name="connsiteY3" fmla="*/ 4560094 h 4560094"/>
-                <a:gd name="connsiteX4" fmla="*/ 0 w 4462921"/>
-                <a:gd name="connsiteY4" fmla="*/ 3543300 h 4560094"/>
-                <a:gd name="connsiteX5" fmla="*/ 3282950 w 4462921"/>
-                <a:gd name="connsiteY5" fmla="*/ 2286000 h 4560094"/>
-                <a:gd name="connsiteX6" fmla="*/ 0 w 4462921"/>
-                <a:gd name="connsiteY6" fmla="*/ 1016000 h 4560094"/>
-                <a:gd name="connsiteX7" fmla="*/ 0 w 4462921"/>
-                <a:gd name="connsiteY7" fmla="*/ 0 h 4560094"/>
-                <a:gd name="connsiteX0" fmla="*/ 0 w 4462921"/>
-                <a:gd name="connsiteY0" fmla="*/ 0 h 4560094"/>
-                <a:gd name="connsiteX1" fmla="*/ 4462462 w 4462921"/>
-                <a:gd name="connsiteY1" fmla="*/ 1819275 h 4560094"/>
-                <a:gd name="connsiteX2" fmla="*/ 4462463 w 4462921"/>
-                <a:gd name="connsiteY2" fmla="*/ 2747962 h 4560094"/>
-                <a:gd name="connsiteX3" fmla="*/ 2381 w 4462921"/>
-                <a:gd name="connsiteY3" fmla="*/ 4560094 h 4560094"/>
-                <a:gd name="connsiteX4" fmla="*/ 0 w 4462921"/>
-                <a:gd name="connsiteY4" fmla="*/ 3543300 h 4560094"/>
-                <a:gd name="connsiteX5" fmla="*/ 3275807 w 4462921"/>
-                <a:gd name="connsiteY5" fmla="*/ 2286000 h 4560094"/>
-                <a:gd name="connsiteX6" fmla="*/ 0 w 4462921"/>
-                <a:gd name="connsiteY6" fmla="*/ 1016000 h 4560094"/>
-                <a:gd name="connsiteX7" fmla="*/ 0 w 4462921"/>
-                <a:gd name="connsiteY7" fmla="*/ 0 h 4560094"/>
-                <a:gd name="connsiteX0" fmla="*/ 0 w 4462921"/>
-                <a:gd name="connsiteY0" fmla="*/ 0 h 4557713"/>
-                <a:gd name="connsiteX1" fmla="*/ 4462462 w 4462921"/>
-                <a:gd name="connsiteY1" fmla="*/ 1819275 h 4557713"/>
-                <a:gd name="connsiteX2" fmla="*/ 4462463 w 4462921"/>
-                <a:gd name="connsiteY2" fmla="*/ 2747962 h 4557713"/>
-                <a:gd name="connsiteX3" fmla="*/ 2381 w 4462921"/>
-                <a:gd name="connsiteY3" fmla="*/ 4557713 h 4557713"/>
-                <a:gd name="connsiteX4" fmla="*/ 0 w 4462921"/>
-                <a:gd name="connsiteY4" fmla="*/ 3543300 h 4557713"/>
-                <a:gd name="connsiteX5" fmla="*/ 3275807 w 4462921"/>
-                <a:gd name="connsiteY5" fmla="*/ 2286000 h 4557713"/>
-                <a:gd name="connsiteX6" fmla="*/ 0 w 4462921"/>
-                <a:gd name="connsiteY6" fmla="*/ 1016000 h 4557713"/>
-                <a:gd name="connsiteX7" fmla="*/ 0 w 4462921"/>
-                <a:gd name="connsiteY7" fmla="*/ 0 h 4557713"/>
-                <a:gd name="connsiteX0" fmla="*/ 0 w 4462921"/>
-                <a:gd name="connsiteY0" fmla="*/ 0 h 4562475"/>
-                <a:gd name="connsiteX1" fmla="*/ 4462462 w 4462921"/>
-                <a:gd name="connsiteY1" fmla="*/ 1819275 h 4562475"/>
-                <a:gd name="connsiteX2" fmla="*/ 4462463 w 4462921"/>
-                <a:gd name="connsiteY2" fmla="*/ 2747962 h 4562475"/>
-                <a:gd name="connsiteX3" fmla="*/ 2381 w 4462921"/>
-                <a:gd name="connsiteY3" fmla="*/ 4562475 h 4562475"/>
-                <a:gd name="connsiteX4" fmla="*/ 0 w 4462921"/>
-                <a:gd name="connsiteY4" fmla="*/ 3543300 h 4562475"/>
-                <a:gd name="connsiteX5" fmla="*/ 3275807 w 4462921"/>
-                <a:gd name="connsiteY5" fmla="*/ 2286000 h 4562475"/>
-                <a:gd name="connsiteX6" fmla="*/ 0 w 4462921"/>
-                <a:gd name="connsiteY6" fmla="*/ 1016000 h 4562475"/>
-                <a:gd name="connsiteX7" fmla="*/ 0 w 4462921"/>
-                <a:gd name="connsiteY7" fmla="*/ 0 h 4562475"/>
-                <a:gd name="connsiteX0" fmla="*/ 2486 w 4465407"/>
-                <a:gd name="connsiteY0" fmla="*/ 0 h 4564856"/>
-                <a:gd name="connsiteX1" fmla="*/ 4464948 w 4465407"/>
-                <a:gd name="connsiteY1" fmla="*/ 1819275 h 4564856"/>
-                <a:gd name="connsiteX2" fmla="*/ 4464949 w 4465407"/>
-                <a:gd name="connsiteY2" fmla="*/ 2747962 h 4564856"/>
-                <a:gd name="connsiteX3" fmla="*/ 105 w 4465407"/>
-                <a:gd name="connsiteY3" fmla="*/ 4564856 h 4564856"/>
-                <a:gd name="connsiteX4" fmla="*/ 2486 w 4465407"/>
-                <a:gd name="connsiteY4" fmla="*/ 3543300 h 4564856"/>
-                <a:gd name="connsiteX5" fmla="*/ 3278293 w 4465407"/>
-                <a:gd name="connsiteY5" fmla="*/ 2286000 h 4564856"/>
-                <a:gd name="connsiteX6" fmla="*/ 2486 w 4465407"/>
-                <a:gd name="connsiteY6" fmla="*/ 1016000 h 4564856"/>
-                <a:gd name="connsiteX7" fmla="*/ 2486 w 4465407"/>
-                <a:gd name="connsiteY7" fmla="*/ 0 h 4564856"/>
-                <a:gd name="connsiteX0" fmla="*/ 2610 w 4465531"/>
-                <a:gd name="connsiteY0" fmla="*/ 0 h 4564856"/>
-                <a:gd name="connsiteX1" fmla="*/ 4465072 w 4465531"/>
-                <a:gd name="connsiteY1" fmla="*/ 1819275 h 4564856"/>
-                <a:gd name="connsiteX2" fmla="*/ 4465073 w 4465531"/>
-                <a:gd name="connsiteY2" fmla="*/ 2747962 h 4564856"/>
-                <a:gd name="connsiteX3" fmla="*/ 229 w 4465531"/>
-                <a:gd name="connsiteY3" fmla="*/ 4564856 h 4564856"/>
-                <a:gd name="connsiteX4" fmla="*/ 228 w 4465531"/>
-                <a:gd name="connsiteY4" fmla="*/ 3545681 h 4564856"/>
-                <a:gd name="connsiteX5" fmla="*/ 3278417 w 4465531"/>
-                <a:gd name="connsiteY5" fmla="*/ 2286000 h 4564856"/>
-                <a:gd name="connsiteX6" fmla="*/ 2610 w 4465531"/>
-                <a:gd name="connsiteY6" fmla="*/ 1016000 h 4564856"/>
-                <a:gd name="connsiteX7" fmla="*/ 2610 w 4465531"/>
-                <a:gd name="connsiteY7" fmla="*/ 0 h 4564856"/>
-                <a:gd name="connsiteX0" fmla="*/ 2610 w 4465531"/>
-                <a:gd name="connsiteY0" fmla="*/ 0 h 4564856"/>
-                <a:gd name="connsiteX1" fmla="*/ 4465072 w 4465531"/>
-                <a:gd name="connsiteY1" fmla="*/ 1819275 h 4564856"/>
-                <a:gd name="connsiteX2" fmla="*/ 4465073 w 4465531"/>
-                <a:gd name="connsiteY2" fmla="*/ 2750343 h 4564856"/>
-                <a:gd name="connsiteX3" fmla="*/ 229 w 4465531"/>
-                <a:gd name="connsiteY3" fmla="*/ 4564856 h 4564856"/>
-                <a:gd name="connsiteX4" fmla="*/ 228 w 4465531"/>
-                <a:gd name="connsiteY4" fmla="*/ 3545681 h 4564856"/>
-                <a:gd name="connsiteX5" fmla="*/ 3278417 w 4465531"/>
-                <a:gd name="connsiteY5" fmla="*/ 2286000 h 4564856"/>
-                <a:gd name="connsiteX6" fmla="*/ 2610 w 4465531"/>
-                <a:gd name="connsiteY6" fmla="*/ 1016000 h 4564856"/>
-                <a:gd name="connsiteX7" fmla="*/ 2610 w 4465531"/>
-                <a:gd name="connsiteY7" fmla="*/ 0 h 4564856"/>
-                <a:gd name="connsiteX0" fmla="*/ 2610 w 4465531"/>
-                <a:gd name="connsiteY0" fmla="*/ 0 h 4564856"/>
-                <a:gd name="connsiteX1" fmla="*/ 4465072 w 4465531"/>
-                <a:gd name="connsiteY1" fmla="*/ 1819275 h 4564856"/>
-                <a:gd name="connsiteX2" fmla="*/ 4465073 w 4465531"/>
-                <a:gd name="connsiteY2" fmla="*/ 2755106 h 4564856"/>
-                <a:gd name="connsiteX3" fmla="*/ 229 w 4465531"/>
-                <a:gd name="connsiteY3" fmla="*/ 4564856 h 4564856"/>
-                <a:gd name="connsiteX4" fmla="*/ 228 w 4465531"/>
-                <a:gd name="connsiteY4" fmla="*/ 3545681 h 4564856"/>
-                <a:gd name="connsiteX5" fmla="*/ 3278417 w 4465531"/>
-                <a:gd name="connsiteY5" fmla="*/ 2286000 h 4564856"/>
-                <a:gd name="connsiteX6" fmla="*/ 2610 w 4465531"/>
-                <a:gd name="connsiteY6" fmla="*/ 1016000 h 4564856"/>
-                <a:gd name="connsiteX7" fmla="*/ 2610 w 4465531"/>
-                <a:gd name="connsiteY7" fmla="*/ 0 h 4564856"/>
-                <a:gd name="connsiteX0" fmla="*/ 2610 w 4467453"/>
-                <a:gd name="connsiteY0" fmla="*/ 0 h 4564856"/>
-                <a:gd name="connsiteX1" fmla="*/ 4467453 w 4467453"/>
-                <a:gd name="connsiteY1" fmla="*/ 1816894 h 4564856"/>
-                <a:gd name="connsiteX2" fmla="*/ 4465073 w 4467453"/>
-                <a:gd name="connsiteY2" fmla="*/ 2755106 h 4564856"/>
-                <a:gd name="connsiteX3" fmla="*/ 229 w 4467453"/>
-                <a:gd name="connsiteY3" fmla="*/ 4564856 h 4564856"/>
-                <a:gd name="connsiteX4" fmla="*/ 228 w 4467453"/>
-                <a:gd name="connsiteY4" fmla="*/ 3545681 h 4564856"/>
-                <a:gd name="connsiteX5" fmla="*/ 3278417 w 4467453"/>
-                <a:gd name="connsiteY5" fmla="*/ 2286000 h 4564856"/>
-                <a:gd name="connsiteX6" fmla="*/ 2610 w 4467453"/>
-                <a:gd name="connsiteY6" fmla="*/ 1016000 h 4564856"/>
-                <a:gd name="connsiteX7" fmla="*/ 2610 w 4467453"/>
-                <a:gd name="connsiteY7" fmla="*/ 0 h 4564856"/>
-                <a:gd name="connsiteX0" fmla="*/ 2610 w 4467453"/>
-                <a:gd name="connsiteY0" fmla="*/ 0 h 4564856"/>
-                <a:gd name="connsiteX1" fmla="*/ 4467453 w 4467453"/>
-                <a:gd name="connsiteY1" fmla="*/ 1816894 h 4564856"/>
-                <a:gd name="connsiteX2" fmla="*/ 4465073 w 4467453"/>
-                <a:gd name="connsiteY2" fmla="*/ 2755106 h 4564856"/>
-                <a:gd name="connsiteX3" fmla="*/ 229 w 4467453"/>
-                <a:gd name="connsiteY3" fmla="*/ 4564856 h 4564856"/>
-                <a:gd name="connsiteX4" fmla="*/ 228 w 4467453"/>
-                <a:gd name="connsiteY4" fmla="*/ 3545681 h 4564856"/>
-                <a:gd name="connsiteX5" fmla="*/ 3278417 w 4467453"/>
-                <a:gd name="connsiteY5" fmla="*/ 2286000 h 4564856"/>
-                <a:gd name="connsiteX6" fmla="*/ 2610 w 4467453"/>
-                <a:gd name="connsiteY6" fmla="*/ 1020763 h 4564856"/>
-                <a:gd name="connsiteX7" fmla="*/ 2610 w 4467453"/>
-                <a:gd name="connsiteY7" fmla="*/ 0 h 4564856"/>
-                <a:gd name="connsiteX0" fmla="*/ 2610 w 4467453"/>
-                <a:gd name="connsiteY0" fmla="*/ 0 h 4564856"/>
-                <a:gd name="connsiteX1" fmla="*/ 4467453 w 4467453"/>
-                <a:gd name="connsiteY1" fmla="*/ 1816894 h 4564856"/>
-                <a:gd name="connsiteX2" fmla="*/ 4465073 w 4467453"/>
-                <a:gd name="connsiteY2" fmla="*/ 2755106 h 4564856"/>
-                <a:gd name="connsiteX3" fmla="*/ 229 w 4467453"/>
-                <a:gd name="connsiteY3" fmla="*/ 4564856 h 4564856"/>
-                <a:gd name="connsiteX4" fmla="*/ 228 w 4467453"/>
-                <a:gd name="connsiteY4" fmla="*/ 3545681 h 4564856"/>
-                <a:gd name="connsiteX5" fmla="*/ 3271273 w 4467453"/>
-                <a:gd name="connsiteY5" fmla="*/ 2288382 h 4564856"/>
-                <a:gd name="connsiteX6" fmla="*/ 2610 w 4467453"/>
-                <a:gd name="connsiteY6" fmla="*/ 1020763 h 4564856"/>
-                <a:gd name="connsiteX7" fmla="*/ 2610 w 4467453"/>
-                <a:gd name="connsiteY7" fmla="*/ 0 h 4564856"/>
-                <a:gd name="connsiteX0" fmla="*/ 2610 w 4467453"/>
-                <a:gd name="connsiteY0" fmla="*/ 0 h 4564856"/>
-                <a:gd name="connsiteX1" fmla="*/ 4467453 w 4467453"/>
-                <a:gd name="connsiteY1" fmla="*/ 1816894 h 4564856"/>
-                <a:gd name="connsiteX2" fmla="*/ 4465073 w 4467453"/>
-                <a:gd name="connsiteY2" fmla="*/ 2755106 h 4564856"/>
-                <a:gd name="connsiteX3" fmla="*/ 229 w 4467453"/>
-                <a:gd name="connsiteY3" fmla="*/ 4564856 h 4564856"/>
-                <a:gd name="connsiteX4" fmla="*/ 228 w 4467453"/>
-                <a:gd name="connsiteY4" fmla="*/ 3545681 h 4564856"/>
-                <a:gd name="connsiteX5" fmla="*/ 3271273 w 4467453"/>
-                <a:gd name="connsiteY5" fmla="*/ 2288382 h 4564856"/>
-                <a:gd name="connsiteX6" fmla="*/ 2610 w 4467453"/>
-                <a:gd name="connsiteY6" fmla="*/ 1020763 h 4564856"/>
-                <a:gd name="connsiteX7" fmla="*/ 2610 w 4467453"/>
-                <a:gd name="connsiteY7" fmla="*/ 0 h 4564856"/>
-                <a:gd name="connsiteX0" fmla="*/ 2610 w 4465530"/>
-                <a:gd name="connsiteY0" fmla="*/ 0 h 4564856"/>
-                <a:gd name="connsiteX1" fmla="*/ 4465071 w 4465530"/>
-                <a:gd name="connsiteY1" fmla="*/ 1819275 h 4564856"/>
-                <a:gd name="connsiteX2" fmla="*/ 4465073 w 4465530"/>
-                <a:gd name="connsiteY2" fmla="*/ 2755106 h 4564856"/>
-                <a:gd name="connsiteX3" fmla="*/ 229 w 4465530"/>
-                <a:gd name="connsiteY3" fmla="*/ 4564856 h 4564856"/>
-                <a:gd name="connsiteX4" fmla="*/ 228 w 4465530"/>
-                <a:gd name="connsiteY4" fmla="*/ 3545681 h 4564856"/>
-                <a:gd name="connsiteX5" fmla="*/ 3271273 w 4465530"/>
-                <a:gd name="connsiteY5" fmla="*/ 2288382 h 4564856"/>
-                <a:gd name="connsiteX6" fmla="*/ 2610 w 4465530"/>
-                <a:gd name="connsiteY6" fmla="*/ 1020763 h 4564856"/>
-                <a:gd name="connsiteX7" fmla="*/ 2610 w 4465530"/>
-                <a:gd name="connsiteY7" fmla="*/ 0 h 4564856"/>
-                <a:gd name="connsiteX0" fmla="*/ 2610 w 4465530"/>
-                <a:gd name="connsiteY0" fmla="*/ 0 h 4564856"/>
-                <a:gd name="connsiteX1" fmla="*/ 4465071 w 4465530"/>
-                <a:gd name="connsiteY1" fmla="*/ 1812131 h 4564856"/>
-                <a:gd name="connsiteX2" fmla="*/ 4465073 w 4465530"/>
-                <a:gd name="connsiteY2" fmla="*/ 2755106 h 4564856"/>
-                <a:gd name="connsiteX3" fmla="*/ 229 w 4465530"/>
-                <a:gd name="connsiteY3" fmla="*/ 4564856 h 4564856"/>
-                <a:gd name="connsiteX4" fmla="*/ 228 w 4465530"/>
-                <a:gd name="connsiteY4" fmla="*/ 3545681 h 4564856"/>
-                <a:gd name="connsiteX5" fmla="*/ 3271273 w 4465530"/>
-                <a:gd name="connsiteY5" fmla="*/ 2288382 h 4564856"/>
-                <a:gd name="connsiteX6" fmla="*/ 2610 w 4465530"/>
-                <a:gd name="connsiteY6" fmla="*/ 1020763 h 4564856"/>
-                <a:gd name="connsiteX7" fmla="*/ 2610 w 4465530"/>
-                <a:gd name="connsiteY7" fmla="*/ 0 h 4564856"/>
-                <a:gd name="connsiteX0" fmla="*/ 2610 w 4465530"/>
-                <a:gd name="connsiteY0" fmla="*/ 0 h 4564856"/>
-                <a:gd name="connsiteX1" fmla="*/ 4465071 w 4465530"/>
-                <a:gd name="connsiteY1" fmla="*/ 1812131 h 4564856"/>
-                <a:gd name="connsiteX2" fmla="*/ 4465073 w 4465530"/>
-                <a:gd name="connsiteY2" fmla="*/ 2755106 h 4564856"/>
-                <a:gd name="connsiteX3" fmla="*/ 229 w 4465530"/>
-                <a:gd name="connsiteY3" fmla="*/ 4564856 h 4564856"/>
-                <a:gd name="connsiteX4" fmla="*/ 228 w 4465530"/>
-                <a:gd name="connsiteY4" fmla="*/ 3545681 h 4564856"/>
-                <a:gd name="connsiteX5" fmla="*/ 3271273 w 4465530"/>
-                <a:gd name="connsiteY5" fmla="*/ 2288382 h 4564856"/>
-                <a:gd name="connsiteX6" fmla="*/ 2610 w 4465530"/>
-                <a:gd name="connsiteY6" fmla="*/ 1023145 h 4564856"/>
-                <a:gd name="connsiteX7" fmla="*/ 2610 w 4465530"/>
-                <a:gd name="connsiteY7" fmla="*/ 0 h 4564856"/>
-                <a:gd name="connsiteX0" fmla="*/ 2610 w 4465530"/>
-                <a:gd name="connsiteY0" fmla="*/ 0 h 4564856"/>
-                <a:gd name="connsiteX1" fmla="*/ 4465071 w 4465530"/>
-                <a:gd name="connsiteY1" fmla="*/ 1812131 h 4564856"/>
-                <a:gd name="connsiteX2" fmla="*/ 4465073 w 4465530"/>
-                <a:gd name="connsiteY2" fmla="*/ 2755106 h 4564856"/>
-                <a:gd name="connsiteX3" fmla="*/ 229 w 4465530"/>
-                <a:gd name="connsiteY3" fmla="*/ 4564856 h 4564856"/>
-                <a:gd name="connsiteX4" fmla="*/ 228 w 4465530"/>
-                <a:gd name="connsiteY4" fmla="*/ 3545681 h 4564856"/>
-                <a:gd name="connsiteX5" fmla="*/ 3264129 w 4465530"/>
-                <a:gd name="connsiteY5" fmla="*/ 2288382 h 4564856"/>
-                <a:gd name="connsiteX6" fmla="*/ 2610 w 4465530"/>
-                <a:gd name="connsiteY6" fmla="*/ 1023145 h 4564856"/>
-                <a:gd name="connsiteX7" fmla="*/ 2610 w 4465530"/>
-                <a:gd name="connsiteY7" fmla="*/ 0 h 4564856"/>
-                <a:gd name="connsiteX0" fmla="*/ 0 w 4467986"/>
-                <a:gd name="connsiteY0" fmla="*/ 0 h 4564856"/>
-                <a:gd name="connsiteX1" fmla="*/ 4467527 w 4467986"/>
-                <a:gd name="connsiteY1" fmla="*/ 1812131 h 4564856"/>
-                <a:gd name="connsiteX2" fmla="*/ 4467529 w 4467986"/>
-                <a:gd name="connsiteY2" fmla="*/ 2755106 h 4564856"/>
-                <a:gd name="connsiteX3" fmla="*/ 2685 w 4467986"/>
-                <a:gd name="connsiteY3" fmla="*/ 4564856 h 4564856"/>
-                <a:gd name="connsiteX4" fmla="*/ 2684 w 4467986"/>
-                <a:gd name="connsiteY4" fmla="*/ 3545681 h 4564856"/>
-                <a:gd name="connsiteX5" fmla="*/ 3266585 w 4467986"/>
-                <a:gd name="connsiteY5" fmla="*/ 2288382 h 4564856"/>
-                <a:gd name="connsiteX6" fmla="*/ 5066 w 4467986"/>
-                <a:gd name="connsiteY6" fmla="*/ 1023145 h 4564856"/>
-                <a:gd name="connsiteX7" fmla="*/ 0 w 4467986"/>
-                <a:gd name="connsiteY7" fmla="*/ 0 h 4564856"/>
-                <a:gd name="connsiteX0" fmla="*/ 0 w 4467986"/>
-                <a:gd name="connsiteY0" fmla="*/ 0 h 4564856"/>
-                <a:gd name="connsiteX1" fmla="*/ 4467527 w 4467986"/>
-                <a:gd name="connsiteY1" fmla="*/ 1812131 h 4564856"/>
-                <a:gd name="connsiteX2" fmla="*/ 4467529 w 4467986"/>
-                <a:gd name="connsiteY2" fmla="*/ 2755106 h 4564856"/>
-                <a:gd name="connsiteX3" fmla="*/ 2685 w 4467986"/>
-                <a:gd name="connsiteY3" fmla="*/ 4564856 h 4564856"/>
-                <a:gd name="connsiteX4" fmla="*/ 2684 w 4467986"/>
-                <a:gd name="connsiteY4" fmla="*/ 3545681 h 4564856"/>
-                <a:gd name="connsiteX5" fmla="*/ 3266585 w 4467986"/>
-                <a:gd name="connsiteY5" fmla="*/ 2288382 h 4564856"/>
-                <a:gd name="connsiteX6" fmla="*/ 2533 w 4467986"/>
-                <a:gd name="connsiteY6" fmla="*/ 1018079 h 4564856"/>
-                <a:gd name="connsiteX7" fmla="*/ 0 w 4467986"/>
-                <a:gd name="connsiteY7" fmla="*/ 0 h 4564856"/>
-                <a:gd name="connsiteX0" fmla="*/ 0 w 4467986"/>
-                <a:gd name="connsiteY0" fmla="*/ 0 h 4564856"/>
-                <a:gd name="connsiteX1" fmla="*/ 4467527 w 4467986"/>
-                <a:gd name="connsiteY1" fmla="*/ 1812131 h 4564856"/>
-                <a:gd name="connsiteX2" fmla="*/ 4467529 w 4467986"/>
-                <a:gd name="connsiteY2" fmla="*/ 2755106 h 4564856"/>
-                <a:gd name="connsiteX3" fmla="*/ 2685 w 4467986"/>
-                <a:gd name="connsiteY3" fmla="*/ 4564856 h 4564856"/>
-                <a:gd name="connsiteX4" fmla="*/ 2684 w 4467986"/>
-                <a:gd name="connsiteY4" fmla="*/ 3545681 h 4564856"/>
-                <a:gd name="connsiteX5" fmla="*/ 3266585 w 4467986"/>
-                <a:gd name="connsiteY5" fmla="*/ 2288382 h 4564856"/>
-                <a:gd name="connsiteX6" fmla="*/ 2533 w 4467986"/>
-                <a:gd name="connsiteY6" fmla="*/ 1023145 h 4564856"/>
-                <a:gd name="connsiteX7" fmla="*/ 0 w 4467986"/>
-                <a:gd name="connsiteY7" fmla="*/ 0 h 4564856"/>
-                <a:gd name="connsiteX0" fmla="*/ 0 w 4467986"/>
-                <a:gd name="connsiteY0" fmla="*/ 0 h 4567262"/>
-                <a:gd name="connsiteX1" fmla="*/ 4467527 w 4467986"/>
-                <a:gd name="connsiteY1" fmla="*/ 1814537 h 4567262"/>
-                <a:gd name="connsiteX2" fmla="*/ 4467529 w 4467986"/>
-                <a:gd name="connsiteY2" fmla="*/ 2757512 h 4567262"/>
-                <a:gd name="connsiteX3" fmla="*/ 2685 w 4467986"/>
-                <a:gd name="connsiteY3" fmla="*/ 4567262 h 4567262"/>
-                <a:gd name="connsiteX4" fmla="*/ 2684 w 4467986"/>
-                <a:gd name="connsiteY4" fmla="*/ 3548087 h 4567262"/>
-                <a:gd name="connsiteX5" fmla="*/ 3266585 w 4467986"/>
-                <a:gd name="connsiteY5" fmla="*/ 2290788 h 4567262"/>
-                <a:gd name="connsiteX6" fmla="*/ 2533 w 4467986"/>
-                <a:gd name="connsiteY6" fmla="*/ 1025551 h 4567262"/>
-                <a:gd name="connsiteX7" fmla="*/ 0 w 4467986"/>
-                <a:gd name="connsiteY7" fmla="*/ 0 h 4567262"/>
-                <a:gd name="connsiteX0" fmla="*/ 377 w 4465956"/>
-                <a:gd name="connsiteY0" fmla="*/ 0 h 4569668"/>
-                <a:gd name="connsiteX1" fmla="*/ 4465497 w 4465956"/>
-                <a:gd name="connsiteY1" fmla="*/ 1816943 h 4569668"/>
-                <a:gd name="connsiteX2" fmla="*/ 4465499 w 4465956"/>
-                <a:gd name="connsiteY2" fmla="*/ 2759918 h 4569668"/>
-                <a:gd name="connsiteX3" fmla="*/ 655 w 4465956"/>
-                <a:gd name="connsiteY3" fmla="*/ 4569668 h 4569668"/>
-                <a:gd name="connsiteX4" fmla="*/ 654 w 4465956"/>
-                <a:gd name="connsiteY4" fmla="*/ 3550493 h 4569668"/>
-                <a:gd name="connsiteX5" fmla="*/ 3264555 w 4465956"/>
-                <a:gd name="connsiteY5" fmla="*/ 2293194 h 4569668"/>
-                <a:gd name="connsiteX6" fmla="*/ 503 w 4465956"/>
-                <a:gd name="connsiteY6" fmla="*/ 1027957 h 4569668"/>
-                <a:gd name="connsiteX7" fmla="*/ 377 w 4465956"/>
-                <a:gd name="connsiteY7" fmla="*/ 0 h 4569668"/>
-                <a:gd name="connsiteX0" fmla="*/ 377 w 4465956"/>
-                <a:gd name="connsiteY0" fmla="*/ 0 h 4569668"/>
-                <a:gd name="connsiteX1" fmla="*/ 4465497 w 4465956"/>
-                <a:gd name="connsiteY1" fmla="*/ 1816943 h 4569668"/>
-                <a:gd name="connsiteX2" fmla="*/ 4465499 w 4465956"/>
-                <a:gd name="connsiteY2" fmla="*/ 2759918 h 4569668"/>
-                <a:gd name="connsiteX3" fmla="*/ 655 w 4465956"/>
-                <a:gd name="connsiteY3" fmla="*/ 4569668 h 4569668"/>
-                <a:gd name="connsiteX4" fmla="*/ 654 w 4465956"/>
-                <a:gd name="connsiteY4" fmla="*/ 3548111 h 4569668"/>
-                <a:gd name="connsiteX5" fmla="*/ 3264555 w 4465956"/>
-                <a:gd name="connsiteY5" fmla="*/ 2293194 h 4569668"/>
-                <a:gd name="connsiteX6" fmla="*/ 503 w 4465956"/>
-                <a:gd name="connsiteY6" fmla="*/ 1027957 h 4569668"/>
-                <a:gd name="connsiteX7" fmla="*/ 377 w 4465956"/>
-                <a:gd name="connsiteY7" fmla="*/ 0 h 4569668"/>
-                <a:gd name="connsiteX0" fmla="*/ 377 w 4465956"/>
-                <a:gd name="connsiteY0" fmla="*/ 0 h 4569668"/>
-                <a:gd name="connsiteX1" fmla="*/ 4465497 w 4465956"/>
-                <a:gd name="connsiteY1" fmla="*/ 1816943 h 4569668"/>
-                <a:gd name="connsiteX2" fmla="*/ 4465499 w 4465956"/>
-                <a:gd name="connsiteY2" fmla="*/ 2759918 h 4569668"/>
-                <a:gd name="connsiteX3" fmla="*/ 655 w 4465956"/>
-                <a:gd name="connsiteY3" fmla="*/ 4569668 h 4569668"/>
-                <a:gd name="connsiteX4" fmla="*/ 654 w 4465956"/>
-                <a:gd name="connsiteY4" fmla="*/ 3548111 h 4569668"/>
-                <a:gd name="connsiteX5" fmla="*/ 3257411 w 4465956"/>
-                <a:gd name="connsiteY5" fmla="*/ 2293194 h 4569668"/>
-                <a:gd name="connsiteX6" fmla="*/ 503 w 4465956"/>
-                <a:gd name="connsiteY6" fmla="*/ 1027957 h 4569668"/>
-                <a:gd name="connsiteX7" fmla="*/ 377 w 4465956"/>
-                <a:gd name="connsiteY7" fmla="*/ 0 h 4569668"/>
-              </a:gdLst>
-              <a:ahLst/>
-              <a:cxnLst>
-                <a:cxn ang="0">
-                  <a:pos x="connsiteX0" y="connsiteY0"/>
-                </a:cxn>
-                <a:cxn ang="0">
-                  <a:pos x="connsiteX1" y="connsiteY1"/>
-                </a:cxn>
-                <a:cxn ang="0">
-                  <a:pos x="connsiteX2" y="connsiteY2"/>
-                </a:cxn>
-                <a:cxn ang="0">
-                  <a:pos x="connsiteX3" y="connsiteY3"/>
-                </a:cxn>
-                <a:cxn ang="0">
-                  <a:pos x="connsiteX4" y="connsiteY4"/>
-                </a:cxn>
-                <a:cxn ang="0">
-                  <a:pos x="connsiteX5" y="connsiteY5"/>
-                </a:cxn>
-                <a:cxn ang="0">
-                  <a:pos x="connsiteX6" y="connsiteY6"/>
-                </a:cxn>
-                <a:cxn ang="0">
-                  <a:pos x="connsiteX7" y="connsiteY7"/>
-                </a:cxn>
-              </a:cxnLst>
-              <a:rect l="l" t="t" r="r" b="b"/>
-              <a:pathLst>
-                <a:path w="4465956" h="4569668">
-                  <a:moveTo>
-                    <a:pt x="377" y="0"/>
-                  </a:moveTo>
-                  <a:lnTo>
-                    <a:pt x="4465497" y="1816943"/>
-                  </a:lnTo>
-                  <a:cubicBezTo>
-                    <a:pt x="4463910" y="2124918"/>
-                    <a:pt x="4467086" y="2451943"/>
-                    <a:pt x="4465499" y="2759918"/>
-                  </a:cubicBezTo>
-                  <a:lnTo>
-                    <a:pt x="655" y="4569668"/>
-                  </a:lnTo>
-                  <a:cubicBezTo>
-                    <a:pt x="-139" y="4230737"/>
-                    <a:pt x="1448" y="3887042"/>
-                    <a:pt x="654" y="3548111"/>
-                  </a:cubicBezTo>
-                  <a:lnTo>
-                    <a:pt x="3257411" y="2293194"/>
-                  </a:lnTo>
-                  <a:lnTo>
-                    <a:pt x="503" y="1027957"/>
-                  </a:lnTo>
-                  <a:cubicBezTo>
-                    <a:pt x="-1186" y="686909"/>
-                    <a:pt x="2066" y="341048"/>
-                    <a:pt x="377" y="0"/>
-                  </a:cubicBezTo>
-                  <a:close/>
-                </a:path>
-              </a:pathLst>
-            </a:custGeom>
-            <a:solidFill>
-              <a:srgbClr val="DD4411"/>
-            </a:solidFill>
-            <a:ln>
-              <a:noFill/>
-            </a:ln>
-          </p:spPr>
-          <p:style>
-            <a:lnRef idx="2">
-              <a:schemeClr val="accent1">
-                <a:shade val="50000"/>
-              </a:schemeClr>
-            </a:lnRef>
-            <a:fillRef idx="1">
-              <a:schemeClr val="accent1"/>
-            </a:fillRef>
-            <a:effectRef idx="0">
-              <a:schemeClr val="accent1"/>
-            </a:effectRef>
-            <a:fontRef idx="minor">
-              <a:schemeClr val="lt1"/>
-            </a:fontRef>
-          </p:style>
-          <p:txBody>
-            <a:bodyPr rtlCol="0" anchor="ctr"/>
-            <a:lstStyle/>
-            <a:p>
-              <a:pPr algn="ctr"/>
-              <a:endParaRPr lang="en-CA"/>
-            </a:p>
-          </p:txBody>
-        </p:sp>
-        <p:pic>
-          <p:nvPicPr>
-            <p:cNvPr id="7" name="Picture 6"/>
-            <p:cNvPicPr>
-              <a:picLocks noChangeAspect="1"/>
-            </p:cNvPicPr>
-            <p:nvPr/>
-          </p:nvPicPr>
-          <p:blipFill>
-            <a:blip r:embed="rId3" cstate="print">
-              <a:extLst>
-                <a:ext uri="{28A0092B-C50C-407E-A947-70E740481C1C}">
-                  <a14:useLocalDpi xmlns:a14="http://schemas.microsoft.com/office/drawing/2010/main" val="0"/>
-                </a:ext>
-              </a:extLst>
-            </a:blip>
-            <a:stretch>
-              <a:fillRect/>
-            </a:stretch>
-          </p:blipFill>
-          <p:spPr>
-            <a:xfrm>
-              <a:off x="5701703" y="1523009"/>
-              <a:ext cx="3074395" cy="252000"/>
-            </a:xfrm>
-            <a:prstGeom prst="rect">
-              <a:avLst/>
-            </a:prstGeom>
-          </p:spPr>
-        </p:pic>
-      </p:grpSp>
-      <p:cxnSp>
-        <p:nvCxnSpPr>
-          <p:cNvPr id="4" name="Straight Connector 3"/>
-          <p:cNvCxnSpPr/>
-          <p:nvPr userDrawn="1"/>
-        </p:nvCxnSpPr>
-        <p:spPr>
-          <a:xfrm>
-            <a:off x="457200" y="1160209"/>
-            <a:ext cx="8686800" cy="0"/>
-          </a:xfrm>
-          <a:prstGeom prst="line">
-            <a:avLst/>
-          </a:prstGeom>
-          <a:ln w="12700">
-            <a:solidFill>
-              <a:schemeClr val="bg2"/>
-            </a:solidFill>
-          </a:ln>
-        </p:spPr>
-        <p:style>
-          <a:lnRef idx="1">
-            <a:schemeClr val="accent1"/>
-          </a:lnRef>
-          <a:fillRef idx="0">
-            <a:schemeClr val="accent1"/>
-          </a:fillRef>
-          <a:effectRef idx="0">
-            <a:schemeClr val="accent1"/>
-          </a:effectRef>
-          <a:fontRef idx="minor">
-            <a:schemeClr val="tx1"/>
-          </a:fontRef>
-        </p:style>
-      </p:cxnSp>
-      <p:grpSp>
-        <p:nvGrpSpPr>
-          <p:cNvPr id="8" name="Group 7"/>
-          <p:cNvGrpSpPr/>
-          <p:nvPr userDrawn="1"/>
-        </p:nvGrpSpPr>
-        <p:grpSpPr>
-          <a:xfrm>
-            <a:off x="459320" y="378106"/>
-            <a:ext cx="2183719" cy="635721"/>
-            <a:chOff x="448031" y="5788818"/>
-            <a:chExt cx="2183719" cy="635721"/>
-          </a:xfrm>
-        </p:grpSpPr>
-        <p:pic>
-          <p:nvPicPr>
-            <p:cNvPr id="10" name="Picture 9"/>
-            <p:cNvPicPr>
-              <a:picLocks noChangeAspect="1"/>
-            </p:cNvPicPr>
-            <p:nvPr/>
-          </p:nvPicPr>
-          <p:blipFill>
-            <a:blip r:embed="rId4" cstate="print">
-              <a:extLst>
-                <a:ext uri="{28A0092B-C50C-407E-A947-70E740481C1C}">
-                  <a14:useLocalDpi xmlns:a14="http://schemas.microsoft.com/office/drawing/2010/main" val="0"/>
-                </a:ext>
-              </a:extLst>
-            </a:blip>
-            <a:stretch>
-              <a:fillRect/>
-            </a:stretch>
-          </p:blipFill>
-          <p:spPr>
-            <a:xfrm>
-              <a:off x="448031" y="6039743"/>
-              <a:ext cx="2183719" cy="384796"/>
-            </a:xfrm>
-            <a:prstGeom prst="rect">
-              <a:avLst/>
-            </a:prstGeom>
-          </p:spPr>
-        </p:pic>
-        <p:sp>
-          <p:nvSpPr>
-            <p:cNvPr id="11" name="Freeform 10"/>
-            <p:cNvSpPr/>
-            <p:nvPr/>
-          </p:nvSpPr>
-          <p:spPr>
-            <a:xfrm>
-              <a:off x="1730496" y="5788818"/>
-              <a:ext cx="210221" cy="215102"/>
-            </a:xfrm>
-            <a:custGeom>
-              <a:avLst/>
-              <a:gdLst>
-                <a:gd name="connsiteX0" fmla="*/ 0 w 4457700"/>
-                <a:gd name="connsiteY0" fmla="*/ 0 h 4552950"/>
-                <a:gd name="connsiteX1" fmla="*/ 4457700 w 4457700"/>
-                <a:gd name="connsiteY1" fmla="*/ 1828800 h 4552950"/>
-                <a:gd name="connsiteX2" fmla="*/ 4457700 w 4457700"/>
-                <a:gd name="connsiteY2" fmla="*/ 2743200 h 4552950"/>
-                <a:gd name="connsiteX3" fmla="*/ 0 w 4457700"/>
-                <a:gd name="connsiteY3" fmla="*/ 4552950 h 4552950"/>
-                <a:gd name="connsiteX4" fmla="*/ 0 w 4457700"/>
-                <a:gd name="connsiteY4" fmla="*/ 3543300 h 4552950"/>
-                <a:gd name="connsiteX5" fmla="*/ 3282950 w 4457700"/>
-                <a:gd name="connsiteY5" fmla="*/ 2286000 h 4552950"/>
-                <a:gd name="connsiteX6" fmla="*/ 0 w 4457700"/>
-                <a:gd name="connsiteY6" fmla="*/ 1016000 h 4552950"/>
-                <a:gd name="connsiteX7" fmla="*/ 0 w 4457700"/>
-                <a:gd name="connsiteY7" fmla="*/ 0 h 4552950"/>
-                <a:gd name="connsiteX0" fmla="*/ 0 w 4457700"/>
-                <a:gd name="connsiteY0" fmla="*/ 0 h 4552950"/>
-                <a:gd name="connsiteX1" fmla="*/ 4457700 w 4457700"/>
-                <a:gd name="connsiteY1" fmla="*/ 1824037 h 4552950"/>
-                <a:gd name="connsiteX2" fmla="*/ 4457700 w 4457700"/>
-                <a:gd name="connsiteY2" fmla="*/ 2743200 h 4552950"/>
-                <a:gd name="connsiteX3" fmla="*/ 0 w 4457700"/>
-                <a:gd name="connsiteY3" fmla="*/ 4552950 h 4552950"/>
-                <a:gd name="connsiteX4" fmla="*/ 0 w 4457700"/>
-                <a:gd name="connsiteY4" fmla="*/ 3543300 h 4552950"/>
-                <a:gd name="connsiteX5" fmla="*/ 3282950 w 4457700"/>
-                <a:gd name="connsiteY5" fmla="*/ 2286000 h 4552950"/>
-                <a:gd name="connsiteX6" fmla="*/ 0 w 4457700"/>
-                <a:gd name="connsiteY6" fmla="*/ 1016000 h 4552950"/>
-                <a:gd name="connsiteX7" fmla="*/ 0 w 4457700"/>
-                <a:gd name="connsiteY7" fmla="*/ 0 h 4552950"/>
-                <a:gd name="connsiteX0" fmla="*/ 0 w 4457700"/>
-                <a:gd name="connsiteY0" fmla="*/ 0 h 4552950"/>
-                <a:gd name="connsiteX1" fmla="*/ 4457700 w 4457700"/>
-                <a:gd name="connsiteY1" fmla="*/ 1816893 h 4552950"/>
-                <a:gd name="connsiteX2" fmla="*/ 4457700 w 4457700"/>
-                <a:gd name="connsiteY2" fmla="*/ 2743200 h 4552950"/>
-                <a:gd name="connsiteX3" fmla="*/ 0 w 4457700"/>
-                <a:gd name="connsiteY3" fmla="*/ 4552950 h 4552950"/>
-                <a:gd name="connsiteX4" fmla="*/ 0 w 4457700"/>
-                <a:gd name="connsiteY4" fmla="*/ 3543300 h 4552950"/>
-                <a:gd name="connsiteX5" fmla="*/ 3282950 w 4457700"/>
-                <a:gd name="connsiteY5" fmla="*/ 2286000 h 4552950"/>
-                <a:gd name="connsiteX6" fmla="*/ 0 w 4457700"/>
-                <a:gd name="connsiteY6" fmla="*/ 1016000 h 4552950"/>
-                <a:gd name="connsiteX7" fmla="*/ 0 w 4457700"/>
-                <a:gd name="connsiteY7" fmla="*/ 0 h 4552950"/>
-                <a:gd name="connsiteX0" fmla="*/ 0 w 4462462"/>
-                <a:gd name="connsiteY0" fmla="*/ 0 h 4552950"/>
-                <a:gd name="connsiteX1" fmla="*/ 4462462 w 4462462"/>
-                <a:gd name="connsiteY1" fmla="*/ 1819275 h 4552950"/>
-                <a:gd name="connsiteX2" fmla="*/ 4457700 w 4462462"/>
-                <a:gd name="connsiteY2" fmla="*/ 2743200 h 4552950"/>
-                <a:gd name="connsiteX3" fmla="*/ 0 w 4462462"/>
-                <a:gd name="connsiteY3" fmla="*/ 4552950 h 4552950"/>
-                <a:gd name="connsiteX4" fmla="*/ 0 w 4462462"/>
-                <a:gd name="connsiteY4" fmla="*/ 3543300 h 4552950"/>
-                <a:gd name="connsiteX5" fmla="*/ 3282950 w 4462462"/>
-                <a:gd name="connsiteY5" fmla="*/ 2286000 h 4552950"/>
-                <a:gd name="connsiteX6" fmla="*/ 0 w 4462462"/>
-                <a:gd name="connsiteY6" fmla="*/ 1016000 h 4552950"/>
-                <a:gd name="connsiteX7" fmla="*/ 0 w 4462462"/>
-                <a:gd name="connsiteY7" fmla="*/ 0 h 4552950"/>
-                <a:gd name="connsiteX0" fmla="*/ 0 w 4462921"/>
-                <a:gd name="connsiteY0" fmla="*/ 0 h 4552950"/>
-                <a:gd name="connsiteX1" fmla="*/ 4462462 w 4462921"/>
-                <a:gd name="connsiteY1" fmla="*/ 1819275 h 4552950"/>
-                <a:gd name="connsiteX2" fmla="*/ 4462463 w 4462921"/>
-                <a:gd name="connsiteY2" fmla="*/ 2747962 h 4552950"/>
-                <a:gd name="connsiteX3" fmla="*/ 0 w 4462921"/>
-                <a:gd name="connsiteY3" fmla="*/ 4552950 h 4552950"/>
-                <a:gd name="connsiteX4" fmla="*/ 0 w 4462921"/>
-                <a:gd name="connsiteY4" fmla="*/ 3543300 h 4552950"/>
-                <a:gd name="connsiteX5" fmla="*/ 3282950 w 4462921"/>
-                <a:gd name="connsiteY5" fmla="*/ 2286000 h 4552950"/>
-                <a:gd name="connsiteX6" fmla="*/ 0 w 4462921"/>
-                <a:gd name="connsiteY6" fmla="*/ 1016000 h 4552950"/>
-                <a:gd name="connsiteX7" fmla="*/ 0 w 4462921"/>
-                <a:gd name="connsiteY7" fmla="*/ 0 h 4552950"/>
-                <a:gd name="connsiteX0" fmla="*/ 0 w 4462921"/>
-                <a:gd name="connsiteY0" fmla="*/ 0 h 4552950"/>
-                <a:gd name="connsiteX1" fmla="*/ 4462462 w 4462921"/>
-                <a:gd name="connsiteY1" fmla="*/ 1819275 h 4552950"/>
-                <a:gd name="connsiteX2" fmla="*/ 4462463 w 4462921"/>
-                <a:gd name="connsiteY2" fmla="*/ 2747962 h 4552950"/>
-                <a:gd name="connsiteX3" fmla="*/ 0 w 4462921"/>
-                <a:gd name="connsiteY3" fmla="*/ 4552950 h 4552950"/>
-                <a:gd name="connsiteX4" fmla="*/ 0 w 4462921"/>
-                <a:gd name="connsiteY4" fmla="*/ 3543300 h 4552950"/>
-                <a:gd name="connsiteX5" fmla="*/ 3282950 w 4462921"/>
-                <a:gd name="connsiteY5" fmla="*/ 2286000 h 4552950"/>
-                <a:gd name="connsiteX6" fmla="*/ 0 w 4462921"/>
-                <a:gd name="connsiteY6" fmla="*/ 1016000 h 4552950"/>
-                <a:gd name="connsiteX7" fmla="*/ 0 w 4462921"/>
-                <a:gd name="connsiteY7" fmla="*/ 0 h 4552950"/>
-                <a:gd name="connsiteX0" fmla="*/ 0 w 4462921"/>
-                <a:gd name="connsiteY0" fmla="*/ 0 h 4560094"/>
-                <a:gd name="connsiteX1" fmla="*/ 4462462 w 4462921"/>
-                <a:gd name="connsiteY1" fmla="*/ 1819275 h 4560094"/>
-                <a:gd name="connsiteX2" fmla="*/ 4462463 w 4462921"/>
-                <a:gd name="connsiteY2" fmla="*/ 2747962 h 4560094"/>
-                <a:gd name="connsiteX3" fmla="*/ 2381 w 4462921"/>
-                <a:gd name="connsiteY3" fmla="*/ 4560094 h 4560094"/>
-                <a:gd name="connsiteX4" fmla="*/ 0 w 4462921"/>
-                <a:gd name="connsiteY4" fmla="*/ 3543300 h 4560094"/>
-                <a:gd name="connsiteX5" fmla="*/ 3282950 w 4462921"/>
-                <a:gd name="connsiteY5" fmla="*/ 2286000 h 4560094"/>
-                <a:gd name="connsiteX6" fmla="*/ 0 w 4462921"/>
-                <a:gd name="connsiteY6" fmla="*/ 1016000 h 4560094"/>
-                <a:gd name="connsiteX7" fmla="*/ 0 w 4462921"/>
-                <a:gd name="connsiteY7" fmla="*/ 0 h 4560094"/>
-                <a:gd name="connsiteX0" fmla="*/ 0 w 4462921"/>
-                <a:gd name="connsiteY0" fmla="*/ 0 h 4560094"/>
-                <a:gd name="connsiteX1" fmla="*/ 4462462 w 4462921"/>
-                <a:gd name="connsiteY1" fmla="*/ 1819275 h 4560094"/>
-                <a:gd name="connsiteX2" fmla="*/ 4462463 w 4462921"/>
-                <a:gd name="connsiteY2" fmla="*/ 2747962 h 4560094"/>
-                <a:gd name="connsiteX3" fmla="*/ 2381 w 4462921"/>
-                <a:gd name="connsiteY3" fmla="*/ 4560094 h 4560094"/>
-                <a:gd name="connsiteX4" fmla="*/ 0 w 4462921"/>
-                <a:gd name="connsiteY4" fmla="*/ 3543300 h 4560094"/>
-                <a:gd name="connsiteX5" fmla="*/ 3275807 w 4462921"/>
-                <a:gd name="connsiteY5" fmla="*/ 2286000 h 4560094"/>
-                <a:gd name="connsiteX6" fmla="*/ 0 w 4462921"/>
-                <a:gd name="connsiteY6" fmla="*/ 1016000 h 4560094"/>
-                <a:gd name="connsiteX7" fmla="*/ 0 w 4462921"/>
-                <a:gd name="connsiteY7" fmla="*/ 0 h 4560094"/>
-                <a:gd name="connsiteX0" fmla="*/ 0 w 4462921"/>
-                <a:gd name="connsiteY0" fmla="*/ 0 h 4557713"/>
-                <a:gd name="connsiteX1" fmla="*/ 4462462 w 4462921"/>
-                <a:gd name="connsiteY1" fmla="*/ 1819275 h 4557713"/>
-                <a:gd name="connsiteX2" fmla="*/ 4462463 w 4462921"/>
-                <a:gd name="connsiteY2" fmla="*/ 2747962 h 4557713"/>
-                <a:gd name="connsiteX3" fmla="*/ 2381 w 4462921"/>
-                <a:gd name="connsiteY3" fmla="*/ 4557713 h 4557713"/>
-                <a:gd name="connsiteX4" fmla="*/ 0 w 4462921"/>
-                <a:gd name="connsiteY4" fmla="*/ 3543300 h 4557713"/>
-                <a:gd name="connsiteX5" fmla="*/ 3275807 w 4462921"/>
-                <a:gd name="connsiteY5" fmla="*/ 2286000 h 4557713"/>
-                <a:gd name="connsiteX6" fmla="*/ 0 w 4462921"/>
-                <a:gd name="connsiteY6" fmla="*/ 1016000 h 4557713"/>
-                <a:gd name="connsiteX7" fmla="*/ 0 w 4462921"/>
-                <a:gd name="connsiteY7" fmla="*/ 0 h 4557713"/>
-                <a:gd name="connsiteX0" fmla="*/ 0 w 4462921"/>
-                <a:gd name="connsiteY0" fmla="*/ 0 h 4562475"/>
-                <a:gd name="connsiteX1" fmla="*/ 4462462 w 4462921"/>
-                <a:gd name="connsiteY1" fmla="*/ 1819275 h 4562475"/>
-                <a:gd name="connsiteX2" fmla="*/ 4462463 w 4462921"/>
-                <a:gd name="connsiteY2" fmla="*/ 2747962 h 4562475"/>
-                <a:gd name="connsiteX3" fmla="*/ 2381 w 4462921"/>
-                <a:gd name="connsiteY3" fmla="*/ 4562475 h 4562475"/>
-                <a:gd name="connsiteX4" fmla="*/ 0 w 4462921"/>
-                <a:gd name="connsiteY4" fmla="*/ 3543300 h 4562475"/>
-                <a:gd name="connsiteX5" fmla="*/ 3275807 w 4462921"/>
-                <a:gd name="connsiteY5" fmla="*/ 2286000 h 4562475"/>
-                <a:gd name="connsiteX6" fmla="*/ 0 w 4462921"/>
-                <a:gd name="connsiteY6" fmla="*/ 1016000 h 4562475"/>
-                <a:gd name="connsiteX7" fmla="*/ 0 w 4462921"/>
-                <a:gd name="connsiteY7" fmla="*/ 0 h 4562475"/>
-                <a:gd name="connsiteX0" fmla="*/ 2486 w 4465407"/>
-                <a:gd name="connsiteY0" fmla="*/ 0 h 4564856"/>
-                <a:gd name="connsiteX1" fmla="*/ 4464948 w 4465407"/>
-                <a:gd name="connsiteY1" fmla="*/ 1819275 h 4564856"/>
-                <a:gd name="connsiteX2" fmla="*/ 4464949 w 4465407"/>
-                <a:gd name="connsiteY2" fmla="*/ 2747962 h 4564856"/>
-                <a:gd name="connsiteX3" fmla="*/ 105 w 4465407"/>
-                <a:gd name="connsiteY3" fmla="*/ 4564856 h 4564856"/>
-                <a:gd name="connsiteX4" fmla="*/ 2486 w 4465407"/>
-                <a:gd name="connsiteY4" fmla="*/ 3543300 h 4564856"/>
-                <a:gd name="connsiteX5" fmla="*/ 3278293 w 4465407"/>
-                <a:gd name="connsiteY5" fmla="*/ 2286000 h 4564856"/>
-                <a:gd name="connsiteX6" fmla="*/ 2486 w 4465407"/>
-                <a:gd name="connsiteY6" fmla="*/ 1016000 h 4564856"/>
-                <a:gd name="connsiteX7" fmla="*/ 2486 w 4465407"/>
-                <a:gd name="connsiteY7" fmla="*/ 0 h 4564856"/>
-                <a:gd name="connsiteX0" fmla="*/ 2610 w 4465531"/>
-                <a:gd name="connsiteY0" fmla="*/ 0 h 4564856"/>
-                <a:gd name="connsiteX1" fmla="*/ 4465072 w 4465531"/>
-                <a:gd name="connsiteY1" fmla="*/ 1819275 h 4564856"/>
-                <a:gd name="connsiteX2" fmla="*/ 4465073 w 4465531"/>
-                <a:gd name="connsiteY2" fmla="*/ 2747962 h 4564856"/>
-                <a:gd name="connsiteX3" fmla="*/ 229 w 4465531"/>
-                <a:gd name="connsiteY3" fmla="*/ 4564856 h 4564856"/>
-                <a:gd name="connsiteX4" fmla="*/ 228 w 4465531"/>
-                <a:gd name="connsiteY4" fmla="*/ 3545681 h 4564856"/>
-                <a:gd name="connsiteX5" fmla="*/ 3278417 w 4465531"/>
-                <a:gd name="connsiteY5" fmla="*/ 2286000 h 4564856"/>
-                <a:gd name="connsiteX6" fmla="*/ 2610 w 4465531"/>
-                <a:gd name="connsiteY6" fmla="*/ 1016000 h 4564856"/>
-                <a:gd name="connsiteX7" fmla="*/ 2610 w 4465531"/>
-                <a:gd name="connsiteY7" fmla="*/ 0 h 4564856"/>
-                <a:gd name="connsiteX0" fmla="*/ 2610 w 4465531"/>
-                <a:gd name="connsiteY0" fmla="*/ 0 h 4564856"/>
-                <a:gd name="connsiteX1" fmla="*/ 4465072 w 4465531"/>
-                <a:gd name="connsiteY1" fmla="*/ 1819275 h 4564856"/>
-                <a:gd name="connsiteX2" fmla="*/ 4465073 w 4465531"/>
-                <a:gd name="connsiteY2" fmla="*/ 2750343 h 4564856"/>
-                <a:gd name="connsiteX3" fmla="*/ 229 w 4465531"/>
-                <a:gd name="connsiteY3" fmla="*/ 4564856 h 4564856"/>
-                <a:gd name="connsiteX4" fmla="*/ 228 w 4465531"/>
-                <a:gd name="connsiteY4" fmla="*/ 3545681 h 4564856"/>
-                <a:gd name="connsiteX5" fmla="*/ 3278417 w 4465531"/>
-                <a:gd name="connsiteY5" fmla="*/ 2286000 h 4564856"/>
-                <a:gd name="connsiteX6" fmla="*/ 2610 w 4465531"/>
-                <a:gd name="connsiteY6" fmla="*/ 1016000 h 4564856"/>
-                <a:gd name="connsiteX7" fmla="*/ 2610 w 4465531"/>
-                <a:gd name="connsiteY7" fmla="*/ 0 h 4564856"/>
-                <a:gd name="connsiteX0" fmla="*/ 2610 w 4465531"/>
-                <a:gd name="connsiteY0" fmla="*/ 0 h 4564856"/>
-                <a:gd name="connsiteX1" fmla="*/ 4465072 w 4465531"/>
-                <a:gd name="connsiteY1" fmla="*/ 1819275 h 4564856"/>
-                <a:gd name="connsiteX2" fmla="*/ 4465073 w 4465531"/>
-                <a:gd name="connsiteY2" fmla="*/ 2755106 h 4564856"/>
-                <a:gd name="connsiteX3" fmla="*/ 229 w 4465531"/>
-                <a:gd name="connsiteY3" fmla="*/ 4564856 h 4564856"/>
-                <a:gd name="connsiteX4" fmla="*/ 228 w 4465531"/>
-                <a:gd name="connsiteY4" fmla="*/ 3545681 h 4564856"/>
-                <a:gd name="connsiteX5" fmla="*/ 3278417 w 4465531"/>
-                <a:gd name="connsiteY5" fmla="*/ 2286000 h 4564856"/>
-                <a:gd name="connsiteX6" fmla="*/ 2610 w 4465531"/>
-                <a:gd name="connsiteY6" fmla="*/ 1016000 h 4564856"/>
-                <a:gd name="connsiteX7" fmla="*/ 2610 w 4465531"/>
-                <a:gd name="connsiteY7" fmla="*/ 0 h 4564856"/>
-                <a:gd name="connsiteX0" fmla="*/ 2610 w 4467453"/>
-                <a:gd name="connsiteY0" fmla="*/ 0 h 4564856"/>
-                <a:gd name="connsiteX1" fmla="*/ 4467453 w 4467453"/>
-                <a:gd name="connsiteY1" fmla="*/ 1816894 h 4564856"/>
-                <a:gd name="connsiteX2" fmla="*/ 4465073 w 4467453"/>
-                <a:gd name="connsiteY2" fmla="*/ 2755106 h 4564856"/>
-                <a:gd name="connsiteX3" fmla="*/ 229 w 4467453"/>
-                <a:gd name="connsiteY3" fmla="*/ 4564856 h 4564856"/>
-                <a:gd name="connsiteX4" fmla="*/ 228 w 4467453"/>
-                <a:gd name="connsiteY4" fmla="*/ 3545681 h 4564856"/>
-                <a:gd name="connsiteX5" fmla="*/ 3278417 w 4467453"/>
-                <a:gd name="connsiteY5" fmla="*/ 2286000 h 4564856"/>
-                <a:gd name="connsiteX6" fmla="*/ 2610 w 4467453"/>
-                <a:gd name="connsiteY6" fmla="*/ 1016000 h 4564856"/>
-                <a:gd name="connsiteX7" fmla="*/ 2610 w 4467453"/>
-                <a:gd name="connsiteY7" fmla="*/ 0 h 4564856"/>
-                <a:gd name="connsiteX0" fmla="*/ 2610 w 4467453"/>
-                <a:gd name="connsiteY0" fmla="*/ 0 h 4564856"/>
-                <a:gd name="connsiteX1" fmla="*/ 4467453 w 4467453"/>
-                <a:gd name="connsiteY1" fmla="*/ 1816894 h 4564856"/>
-                <a:gd name="connsiteX2" fmla="*/ 4465073 w 4467453"/>
-                <a:gd name="connsiteY2" fmla="*/ 2755106 h 4564856"/>
-                <a:gd name="connsiteX3" fmla="*/ 229 w 4467453"/>
-                <a:gd name="connsiteY3" fmla="*/ 4564856 h 4564856"/>
-                <a:gd name="connsiteX4" fmla="*/ 228 w 4467453"/>
-                <a:gd name="connsiteY4" fmla="*/ 3545681 h 4564856"/>
-                <a:gd name="connsiteX5" fmla="*/ 3278417 w 4467453"/>
-                <a:gd name="connsiteY5" fmla="*/ 2286000 h 4564856"/>
-                <a:gd name="connsiteX6" fmla="*/ 2610 w 4467453"/>
-                <a:gd name="connsiteY6" fmla="*/ 1020763 h 4564856"/>
-                <a:gd name="connsiteX7" fmla="*/ 2610 w 4467453"/>
-                <a:gd name="connsiteY7" fmla="*/ 0 h 4564856"/>
-                <a:gd name="connsiteX0" fmla="*/ 2610 w 4467453"/>
-                <a:gd name="connsiteY0" fmla="*/ 0 h 4564856"/>
-                <a:gd name="connsiteX1" fmla="*/ 4467453 w 4467453"/>
-                <a:gd name="connsiteY1" fmla="*/ 1816894 h 4564856"/>
-                <a:gd name="connsiteX2" fmla="*/ 4465073 w 4467453"/>
-                <a:gd name="connsiteY2" fmla="*/ 2755106 h 4564856"/>
-                <a:gd name="connsiteX3" fmla="*/ 229 w 4467453"/>
-                <a:gd name="connsiteY3" fmla="*/ 4564856 h 4564856"/>
-                <a:gd name="connsiteX4" fmla="*/ 228 w 4467453"/>
-                <a:gd name="connsiteY4" fmla="*/ 3545681 h 4564856"/>
-                <a:gd name="connsiteX5" fmla="*/ 3271273 w 4467453"/>
-                <a:gd name="connsiteY5" fmla="*/ 2288382 h 4564856"/>
-                <a:gd name="connsiteX6" fmla="*/ 2610 w 4467453"/>
-                <a:gd name="connsiteY6" fmla="*/ 1020763 h 4564856"/>
-                <a:gd name="connsiteX7" fmla="*/ 2610 w 4467453"/>
-                <a:gd name="connsiteY7" fmla="*/ 0 h 4564856"/>
-                <a:gd name="connsiteX0" fmla="*/ 2610 w 4467453"/>
-                <a:gd name="connsiteY0" fmla="*/ 0 h 4564856"/>
-                <a:gd name="connsiteX1" fmla="*/ 4467453 w 4467453"/>
-                <a:gd name="connsiteY1" fmla="*/ 1816894 h 4564856"/>
-                <a:gd name="connsiteX2" fmla="*/ 4465073 w 4467453"/>
-                <a:gd name="connsiteY2" fmla="*/ 2755106 h 4564856"/>
-                <a:gd name="connsiteX3" fmla="*/ 229 w 4467453"/>
-                <a:gd name="connsiteY3" fmla="*/ 4564856 h 4564856"/>
-                <a:gd name="connsiteX4" fmla="*/ 228 w 4467453"/>
-                <a:gd name="connsiteY4" fmla="*/ 3545681 h 4564856"/>
-                <a:gd name="connsiteX5" fmla="*/ 3271273 w 4467453"/>
-                <a:gd name="connsiteY5" fmla="*/ 2288382 h 4564856"/>
-                <a:gd name="connsiteX6" fmla="*/ 2610 w 4467453"/>
-                <a:gd name="connsiteY6" fmla="*/ 1020763 h 4564856"/>
-                <a:gd name="connsiteX7" fmla="*/ 2610 w 4467453"/>
-                <a:gd name="connsiteY7" fmla="*/ 0 h 4564856"/>
-                <a:gd name="connsiteX0" fmla="*/ 2610 w 4465530"/>
-                <a:gd name="connsiteY0" fmla="*/ 0 h 4564856"/>
-                <a:gd name="connsiteX1" fmla="*/ 4465071 w 4465530"/>
-                <a:gd name="connsiteY1" fmla="*/ 1819275 h 4564856"/>
-                <a:gd name="connsiteX2" fmla="*/ 4465073 w 4465530"/>
-                <a:gd name="connsiteY2" fmla="*/ 2755106 h 4564856"/>
-                <a:gd name="connsiteX3" fmla="*/ 229 w 4465530"/>
-                <a:gd name="connsiteY3" fmla="*/ 4564856 h 4564856"/>
-                <a:gd name="connsiteX4" fmla="*/ 228 w 4465530"/>
-                <a:gd name="connsiteY4" fmla="*/ 3545681 h 4564856"/>
-                <a:gd name="connsiteX5" fmla="*/ 3271273 w 4465530"/>
-                <a:gd name="connsiteY5" fmla="*/ 2288382 h 4564856"/>
-                <a:gd name="connsiteX6" fmla="*/ 2610 w 4465530"/>
-                <a:gd name="connsiteY6" fmla="*/ 1020763 h 4564856"/>
-                <a:gd name="connsiteX7" fmla="*/ 2610 w 4465530"/>
-                <a:gd name="connsiteY7" fmla="*/ 0 h 4564856"/>
-                <a:gd name="connsiteX0" fmla="*/ 2610 w 4465530"/>
-                <a:gd name="connsiteY0" fmla="*/ 0 h 4564856"/>
-                <a:gd name="connsiteX1" fmla="*/ 4465071 w 4465530"/>
-                <a:gd name="connsiteY1" fmla="*/ 1812131 h 4564856"/>
-                <a:gd name="connsiteX2" fmla="*/ 4465073 w 4465530"/>
-                <a:gd name="connsiteY2" fmla="*/ 2755106 h 4564856"/>
-                <a:gd name="connsiteX3" fmla="*/ 229 w 4465530"/>
-                <a:gd name="connsiteY3" fmla="*/ 4564856 h 4564856"/>
-                <a:gd name="connsiteX4" fmla="*/ 228 w 4465530"/>
-                <a:gd name="connsiteY4" fmla="*/ 3545681 h 4564856"/>
-                <a:gd name="connsiteX5" fmla="*/ 3271273 w 4465530"/>
-                <a:gd name="connsiteY5" fmla="*/ 2288382 h 4564856"/>
-                <a:gd name="connsiteX6" fmla="*/ 2610 w 4465530"/>
-                <a:gd name="connsiteY6" fmla="*/ 1020763 h 4564856"/>
-                <a:gd name="connsiteX7" fmla="*/ 2610 w 4465530"/>
-                <a:gd name="connsiteY7" fmla="*/ 0 h 4564856"/>
-                <a:gd name="connsiteX0" fmla="*/ 2610 w 4465530"/>
-                <a:gd name="connsiteY0" fmla="*/ 0 h 4564856"/>
-                <a:gd name="connsiteX1" fmla="*/ 4465071 w 4465530"/>
-                <a:gd name="connsiteY1" fmla="*/ 1812131 h 4564856"/>
-                <a:gd name="connsiteX2" fmla="*/ 4465073 w 4465530"/>
-                <a:gd name="connsiteY2" fmla="*/ 2755106 h 4564856"/>
-                <a:gd name="connsiteX3" fmla="*/ 229 w 4465530"/>
-                <a:gd name="connsiteY3" fmla="*/ 4564856 h 4564856"/>
-                <a:gd name="connsiteX4" fmla="*/ 228 w 4465530"/>
-                <a:gd name="connsiteY4" fmla="*/ 3545681 h 4564856"/>
-                <a:gd name="connsiteX5" fmla="*/ 3271273 w 4465530"/>
-                <a:gd name="connsiteY5" fmla="*/ 2288382 h 4564856"/>
-                <a:gd name="connsiteX6" fmla="*/ 2610 w 4465530"/>
-                <a:gd name="connsiteY6" fmla="*/ 1023145 h 4564856"/>
-                <a:gd name="connsiteX7" fmla="*/ 2610 w 4465530"/>
-                <a:gd name="connsiteY7" fmla="*/ 0 h 4564856"/>
-                <a:gd name="connsiteX0" fmla="*/ 2610 w 4465530"/>
-                <a:gd name="connsiteY0" fmla="*/ 0 h 4564856"/>
-                <a:gd name="connsiteX1" fmla="*/ 4465071 w 4465530"/>
-                <a:gd name="connsiteY1" fmla="*/ 1812131 h 4564856"/>
-                <a:gd name="connsiteX2" fmla="*/ 4465073 w 4465530"/>
-                <a:gd name="connsiteY2" fmla="*/ 2755106 h 4564856"/>
-                <a:gd name="connsiteX3" fmla="*/ 229 w 4465530"/>
-                <a:gd name="connsiteY3" fmla="*/ 4564856 h 4564856"/>
-                <a:gd name="connsiteX4" fmla="*/ 228 w 4465530"/>
-                <a:gd name="connsiteY4" fmla="*/ 3545681 h 4564856"/>
-                <a:gd name="connsiteX5" fmla="*/ 3264129 w 4465530"/>
-                <a:gd name="connsiteY5" fmla="*/ 2288382 h 4564856"/>
-                <a:gd name="connsiteX6" fmla="*/ 2610 w 4465530"/>
-                <a:gd name="connsiteY6" fmla="*/ 1023145 h 4564856"/>
-                <a:gd name="connsiteX7" fmla="*/ 2610 w 4465530"/>
-                <a:gd name="connsiteY7" fmla="*/ 0 h 4564856"/>
-                <a:gd name="connsiteX0" fmla="*/ 0 w 4467986"/>
-                <a:gd name="connsiteY0" fmla="*/ 0 h 4564856"/>
-                <a:gd name="connsiteX1" fmla="*/ 4467527 w 4467986"/>
-                <a:gd name="connsiteY1" fmla="*/ 1812131 h 4564856"/>
-                <a:gd name="connsiteX2" fmla="*/ 4467529 w 4467986"/>
-                <a:gd name="connsiteY2" fmla="*/ 2755106 h 4564856"/>
-                <a:gd name="connsiteX3" fmla="*/ 2685 w 4467986"/>
-                <a:gd name="connsiteY3" fmla="*/ 4564856 h 4564856"/>
-                <a:gd name="connsiteX4" fmla="*/ 2684 w 4467986"/>
-                <a:gd name="connsiteY4" fmla="*/ 3545681 h 4564856"/>
-                <a:gd name="connsiteX5" fmla="*/ 3266585 w 4467986"/>
-                <a:gd name="connsiteY5" fmla="*/ 2288382 h 4564856"/>
-                <a:gd name="connsiteX6" fmla="*/ 5066 w 4467986"/>
-                <a:gd name="connsiteY6" fmla="*/ 1023145 h 4564856"/>
-                <a:gd name="connsiteX7" fmla="*/ 0 w 4467986"/>
-                <a:gd name="connsiteY7" fmla="*/ 0 h 4564856"/>
-                <a:gd name="connsiteX0" fmla="*/ 0 w 4467986"/>
-                <a:gd name="connsiteY0" fmla="*/ 0 h 4564856"/>
-                <a:gd name="connsiteX1" fmla="*/ 4467527 w 4467986"/>
-                <a:gd name="connsiteY1" fmla="*/ 1812131 h 4564856"/>
-                <a:gd name="connsiteX2" fmla="*/ 4467529 w 4467986"/>
-                <a:gd name="connsiteY2" fmla="*/ 2755106 h 4564856"/>
-                <a:gd name="connsiteX3" fmla="*/ 2685 w 4467986"/>
-                <a:gd name="connsiteY3" fmla="*/ 4564856 h 4564856"/>
-                <a:gd name="connsiteX4" fmla="*/ 2684 w 4467986"/>
-                <a:gd name="connsiteY4" fmla="*/ 3545681 h 4564856"/>
-                <a:gd name="connsiteX5" fmla="*/ 3266585 w 4467986"/>
-                <a:gd name="connsiteY5" fmla="*/ 2288382 h 4564856"/>
-                <a:gd name="connsiteX6" fmla="*/ 2533 w 4467986"/>
-                <a:gd name="connsiteY6" fmla="*/ 1018079 h 4564856"/>
-                <a:gd name="connsiteX7" fmla="*/ 0 w 4467986"/>
-                <a:gd name="connsiteY7" fmla="*/ 0 h 4564856"/>
-                <a:gd name="connsiteX0" fmla="*/ 0 w 4467986"/>
-                <a:gd name="connsiteY0" fmla="*/ 0 h 4564856"/>
-                <a:gd name="connsiteX1" fmla="*/ 4467527 w 4467986"/>
-                <a:gd name="connsiteY1" fmla="*/ 1812131 h 4564856"/>
-                <a:gd name="connsiteX2" fmla="*/ 4467529 w 4467986"/>
-                <a:gd name="connsiteY2" fmla="*/ 2755106 h 4564856"/>
-                <a:gd name="connsiteX3" fmla="*/ 2685 w 4467986"/>
-                <a:gd name="connsiteY3" fmla="*/ 4564856 h 4564856"/>
-                <a:gd name="connsiteX4" fmla="*/ 2684 w 4467986"/>
-                <a:gd name="connsiteY4" fmla="*/ 3545681 h 4564856"/>
-                <a:gd name="connsiteX5" fmla="*/ 3266585 w 4467986"/>
-                <a:gd name="connsiteY5" fmla="*/ 2288382 h 4564856"/>
-                <a:gd name="connsiteX6" fmla="*/ 2533 w 4467986"/>
-                <a:gd name="connsiteY6" fmla="*/ 1023145 h 4564856"/>
-                <a:gd name="connsiteX7" fmla="*/ 0 w 4467986"/>
-                <a:gd name="connsiteY7" fmla="*/ 0 h 4564856"/>
-                <a:gd name="connsiteX0" fmla="*/ 0 w 4467986"/>
-                <a:gd name="connsiteY0" fmla="*/ 0 h 4567262"/>
-                <a:gd name="connsiteX1" fmla="*/ 4467527 w 4467986"/>
-                <a:gd name="connsiteY1" fmla="*/ 1814537 h 4567262"/>
-                <a:gd name="connsiteX2" fmla="*/ 4467529 w 4467986"/>
-                <a:gd name="connsiteY2" fmla="*/ 2757512 h 4567262"/>
-                <a:gd name="connsiteX3" fmla="*/ 2685 w 4467986"/>
-                <a:gd name="connsiteY3" fmla="*/ 4567262 h 4567262"/>
-                <a:gd name="connsiteX4" fmla="*/ 2684 w 4467986"/>
-                <a:gd name="connsiteY4" fmla="*/ 3548087 h 4567262"/>
-                <a:gd name="connsiteX5" fmla="*/ 3266585 w 4467986"/>
-                <a:gd name="connsiteY5" fmla="*/ 2290788 h 4567262"/>
-                <a:gd name="connsiteX6" fmla="*/ 2533 w 4467986"/>
-                <a:gd name="connsiteY6" fmla="*/ 1025551 h 4567262"/>
-                <a:gd name="connsiteX7" fmla="*/ 0 w 4467986"/>
-                <a:gd name="connsiteY7" fmla="*/ 0 h 4567262"/>
-                <a:gd name="connsiteX0" fmla="*/ 377 w 4465956"/>
-                <a:gd name="connsiteY0" fmla="*/ 0 h 4569668"/>
-                <a:gd name="connsiteX1" fmla="*/ 4465497 w 4465956"/>
-                <a:gd name="connsiteY1" fmla="*/ 1816943 h 4569668"/>
-                <a:gd name="connsiteX2" fmla="*/ 4465499 w 4465956"/>
-                <a:gd name="connsiteY2" fmla="*/ 2759918 h 4569668"/>
-                <a:gd name="connsiteX3" fmla="*/ 655 w 4465956"/>
-                <a:gd name="connsiteY3" fmla="*/ 4569668 h 4569668"/>
-                <a:gd name="connsiteX4" fmla="*/ 654 w 4465956"/>
-                <a:gd name="connsiteY4" fmla="*/ 3550493 h 4569668"/>
-                <a:gd name="connsiteX5" fmla="*/ 3264555 w 4465956"/>
-                <a:gd name="connsiteY5" fmla="*/ 2293194 h 4569668"/>
-                <a:gd name="connsiteX6" fmla="*/ 503 w 4465956"/>
-                <a:gd name="connsiteY6" fmla="*/ 1027957 h 4569668"/>
-                <a:gd name="connsiteX7" fmla="*/ 377 w 4465956"/>
-                <a:gd name="connsiteY7" fmla="*/ 0 h 4569668"/>
-                <a:gd name="connsiteX0" fmla="*/ 377 w 4465956"/>
-                <a:gd name="connsiteY0" fmla="*/ 0 h 4569668"/>
-                <a:gd name="connsiteX1" fmla="*/ 4465497 w 4465956"/>
-                <a:gd name="connsiteY1" fmla="*/ 1816943 h 4569668"/>
-                <a:gd name="connsiteX2" fmla="*/ 4465499 w 4465956"/>
-                <a:gd name="connsiteY2" fmla="*/ 2759918 h 4569668"/>
-                <a:gd name="connsiteX3" fmla="*/ 655 w 4465956"/>
-                <a:gd name="connsiteY3" fmla="*/ 4569668 h 4569668"/>
-                <a:gd name="connsiteX4" fmla="*/ 654 w 4465956"/>
-                <a:gd name="connsiteY4" fmla="*/ 3548111 h 4569668"/>
-                <a:gd name="connsiteX5" fmla="*/ 3264555 w 4465956"/>
-                <a:gd name="connsiteY5" fmla="*/ 2293194 h 4569668"/>
-                <a:gd name="connsiteX6" fmla="*/ 503 w 4465956"/>
-                <a:gd name="connsiteY6" fmla="*/ 1027957 h 4569668"/>
-                <a:gd name="connsiteX7" fmla="*/ 377 w 4465956"/>
-                <a:gd name="connsiteY7" fmla="*/ 0 h 4569668"/>
-                <a:gd name="connsiteX0" fmla="*/ 377 w 4465956"/>
-                <a:gd name="connsiteY0" fmla="*/ 0 h 4569668"/>
-                <a:gd name="connsiteX1" fmla="*/ 4465497 w 4465956"/>
-                <a:gd name="connsiteY1" fmla="*/ 1816943 h 4569668"/>
-                <a:gd name="connsiteX2" fmla="*/ 4465499 w 4465956"/>
-                <a:gd name="connsiteY2" fmla="*/ 2759918 h 4569668"/>
-                <a:gd name="connsiteX3" fmla="*/ 655 w 4465956"/>
-                <a:gd name="connsiteY3" fmla="*/ 4569668 h 4569668"/>
-                <a:gd name="connsiteX4" fmla="*/ 654 w 4465956"/>
-                <a:gd name="connsiteY4" fmla="*/ 3548111 h 4569668"/>
-                <a:gd name="connsiteX5" fmla="*/ 3257411 w 4465956"/>
-                <a:gd name="connsiteY5" fmla="*/ 2293194 h 4569668"/>
-                <a:gd name="connsiteX6" fmla="*/ 503 w 4465956"/>
-                <a:gd name="connsiteY6" fmla="*/ 1027957 h 4569668"/>
-                <a:gd name="connsiteX7" fmla="*/ 377 w 4465956"/>
-                <a:gd name="connsiteY7" fmla="*/ 0 h 4569668"/>
-              </a:gdLst>
-              <a:ahLst/>
-              <a:cxnLst>
-                <a:cxn ang="0">
-                  <a:pos x="connsiteX0" y="connsiteY0"/>
-                </a:cxn>
-                <a:cxn ang="0">
-                  <a:pos x="connsiteX1" y="connsiteY1"/>
-                </a:cxn>
-                <a:cxn ang="0">
-                  <a:pos x="connsiteX2" y="connsiteY2"/>
-                </a:cxn>
-                <a:cxn ang="0">
-                  <a:pos x="connsiteX3" y="connsiteY3"/>
-                </a:cxn>
-                <a:cxn ang="0">
-                  <a:pos x="connsiteX4" y="connsiteY4"/>
-                </a:cxn>
-                <a:cxn ang="0">
-                  <a:pos x="connsiteX5" y="connsiteY5"/>
-                </a:cxn>
-                <a:cxn ang="0">
-                  <a:pos x="connsiteX6" y="connsiteY6"/>
-                </a:cxn>
-                <a:cxn ang="0">
-                  <a:pos x="connsiteX7" y="connsiteY7"/>
-                </a:cxn>
-              </a:cxnLst>
-              <a:rect l="l" t="t" r="r" b="b"/>
-              <a:pathLst>
-                <a:path w="4465956" h="4569668">
-                  <a:moveTo>
-                    <a:pt x="377" y="0"/>
-                  </a:moveTo>
-                  <a:lnTo>
-                    <a:pt x="4465497" y="1816943"/>
-                  </a:lnTo>
-                  <a:cubicBezTo>
-                    <a:pt x="4463910" y="2124918"/>
-                    <a:pt x="4467086" y="2451943"/>
-                    <a:pt x="4465499" y="2759918"/>
-                  </a:cubicBezTo>
-                  <a:lnTo>
-                    <a:pt x="655" y="4569668"/>
-                  </a:lnTo>
-                  <a:cubicBezTo>
-                    <a:pt x="-139" y="4230737"/>
-                    <a:pt x="1448" y="3887042"/>
-                    <a:pt x="654" y="3548111"/>
-                  </a:cubicBezTo>
-                  <a:lnTo>
-                    <a:pt x="3257411" y="2293194"/>
-                  </a:lnTo>
-                  <a:lnTo>
-                    <a:pt x="503" y="1027957"/>
-                  </a:lnTo>
-                  <a:cubicBezTo>
-                    <a:pt x="-1186" y="686909"/>
-                    <a:pt x="2066" y="341048"/>
-                    <a:pt x="377" y="0"/>
-                  </a:cubicBezTo>
-                  <a:close/>
-                </a:path>
-              </a:pathLst>
-            </a:custGeom>
-            <a:solidFill>
-              <a:srgbClr val="DD4411"/>
-            </a:solidFill>
-            <a:ln>
-              <a:noFill/>
-            </a:ln>
-          </p:spPr>
-          <p:style>
-            <a:lnRef idx="2">
-              <a:schemeClr val="accent1">
-                <a:shade val="50000"/>
-              </a:schemeClr>
-            </a:lnRef>
-            <a:fillRef idx="1">
-              <a:schemeClr val="accent1"/>
-            </a:fillRef>
-            <a:effectRef idx="0">
-              <a:schemeClr val="accent1"/>
-            </a:effectRef>
-            <a:fontRef idx="minor">
-              <a:schemeClr val="lt1"/>
-            </a:fontRef>
-          </p:style>
-          <p:txBody>
-            <a:bodyPr rtlCol="0" anchor="ctr"/>
-            <a:lstStyle/>
-            <a:p>
-              <a:pPr algn="ctr"/>
-              <a:endParaRPr lang="en-CA"/>
-            </a:p>
-          </p:txBody>
-        </p:sp>
-      </p:grpSp>
-      <p:pic>
-        <p:nvPicPr>
-          <p:cNvPr id="12" name="Picture 11"/>
-          <p:cNvPicPr>
-            <a:picLocks noChangeAspect="1"/>
-          </p:cNvPicPr>
-          <p:nvPr userDrawn="1"/>
-        </p:nvPicPr>
-        <p:blipFill>
-          <a:blip r:embed="rId5" cstate="print">
-            <a:extLst>
-              <a:ext uri="{28A0092B-C50C-407E-A947-70E740481C1C}">
-                <a14:useLocalDpi xmlns:a14="http://schemas.microsoft.com/office/drawing/2010/main" val="0"/>
-              </a:ext>
-            </a:extLst>
-          </a:blip>
-          <a:stretch>
-            <a:fillRect/>
-          </a:stretch>
-        </p:blipFill>
-        <p:spPr>
-          <a:xfrm>
-            <a:off x="6173817" y="868418"/>
-            <a:ext cx="2520922" cy="176465"/>
-          </a:xfrm>
-          <a:prstGeom prst="rect">
-            <a:avLst/>
-          </a:prstGeom>
-        </p:spPr>
-      </p:pic>
-      <p:sp>
-        <p:nvSpPr>
-          <p:cNvPr id="13" name="TextBox 12"/>
-          <p:cNvSpPr txBox="1"/>
-          <p:nvPr userDrawn="1"/>
-        </p:nvSpPr>
-        <p:spPr>
-          <a:xfrm>
-            <a:off x="386080" y="1170369"/>
-            <a:ext cx="3283271" cy="646331"/>
-          </a:xfrm>
-          <a:prstGeom prst="rect">
-            <a:avLst/>
-          </a:prstGeom>
-          <a:noFill/>
-        </p:spPr>
-        <p:txBody>
-          <a:bodyPr wrap="none" rtlCol="0">
-            <a:spAutoFit/>
-          </a:bodyPr>
-          <a:lstStyle/>
-          <a:p>
-            <a:pPr marL="0" marR="0" indent="0" algn="l" defTabSz="914400" rtl="0" eaLnBrk="1" fontAlgn="auto" latinLnBrk="0" hangingPunct="1">
-              <a:lnSpc>
-                <a:spcPct val="100000"/>
-              </a:lnSpc>
-              <a:spcBef>
-                <a:spcPts val="0"/>
-              </a:spcBef>
-              <a:spcAft>
-                <a:spcPts val="0"/>
-              </a:spcAft>
-              <a:buClrTx/>
-              <a:buSzTx/>
-              <a:buFontTx/>
-              <a:buNone/>
-              <a:tabLst/>
-              <a:defRPr/>
-            </a:pPr>
-            <a:r>
-              <a:rPr lang="en-US" sz="1800" b="1" kern="1200" dirty="0" smtClean="0">
-                <a:solidFill>
-                  <a:schemeClr val="bg1"/>
-                </a:solidFill>
-                <a:latin typeface="Agfa Rotis Sans Serif" pitchFamily="2" charset="0"/>
-                <a:ea typeface="+mn-ea"/>
-                <a:cs typeface="+mn-cs"/>
-              </a:rPr>
-              <a:t>Architecture. The Accenture Way</a:t>
-            </a:r>
-            <a:endParaRPr lang="en-AU" sz="1800" kern="1200" dirty="0" smtClean="0">
-              <a:solidFill>
-                <a:schemeClr val="bg1"/>
-              </a:solidFill>
-              <a:latin typeface="Agfa Rotis Sans Serif" pitchFamily="2" charset="0"/>
-              <a:ea typeface="+mn-ea"/>
-              <a:cs typeface="+mn-cs"/>
-            </a:endParaRPr>
-          </a:p>
-          <a:p>
-            <a:endParaRPr lang="en-AU" dirty="0"/>
-          </a:p>
-        </p:txBody>
-      </p:sp>
-      <p:sp>
-        <p:nvSpPr>
-          <p:cNvPr id="15" name="Text Box 44"/>
-          <p:cNvSpPr txBox="1">
-            <a:spLocks noChangeArrowheads="1"/>
-          </p:cNvSpPr>
-          <p:nvPr userDrawn="1"/>
-        </p:nvSpPr>
-        <p:spPr bwMode="auto">
-          <a:xfrm>
-            <a:off x="3370206" y="6584950"/>
-            <a:ext cx="5760640" cy="230832"/>
-          </a:xfrm>
-          <a:prstGeom prst="rect">
-            <a:avLst/>
-          </a:prstGeom>
-          <a:noFill/>
-          <a:ln w="9525">
-            <a:noFill/>
-            <a:miter lim="800000"/>
-            <a:headEnd/>
-            <a:tailEnd/>
-          </a:ln>
-          <a:effectLst/>
-        </p:spPr>
-        <p:txBody>
-          <a:bodyPr wrap="square">
-            <a:spAutoFit/>
-          </a:bodyPr>
-          <a:lstStyle/>
-          <a:p>
-            <a:pPr algn="r" eaLnBrk="0" hangingPunct="0">
-              <a:lnSpc>
-                <a:spcPct val="100000"/>
-              </a:lnSpc>
-              <a:buFontTx/>
-              <a:buNone/>
-              <a:defRPr/>
-            </a:pPr>
-            <a:r>
-              <a:rPr lang="en-US" sz="900" b="0" dirty="0">
-                <a:solidFill>
-                  <a:schemeClr val="bg1"/>
-                </a:solidFill>
-              </a:rPr>
-              <a:t>© </a:t>
-            </a:r>
-            <a:r>
-              <a:rPr lang="en-US" sz="900" b="0" dirty="0" smtClean="0">
-                <a:solidFill>
-                  <a:schemeClr val="bg1"/>
-                </a:solidFill>
-              </a:rPr>
-              <a:t>2006-2013 </a:t>
-            </a:r>
-            <a:r>
-              <a:rPr lang="en-US" sz="900" b="0" dirty="0">
-                <a:solidFill>
-                  <a:schemeClr val="bg1"/>
-                </a:solidFill>
-              </a:rPr>
-              <a:t>Accenture.  All Rights Reserved</a:t>
-            </a:r>
-            <a:r>
-              <a:rPr lang="en-US" sz="900" b="0" dirty="0" smtClean="0">
-                <a:solidFill>
-                  <a:schemeClr val="bg1"/>
-                </a:solidFill>
-              </a:rPr>
-              <a:t>.</a:t>
-            </a:r>
-            <a:endParaRPr lang="en-US" sz="900" b="0" dirty="0">
-              <a:solidFill>
-                <a:schemeClr val="bg1"/>
-              </a:solidFill>
-            </a:endParaRPr>
-          </a:p>
-        </p:txBody>
-      </p:sp>
-    </p:spTree>
-    <p:extLst>
-      <p:ext uri="{BB962C8B-B14F-4D97-AF65-F5344CB8AC3E}">
-        <p14:creationId xmlns:p14="http://schemas.microsoft.com/office/powerpoint/2010/main" val="805448543"/>
-      </p:ext>
-    </p:extLst>
-  </p:cSld>
-  <p:clrMapOvr>
-    <a:masterClrMapping/>
-  </p:clrMapOvr>
-  <p:timing>
-    <p:tnLst>
-      <p:par>
-        <p:cTn id="1" dur="indefinite" restart="never" nodeType="tmRoot"/>
-      </p:par>
-    </p:tnLst>
-  </p:timing>
-</p:sldLayout>
-</file>
-
-<file path=ppt/slideLayouts/slideLayout10.xml><?xml version="1.0" encoding="utf-8"?>
-<p:sldLayout xmlns:a="http://schemas.openxmlformats.org/drawingml/2006/main" xmlns:r="http://schemas.openxmlformats.org/officeDocument/2006/relationships" xmlns:p="http://schemas.openxmlformats.org/presentationml/2006/main" preserve="1" userDrawn="1">
-  <p:cSld name="1_Blank">
-    <p:bg>
-      <p:bgRef idx="1001">
-        <a:schemeClr val="bg1"/>
-      </p:bgRef>
-    </p:bg>
-    <p:spTree>
-      <p:nvGrpSpPr>
-        <p:cNvPr id="1" name=""/>
-        <p:cNvGrpSpPr/>
-        <p:nvPr/>
-      </p:nvGrpSpPr>
-      <p:grpSpPr>
-        <a:xfrm>
-          <a:off x="0" y="0"/>
-          <a:ext cx="0" cy="0"/>
-          <a:chOff x="0" y="0"/>
-          <a:chExt cx="0" cy="0"/>
-        </a:xfrm>
-      </p:grpSpPr>
-    </p:spTree>
-    <p:extLst>
-      <p:ext uri="{BB962C8B-B14F-4D97-AF65-F5344CB8AC3E}">
-        <p14:creationId xmlns:p14="http://schemas.microsoft.com/office/powerpoint/2010/main" val="4173440593"/>
-      </p:ext>
-    </p:extLst>
-  </p:cSld>
-  <p:clrMapOvr>
-    <a:overrideClrMapping bg1="dk1" tx1="lt1" bg2="dk2" tx2="lt2" accent1="accent1" accent2="accent2" accent3="accent3" accent4="accent4" accent5="accent5" accent6="accent6" hlink="hlink" folHlink="folHlink"/>
-  </p:clrMapOvr>
-  <p:timing>
-    <p:tnLst>
-      <p:par>
-        <p:cTn id="1" dur="indefinite" restart="never" nodeType="tmRoot"/>
-      </p:par>
-    </p:tnLst>
-  </p:timing>
-</p:sldLayout>
-</file>
-
-<file path=ppt/slideLayouts/slideLayout2.xml><?xml version="1.0" encoding="utf-8"?>
-<p:sldLayout xmlns:a="http://schemas.openxmlformats.org/drawingml/2006/main" xmlns:r="http://schemas.openxmlformats.org/officeDocument/2006/relationships" xmlns:p="http://schemas.openxmlformats.org/presentationml/2006/main" preserve="1" userDrawn="1">
-  <p:cSld name="Divider Slide ">
-    <p:bg>
-      <p:bgPr>
-        <a:solidFill>
-          <a:srgbClr val="003344"/>
-        </a:solidFill>
-        <a:effectLst/>
-      </p:bgPr>
-    </p:bg>
-    <p:spTree>
-      <p:nvGrpSpPr>
-        <p:cNvPr id="1" name=""/>
-        <p:cNvGrpSpPr/>
-        <p:nvPr/>
-      </p:nvGrpSpPr>
-      <p:grpSpPr>
-        <a:xfrm>
-          <a:off x="0" y="0"/>
-          <a:ext cx="0" cy="0"/>
-          <a:chOff x="0" y="0"/>
-          <a:chExt cx="0" cy="0"/>
-        </a:xfrm>
-      </p:grpSpPr>
-      <p:sp>
-        <p:nvSpPr>
-          <p:cNvPr id="5" name="Text Placeholder 8"/>
-          <p:cNvSpPr>
-            <a:spLocks noGrp="1"/>
-          </p:cNvSpPr>
-          <p:nvPr>
-            <p:ph type="body" sz="quarter" idx="10" hasCustomPrompt="1"/>
-          </p:nvPr>
-        </p:nvSpPr>
-        <p:spPr>
-          <a:xfrm>
-            <a:off x="457200" y="436228"/>
-            <a:ext cx="8228013" cy="6096055"/>
-          </a:xfrm>
-        </p:spPr>
-        <p:txBody>
-          <a:bodyPr lIns="0" rIns="0" anchor="b" anchorCtr="0">
-            <a:noAutofit/>
-          </a:bodyPr>
-          <a:lstStyle>
-            <a:lvl1pPr marL="0" indent="0" algn="l">
-              <a:lnSpc>
-                <a:spcPts val="3900"/>
-              </a:lnSpc>
-              <a:spcBef>
-                <a:spcPts val="0"/>
-              </a:spcBef>
-              <a:spcAft>
-                <a:spcPts val="0"/>
-              </a:spcAft>
-              <a:buNone/>
-              <a:defRPr sz="2400" b="0" baseline="0">
-                <a:solidFill>
-                  <a:schemeClr val="bg1"/>
-                </a:solidFill>
-              </a:defRPr>
-            </a:lvl1pPr>
-            <a:lvl2pPr marL="0" indent="0">
-              <a:lnSpc>
-                <a:spcPct val="100000"/>
-              </a:lnSpc>
-              <a:spcAft>
-                <a:spcPts val="0"/>
-              </a:spcAft>
-              <a:buNone/>
-              <a:defRPr sz="1900">
-                <a:solidFill>
-                  <a:schemeClr val="bg1"/>
-                </a:solidFill>
-              </a:defRPr>
-            </a:lvl2pPr>
-            <a:lvl3pPr marL="468000" indent="0">
-              <a:buNone/>
-              <a:defRPr/>
-            </a:lvl3pPr>
-          </a:lstStyle>
-          <a:p>
-            <a:pPr lvl="0"/>
-            <a:r>
-              <a:rPr lang="en-US" dirty="0" smtClean="0"/>
-              <a:t>Master Divider Slide Headline</a:t>
-            </a:r>
-          </a:p>
-        </p:txBody>
-      </p:sp>
-    </p:spTree>
-    <p:extLst>
-      <p:ext uri="{BB962C8B-B14F-4D97-AF65-F5344CB8AC3E}">
-        <p14:creationId xmlns:p14="http://schemas.microsoft.com/office/powerpoint/2010/main" val="2309944860"/>
-      </p:ext>
-    </p:extLst>
-  </p:cSld>
-  <p:clrMapOvr>
-    <a:masterClrMapping/>
-  </p:clrMapOvr>
-  <p:timing>
-    <p:tnLst>
-      <p:par>
-        <p:cTn id="1" dur="indefinite" restart="never" nodeType="tmRoot"/>
-      </p:par>
-    </p:tnLst>
-  </p:timing>
-</p:sldLayout>
-</file>
-
-<file path=ppt/slideLayouts/slideLayout3.xml><?xml version="1.0" encoding="utf-8"?>
 <p:sldLayout xmlns:a="http://schemas.openxmlformats.org/drawingml/2006/main" xmlns:r="http://schemas.openxmlformats.org/officeDocument/2006/relationships" xmlns:p="http://schemas.openxmlformats.org/presentationml/2006/main" preserve="1" userDrawn="1">
   <p:cSld name="Title and Paragraphs">
     <p:spTree>
@@ -6946,7 +5224,7 @@
 </p:sldLayout>
 </file>
 
-<file path=ppt/slideLayouts/slideLayout4.xml><?xml version="1.0" encoding="utf-8"?>
+<file path=ppt/slideLayouts/slideLayout2.xml><?xml version="1.0" encoding="utf-8"?>
 <p:sldLayout xmlns:a="http://schemas.openxmlformats.org/drawingml/2006/main" xmlns:r="http://schemas.openxmlformats.org/officeDocument/2006/relationships" xmlns:p="http://schemas.openxmlformats.org/presentationml/2006/main" preserve="1" userDrawn="1">
   <p:cSld name="1_Title and Paragraphs">
     <p:bg>
@@ -7177,1189 +5455,7 @@
 </p:sldLayout>
 </file>
 
-<file path=ppt/slideLayouts/slideLayout5.xml><?xml version="1.0" encoding="utf-8"?>
-<p:sldLayout xmlns:a="http://schemas.openxmlformats.org/drawingml/2006/main" xmlns:r="http://schemas.openxmlformats.org/officeDocument/2006/relationships" xmlns:p="http://schemas.openxmlformats.org/presentationml/2006/main" preserve="1" userDrawn="1">
-  <p:cSld name="Title and Content">
-    <p:spTree>
-      <p:nvGrpSpPr>
-        <p:cNvPr id="1" name=""/>
-        <p:cNvGrpSpPr/>
-        <p:nvPr/>
-      </p:nvGrpSpPr>
-      <p:grpSpPr>
-        <a:xfrm>
-          <a:off x="0" y="0"/>
-          <a:ext cx="0" cy="0"/>
-          <a:chOff x="0" y="0"/>
-          <a:chExt cx="0" cy="0"/>
-        </a:xfrm>
-      </p:grpSpPr>
-      <p:sp>
-        <p:nvSpPr>
-          <p:cNvPr id="10" name="Content Placeholder 9"/>
-          <p:cNvSpPr>
-            <a:spLocks noGrp="1"/>
-          </p:cNvSpPr>
-          <p:nvPr>
-            <p:ph sz="quarter" idx="12" hasCustomPrompt="1"/>
-          </p:nvPr>
-        </p:nvSpPr>
-        <p:spPr/>
-        <p:txBody>
-          <a:bodyPr/>
-          <a:lstStyle>
-            <a:lvl2pPr>
-              <a:defRPr/>
-            </a:lvl2pPr>
-            <a:lvl3pPr>
-              <a:defRPr/>
-            </a:lvl3pPr>
-          </a:lstStyle>
-          <a:p>
-            <a:pPr lvl="0"/>
-            <a:r>
-              <a:rPr lang="en-CA" dirty="0" smtClean="0"/>
-              <a:t>First Level Text</a:t>
-            </a:r>
-          </a:p>
-          <a:p>
-            <a:pPr lvl="1"/>
-            <a:r>
-              <a:rPr lang="en-CA" dirty="0" smtClean="0"/>
-              <a:t>Second Level Text</a:t>
-            </a:r>
-          </a:p>
-          <a:p>
-            <a:pPr lvl="2"/>
-            <a:r>
-              <a:rPr lang="en-CA" dirty="0" smtClean="0"/>
-              <a:t>Third Level Text</a:t>
-            </a:r>
-          </a:p>
-          <a:p>
-            <a:pPr lvl="3"/>
-            <a:r>
-              <a:rPr lang="en-CA" dirty="0" smtClean="0"/>
-              <a:t>Fourth Level Text</a:t>
-            </a:r>
-          </a:p>
-          <a:p>
-            <a:pPr lvl="4"/>
-            <a:r>
-              <a:rPr lang="en-CA" dirty="0" smtClean="0"/>
-              <a:t>Fifth Level Text</a:t>
-            </a:r>
-          </a:p>
-        </p:txBody>
-      </p:sp>
-      <p:cxnSp>
-        <p:nvCxnSpPr>
-          <p:cNvPr id="7" name="Straight Connector 6"/>
-          <p:cNvCxnSpPr/>
-          <p:nvPr userDrawn="1"/>
-        </p:nvCxnSpPr>
-        <p:spPr>
-          <a:xfrm>
-            <a:off x="457994" y="1162050"/>
-            <a:ext cx="8686006" cy="0"/>
-          </a:xfrm>
-          <a:prstGeom prst="line">
-            <a:avLst/>
-          </a:prstGeom>
-          <a:ln w="12700">
-            <a:solidFill>
-              <a:srgbClr val="DD4411"/>
-            </a:solidFill>
-          </a:ln>
-        </p:spPr>
-        <p:style>
-          <a:lnRef idx="1">
-            <a:schemeClr val="accent1"/>
-          </a:lnRef>
-          <a:fillRef idx="0">
-            <a:schemeClr val="accent1"/>
-          </a:fillRef>
-          <a:effectRef idx="0">
-            <a:schemeClr val="accent1"/>
-          </a:effectRef>
-          <a:fontRef idx="minor">
-            <a:schemeClr val="tx1"/>
-          </a:fontRef>
-        </p:style>
-      </p:cxnSp>
-      <p:sp>
-        <p:nvSpPr>
-          <p:cNvPr id="6" name="TextBox 5"/>
-          <p:cNvSpPr txBox="1"/>
-          <p:nvPr userDrawn="1"/>
-        </p:nvSpPr>
-        <p:spPr>
-          <a:xfrm>
-            <a:off x="444500" y="6572250"/>
-            <a:ext cx="2573227" cy="230832"/>
-          </a:xfrm>
-          <a:prstGeom prst="rect">
-            <a:avLst/>
-          </a:prstGeom>
-          <a:noFill/>
-        </p:spPr>
-        <p:txBody>
-          <a:bodyPr wrap="square" lIns="0">
-            <a:spAutoFit/>
-          </a:bodyPr>
-          <a:lstStyle/>
-          <a:p>
-            <a:pPr algn="ctr">
-              <a:defRPr/>
-            </a:pPr>
-            <a:r>
-              <a:rPr lang="en-US" sz="900" dirty="0">
-                <a:solidFill>
-                  <a:srgbClr val="858789"/>
-                </a:solidFill>
-                <a:latin typeface="Arial" pitchFamily="34" charset="0"/>
-                <a:cs typeface="Arial" pitchFamily="34" charset="0"/>
-              </a:rPr>
-              <a:t>Copyright © </a:t>
-            </a:r>
-            <a:r>
-              <a:rPr lang="en-US" sz="900" dirty="0" smtClean="0">
-                <a:solidFill>
-                  <a:srgbClr val="858789"/>
-                </a:solidFill>
-                <a:latin typeface="Arial" pitchFamily="34" charset="0"/>
-                <a:cs typeface="Arial" pitchFamily="34" charset="0"/>
-              </a:rPr>
-              <a:t>2013 </a:t>
-            </a:r>
-            <a:r>
-              <a:rPr lang="en-US" sz="900" dirty="0">
-                <a:solidFill>
-                  <a:srgbClr val="858789"/>
-                </a:solidFill>
-                <a:latin typeface="Arial" pitchFamily="34" charset="0"/>
-                <a:cs typeface="Arial" pitchFamily="34" charset="0"/>
-              </a:rPr>
-              <a:t>Accenture  All rights reserved.</a:t>
-            </a:r>
-          </a:p>
-        </p:txBody>
-      </p:sp>
-      <p:sp>
-        <p:nvSpPr>
-          <p:cNvPr id="4" name="Title 3"/>
-          <p:cNvSpPr>
-            <a:spLocks noGrp="1"/>
-          </p:cNvSpPr>
-          <p:nvPr>
-            <p:ph type="title" hasCustomPrompt="1"/>
-          </p:nvPr>
-        </p:nvSpPr>
-        <p:spPr/>
-        <p:txBody>
-          <a:bodyPr/>
-          <a:lstStyle/>
-          <a:p>
-            <a:r>
-              <a:rPr lang="en-US" dirty="0" smtClean="0"/>
-              <a:t>Master Title Slide Headline</a:t>
-            </a:r>
-            <a:endParaRPr lang="en-CA" dirty="0"/>
-          </a:p>
-        </p:txBody>
-      </p:sp>
-      <p:sp>
-        <p:nvSpPr>
-          <p:cNvPr id="8" name="TextBox 7"/>
-          <p:cNvSpPr txBox="1"/>
-          <p:nvPr userDrawn="1"/>
-        </p:nvSpPr>
-        <p:spPr>
-          <a:xfrm>
-            <a:off x="8144698" y="6562940"/>
-            <a:ext cx="536400" cy="244800"/>
-          </a:xfrm>
-          <a:prstGeom prst="rect">
-            <a:avLst/>
-          </a:prstGeom>
-          <a:noFill/>
-        </p:spPr>
-        <p:txBody>
-          <a:bodyPr wrap="square" lIns="0" tIns="0" rIns="0" bIns="0" rtlCol="0" anchor="ctr" anchorCtr="0">
-            <a:noAutofit/>
-          </a:bodyPr>
-          <a:lstStyle/>
-          <a:p>
-            <a:pPr algn="r"/>
-            <a:fld id="{597A8DCA-8F96-49CD-B4D5-7AC92F955860}" type="slidenum">
-              <a:rPr lang="en-CA" sz="900" smtClean="0">
-                <a:solidFill>
-                  <a:srgbClr val="858789"/>
-                </a:solidFill>
-                <a:latin typeface="Arial" pitchFamily="34" charset="0"/>
-                <a:cs typeface="Arial" pitchFamily="34" charset="0"/>
-              </a:rPr>
-              <a:pPr algn="r"/>
-              <a:t>‹#›</a:t>
-            </a:fld>
-            <a:endParaRPr lang="en-CA" sz="900" dirty="0">
-              <a:solidFill>
-                <a:srgbClr val="858789"/>
-              </a:solidFill>
-              <a:latin typeface="Arial" pitchFamily="34" charset="0"/>
-              <a:cs typeface="Arial" pitchFamily="34" charset="0"/>
-            </a:endParaRPr>
-          </a:p>
-        </p:txBody>
-      </p:sp>
-    </p:spTree>
-    <p:extLst>
-      <p:ext uri="{BB962C8B-B14F-4D97-AF65-F5344CB8AC3E}">
-        <p14:creationId xmlns:p14="http://schemas.microsoft.com/office/powerpoint/2010/main" val="3503237934"/>
-      </p:ext>
-    </p:extLst>
-  </p:cSld>
-  <p:clrMapOvr>
-    <a:masterClrMapping/>
-  </p:clrMapOvr>
-  <p:timing>
-    <p:tnLst>
-      <p:par>
-        <p:cTn id="1" dur="indefinite" restart="never" nodeType="tmRoot"/>
-      </p:par>
-    </p:tnLst>
-  </p:timing>
-</p:sldLayout>
-</file>
-
-<file path=ppt/slideLayouts/slideLayout6.xml><?xml version="1.0" encoding="utf-8"?>
-<p:sldLayout xmlns:a="http://schemas.openxmlformats.org/drawingml/2006/main" xmlns:r="http://schemas.openxmlformats.org/officeDocument/2006/relationships" xmlns:p="http://schemas.openxmlformats.org/presentationml/2006/main" preserve="1" userDrawn="1">
-  <p:cSld name="Title and 2-Content">
-    <p:spTree>
-      <p:nvGrpSpPr>
-        <p:cNvPr id="1" name=""/>
-        <p:cNvGrpSpPr/>
-        <p:nvPr/>
-      </p:nvGrpSpPr>
-      <p:grpSpPr>
-        <a:xfrm>
-          <a:off x="0" y="0"/>
-          <a:ext cx="0" cy="0"/>
-          <a:chOff x="0" y="0"/>
-          <a:chExt cx="0" cy="0"/>
-        </a:xfrm>
-      </p:grpSpPr>
-      <p:sp>
-        <p:nvSpPr>
-          <p:cNvPr id="10" name="Content Placeholder 9"/>
-          <p:cNvSpPr>
-            <a:spLocks noGrp="1"/>
-          </p:cNvSpPr>
-          <p:nvPr>
-            <p:ph sz="quarter" idx="12" hasCustomPrompt="1"/>
-          </p:nvPr>
-        </p:nvSpPr>
-        <p:spPr>
-          <a:xfrm>
-            <a:off x="457201" y="1381125"/>
-            <a:ext cx="4025899" cy="4824414"/>
-          </a:xfrm>
-        </p:spPr>
-        <p:txBody>
-          <a:bodyPr>
-            <a:normAutofit/>
-          </a:bodyPr>
-          <a:lstStyle>
-            <a:lvl1pPr>
-              <a:defRPr sz="2000"/>
-            </a:lvl1pPr>
-            <a:lvl2pPr>
-              <a:defRPr sz="1800"/>
-            </a:lvl2pPr>
-            <a:lvl3pPr>
-              <a:defRPr sz="1600"/>
-            </a:lvl3pPr>
-            <a:lvl4pPr>
-              <a:defRPr sz="1400"/>
-            </a:lvl4pPr>
-            <a:lvl5pPr>
-              <a:defRPr sz="1200"/>
-            </a:lvl5pPr>
-          </a:lstStyle>
-          <a:p>
-            <a:pPr lvl="0"/>
-            <a:r>
-              <a:rPr lang="en-CA" dirty="0" smtClean="0"/>
-              <a:t>First Level Text</a:t>
-            </a:r>
-          </a:p>
-          <a:p>
-            <a:pPr lvl="1"/>
-            <a:r>
-              <a:rPr lang="en-CA" dirty="0" smtClean="0"/>
-              <a:t>Second Level Text</a:t>
-            </a:r>
-          </a:p>
-          <a:p>
-            <a:pPr lvl="2"/>
-            <a:r>
-              <a:rPr lang="en-CA" dirty="0" smtClean="0"/>
-              <a:t>Third Level Text</a:t>
-            </a:r>
-          </a:p>
-          <a:p>
-            <a:pPr lvl="3"/>
-            <a:r>
-              <a:rPr lang="en-CA" dirty="0" smtClean="0"/>
-              <a:t>Fourth Level Text</a:t>
-            </a:r>
-          </a:p>
-          <a:p>
-            <a:pPr lvl="4"/>
-            <a:r>
-              <a:rPr lang="en-CA" dirty="0" smtClean="0"/>
-              <a:t>Fifth Level Text</a:t>
-            </a:r>
-          </a:p>
-        </p:txBody>
-      </p:sp>
-      <p:sp>
-        <p:nvSpPr>
-          <p:cNvPr id="9" name="Content Placeholder 9"/>
-          <p:cNvSpPr>
-            <a:spLocks noGrp="1"/>
-          </p:cNvSpPr>
-          <p:nvPr>
-            <p:ph sz="quarter" idx="13" hasCustomPrompt="1"/>
-          </p:nvPr>
-        </p:nvSpPr>
-        <p:spPr>
-          <a:xfrm>
-            <a:off x="4659314" y="1381125"/>
-            <a:ext cx="4025899" cy="4824414"/>
-          </a:xfrm>
-        </p:spPr>
-        <p:txBody>
-          <a:bodyPr>
-            <a:normAutofit/>
-          </a:bodyPr>
-          <a:lstStyle>
-            <a:lvl1pPr>
-              <a:defRPr sz="2000"/>
-            </a:lvl1pPr>
-            <a:lvl2pPr>
-              <a:defRPr sz="1800"/>
-            </a:lvl2pPr>
-            <a:lvl3pPr>
-              <a:defRPr sz="1600"/>
-            </a:lvl3pPr>
-            <a:lvl4pPr>
-              <a:defRPr sz="1400"/>
-            </a:lvl4pPr>
-            <a:lvl5pPr>
-              <a:defRPr sz="1200"/>
-            </a:lvl5pPr>
-          </a:lstStyle>
-          <a:p>
-            <a:pPr lvl="0"/>
-            <a:r>
-              <a:rPr lang="en-CA" dirty="0" smtClean="0"/>
-              <a:t>First Level Text</a:t>
-            </a:r>
-          </a:p>
-          <a:p>
-            <a:pPr lvl="1"/>
-            <a:r>
-              <a:rPr lang="en-CA" dirty="0" smtClean="0"/>
-              <a:t>Second Level Text</a:t>
-            </a:r>
-          </a:p>
-          <a:p>
-            <a:pPr lvl="2"/>
-            <a:r>
-              <a:rPr lang="en-CA" dirty="0" smtClean="0"/>
-              <a:t>Third Level Text</a:t>
-            </a:r>
-          </a:p>
-          <a:p>
-            <a:pPr lvl="3"/>
-            <a:r>
-              <a:rPr lang="en-CA" dirty="0" smtClean="0"/>
-              <a:t>Fourth Level Text</a:t>
-            </a:r>
-          </a:p>
-          <a:p>
-            <a:pPr lvl="4"/>
-            <a:r>
-              <a:rPr lang="en-CA" dirty="0" smtClean="0"/>
-              <a:t>Fifth Level Text</a:t>
-            </a:r>
-          </a:p>
-        </p:txBody>
-      </p:sp>
-      <p:sp>
-        <p:nvSpPr>
-          <p:cNvPr id="7" name="TextBox 6"/>
-          <p:cNvSpPr txBox="1"/>
-          <p:nvPr userDrawn="1"/>
-        </p:nvSpPr>
-        <p:spPr>
-          <a:xfrm>
-            <a:off x="444500" y="6572250"/>
-            <a:ext cx="2573227" cy="230832"/>
-          </a:xfrm>
-          <a:prstGeom prst="rect">
-            <a:avLst/>
-          </a:prstGeom>
-          <a:noFill/>
-        </p:spPr>
-        <p:txBody>
-          <a:bodyPr wrap="square" lIns="0">
-            <a:spAutoFit/>
-          </a:bodyPr>
-          <a:lstStyle/>
-          <a:p>
-            <a:pPr algn="ctr">
-              <a:defRPr/>
-            </a:pPr>
-            <a:r>
-              <a:rPr lang="en-US" sz="900" dirty="0">
-                <a:solidFill>
-                  <a:srgbClr val="858789"/>
-                </a:solidFill>
-                <a:latin typeface="Arial" pitchFamily="34" charset="0"/>
-                <a:cs typeface="Arial" pitchFamily="34" charset="0"/>
-              </a:rPr>
-              <a:t>Copyright © </a:t>
-            </a:r>
-            <a:r>
-              <a:rPr lang="en-US" sz="900" dirty="0" smtClean="0">
-                <a:solidFill>
-                  <a:srgbClr val="858789"/>
-                </a:solidFill>
-                <a:latin typeface="Arial" pitchFamily="34" charset="0"/>
-                <a:cs typeface="Arial" pitchFamily="34" charset="0"/>
-              </a:rPr>
-              <a:t>2013 </a:t>
-            </a:r>
-            <a:r>
-              <a:rPr lang="en-US" sz="900" dirty="0">
-                <a:solidFill>
-                  <a:srgbClr val="858789"/>
-                </a:solidFill>
-                <a:latin typeface="Arial" pitchFamily="34" charset="0"/>
-                <a:cs typeface="Arial" pitchFamily="34" charset="0"/>
-              </a:rPr>
-              <a:t>Accenture  All rights reserved.</a:t>
-            </a:r>
-          </a:p>
-        </p:txBody>
-      </p:sp>
-      <p:cxnSp>
-        <p:nvCxnSpPr>
-          <p:cNvPr id="11" name="Straight Connector 10"/>
-          <p:cNvCxnSpPr/>
-          <p:nvPr userDrawn="1"/>
-        </p:nvCxnSpPr>
-        <p:spPr>
-          <a:xfrm>
-            <a:off x="457994" y="1162050"/>
-            <a:ext cx="8686006" cy="0"/>
-          </a:xfrm>
-          <a:prstGeom prst="line">
-            <a:avLst/>
-          </a:prstGeom>
-          <a:ln w="12700">
-            <a:solidFill>
-              <a:srgbClr val="DD4411"/>
-            </a:solidFill>
-          </a:ln>
-        </p:spPr>
-        <p:style>
-          <a:lnRef idx="1">
-            <a:schemeClr val="accent1"/>
-          </a:lnRef>
-          <a:fillRef idx="0">
-            <a:schemeClr val="accent1"/>
-          </a:fillRef>
-          <a:effectRef idx="0">
-            <a:schemeClr val="accent1"/>
-          </a:effectRef>
-          <a:fontRef idx="minor">
-            <a:schemeClr val="tx1"/>
-          </a:fontRef>
-        </p:style>
-      </p:cxnSp>
-      <p:sp>
-        <p:nvSpPr>
-          <p:cNvPr id="3" name="Title 2"/>
-          <p:cNvSpPr>
-            <a:spLocks noGrp="1"/>
-          </p:cNvSpPr>
-          <p:nvPr>
-            <p:ph type="title" hasCustomPrompt="1"/>
-          </p:nvPr>
-        </p:nvSpPr>
-        <p:spPr/>
-        <p:txBody>
-          <a:bodyPr/>
-          <a:lstStyle/>
-          <a:p>
-            <a:r>
-              <a:rPr lang="en-US" dirty="0" smtClean="0"/>
-              <a:t>Master Title Slide Headline</a:t>
-            </a:r>
-            <a:endParaRPr lang="en-CA" dirty="0"/>
-          </a:p>
-        </p:txBody>
-      </p:sp>
-      <p:sp>
-        <p:nvSpPr>
-          <p:cNvPr id="8" name="TextBox 7"/>
-          <p:cNvSpPr txBox="1"/>
-          <p:nvPr userDrawn="1"/>
-        </p:nvSpPr>
-        <p:spPr>
-          <a:xfrm>
-            <a:off x="8144698" y="6562940"/>
-            <a:ext cx="536400" cy="244800"/>
-          </a:xfrm>
-          <a:prstGeom prst="rect">
-            <a:avLst/>
-          </a:prstGeom>
-          <a:noFill/>
-        </p:spPr>
-        <p:txBody>
-          <a:bodyPr wrap="square" lIns="0" tIns="0" rIns="0" bIns="0" rtlCol="0" anchor="ctr" anchorCtr="0">
-            <a:noAutofit/>
-          </a:bodyPr>
-          <a:lstStyle/>
-          <a:p>
-            <a:pPr algn="r"/>
-            <a:fld id="{597A8DCA-8F96-49CD-B4D5-7AC92F955860}" type="slidenum">
-              <a:rPr lang="en-CA" sz="900" smtClean="0">
-                <a:solidFill>
-                  <a:srgbClr val="858789"/>
-                </a:solidFill>
-                <a:latin typeface="Arial" pitchFamily="34" charset="0"/>
-                <a:cs typeface="Arial" pitchFamily="34" charset="0"/>
-              </a:rPr>
-              <a:pPr algn="r"/>
-              <a:t>‹#›</a:t>
-            </a:fld>
-            <a:endParaRPr lang="en-CA" sz="900" dirty="0">
-              <a:solidFill>
-                <a:srgbClr val="858789"/>
-              </a:solidFill>
-              <a:latin typeface="Arial" pitchFamily="34" charset="0"/>
-              <a:cs typeface="Arial" pitchFamily="34" charset="0"/>
-            </a:endParaRPr>
-          </a:p>
-        </p:txBody>
-      </p:sp>
-    </p:spTree>
-    <p:extLst>
-      <p:ext uri="{BB962C8B-B14F-4D97-AF65-F5344CB8AC3E}">
-        <p14:creationId xmlns:p14="http://schemas.microsoft.com/office/powerpoint/2010/main" val="316202624"/>
-      </p:ext>
-    </p:extLst>
-  </p:cSld>
-  <p:clrMapOvr>
-    <a:masterClrMapping/>
-  </p:clrMapOvr>
-  <p:timing>
-    <p:tnLst>
-      <p:par>
-        <p:cTn id="1" dur="indefinite" restart="never" nodeType="tmRoot"/>
-      </p:par>
-    </p:tnLst>
-  </p:timing>
-</p:sldLayout>
-</file>
-
-<file path=ppt/slideLayouts/slideLayout7.xml><?xml version="1.0" encoding="utf-8"?>
-<p:sldLayout xmlns:a="http://schemas.openxmlformats.org/drawingml/2006/main" xmlns:r="http://schemas.openxmlformats.org/officeDocument/2006/relationships" xmlns:p="http://schemas.openxmlformats.org/presentationml/2006/main" preserve="1" userDrawn="1">
-  <p:cSld name="Title and 2-content Paragraphs">
-    <p:spTree>
-      <p:nvGrpSpPr>
-        <p:cNvPr id="1" name=""/>
-        <p:cNvGrpSpPr/>
-        <p:nvPr/>
-      </p:nvGrpSpPr>
-      <p:grpSpPr>
-        <a:xfrm>
-          <a:off x="0" y="0"/>
-          <a:ext cx="0" cy="0"/>
-          <a:chOff x="0" y="0"/>
-          <a:chExt cx="0" cy="0"/>
-        </a:xfrm>
-      </p:grpSpPr>
-      <p:sp>
-        <p:nvSpPr>
-          <p:cNvPr id="10" name="Content Placeholder 9"/>
-          <p:cNvSpPr>
-            <a:spLocks noGrp="1"/>
-          </p:cNvSpPr>
-          <p:nvPr>
-            <p:ph sz="quarter" idx="12" hasCustomPrompt="1"/>
-          </p:nvPr>
-        </p:nvSpPr>
-        <p:spPr>
-          <a:xfrm>
-            <a:off x="457202" y="1381125"/>
-            <a:ext cx="4025898" cy="4824414"/>
-          </a:xfrm>
-        </p:spPr>
-        <p:txBody>
-          <a:bodyPr>
-            <a:normAutofit/>
-          </a:bodyPr>
-          <a:lstStyle>
-            <a:lvl1pPr marL="0" indent="0">
-              <a:spcBef>
-                <a:spcPts val="1200"/>
-              </a:spcBef>
-              <a:spcAft>
-                <a:spcPts val="0"/>
-              </a:spcAft>
-              <a:buNone/>
-              <a:defRPr sz="2000" b="1">
-                <a:solidFill>
-                  <a:srgbClr val="DD4411"/>
-                </a:solidFill>
-              </a:defRPr>
-            </a:lvl1pPr>
-            <a:lvl2pPr marL="231775" indent="-231775">
-              <a:buFont typeface="Arial" pitchFamily="34" charset="0"/>
-              <a:buChar char="•"/>
-              <a:defRPr sz="2000"/>
-            </a:lvl2pPr>
-            <a:lvl3pPr marL="457200" indent="-231775">
-              <a:buFont typeface="Arial" pitchFamily="34" charset="0"/>
-              <a:buChar char="–"/>
-              <a:defRPr sz="1800"/>
-            </a:lvl3pPr>
-            <a:lvl4pPr marL="688975" indent="-225425">
-              <a:buFont typeface="Arial" pitchFamily="34" charset="0"/>
-              <a:buChar char="•"/>
-              <a:defRPr sz="1600"/>
-            </a:lvl4pPr>
-            <a:lvl5pPr marL="914400" indent="-225425">
-              <a:buFont typeface="Arial" pitchFamily="34" charset="0"/>
-              <a:buChar char="–"/>
-              <a:tabLst/>
-              <a:defRPr sz="1400"/>
-            </a:lvl5pPr>
-          </a:lstStyle>
-          <a:p>
-            <a:pPr lvl="0"/>
-            <a:r>
-              <a:rPr lang="en-CA" dirty="0" smtClean="0"/>
-              <a:t>First Level Text</a:t>
-            </a:r>
-          </a:p>
-          <a:p>
-            <a:pPr lvl="1"/>
-            <a:r>
-              <a:rPr lang="en-CA" dirty="0" smtClean="0"/>
-              <a:t>Second Level Text</a:t>
-            </a:r>
-          </a:p>
-          <a:p>
-            <a:pPr lvl="2"/>
-            <a:r>
-              <a:rPr lang="en-CA" dirty="0" smtClean="0"/>
-              <a:t>Third Level Text</a:t>
-            </a:r>
-          </a:p>
-          <a:p>
-            <a:pPr lvl="3"/>
-            <a:r>
-              <a:rPr lang="en-CA" dirty="0" smtClean="0"/>
-              <a:t>Fourth Level Text</a:t>
-            </a:r>
-          </a:p>
-          <a:p>
-            <a:pPr lvl="4"/>
-            <a:r>
-              <a:rPr lang="en-CA" dirty="0" smtClean="0"/>
-              <a:t>Fifth Level Text</a:t>
-            </a:r>
-          </a:p>
-        </p:txBody>
-      </p:sp>
-      <p:sp>
-        <p:nvSpPr>
-          <p:cNvPr id="8" name="Content Placeholder 9"/>
-          <p:cNvSpPr>
-            <a:spLocks noGrp="1"/>
-          </p:cNvSpPr>
-          <p:nvPr>
-            <p:ph sz="quarter" idx="14" hasCustomPrompt="1"/>
-          </p:nvPr>
-        </p:nvSpPr>
-        <p:spPr>
-          <a:xfrm>
-            <a:off x="4660900" y="1381125"/>
-            <a:ext cx="4025898" cy="4824414"/>
-          </a:xfrm>
-        </p:spPr>
-        <p:txBody>
-          <a:bodyPr>
-            <a:normAutofit/>
-          </a:bodyPr>
-          <a:lstStyle>
-            <a:lvl1pPr marL="0" indent="0">
-              <a:spcBef>
-                <a:spcPts val="1200"/>
-              </a:spcBef>
-              <a:spcAft>
-                <a:spcPts val="0"/>
-              </a:spcAft>
-              <a:buNone/>
-              <a:defRPr sz="2000" b="1">
-                <a:solidFill>
-                  <a:srgbClr val="DD4411"/>
-                </a:solidFill>
-              </a:defRPr>
-            </a:lvl1pPr>
-            <a:lvl2pPr marL="231775" indent="-231775">
-              <a:buFont typeface="Arial" pitchFamily="34" charset="0"/>
-              <a:buChar char="•"/>
-              <a:defRPr sz="2000"/>
-            </a:lvl2pPr>
-            <a:lvl3pPr marL="457200" indent="-231775">
-              <a:buFont typeface="Arial" pitchFamily="34" charset="0"/>
-              <a:buChar char="–"/>
-              <a:defRPr sz="1800"/>
-            </a:lvl3pPr>
-            <a:lvl4pPr marL="688975" indent="-225425">
-              <a:buFont typeface="Arial" pitchFamily="34" charset="0"/>
-              <a:buChar char="•"/>
-              <a:defRPr sz="1600"/>
-            </a:lvl4pPr>
-            <a:lvl5pPr marL="914400" indent="-225425">
-              <a:buFont typeface="Arial" pitchFamily="34" charset="0"/>
-              <a:buChar char="–"/>
-              <a:tabLst/>
-              <a:defRPr sz="1400"/>
-            </a:lvl5pPr>
-          </a:lstStyle>
-          <a:p>
-            <a:pPr lvl="0"/>
-            <a:r>
-              <a:rPr lang="en-CA" dirty="0" smtClean="0"/>
-              <a:t>First Level Text</a:t>
-            </a:r>
-          </a:p>
-          <a:p>
-            <a:pPr lvl="1"/>
-            <a:r>
-              <a:rPr lang="en-CA" dirty="0" smtClean="0"/>
-              <a:t>Second Level Text</a:t>
-            </a:r>
-          </a:p>
-          <a:p>
-            <a:pPr lvl="2"/>
-            <a:r>
-              <a:rPr lang="en-CA" dirty="0" smtClean="0"/>
-              <a:t>Third Level Text</a:t>
-            </a:r>
-          </a:p>
-          <a:p>
-            <a:pPr lvl="3"/>
-            <a:r>
-              <a:rPr lang="en-CA" dirty="0" smtClean="0"/>
-              <a:t>Fourth Level Text</a:t>
-            </a:r>
-          </a:p>
-          <a:p>
-            <a:pPr lvl="4"/>
-            <a:r>
-              <a:rPr lang="en-CA" dirty="0" smtClean="0"/>
-              <a:t>Fifth Level Text</a:t>
-            </a:r>
-          </a:p>
-        </p:txBody>
-      </p:sp>
-      <p:sp>
-        <p:nvSpPr>
-          <p:cNvPr id="7" name="TextBox 6"/>
-          <p:cNvSpPr txBox="1"/>
-          <p:nvPr userDrawn="1"/>
-        </p:nvSpPr>
-        <p:spPr>
-          <a:xfrm>
-            <a:off x="444500" y="6572250"/>
-            <a:ext cx="2573227" cy="230832"/>
-          </a:xfrm>
-          <a:prstGeom prst="rect">
-            <a:avLst/>
-          </a:prstGeom>
-          <a:noFill/>
-        </p:spPr>
-        <p:txBody>
-          <a:bodyPr wrap="square" lIns="0">
-            <a:spAutoFit/>
-          </a:bodyPr>
-          <a:lstStyle/>
-          <a:p>
-            <a:pPr algn="ctr">
-              <a:defRPr/>
-            </a:pPr>
-            <a:r>
-              <a:rPr lang="en-US" sz="900" dirty="0">
-                <a:solidFill>
-                  <a:srgbClr val="858789"/>
-                </a:solidFill>
-                <a:latin typeface="Arial" pitchFamily="34" charset="0"/>
-                <a:cs typeface="Arial" pitchFamily="34" charset="0"/>
-              </a:rPr>
-              <a:t>Copyright © </a:t>
-            </a:r>
-            <a:r>
-              <a:rPr lang="en-US" sz="900" dirty="0" smtClean="0">
-                <a:solidFill>
-                  <a:srgbClr val="858789"/>
-                </a:solidFill>
-                <a:latin typeface="Arial" pitchFamily="34" charset="0"/>
-                <a:cs typeface="Arial" pitchFamily="34" charset="0"/>
-              </a:rPr>
-              <a:t>2013 </a:t>
-            </a:r>
-            <a:r>
-              <a:rPr lang="en-US" sz="900" dirty="0">
-                <a:solidFill>
-                  <a:srgbClr val="858789"/>
-                </a:solidFill>
-                <a:latin typeface="Arial" pitchFamily="34" charset="0"/>
-                <a:cs typeface="Arial" pitchFamily="34" charset="0"/>
-              </a:rPr>
-              <a:t>Accenture  All rights reserved.</a:t>
-            </a:r>
-          </a:p>
-        </p:txBody>
-      </p:sp>
-      <p:cxnSp>
-        <p:nvCxnSpPr>
-          <p:cNvPr id="11" name="Straight Connector 10"/>
-          <p:cNvCxnSpPr/>
-          <p:nvPr userDrawn="1"/>
-        </p:nvCxnSpPr>
-        <p:spPr>
-          <a:xfrm>
-            <a:off x="457994" y="1162050"/>
-            <a:ext cx="8686006" cy="0"/>
-          </a:xfrm>
-          <a:prstGeom prst="line">
-            <a:avLst/>
-          </a:prstGeom>
-          <a:ln w="12700">
-            <a:solidFill>
-              <a:srgbClr val="DD4411"/>
-            </a:solidFill>
-          </a:ln>
-        </p:spPr>
-        <p:style>
-          <a:lnRef idx="1">
-            <a:schemeClr val="accent1"/>
-          </a:lnRef>
-          <a:fillRef idx="0">
-            <a:schemeClr val="accent1"/>
-          </a:fillRef>
-          <a:effectRef idx="0">
-            <a:schemeClr val="accent1"/>
-          </a:effectRef>
-          <a:fontRef idx="minor">
-            <a:schemeClr val="tx1"/>
-          </a:fontRef>
-        </p:style>
-      </p:cxnSp>
-      <p:sp>
-        <p:nvSpPr>
-          <p:cNvPr id="3" name="Title 2"/>
-          <p:cNvSpPr>
-            <a:spLocks noGrp="1"/>
-          </p:cNvSpPr>
-          <p:nvPr>
-            <p:ph type="title" hasCustomPrompt="1"/>
-          </p:nvPr>
-        </p:nvSpPr>
-        <p:spPr/>
-        <p:txBody>
-          <a:bodyPr/>
-          <a:lstStyle/>
-          <a:p>
-            <a:r>
-              <a:rPr lang="en-US" dirty="0" smtClean="0"/>
-              <a:t>Master Title Slide Headline</a:t>
-            </a:r>
-            <a:endParaRPr lang="en-CA" dirty="0"/>
-          </a:p>
-        </p:txBody>
-      </p:sp>
-      <p:sp>
-        <p:nvSpPr>
-          <p:cNvPr id="9" name="TextBox 8"/>
-          <p:cNvSpPr txBox="1"/>
-          <p:nvPr userDrawn="1"/>
-        </p:nvSpPr>
-        <p:spPr>
-          <a:xfrm>
-            <a:off x="8144698" y="6562940"/>
-            <a:ext cx="536400" cy="244800"/>
-          </a:xfrm>
-          <a:prstGeom prst="rect">
-            <a:avLst/>
-          </a:prstGeom>
-          <a:noFill/>
-        </p:spPr>
-        <p:txBody>
-          <a:bodyPr wrap="square" lIns="0" tIns="0" rIns="0" bIns="0" rtlCol="0" anchor="ctr" anchorCtr="0">
-            <a:noAutofit/>
-          </a:bodyPr>
-          <a:lstStyle/>
-          <a:p>
-            <a:pPr algn="r"/>
-            <a:fld id="{597A8DCA-8F96-49CD-B4D5-7AC92F955860}" type="slidenum">
-              <a:rPr lang="en-CA" sz="900" smtClean="0">
-                <a:solidFill>
-                  <a:srgbClr val="858789"/>
-                </a:solidFill>
-                <a:latin typeface="Arial" pitchFamily="34" charset="0"/>
-                <a:cs typeface="Arial" pitchFamily="34" charset="0"/>
-              </a:rPr>
-              <a:pPr algn="r"/>
-              <a:t>‹#›</a:t>
-            </a:fld>
-            <a:endParaRPr lang="en-CA" sz="900" dirty="0">
-              <a:solidFill>
-                <a:srgbClr val="858789"/>
-              </a:solidFill>
-              <a:latin typeface="Arial" pitchFamily="34" charset="0"/>
-              <a:cs typeface="Arial" pitchFamily="34" charset="0"/>
-            </a:endParaRPr>
-          </a:p>
-        </p:txBody>
-      </p:sp>
-    </p:spTree>
-    <p:extLst>
-      <p:ext uri="{BB962C8B-B14F-4D97-AF65-F5344CB8AC3E}">
-        <p14:creationId xmlns:p14="http://schemas.microsoft.com/office/powerpoint/2010/main" val="3503237934"/>
-      </p:ext>
-    </p:extLst>
-  </p:cSld>
-  <p:clrMapOvr>
-    <a:masterClrMapping/>
-  </p:clrMapOvr>
-  <p:timing>
-    <p:tnLst>
-      <p:par>
-        <p:cTn id="1" dur="indefinite" restart="never" nodeType="tmRoot"/>
-      </p:par>
-    </p:tnLst>
-  </p:timing>
-</p:sldLayout>
-</file>
-
-<file path=ppt/slideLayouts/slideLayout8.xml><?xml version="1.0" encoding="utf-8"?>
-<p:sldLayout xmlns:a="http://schemas.openxmlformats.org/drawingml/2006/main" xmlns:r="http://schemas.openxmlformats.org/officeDocument/2006/relationships" xmlns:p="http://schemas.openxmlformats.org/presentationml/2006/main" preserve="1" userDrawn="1">
-  <p:cSld name="Title Only">
-    <p:spTree>
-      <p:nvGrpSpPr>
-        <p:cNvPr id="1" name=""/>
-        <p:cNvGrpSpPr/>
-        <p:nvPr/>
-      </p:nvGrpSpPr>
-      <p:grpSpPr>
-        <a:xfrm>
-          <a:off x="0" y="0"/>
-          <a:ext cx="0" cy="0"/>
-          <a:chOff x="0" y="0"/>
-          <a:chExt cx="0" cy="0"/>
-        </a:xfrm>
-      </p:grpSpPr>
-      <p:sp>
-        <p:nvSpPr>
-          <p:cNvPr id="5" name="TextBox 4"/>
-          <p:cNvSpPr txBox="1"/>
-          <p:nvPr userDrawn="1"/>
-        </p:nvSpPr>
-        <p:spPr>
-          <a:xfrm>
-            <a:off x="444500" y="6572250"/>
-            <a:ext cx="2573227" cy="230832"/>
-          </a:xfrm>
-          <a:prstGeom prst="rect">
-            <a:avLst/>
-          </a:prstGeom>
-          <a:noFill/>
-        </p:spPr>
-        <p:txBody>
-          <a:bodyPr wrap="square" lIns="0">
-            <a:spAutoFit/>
-          </a:bodyPr>
-          <a:lstStyle/>
-          <a:p>
-            <a:pPr algn="ctr">
-              <a:defRPr/>
-            </a:pPr>
-            <a:r>
-              <a:rPr lang="en-US" sz="900" dirty="0">
-                <a:solidFill>
-                  <a:srgbClr val="858789"/>
-                </a:solidFill>
-                <a:latin typeface="Arial" pitchFamily="34" charset="0"/>
-                <a:cs typeface="Arial" pitchFamily="34" charset="0"/>
-              </a:rPr>
-              <a:t>Copyright © </a:t>
-            </a:r>
-            <a:r>
-              <a:rPr lang="en-US" sz="900" dirty="0" smtClean="0">
-                <a:solidFill>
-                  <a:srgbClr val="858789"/>
-                </a:solidFill>
-                <a:latin typeface="Arial" pitchFamily="34" charset="0"/>
-                <a:cs typeface="Arial" pitchFamily="34" charset="0"/>
-              </a:rPr>
-              <a:t>2013 Accenture  </a:t>
-            </a:r>
-            <a:r>
-              <a:rPr lang="en-US" sz="900" dirty="0">
-                <a:solidFill>
-                  <a:srgbClr val="858789"/>
-                </a:solidFill>
-                <a:latin typeface="Arial" pitchFamily="34" charset="0"/>
-                <a:cs typeface="Arial" pitchFamily="34" charset="0"/>
-              </a:rPr>
-              <a:t>All rights reserved.</a:t>
-            </a:r>
-          </a:p>
-        </p:txBody>
-      </p:sp>
-      <p:cxnSp>
-        <p:nvCxnSpPr>
-          <p:cNvPr id="7" name="Straight Connector 6"/>
-          <p:cNvCxnSpPr/>
-          <p:nvPr userDrawn="1"/>
-        </p:nvCxnSpPr>
-        <p:spPr>
-          <a:xfrm>
-            <a:off x="457994" y="1162050"/>
-            <a:ext cx="8686006" cy="0"/>
-          </a:xfrm>
-          <a:prstGeom prst="line">
-            <a:avLst/>
-          </a:prstGeom>
-          <a:ln w="12700">
-            <a:solidFill>
-              <a:srgbClr val="DD4411"/>
-            </a:solidFill>
-          </a:ln>
-        </p:spPr>
-        <p:style>
-          <a:lnRef idx="1">
-            <a:schemeClr val="accent1"/>
-          </a:lnRef>
-          <a:fillRef idx="0">
-            <a:schemeClr val="accent1"/>
-          </a:fillRef>
-          <a:effectRef idx="0">
-            <a:schemeClr val="accent1"/>
-          </a:effectRef>
-          <a:fontRef idx="minor">
-            <a:schemeClr val="tx1"/>
-          </a:fontRef>
-        </p:style>
-      </p:cxnSp>
-      <p:sp>
-        <p:nvSpPr>
-          <p:cNvPr id="3" name="Title 2"/>
-          <p:cNvSpPr>
-            <a:spLocks noGrp="1"/>
-          </p:cNvSpPr>
-          <p:nvPr>
-            <p:ph type="title" hasCustomPrompt="1"/>
-          </p:nvPr>
-        </p:nvSpPr>
-        <p:spPr/>
-        <p:txBody>
-          <a:bodyPr/>
-          <a:lstStyle/>
-          <a:p>
-            <a:r>
-              <a:rPr lang="en-US" dirty="0" smtClean="0"/>
-              <a:t>Master Title Slide Headline</a:t>
-            </a:r>
-            <a:endParaRPr lang="en-CA" dirty="0"/>
-          </a:p>
-        </p:txBody>
-      </p:sp>
-      <p:sp>
-        <p:nvSpPr>
-          <p:cNvPr id="6" name="TextBox 5"/>
-          <p:cNvSpPr txBox="1"/>
-          <p:nvPr userDrawn="1"/>
-        </p:nvSpPr>
-        <p:spPr>
-          <a:xfrm>
-            <a:off x="8144698" y="6562940"/>
-            <a:ext cx="536400" cy="244800"/>
-          </a:xfrm>
-          <a:prstGeom prst="rect">
-            <a:avLst/>
-          </a:prstGeom>
-          <a:noFill/>
-        </p:spPr>
-        <p:txBody>
-          <a:bodyPr wrap="square" lIns="0" tIns="0" rIns="0" bIns="0" rtlCol="0" anchor="ctr" anchorCtr="0">
-            <a:noAutofit/>
-          </a:bodyPr>
-          <a:lstStyle/>
-          <a:p>
-            <a:pPr algn="r"/>
-            <a:fld id="{597A8DCA-8F96-49CD-B4D5-7AC92F955860}" type="slidenum">
-              <a:rPr lang="en-CA" sz="900" smtClean="0">
-                <a:solidFill>
-                  <a:srgbClr val="858789"/>
-                </a:solidFill>
-                <a:latin typeface="Arial" pitchFamily="34" charset="0"/>
-                <a:cs typeface="Arial" pitchFamily="34" charset="0"/>
-              </a:rPr>
-              <a:pPr algn="r"/>
-              <a:t>‹#›</a:t>
-            </a:fld>
-            <a:endParaRPr lang="en-CA" sz="900" dirty="0">
-              <a:solidFill>
-                <a:srgbClr val="858789"/>
-              </a:solidFill>
-              <a:latin typeface="Arial" pitchFamily="34" charset="0"/>
-              <a:cs typeface="Arial" pitchFamily="34" charset="0"/>
-            </a:endParaRPr>
-          </a:p>
-        </p:txBody>
-      </p:sp>
-    </p:spTree>
-    <p:extLst>
-      <p:ext uri="{BB962C8B-B14F-4D97-AF65-F5344CB8AC3E}">
-        <p14:creationId xmlns:p14="http://schemas.microsoft.com/office/powerpoint/2010/main" val="1954005971"/>
-      </p:ext>
-    </p:extLst>
-  </p:cSld>
-  <p:clrMapOvr>
-    <a:masterClrMapping/>
-  </p:clrMapOvr>
-  <p:timing>
-    <p:tnLst>
-      <p:par>
-        <p:cTn id="1" dur="indefinite" restart="never" nodeType="tmRoot"/>
-      </p:par>
-    </p:tnLst>
-  </p:timing>
-</p:sldLayout>
-</file>
-
-<file path=ppt/slideLayouts/slideLayout9.xml><?xml version="1.0" encoding="utf-8"?>
+<file path=ppt/slideLayouts/slideLayout3.xml><?xml version="1.0" encoding="utf-8"?>
 <p:sldLayout xmlns:a="http://schemas.openxmlformats.org/drawingml/2006/main" xmlns:r="http://schemas.openxmlformats.org/officeDocument/2006/relationships" xmlns:p="http://schemas.openxmlformats.org/presentationml/2006/main" preserve="1" userDrawn="1">
   <p:cSld name="Blank">
     <p:spTree>
@@ -8396,6 +5492,496 @@
 </p:sldLayout>
 </file>
 
+<file path=ppt/slideLayouts/slideLayout4.xml><?xml version="1.0" encoding="utf-8"?>
+<p:sldLayout xmlns:a="http://schemas.openxmlformats.org/drawingml/2006/main" xmlns:r="http://schemas.openxmlformats.org/officeDocument/2006/relationships" xmlns:p="http://schemas.openxmlformats.org/presentationml/2006/main" preserve="1" userDrawn="1">
+  <p:cSld name="1_Blank">
+    <p:bg>
+      <p:bgRef idx="1001">
+        <a:schemeClr val="bg1"/>
+      </p:bgRef>
+    </p:bg>
+    <p:spTree>
+      <p:nvGrpSpPr>
+        <p:cNvPr id="1" name=""/>
+        <p:cNvGrpSpPr/>
+        <p:nvPr/>
+      </p:nvGrpSpPr>
+      <p:grpSpPr>
+        <a:xfrm>
+          <a:off x="0" y="0"/>
+          <a:ext cx="0" cy="0"/>
+          <a:chOff x="0" y="0"/>
+          <a:chExt cx="0" cy="0"/>
+        </a:xfrm>
+      </p:grpSpPr>
+    </p:spTree>
+    <p:extLst>
+      <p:ext uri="{BB962C8B-B14F-4D97-AF65-F5344CB8AC3E}">
+        <p14:creationId xmlns:p14="http://schemas.microsoft.com/office/powerpoint/2010/main" val="4173440593"/>
+      </p:ext>
+    </p:extLst>
+  </p:cSld>
+  <p:clrMapOvr>
+    <a:overrideClrMapping bg1="dk1" tx1="lt1" bg2="dk2" tx2="lt2" accent1="accent1" accent2="accent2" accent3="accent3" accent4="accent4" accent5="accent5" accent6="accent6" hlink="hlink" folHlink="folHlink"/>
+  </p:clrMapOvr>
+  <p:timing>
+    <p:tnLst>
+      <p:par>
+        <p:cTn id="1" dur="indefinite" restart="never" nodeType="tmRoot"/>
+      </p:par>
+    </p:tnLst>
+  </p:timing>
+</p:sldLayout>
+</file>
+
+<file path=ppt/slideLayouts/slideLayout5.xml><?xml version="1.0" encoding="utf-8"?>
+<p:sldLayout xmlns:a="http://schemas.openxmlformats.org/drawingml/2006/main" xmlns:r="http://schemas.openxmlformats.org/officeDocument/2006/relationships" xmlns:p="http://schemas.openxmlformats.org/presentationml/2006/main" userDrawn="1">
+  <p:cSld name="Title Slide">
+    <p:spTree>
+      <p:nvGrpSpPr>
+        <p:cNvPr id="1" name=""/>
+        <p:cNvGrpSpPr/>
+        <p:nvPr/>
+      </p:nvGrpSpPr>
+      <p:grpSpPr>
+        <a:xfrm>
+          <a:off x="0" y="0"/>
+          <a:ext cx="0" cy="0"/>
+          <a:chOff x="0" y="0"/>
+          <a:chExt cx="0" cy="0"/>
+        </a:xfrm>
+      </p:grpSpPr>
+      <p:pic>
+        <p:nvPicPr>
+          <p:cNvPr id="3074" name="Picture 2"/>
+          <p:cNvPicPr>
+            <a:picLocks noChangeAspect="1" noChangeArrowheads="1"/>
+          </p:cNvPicPr>
+          <p:nvPr userDrawn="1"/>
+        </p:nvPicPr>
+        <p:blipFill rotWithShape="1">
+          <a:blip r:embed="rId2">
+            <a:extLst>
+              <a:ext uri="{28A0092B-C50C-407E-A947-70E740481C1C}">
+                <a14:useLocalDpi xmlns:a14="http://schemas.microsoft.com/office/drawing/2010/main" val="0"/>
+              </a:ext>
+            </a:extLst>
+          </a:blip>
+          <a:srcRect b="8313"/>
+          <a:stretch/>
+        </p:blipFill>
+        <p:spPr bwMode="auto">
+          <a:xfrm>
+            <a:off x="0" y="0"/>
+            <a:ext cx="9144000" cy="5589240"/>
+          </a:xfrm>
+          <a:prstGeom prst="rect">
+            <a:avLst/>
+          </a:prstGeom>
+          <a:noFill/>
+          <a:ln>
+            <a:noFill/>
+          </a:ln>
+          <a:effectLst/>
+          <a:extLst>
+            <a:ext uri="{909E8E84-426E-40DD-AFC4-6F175D3DCCD1}">
+              <a14:hiddenFill xmlns:a14="http://schemas.microsoft.com/office/drawing/2010/main">
+                <a:solidFill>
+                  <a:schemeClr val="accent1"/>
+                </a:solidFill>
+              </a14:hiddenFill>
+            </a:ext>
+            <a:ext uri="{91240B29-F687-4F45-9708-019B960494DF}">
+              <a14:hiddenLine xmlns:a14="http://schemas.microsoft.com/office/drawing/2010/main" w="9525">
+                <a:solidFill>
+                  <a:schemeClr val="tx1"/>
+                </a:solidFill>
+                <a:miter lim="800000"/>
+                <a:headEnd/>
+                <a:tailEnd/>
+              </a14:hiddenLine>
+            </a:ext>
+            <a:ext uri="{AF507438-7753-43E0-B8FC-AC1667EBCBE1}">
+              <a14:hiddenEffects xmlns:a14="http://schemas.microsoft.com/office/drawing/2010/main">
+                <a:effectLst>
+                  <a:outerShdw dist="35921" dir="2700000" algn="ctr" rotWithShape="0">
+                    <a:schemeClr val="bg2"/>
+                  </a:outerShdw>
+                </a:effectLst>
+              </a14:hiddenEffects>
+            </a:ext>
+          </a:extLst>
+        </p:spPr>
+      </p:pic>
+      <p:pic>
+        <p:nvPicPr>
+          <p:cNvPr id="12" name="Picture 11"/>
+          <p:cNvPicPr>
+            <a:picLocks noChangeAspect="1"/>
+          </p:cNvPicPr>
+          <p:nvPr userDrawn="1"/>
+        </p:nvPicPr>
+        <p:blipFill>
+          <a:blip r:embed="rId3">
+            <a:extLst>
+              <a:ext uri="{28A0092B-C50C-407E-A947-70E740481C1C}">
+                <a14:useLocalDpi xmlns:a14="http://schemas.microsoft.com/office/drawing/2010/main" val="0"/>
+              </a:ext>
+            </a:extLst>
+          </a:blip>
+          <a:stretch>
+            <a:fillRect/>
+          </a:stretch>
+        </p:blipFill>
+        <p:spPr>
+          <a:xfrm>
+            <a:off x="6550931" y="274095"/>
+            <a:ext cx="2341549" cy="2505458"/>
+          </a:xfrm>
+          <a:prstGeom prst="rect">
+            <a:avLst/>
+          </a:prstGeom>
+        </p:spPr>
+      </p:pic>
+      <p:pic>
+        <p:nvPicPr>
+          <p:cNvPr id="1026" name="Picture 2"/>
+          <p:cNvPicPr>
+            <a:picLocks noChangeAspect="1" noChangeArrowheads="1"/>
+          </p:cNvPicPr>
+          <p:nvPr userDrawn="1"/>
+        </p:nvPicPr>
+        <p:blipFill rotWithShape="1">
+          <a:blip r:embed="rId4" cstate="print">
+            <a:extLst>
+              <a:ext uri="{28A0092B-C50C-407E-A947-70E740481C1C}">
+                <a14:useLocalDpi xmlns:a14="http://schemas.microsoft.com/office/drawing/2010/main" val="0"/>
+              </a:ext>
+            </a:extLst>
+          </a:blip>
+          <a:srcRect l="4685" t="21591" r="3101" b="16856"/>
+          <a:stretch/>
+        </p:blipFill>
+        <p:spPr bwMode="auto">
+          <a:xfrm>
+            <a:off x="1763688" y="6055306"/>
+            <a:ext cx="2020144" cy="758137"/>
+          </a:xfrm>
+          <a:prstGeom prst="rect">
+            <a:avLst/>
+          </a:prstGeom>
+          <a:noFill/>
+          <a:ln>
+            <a:noFill/>
+          </a:ln>
+          <a:extLst>
+            <a:ext uri="{909E8E84-426E-40DD-AFC4-6F175D3DCCD1}">
+              <a14:hiddenFill xmlns:a14="http://schemas.microsoft.com/office/drawing/2010/main">
+                <a:solidFill>
+                  <a:schemeClr val="accent1"/>
+                </a:solidFill>
+              </a14:hiddenFill>
+            </a:ext>
+            <a:ext uri="{91240B29-F687-4F45-9708-019B960494DF}">
+              <a14:hiddenLine xmlns:a14="http://schemas.microsoft.com/office/drawing/2010/main" w="9525">
+                <a:solidFill>
+                  <a:schemeClr val="tx1"/>
+                </a:solidFill>
+                <a:miter lim="800000"/>
+                <a:headEnd/>
+                <a:tailEnd/>
+              </a14:hiddenLine>
+            </a:ext>
+          </a:extLst>
+        </p:spPr>
+      </p:pic>
+      <p:pic>
+        <p:nvPicPr>
+          <p:cNvPr id="13" name="Picture 12"/>
+          <p:cNvPicPr>
+            <a:picLocks noChangeAspect="1"/>
+          </p:cNvPicPr>
+          <p:nvPr userDrawn="1"/>
+        </p:nvPicPr>
+        <p:blipFill>
+          <a:blip r:embed="rId5" cstate="print">
+            <a:extLst>
+              <a:ext uri="{28A0092B-C50C-407E-A947-70E740481C1C}">
+                <a14:useLocalDpi xmlns:a14="http://schemas.microsoft.com/office/drawing/2010/main" val="0"/>
+              </a:ext>
+            </a:extLst>
+          </a:blip>
+          <a:stretch>
+            <a:fillRect/>
+          </a:stretch>
+        </p:blipFill>
+        <p:spPr>
+          <a:xfrm>
+            <a:off x="3885547" y="5877302"/>
+            <a:ext cx="1222176" cy="696640"/>
+          </a:xfrm>
+          <a:prstGeom prst="rect">
+            <a:avLst/>
+          </a:prstGeom>
+        </p:spPr>
+      </p:pic>
+      <p:pic>
+        <p:nvPicPr>
+          <p:cNvPr id="14" name="Picture 13"/>
+          <p:cNvPicPr>
+            <a:picLocks noChangeAspect="1"/>
+          </p:cNvPicPr>
+          <p:nvPr userDrawn="1"/>
+        </p:nvPicPr>
+        <p:blipFill>
+          <a:blip r:embed="rId6">
+            <a:extLst>
+              <a:ext uri="{28A0092B-C50C-407E-A947-70E740481C1C}">
+                <a14:useLocalDpi xmlns:a14="http://schemas.microsoft.com/office/drawing/2010/main" val="0"/>
+              </a:ext>
+            </a:extLst>
+          </a:blip>
+          <a:stretch>
+            <a:fillRect/>
+          </a:stretch>
+        </p:blipFill>
+        <p:spPr>
+          <a:xfrm>
+            <a:off x="7596336" y="6000541"/>
+            <a:ext cx="1241576" cy="553863"/>
+          </a:xfrm>
+          <a:prstGeom prst="rect">
+            <a:avLst/>
+          </a:prstGeom>
+        </p:spPr>
+      </p:pic>
+      <p:pic>
+        <p:nvPicPr>
+          <p:cNvPr id="1027" name="Picture 3"/>
+          <p:cNvPicPr>
+            <a:picLocks noChangeAspect="1" noChangeArrowheads="1"/>
+          </p:cNvPicPr>
+          <p:nvPr userDrawn="1"/>
+        </p:nvPicPr>
+        <p:blipFill>
+          <a:blip r:embed="rId7" cstate="print">
+            <a:extLst>
+              <a:ext uri="{28A0092B-C50C-407E-A947-70E740481C1C}">
+                <a14:useLocalDpi xmlns:a14="http://schemas.microsoft.com/office/drawing/2010/main" val="0"/>
+              </a:ext>
+            </a:extLst>
+          </a:blip>
+          <a:srcRect/>
+          <a:stretch>
+            <a:fillRect/>
+          </a:stretch>
+        </p:blipFill>
+        <p:spPr bwMode="auto">
+          <a:xfrm>
+            <a:off x="49025" y="5774272"/>
+            <a:ext cx="1915760" cy="1066374"/>
+          </a:xfrm>
+          <a:prstGeom prst="rect">
+            <a:avLst/>
+          </a:prstGeom>
+          <a:noFill/>
+          <a:ln>
+            <a:noFill/>
+          </a:ln>
+          <a:effectLst/>
+          <a:extLst>
+            <a:ext uri="{909E8E84-426E-40DD-AFC4-6F175D3DCCD1}">
+              <a14:hiddenFill xmlns:a14="http://schemas.microsoft.com/office/drawing/2010/main">
+                <a:solidFill>
+                  <a:schemeClr val="accent1"/>
+                </a:solidFill>
+              </a14:hiddenFill>
+            </a:ext>
+            <a:ext uri="{91240B29-F687-4F45-9708-019B960494DF}">
+              <a14:hiddenLine xmlns:a14="http://schemas.microsoft.com/office/drawing/2010/main" w="9525">
+                <a:solidFill>
+                  <a:schemeClr val="tx1"/>
+                </a:solidFill>
+                <a:miter lim="800000"/>
+                <a:headEnd/>
+                <a:tailEnd/>
+              </a14:hiddenLine>
+            </a:ext>
+            <a:ext uri="{AF507438-7753-43E0-B8FC-AC1667EBCBE1}">
+              <a14:hiddenEffects xmlns:a14="http://schemas.microsoft.com/office/drawing/2010/main">
+                <a:effectLst>
+                  <a:outerShdw dist="35921" dir="2700000" algn="ctr" rotWithShape="0">
+                    <a:schemeClr val="bg2"/>
+                  </a:outerShdw>
+                </a:effectLst>
+              </a14:hiddenEffects>
+            </a:ext>
+          </a:extLst>
+        </p:spPr>
+      </p:pic>
+      <p:pic>
+        <p:nvPicPr>
+          <p:cNvPr id="15" name="Picture 14"/>
+          <p:cNvPicPr>
+            <a:picLocks noChangeAspect="1"/>
+          </p:cNvPicPr>
+          <p:nvPr userDrawn="1"/>
+        </p:nvPicPr>
+        <p:blipFill>
+          <a:blip r:embed="rId8">
+            <a:extLst>
+              <a:ext uri="{28A0092B-C50C-407E-A947-70E740481C1C}">
+                <a14:useLocalDpi xmlns:a14="http://schemas.microsoft.com/office/drawing/2010/main" val="0"/>
+              </a:ext>
+            </a:extLst>
+          </a:blip>
+          <a:stretch>
+            <a:fillRect/>
+          </a:stretch>
+        </p:blipFill>
+        <p:spPr>
+          <a:xfrm>
+            <a:off x="5655279" y="5877842"/>
+            <a:ext cx="1791305" cy="904699"/>
+          </a:xfrm>
+          <a:prstGeom prst="rect">
+            <a:avLst/>
+          </a:prstGeom>
+        </p:spPr>
+      </p:pic>
+      <p:sp>
+        <p:nvSpPr>
+          <p:cNvPr id="16" name="TextBox 15"/>
+          <p:cNvSpPr txBox="1"/>
+          <p:nvPr userDrawn="1"/>
+        </p:nvSpPr>
+        <p:spPr>
+          <a:xfrm>
+            <a:off x="162134" y="5589240"/>
+            <a:ext cx="1656184" cy="307777"/>
+          </a:xfrm>
+          <a:prstGeom prst="rect">
+            <a:avLst/>
+          </a:prstGeom>
+          <a:noFill/>
+        </p:spPr>
+        <p:txBody>
+          <a:bodyPr wrap="square" rtlCol="0">
+            <a:spAutoFit/>
+          </a:bodyPr>
+          <a:lstStyle/>
+          <a:p>
+            <a:r>
+              <a:rPr lang="en-US" sz="1400" dirty="0" smtClean="0"/>
+              <a:t>Organizers</a:t>
+            </a:r>
+            <a:endParaRPr lang="sk-SK" sz="1400" dirty="0"/>
+          </a:p>
+        </p:txBody>
+      </p:sp>
+      <p:sp>
+        <p:nvSpPr>
+          <p:cNvPr id="19" name="TextBox 18"/>
+          <p:cNvSpPr txBox="1"/>
+          <p:nvPr userDrawn="1"/>
+        </p:nvSpPr>
+        <p:spPr>
+          <a:xfrm>
+            <a:off x="3851920" y="5589240"/>
+            <a:ext cx="1957663" cy="307777"/>
+          </a:xfrm>
+          <a:prstGeom prst="rect">
+            <a:avLst/>
+          </a:prstGeom>
+          <a:noFill/>
+        </p:spPr>
+        <p:txBody>
+          <a:bodyPr wrap="square" rtlCol="0">
+            <a:spAutoFit/>
+          </a:bodyPr>
+          <a:lstStyle/>
+          <a:p>
+            <a:r>
+              <a:rPr lang="en-US" sz="1400" dirty="0" smtClean="0"/>
+              <a:t>Top Media Partner</a:t>
+            </a:r>
+            <a:endParaRPr lang="sk-SK" sz="1400" dirty="0"/>
+          </a:p>
+        </p:txBody>
+      </p:sp>
+      <p:sp>
+        <p:nvSpPr>
+          <p:cNvPr id="20" name="TextBox 19"/>
+          <p:cNvSpPr txBox="1"/>
+          <p:nvPr userDrawn="1"/>
+        </p:nvSpPr>
+        <p:spPr>
+          <a:xfrm>
+            <a:off x="5580112" y="5589240"/>
+            <a:ext cx="1515327" cy="307777"/>
+          </a:xfrm>
+          <a:prstGeom prst="rect">
+            <a:avLst/>
+          </a:prstGeom>
+          <a:noFill/>
+        </p:spPr>
+        <p:txBody>
+          <a:bodyPr wrap="square" rtlCol="0">
+            <a:spAutoFit/>
+          </a:bodyPr>
+          <a:lstStyle/>
+          <a:p>
+            <a:r>
+              <a:rPr lang="en-US" sz="1400" dirty="0" smtClean="0"/>
+              <a:t>Media Partner</a:t>
+            </a:r>
+            <a:endParaRPr lang="sk-SK" sz="1400" dirty="0"/>
+          </a:p>
+        </p:txBody>
+      </p:sp>
+      <p:sp>
+        <p:nvSpPr>
+          <p:cNvPr id="21" name="TextBox 20"/>
+          <p:cNvSpPr txBox="1"/>
+          <p:nvPr userDrawn="1"/>
+        </p:nvSpPr>
+        <p:spPr>
+          <a:xfrm>
+            <a:off x="7521169" y="5589240"/>
+            <a:ext cx="1515327" cy="307777"/>
+          </a:xfrm>
+          <a:prstGeom prst="rect">
+            <a:avLst/>
+          </a:prstGeom>
+          <a:noFill/>
+        </p:spPr>
+        <p:txBody>
+          <a:bodyPr wrap="square" rtlCol="0">
+            <a:spAutoFit/>
+          </a:bodyPr>
+          <a:lstStyle/>
+          <a:p>
+            <a:r>
+              <a:rPr lang="en-US" sz="1400" dirty="0" smtClean="0"/>
+              <a:t>Supporter</a:t>
+            </a:r>
+            <a:endParaRPr lang="sk-SK" sz="1400" dirty="0"/>
+          </a:p>
+        </p:txBody>
+      </p:sp>
+    </p:spTree>
+    <p:extLst>
+      <p:ext uri="{BB962C8B-B14F-4D97-AF65-F5344CB8AC3E}">
+        <p14:creationId xmlns:p14="http://schemas.microsoft.com/office/powerpoint/2010/main" val="615129277"/>
+      </p:ext>
+    </p:extLst>
+  </p:cSld>
+  <p:clrMapOvr>
+    <a:masterClrMapping/>
+  </p:clrMapOvr>
+</p:sldLayout>
+</file>
+
 <file path=ppt/slideMasters/slideMaster1.xml><?xml version="1.0" encoding="utf-8"?>
 <p:sldMaster xmlns:a="http://schemas.openxmlformats.org/drawingml/2006/main" xmlns:r="http://schemas.openxmlformats.org/officeDocument/2006/relationships" xmlns:p="http://schemas.openxmlformats.org/presentationml/2006/main">
   <p:cSld>
@@ -8522,16 +6108,11 @@
   </p:cSld>
   <p:clrMap bg1="lt1" tx1="dk1" bg2="lt2" tx2="dk2" accent1="accent1" accent2="accent2" accent3="accent3" accent4="accent4" accent5="accent5" accent6="accent6" hlink="hlink" folHlink="folHlink"/>
   <p:sldLayoutIdLst>
-    <p:sldLayoutId id="2147483649" r:id="rId1"/>
-    <p:sldLayoutId id="2147483650" r:id="rId2"/>
-    <p:sldLayoutId id="2147483652" r:id="rId3"/>
-    <p:sldLayoutId id="2147483658" r:id="rId4"/>
-    <p:sldLayoutId id="2147483651" r:id="rId5"/>
-    <p:sldLayoutId id="2147483653" r:id="rId6"/>
-    <p:sldLayoutId id="2147483654" r:id="rId7"/>
-    <p:sldLayoutId id="2147483655" r:id="rId8"/>
-    <p:sldLayoutId id="2147483656" r:id="rId9"/>
-    <p:sldLayoutId id="2147483659" r:id="rId10"/>
+    <p:sldLayoutId id="2147483652" r:id="rId1"/>
+    <p:sldLayoutId id="2147483658" r:id="rId2"/>
+    <p:sldLayoutId id="2147483656" r:id="rId3"/>
+    <p:sldLayoutId id="2147483659" r:id="rId4"/>
+    <p:sldLayoutId id="2147483660" r:id="rId5"/>
   </p:sldLayoutIdLst>
   <p:timing>
     <p:tnLst>
@@ -8866,59 +6447,66 @@
       </p:grpSpPr>
       <p:sp>
         <p:nvSpPr>
-          <p:cNvPr id="17" name="Text Placeholder 16"/>
-          <p:cNvSpPr>
-            <a:spLocks noGrp="1"/>
-          </p:cNvSpPr>
-          <p:nvPr>
-            <p:ph type="body" sz="quarter" idx="10"/>
-          </p:nvPr>
+          <p:cNvPr id="3" name="TextBox 2"/>
+          <p:cNvSpPr txBox="1"/>
+          <p:nvPr/>
         </p:nvSpPr>
         <p:spPr>
           <a:xfrm>
-            <a:off x="458788" y="5088467"/>
-            <a:ext cx="7075868" cy="1504838"/>
+            <a:off x="251520" y="120114"/>
+            <a:ext cx="5040560" cy="2031325"/>
           </a:xfrm>
+          <a:prstGeom prst="rect">
+            <a:avLst/>
+          </a:prstGeom>
+          <a:noFill/>
         </p:spPr>
         <p:txBody>
-          <a:bodyPr>
-            <a:normAutofit fontScale="77500" lnSpcReduction="20000"/>
+          <a:bodyPr wrap="square" rtlCol="0">
+            <a:spAutoFit/>
           </a:bodyPr>
           <a:lstStyle/>
           <a:p>
             <a:r>
-              <a:rPr lang="en-US" dirty="0"/>
-              <a:t>Using Dynamic Languages to Achieve Higher Development Productivity and </a:t>
-            </a:r>
-            <a:r>
-              <a:rPr lang="en-US" dirty="0" smtClean="0"/>
-              <a:t>Agility</a:t>
-            </a:r>
-          </a:p>
-          <a:p>
-            <a:r>
-              <a:rPr lang="es-ES_tradnl" dirty="0" smtClean="0"/>
-              <a:t>Oscar Renalias, </a:t>
-            </a:r>
-            <a:r>
-              <a:rPr lang="es-ES_tradnl" dirty="0" err="1" smtClean="0"/>
-              <a:t>OpenSlava</a:t>
-            </a:r>
-            <a:r>
-              <a:rPr lang="es-ES_tradnl" dirty="0" smtClean="0"/>
-              <a:t> 2013</a:t>
-            </a:r>
-            <a:endParaRPr lang="en-US" dirty="0" smtClean="0"/>
-          </a:p>
-          <a:p>
-            <a:endParaRPr lang="en-CA" dirty="0"/>
+              <a:rPr lang="en-US" sz="3600" b="1" dirty="0" smtClean="0">
+                <a:solidFill>
+                  <a:schemeClr val="bg1"/>
+                </a:solidFill>
+              </a:rPr>
+              <a:t>Oscar Renalias</a:t>
+            </a:r>
+          </a:p>
+          <a:p>
+            <a:r>
+              <a:rPr lang="en-US" sz="2400" dirty="0">
+                <a:solidFill>
+                  <a:schemeClr val="bg1"/>
+                </a:solidFill>
+              </a:rPr>
+              <a:t>Using Dynamic Languages to Achieve Higher Development Productivity and Agility</a:t>
+            </a:r>
+          </a:p>
+          <a:p>
+            <a:r>
+              <a:rPr lang="en-US" baseline="0" dirty="0" smtClean="0">
+                <a:solidFill>
+                  <a:schemeClr val="bg1"/>
+                </a:solidFill>
+              </a:rPr>
+              <a:t>October 11, 2013</a:t>
+            </a:r>
+            <a:endParaRPr lang="sk-SK" dirty="0">
+              <a:solidFill>
+                <a:schemeClr val="bg1"/>
+              </a:solidFill>
+            </a:endParaRPr>
           </a:p>
         </p:txBody>
       </p:sp>
     </p:spTree>
     <p:extLst>
       <p:ext uri="{BB962C8B-B14F-4D97-AF65-F5344CB8AC3E}">
-        <p14:creationId xmlns:p14="http://schemas.microsoft.com/office/powerpoint/2010/main" val="1241035648"/>
+        <p14:creationId xmlns:p14="http://schemas.microsoft.com/office/powerpoint/2010/main" val="1859593918"/>
       </p:ext>
     </p:extLst>
   </p:cSld>
@@ -8936,6 +6524,215 @@
 </file>
 
 <file path=ppt/slides/slide10.xml><?xml version="1.0" encoding="utf-8"?>
+<p:sld xmlns:a="http://schemas.openxmlformats.org/drawingml/2006/main" xmlns:r="http://schemas.openxmlformats.org/officeDocument/2006/relationships" xmlns:p="http://schemas.openxmlformats.org/presentationml/2006/main">
+  <p:cSld>
+    <p:spTree>
+      <p:nvGrpSpPr>
+        <p:cNvPr id="1" name=""/>
+        <p:cNvGrpSpPr/>
+        <p:nvPr/>
+      </p:nvGrpSpPr>
+      <p:grpSpPr>
+        <a:xfrm>
+          <a:off x="0" y="0"/>
+          <a:ext cx="0" cy="0"/>
+          <a:chOff x="0" y="0"/>
+          <a:chExt cx="0" cy="0"/>
+        </a:xfrm>
+      </p:grpSpPr>
+      <p:sp>
+        <p:nvSpPr>
+          <p:cNvPr id="3" name="Content Placeholder 2"/>
+          <p:cNvSpPr>
+            <a:spLocks noGrp="1"/>
+          </p:cNvSpPr>
+          <p:nvPr>
+            <p:ph sz="quarter" idx="12"/>
+          </p:nvPr>
+        </p:nvSpPr>
+        <p:spPr>
+          <a:prstGeom prst="rect">
+            <a:avLst/>
+          </a:prstGeom>
+        </p:spPr>
+        <p:txBody>
+          <a:bodyPr>
+            <a:normAutofit/>
+          </a:bodyPr>
+          <a:lstStyle/>
+          <a:p>
+            <a:pPr indent="-403225"/>
+            <a:r>
+              <a:rPr lang="en-CA" dirty="0" smtClean="0"/>
+              <a:t>Clean, well-designed language that enforces readable code</a:t>
+            </a:r>
+          </a:p>
+          <a:p>
+            <a:pPr lvl="1"/>
+            <a:r>
+              <a:rPr lang="en-CA" dirty="0" smtClean="0"/>
+              <a:t>Predates Java</a:t>
+            </a:r>
+            <a:endParaRPr lang="en-CA" dirty="0" smtClean="0"/>
+          </a:p>
+          <a:p>
+            <a:pPr lvl="1"/>
+            <a:r>
+              <a:rPr lang="en-US" dirty="0" smtClean="0"/>
+              <a:t>Object-oriented with functional programming support</a:t>
+            </a:r>
+          </a:p>
+          <a:p>
+            <a:pPr lvl="1"/>
+            <a:r>
+              <a:rPr lang="en-CA" dirty="0" smtClean="0"/>
+              <a:t>Extensive library</a:t>
+            </a:r>
+          </a:p>
+          <a:p>
+            <a:pPr lvl="1"/>
+            <a:r>
+              <a:rPr lang="en-CA" dirty="0" smtClean="0"/>
+              <a:t>Readable structure promotes maintainable code</a:t>
+            </a:r>
+            <a:endParaRPr lang="en-US" dirty="0" smtClean="0"/>
+          </a:p>
+          <a:p>
+            <a:pPr lvl="1"/>
+            <a:r>
+              <a:rPr lang="en-CA" dirty="0" smtClean="0"/>
+              <a:t>Easy to integrate with and wrap C/C++ code</a:t>
+            </a:r>
+          </a:p>
+          <a:p>
+            <a:pPr lvl="1"/>
+            <a:r>
+              <a:rPr lang="en-CA" dirty="0" smtClean="0"/>
+              <a:t>No commercial vendor support</a:t>
+            </a:r>
+          </a:p>
+          <a:p>
+            <a:pPr lvl="1"/>
+            <a:r>
+              <a:rPr lang="en-US" dirty="0" err="1" smtClean="0"/>
+              <a:t>Jython</a:t>
+            </a:r>
+            <a:r>
+              <a:rPr lang="en-US" dirty="0" smtClean="0"/>
+              <a:t> is a fully-compliant Python implementation that runs on the JVM</a:t>
+            </a:r>
+          </a:p>
+        </p:txBody>
+      </p:sp>
+      <p:sp>
+        <p:nvSpPr>
+          <p:cNvPr id="2" name="Title 1"/>
+          <p:cNvSpPr>
+            <a:spLocks noGrp="1"/>
+          </p:cNvSpPr>
+          <p:nvPr>
+            <p:ph type="title"/>
+          </p:nvPr>
+        </p:nvSpPr>
+        <p:spPr/>
+        <p:txBody>
+          <a:bodyPr/>
+          <a:lstStyle/>
+          <a:p>
+            <a:r>
+              <a:rPr lang="en-US" dirty="0" smtClean="0"/>
+              <a:t>Python</a:t>
+            </a:r>
+            <a:endParaRPr lang="en-US" dirty="0"/>
+          </a:p>
+        </p:txBody>
+      </p:sp>
+      <p:pic>
+        <p:nvPicPr>
+          <p:cNvPr id="3078" name="Picture 6" descr="http://digitizor.com/wp-content/uploads/2011/07/pylogo.png?dur=520"/>
+          <p:cNvPicPr>
+            <a:picLocks noChangeAspect="1" noChangeArrowheads="1"/>
+          </p:cNvPicPr>
+          <p:nvPr/>
+        </p:nvPicPr>
+        <p:blipFill>
+          <a:blip r:embed="rId3" cstate="print">
+            <a:extLst>
+              <a:ext uri="{BEBA8EAE-BF5A-486C-A8C5-ECC9F3942E4B}">
+                <a14:imgProps xmlns:a14="http://schemas.microsoft.com/office/drawing/2010/main">
+                  <a14:imgLayer r:embed="rId4">
+                    <a14:imgEffect>
+                      <a14:backgroundRemoval t="7500" b="92143" l="7143" r="92143">
+                        <a14:foregroundMark x1="58571" y1="34286" x2="31071" y2="32857"/>
+                        <a14:foregroundMark x1="23214" y1="42857" x2="18214" y2="56786"/>
+                        <a14:foregroundMark x1="42857" y1="12857" x2="59643" y2="15714"/>
+                        <a14:foregroundMark x1="84286" y1="49286" x2="50357" y2="59643"/>
+                        <a14:foregroundMark x1="39286" y1="76786" x2="54286" y2="81071"/>
+                        <a14:foregroundMark x1="49286" y1="40357" x2="15000" y2="36429"/>
+                      </a14:backgroundRemoval>
+                    </a14:imgEffect>
+                  </a14:imgLayer>
+                </a14:imgProps>
+              </a:ext>
+              <a:ext uri="{28A0092B-C50C-407E-A947-70E740481C1C}">
+                <a14:useLocalDpi xmlns:a14="http://schemas.microsoft.com/office/drawing/2010/main" val="0"/>
+              </a:ext>
+            </a:extLst>
+          </a:blip>
+          <a:srcRect/>
+          <a:stretch>
+            <a:fillRect/>
+          </a:stretch>
+        </p:blipFill>
+        <p:spPr bwMode="auto">
+          <a:xfrm>
+            <a:off x="8071109" y="0"/>
+            <a:ext cx="1072891" cy="1072891"/>
+          </a:xfrm>
+          <a:prstGeom prst="rect">
+            <a:avLst/>
+          </a:prstGeom>
+          <a:noFill/>
+          <a:extLst>
+            <a:ext uri="{909E8E84-426E-40DD-AFC4-6F175D3DCCD1}">
+              <a14:hiddenFill xmlns:a14="http://schemas.microsoft.com/office/drawing/2010/main">
+                <a:solidFill>
+                  <a:srgbClr val="FFFFFF"/>
+                </a:solidFill>
+              </a14:hiddenFill>
+            </a:ext>
+          </a:extLst>
+        </p:spPr>
+      </p:pic>
+    </p:spTree>
+    <p:extLst>
+      <p:ext uri="{BB962C8B-B14F-4D97-AF65-F5344CB8AC3E}">
+        <p14:creationId xmlns:p14="http://schemas.microsoft.com/office/powerpoint/2010/main" val="491086951"/>
+      </p:ext>
+    </p:extLst>
+  </p:cSld>
+  <p:clrMapOvr>
+    <a:masterClrMapping/>
+  </p:clrMapOvr>
+  <mc:AlternateContent xmlns:mc="http://schemas.openxmlformats.org/markup-compatibility/2006" xmlns:p14="http://schemas.microsoft.com/office/powerpoint/2010/main">
+    <mc:Choice Requires="p14">
+      <p:transition spd="slow" p14:dur="2000"/>
+    </mc:Choice>
+    <mc:Fallback xmlns="">
+      <p:transition spd="slow"/>
+    </mc:Fallback>
+  </mc:AlternateContent>
+  <p:timing>
+    <p:tnLst>
+      <p:par>
+        <p:cTn id="1" dur="indefinite" restart="never" nodeType="tmRoot"/>
+      </p:par>
+    </p:tnLst>
+  </p:timing>
+</p:sld>
+</file>
+
+<file path=ppt/slides/slide11.xml><?xml version="1.0" encoding="utf-8"?>
 <p:sld xmlns:a="http://schemas.openxmlformats.org/drawingml/2006/main" xmlns:r="http://schemas.openxmlformats.org/officeDocument/2006/relationships" xmlns:p="http://schemas.openxmlformats.org/presentationml/2006/main">
   <p:cSld>
     <p:spTree>
@@ -9114,7 +6911,7 @@
 </p:sld>
 </file>
 
-<file path=ppt/slides/slide11.xml><?xml version="1.0" encoding="utf-8"?>
+<file path=ppt/slides/slide12.xml><?xml version="1.0" encoding="utf-8"?>
 <p:sld xmlns:a="http://schemas.openxmlformats.org/drawingml/2006/main" xmlns:r="http://schemas.openxmlformats.org/officeDocument/2006/relationships" xmlns:p="http://schemas.openxmlformats.org/presentationml/2006/main">
   <p:cSld>
     <p:spTree>
@@ -9195,8 +6992,17 @@
             <a:pPr lvl="1"/>
             <a:r>
               <a:rPr lang="en-US" dirty="0" smtClean="0"/>
-              <a:t>Not as mature as other dynamic languages </a:t>
-            </a:r>
+              <a:t>Mature </a:t>
+            </a:r>
+            <a:r>
+              <a:rPr lang="en-US" dirty="0" err="1" smtClean="0"/>
+              <a:t>dyamic</a:t>
+            </a:r>
+            <a:r>
+              <a:rPr lang="en-US" dirty="0" smtClean="0"/>
+              <a:t> capabilities on the JVM </a:t>
+            </a:r>
+            <a:endParaRPr lang="en-US" dirty="0" smtClean="0"/>
           </a:p>
           <a:p>
             <a:pPr lvl="1"/>
@@ -9328,7 +7134,7 @@
 </p:sld>
 </file>
 
-<file path=ppt/slides/slide12.xml><?xml version="1.0" encoding="utf-8"?>
+<file path=ppt/slides/slide13.xml><?xml version="1.0" encoding="utf-8"?>
 <p:sld xmlns:a="http://schemas.openxmlformats.org/drawingml/2006/main" xmlns:r="http://schemas.openxmlformats.org/officeDocument/2006/relationships" xmlns:p="http://schemas.openxmlformats.org/presentationml/2006/main">
   <p:cSld>
     <p:spTree>
@@ -9421,7 +7227,11 @@
             <a:pPr lvl="1"/>
             <a:r>
               <a:rPr lang="en-US" dirty="0" smtClean="0"/>
-              <a:t>Language released in 2003, has a strong following</a:t>
+              <a:t>Strong </a:t>
+            </a:r>
+            <a:r>
+              <a:rPr lang="en-US" dirty="0" smtClean="0"/>
+              <a:t>following</a:t>
             </a:r>
           </a:p>
           <a:p>
@@ -9586,7 +7396,7 @@
 </p:sld>
 </file>
 
-<file path=ppt/slides/slide13.xml><?xml version="1.0" encoding="utf-8"?>
+<file path=ppt/slides/slide14.xml><?xml version="1.0" encoding="utf-8"?>
 <p:sld xmlns:a="http://schemas.openxmlformats.org/drawingml/2006/main" xmlns:r="http://schemas.openxmlformats.org/officeDocument/2006/relationships" xmlns:p="http://schemas.openxmlformats.org/presentationml/2006/main">
   <p:cSld>
     <p:spTree>
@@ -9850,7 +7660,7 @@
 </p:sld>
 </file>
 
-<file path=ppt/slides/slide14.xml><?xml version="1.0" encoding="utf-8"?>
+<file path=ppt/slides/slide15.xml><?xml version="1.0" encoding="utf-8"?>
 <p:sld xmlns:a="http://schemas.openxmlformats.org/drawingml/2006/main" xmlns:r="http://schemas.openxmlformats.org/officeDocument/2006/relationships" xmlns:p="http://schemas.openxmlformats.org/presentationml/2006/main">
   <p:cSld>
     <p:spTree>
@@ -10170,7 +7980,7 @@
 </p:sld>
 </file>
 
-<file path=ppt/slides/slide15.xml><?xml version="1.0" encoding="utf-8"?>
+<file path=ppt/slides/slide16.xml><?xml version="1.0" encoding="utf-8"?>
 <p:sld xmlns:a="http://schemas.openxmlformats.org/drawingml/2006/main" xmlns:r="http://schemas.openxmlformats.org/officeDocument/2006/relationships" xmlns:p="http://schemas.openxmlformats.org/presentationml/2006/main">
   <p:cSld>
     <p:spTree>
@@ -11216,149 +9026,6 @@
 </p:sld>
 </file>
 
-<file path=ppt/slides/slide16.xml><?xml version="1.0" encoding="utf-8"?>
-<p:sld xmlns:a="http://schemas.openxmlformats.org/drawingml/2006/main" xmlns:r="http://schemas.openxmlformats.org/officeDocument/2006/relationships" xmlns:p="http://schemas.openxmlformats.org/presentationml/2006/main">
-  <p:cSld>
-    <p:spTree>
-      <p:nvGrpSpPr>
-        <p:cNvPr id="1" name=""/>
-        <p:cNvGrpSpPr/>
-        <p:nvPr/>
-      </p:nvGrpSpPr>
-      <p:grpSpPr>
-        <a:xfrm>
-          <a:off x="0" y="0"/>
-          <a:ext cx="0" cy="0"/>
-          <a:chOff x="0" y="0"/>
-          <a:chExt cx="0" cy="0"/>
-        </a:xfrm>
-      </p:grpSpPr>
-      <p:sp>
-        <p:nvSpPr>
-          <p:cNvPr id="3" name="Content Placeholder 2"/>
-          <p:cNvSpPr>
-            <a:spLocks noGrp="1"/>
-          </p:cNvSpPr>
-          <p:nvPr>
-            <p:ph sz="quarter" idx="12"/>
-          </p:nvPr>
-        </p:nvSpPr>
-        <p:spPr/>
-        <p:txBody>
-          <a:bodyPr>
-            <a:normAutofit fontScale="85000" lnSpcReduction="20000"/>
-          </a:bodyPr>
-          <a:lstStyle/>
-          <a:p>
-            <a:r>
-              <a:rPr lang="en-US" dirty="0" smtClean="0"/>
-              <a:t>Establishing a strong capability in dynamic languages can position the enterprise for higher software delivery productivity and agility</a:t>
-            </a:r>
-          </a:p>
-          <a:p>
-            <a:pPr lvl="1"/>
-            <a:r>
-              <a:rPr lang="en-US" dirty="0" smtClean="0"/>
-              <a:t>Alternative to heavy-weight traditional approaches</a:t>
-            </a:r>
-          </a:p>
-          <a:p>
-            <a:pPr lvl="1"/>
-            <a:r>
-              <a:rPr lang="en-US" dirty="0" smtClean="0"/>
-              <a:t>Strong support for agility, possibility of dramatically better productivity and time-to-market</a:t>
-            </a:r>
-          </a:p>
-          <a:p>
-            <a:pPr lvl="1"/>
-            <a:r>
-              <a:rPr lang="pt-BR" dirty="0" smtClean="0"/>
-              <a:t>Increased interest in browser-centric and asynchronous Web technologies</a:t>
-            </a:r>
-            <a:endParaRPr lang="en-US" dirty="0" smtClean="0"/>
-          </a:p>
-          <a:p>
-            <a:pPr lvl="1"/>
-            <a:r>
-              <a:rPr lang="en-US" dirty="0" smtClean="0"/>
-              <a:t>Many proven examples in industry</a:t>
-            </a:r>
-          </a:p>
-          <a:p>
-            <a:pPr lvl="1"/>
-            <a:r>
-              <a:rPr lang="en-US" dirty="0" smtClean="0"/>
-              <a:t>New generation of developers considers them more fun and exciting Growing support from industry analysts and thought leaders</a:t>
-            </a:r>
-          </a:p>
-          <a:p>
-            <a:r>
-              <a:rPr lang="en-CA" dirty="0" smtClean="0"/>
-              <a:t>Need to augment enterprise toolset</a:t>
-            </a:r>
-          </a:p>
-          <a:p>
-            <a:pPr lvl="1"/>
-            <a:r>
-              <a:rPr lang="en-US" dirty="0" smtClean="0"/>
-              <a:t>Not a cure-all, but can have a tremendous positive impact in the right situations</a:t>
-            </a:r>
-          </a:p>
-          <a:p>
-            <a:pPr lvl="1"/>
-            <a:endParaRPr lang="en-CA" dirty="0" smtClean="0"/>
-          </a:p>
-        </p:txBody>
-      </p:sp>
-      <p:sp>
-        <p:nvSpPr>
-          <p:cNvPr id="5" name="Title 4"/>
-          <p:cNvSpPr>
-            <a:spLocks noGrp="1"/>
-          </p:cNvSpPr>
-          <p:nvPr>
-            <p:ph type="title"/>
-          </p:nvPr>
-        </p:nvSpPr>
-        <p:spPr/>
-        <p:txBody>
-          <a:bodyPr vert="horz" lIns="0" tIns="0" rIns="0" bIns="0" rtlCol="0" anchor="b" anchorCtr="0">
-            <a:normAutofit/>
-          </a:bodyPr>
-          <a:lstStyle/>
-          <a:p>
-            <a:pPr lvl="1"/>
-            <a:r>
-              <a:rPr lang="en-US" sz="3200" b="1" dirty="0">
-                <a:solidFill>
-                  <a:schemeClr val="tx1"/>
-                </a:solidFill>
-              </a:rPr>
-              <a:t>Why Are Dynamic Languages Important?</a:t>
-            </a:r>
-          </a:p>
-        </p:txBody>
-      </p:sp>
-    </p:spTree>
-    <p:extLst>
-      <p:ext uri="{BB962C8B-B14F-4D97-AF65-F5344CB8AC3E}">
-        <p14:creationId xmlns:p14="http://schemas.microsoft.com/office/powerpoint/2010/main" val="2334576900"/>
-      </p:ext>
-    </p:extLst>
-  </p:cSld>
-  <p:clrMapOvr>
-    <a:masterClrMapping/>
-  </p:clrMapOvr>
-  <p:timing>
-    <p:tnLst>
-      <p:par>
-        <p:cTn id="1" dur="indefinite" restart="never" nodeType="tmRoot"/>
-      </p:par>
-    </p:tnLst>
-  </p:timing>
-</p:sld>
-</file>
-
 <file path=ppt/slides/slide17.xml><?xml version="1.0" encoding="utf-8"?>
 <p:sld xmlns:a="http://schemas.openxmlformats.org/drawingml/2006/main" xmlns:r="http://schemas.openxmlformats.org/officeDocument/2006/relationships" xmlns:p="http://schemas.openxmlformats.org/presentationml/2006/main">
   <p:cSld>
@@ -11389,70 +9056,73 @@
         <p:spPr/>
         <p:txBody>
           <a:bodyPr>
-            <a:normAutofit/>
+            <a:normAutofit fontScale="85000" lnSpcReduction="20000"/>
           </a:bodyPr>
           <a:lstStyle/>
           <a:p>
             <a:r>
-              <a:rPr lang="en-US" dirty="0"/>
-              <a:t>Dynamic languages have an established market position and are gaining in popularity and adoption</a:t>
+              <a:rPr lang="en-US" dirty="0" smtClean="0"/>
+              <a:t>Establishing a strong capability in dynamic languages can position the enterprise for higher software delivery productivity and agility</a:t>
             </a:r>
           </a:p>
           <a:p>
             <a:pPr lvl="1"/>
             <a:r>
               <a:rPr lang="en-US" dirty="0" smtClean="0"/>
-              <a:t>Ruby, Python, JavaScript, and PHP are consistently ranked among the top 10 most popular languages by industry surveys</a:t>
+              <a:t>Alternative to heavy-weight traditional approaches</a:t>
             </a:r>
           </a:p>
           <a:p>
             <a:pPr lvl="1"/>
             <a:r>
               <a:rPr lang="en-US" dirty="0" smtClean="0"/>
-              <a:t>Recent increase </a:t>
-            </a:r>
-            <a:r>
-              <a:rPr lang="en-US" dirty="0"/>
-              <a:t>in demand </a:t>
-            </a:r>
-            <a:r>
-              <a:rPr lang="en-US" dirty="0" smtClean="0"/>
-              <a:t>for Ruby, Python, Groovy, and PHP (Drupal) skills from some of our largest clients</a:t>
-            </a:r>
-            <a:endParaRPr lang="en-US" dirty="0"/>
+              <a:t>Strong support for agility, possibility of dramatically better productivity and time-to-market</a:t>
+            </a:r>
           </a:p>
           <a:p>
             <a:pPr lvl="1"/>
             <a:r>
-              <a:rPr lang="en-US" dirty="0" err="1" smtClean="0"/>
-              <a:t>ThoughtWorks’s</a:t>
-            </a:r>
-            <a:r>
-              <a:rPr lang="en-US" dirty="0" smtClean="0"/>
-              <a:t> Oct </a:t>
-            </a:r>
-            <a:r>
-              <a:rPr lang="en-US" dirty="0"/>
-              <a:t>2012 Tech </a:t>
-            </a:r>
-            <a:r>
-              <a:rPr lang="en-US" dirty="0" smtClean="0"/>
-              <a:t>Radar moved Scala and </a:t>
-            </a:r>
-            <a:r>
-              <a:rPr lang="en-US" dirty="0" err="1" smtClean="0"/>
-              <a:t>Clojure</a:t>
-            </a:r>
-            <a:r>
-              <a:rPr lang="en-US" dirty="0" smtClean="0"/>
-              <a:t> from “Trial” to “Adopt”</a:t>
-            </a:r>
+              <a:rPr lang="pt-BR" dirty="0" smtClean="0"/>
+              <a:t>Increased interest in browser-centric and asynchronous Web technologies</a:t>
+            </a:r>
+            <a:endParaRPr lang="en-US" dirty="0" smtClean="0"/>
+          </a:p>
+          <a:p>
+            <a:pPr lvl="1"/>
+            <a:r>
+              <a:rPr lang="en-US" dirty="0" smtClean="0"/>
+              <a:t>Many proven examples in industry</a:t>
+            </a:r>
+          </a:p>
+          <a:p>
+            <a:pPr lvl="1"/>
+            <a:r>
+              <a:rPr lang="en-US" dirty="0" smtClean="0"/>
+              <a:t>New generation of developers considers them more fun and exciting Growing support from industry analysts and thought leaders</a:t>
+            </a:r>
+          </a:p>
+          <a:p>
+            <a:r>
+              <a:rPr lang="en-CA" dirty="0" smtClean="0"/>
+              <a:t>Need to augment enterprise toolset</a:t>
+            </a:r>
+          </a:p>
+          <a:p>
+            <a:pPr lvl="1"/>
+            <a:r>
+              <a:rPr lang="en-US" dirty="0" smtClean="0"/>
+              <a:t>Not a cure-all, but can have a tremendous positive impact in the right situations</a:t>
+            </a:r>
+          </a:p>
+          <a:p>
+            <a:pPr lvl="1"/>
+            <a:endParaRPr lang="en-CA" dirty="0" smtClean="0"/>
           </a:p>
         </p:txBody>
       </p:sp>
       <p:sp>
         <p:nvSpPr>
-          <p:cNvPr id="2" name="Title 1"/>
+          <p:cNvPr id="5" name="Title 4"/>
           <p:cNvSpPr>
             <a:spLocks noGrp="1"/>
           </p:cNvSpPr>
@@ -11462,21 +9132,27 @@
         </p:nvSpPr>
         <p:spPr/>
         <p:txBody>
-          <a:bodyPr/>
+          <a:bodyPr vert="horz" lIns="0" tIns="0" rIns="0" bIns="0" rtlCol="0" anchor="b" anchorCtr="0">
+            <a:normAutofit/>
+          </a:bodyPr>
           <a:lstStyle/>
           <a:p>
-            <a:r>
-              <a:rPr lang="en-US" dirty="0" smtClean="0"/>
-              <a:t>Industry Trends</a:t>
-            </a:r>
-            <a:endParaRPr lang="en-US" dirty="0"/>
+            <a:pPr lvl="1"/>
+            <a:r>
+              <a:rPr lang="en-US" sz="3200" b="1" dirty="0">
+                <a:solidFill>
+                  <a:schemeClr val="tx1"/>
+                </a:solidFill>
+              </a:rPr>
+              <a:t>Why Are Dynamic Languages Important?</a:t>
+            </a:r>
           </a:p>
         </p:txBody>
       </p:sp>
     </p:spTree>
     <p:extLst>
       <p:ext uri="{BB962C8B-B14F-4D97-AF65-F5344CB8AC3E}">
-        <p14:creationId xmlns:p14="http://schemas.microsoft.com/office/powerpoint/2010/main" val="3405260885"/>
+        <p14:creationId xmlns:p14="http://schemas.microsoft.com/office/powerpoint/2010/main" val="2334576900"/>
       </p:ext>
     </p:extLst>
   </p:cSld>
@@ -11528,111 +9204,59 @@
           <a:lstStyle/>
           <a:p>
             <a:r>
-              <a:rPr lang="en-US" dirty="0" smtClean="0"/>
-              <a:t>Dynamic languages are powerful enablers of agile delivery – methodology is not enough</a:t>
+              <a:rPr lang="en-US" dirty="0"/>
+              <a:t>Dynamic languages have an established market position and are gaining in popularity and adoption</a:t>
             </a:r>
           </a:p>
           <a:p>
             <a:pPr lvl="1"/>
             <a:r>
               <a:rPr lang="en-US" dirty="0" smtClean="0"/>
-              <a:t>Cumbersome technology and heavy-weight architecture do not align well with agile</a:t>
+              <a:t>Ruby, Python, JavaScript, and PHP are consistently ranked among the top 10 most popular languages by industry surveys</a:t>
             </a:r>
           </a:p>
           <a:p>
             <a:pPr lvl="1"/>
             <a:r>
               <a:rPr lang="en-US" dirty="0" smtClean="0"/>
-              <a:t>Extraordinarily rapid code-test workflows is strong enabler of agile delivery</a:t>
-            </a:r>
+              <a:t>Recent increase </a:t>
+            </a:r>
+            <a:r>
+              <a:rPr lang="en-US" dirty="0"/>
+              <a:t>in demand </a:t>
+            </a:r>
+            <a:r>
+              <a:rPr lang="en-US" dirty="0" smtClean="0"/>
+              <a:t>for Ruby, Python, Groovy, and PHP (Drupal) skills from some of our largest clients</a:t>
+            </a:r>
+            <a:endParaRPr lang="en-US" dirty="0"/>
           </a:p>
           <a:p>
             <a:pPr lvl="1"/>
             <a:r>
-              <a:rPr lang="en-US" dirty="0" smtClean="0"/>
-              <a:t>High-productivity tools </a:t>
+              <a:rPr lang="en-US" dirty="0" err="1" smtClean="0"/>
+              <a:t>ThoughtWorks’s</a:t>
+            </a:r>
+            <a:r>
+              <a:rPr lang="en-US" dirty="0" smtClean="0"/>
+              <a:t> Oct </a:t>
             </a:r>
             <a:r>
               <a:rPr lang="en-US" dirty="0"/>
-              <a:t>and lightweight architectures </a:t>
-            </a:r>
-            <a:endParaRPr lang="en-US" dirty="0" smtClean="0"/>
-          </a:p>
-          <a:p>
-            <a:pPr lvl="1"/>
-            <a:r>
-              <a:rPr lang="en-US" dirty="0" smtClean="0"/>
-              <a:t>In </a:t>
-            </a:r>
-            <a:r>
-              <a:rPr lang="en-US" dirty="0"/>
-              <a:t>some cases </a:t>
-            </a:r>
-            <a:r>
-              <a:rPr lang="en-US" dirty="0" smtClean="0"/>
-              <a:t>can be twice </a:t>
-            </a:r>
-            <a:r>
-              <a:rPr lang="en-US" dirty="0"/>
-              <a:t>as fast at half the cost </a:t>
-            </a:r>
-            <a:r>
-              <a:rPr lang="en-US" dirty="0" smtClean="0"/>
-              <a:t>as with </a:t>
-            </a:r>
-            <a:r>
-              <a:rPr lang="en-US" dirty="0"/>
-              <a:t>Java or </a:t>
-            </a:r>
-            <a:r>
-              <a:rPr lang="en-US" dirty="0" err="1"/>
-              <a:t>.</a:t>
+              <a:t>2012 Tech </a:t>
+            </a:r>
+            <a:r>
+              <a:rPr lang="en-US" dirty="0" smtClean="0"/>
+              <a:t>Radar moved Scala and </a:t>
             </a:r>
             <a:r>
               <a:rPr lang="en-US" dirty="0" err="1" smtClean="0"/>
-              <a:t>Net</a:t>
-            </a:r>
-            <a:endParaRPr lang="en-US" dirty="0" smtClean="0"/>
-          </a:p>
-          <a:p>
-            <a:pPr lvl="1"/>
-            <a:r>
-              <a:rPr lang="en-US" dirty="0" smtClean="0"/>
-              <a:t>Synergies with </a:t>
-            </a:r>
-            <a:r>
-              <a:rPr lang="en-US" dirty="0" err="1" smtClean="0"/>
-              <a:t>PaaS</a:t>
-            </a:r>
-            <a:r>
-              <a:rPr lang="en-US" dirty="0" smtClean="0"/>
-              <a:t>/</a:t>
-            </a:r>
-            <a:r>
-              <a:rPr lang="en-US" dirty="0" err="1" smtClean="0"/>
-              <a:t>SaaS</a:t>
-            </a:r>
-            <a:r>
-              <a:rPr lang="en-US" dirty="0" smtClean="0"/>
-              <a:t> </a:t>
-            </a:r>
-            <a:r>
-              <a:rPr lang="en-US" dirty="0"/>
-              <a:t>technology for  development and production </a:t>
-            </a:r>
-            <a:r>
-              <a:rPr lang="en-US" dirty="0" smtClean="0"/>
-              <a:t>deployment</a:t>
-            </a:r>
-            <a:endParaRPr lang="en-US" dirty="0"/>
-          </a:p>
-          <a:p>
-            <a:pPr lvl="1"/>
-            <a:endParaRPr lang="en-US" dirty="0" smtClean="0"/>
-          </a:p>
-          <a:p>
-            <a:pPr lvl="1"/>
-            <a:endParaRPr lang="en-US" dirty="0" smtClean="0"/>
+              <a:t>Clojure</a:t>
+            </a:r>
+            <a:r>
+              <a:rPr lang="en-US" dirty="0" smtClean="0"/>
+              <a:t> from “Trial” to “Adopt”</a:t>
+            </a:r>
           </a:p>
         </p:txBody>
       </p:sp>
@@ -11653,7 +9277,7 @@
           <a:p>
             <a:r>
               <a:rPr lang="en-US" dirty="0" smtClean="0"/>
-              <a:t>Agility</a:t>
+              <a:t>Industry Trends</a:t>
             </a:r>
             <a:endParaRPr lang="en-US" dirty="0"/>
           </a:p>
@@ -11662,7 +9286,7 @@
     </p:spTree>
     <p:extLst>
       <p:ext uri="{BB962C8B-B14F-4D97-AF65-F5344CB8AC3E}">
-        <p14:creationId xmlns:p14="http://schemas.microsoft.com/office/powerpoint/2010/main" val="1291760788"/>
+        <p14:creationId xmlns:p14="http://schemas.microsoft.com/office/powerpoint/2010/main" val="3405260885"/>
       </p:ext>
     </p:extLst>
   </p:cSld>
@@ -11709,6 +9333,292 @@
         <p:spPr/>
         <p:txBody>
           <a:bodyPr>
+            <a:normAutofit/>
+          </a:bodyPr>
+          <a:lstStyle/>
+          <a:p>
+            <a:r>
+              <a:rPr lang="en-US" dirty="0" smtClean="0"/>
+              <a:t>Dynamic languages are powerful enablers of agile delivery – methodology is not enough</a:t>
+            </a:r>
+          </a:p>
+          <a:p>
+            <a:pPr lvl="1"/>
+            <a:r>
+              <a:rPr lang="en-US" dirty="0" smtClean="0"/>
+              <a:t>Cumbersome technology and heavy-weight architecture do not align well with agile</a:t>
+            </a:r>
+          </a:p>
+          <a:p>
+            <a:pPr lvl="1"/>
+            <a:r>
+              <a:rPr lang="en-US" dirty="0" smtClean="0"/>
+              <a:t>Extraordinarily rapid code-test workflows is strong enabler of agile delivery</a:t>
+            </a:r>
+          </a:p>
+          <a:p>
+            <a:pPr lvl="1"/>
+            <a:r>
+              <a:rPr lang="en-US" dirty="0" smtClean="0"/>
+              <a:t>High-productivity tools </a:t>
+            </a:r>
+            <a:r>
+              <a:rPr lang="en-US" dirty="0"/>
+              <a:t>and lightweight architectures </a:t>
+            </a:r>
+            <a:endParaRPr lang="en-US" dirty="0" smtClean="0"/>
+          </a:p>
+          <a:p>
+            <a:pPr lvl="1"/>
+            <a:r>
+              <a:rPr lang="en-US" dirty="0" smtClean="0"/>
+              <a:t>In </a:t>
+            </a:r>
+            <a:r>
+              <a:rPr lang="en-US" dirty="0"/>
+              <a:t>some cases </a:t>
+            </a:r>
+            <a:r>
+              <a:rPr lang="en-US" dirty="0" smtClean="0"/>
+              <a:t>can be twice </a:t>
+            </a:r>
+            <a:r>
+              <a:rPr lang="en-US" dirty="0"/>
+              <a:t>as fast at half the cost </a:t>
+            </a:r>
+            <a:r>
+              <a:rPr lang="en-US" dirty="0" smtClean="0"/>
+              <a:t>as with </a:t>
+            </a:r>
+            <a:r>
+              <a:rPr lang="en-US" dirty="0"/>
+              <a:t>Java or </a:t>
+            </a:r>
+            <a:r>
+              <a:rPr lang="en-US" dirty="0" err="1"/>
+              <a:t>.</a:t>
+            </a:r>
+            <a:r>
+              <a:rPr lang="en-US" dirty="0" err="1" smtClean="0"/>
+              <a:t>Net</a:t>
+            </a:r>
+            <a:endParaRPr lang="en-US" dirty="0" smtClean="0"/>
+          </a:p>
+          <a:p>
+            <a:pPr lvl="1"/>
+            <a:r>
+              <a:rPr lang="en-US" dirty="0" smtClean="0"/>
+              <a:t>Synergies with </a:t>
+            </a:r>
+            <a:r>
+              <a:rPr lang="en-US" dirty="0" err="1" smtClean="0"/>
+              <a:t>PaaS</a:t>
+            </a:r>
+            <a:r>
+              <a:rPr lang="en-US" dirty="0" smtClean="0"/>
+              <a:t>/</a:t>
+            </a:r>
+            <a:r>
+              <a:rPr lang="en-US" dirty="0" err="1" smtClean="0"/>
+              <a:t>SaaS</a:t>
+            </a:r>
+            <a:r>
+              <a:rPr lang="en-US" dirty="0" smtClean="0"/>
+              <a:t> </a:t>
+            </a:r>
+            <a:r>
+              <a:rPr lang="en-US" dirty="0"/>
+              <a:t>technology for  development and production </a:t>
+            </a:r>
+            <a:r>
+              <a:rPr lang="en-US" dirty="0" smtClean="0"/>
+              <a:t>deployment</a:t>
+            </a:r>
+            <a:endParaRPr lang="en-US" dirty="0"/>
+          </a:p>
+          <a:p>
+            <a:pPr lvl="1"/>
+            <a:endParaRPr lang="en-US" dirty="0" smtClean="0"/>
+          </a:p>
+          <a:p>
+            <a:pPr lvl="1"/>
+            <a:endParaRPr lang="en-US" dirty="0" smtClean="0"/>
+          </a:p>
+        </p:txBody>
+      </p:sp>
+      <p:sp>
+        <p:nvSpPr>
+          <p:cNvPr id="2" name="Title 1"/>
+          <p:cNvSpPr>
+            <a:spLocks noGrp="1"/>
+          </p:cNvSpPr>
+          <p:nvPr>
+            <p:ph type="title"/>
+          </p:nvPr>
+        </p:nvSpPr>
+        <p:spPr/>
+        <p:txBody>
+          <a:bodyPr/>
+          <a:lstStyle/>
+          <a:p>
+            <a:r>
+              <a:rPr lang="en-US" dirty="0" smtClean="0"/>
+              <a:t>Agility</a:t>
+            </a:r>
+            <a:endParaRPr lang="en-US" dirty="0"/>
+          </a:p>
+        </p:txBody>
+      </p:sp>
+    </p:spTree>
+    <p:extLst>
+      <p:ext uri="{BB962C8B-B14F-4D97-AF65-F5344CB8AC3E}">
+        <p14:creationId xmlns:p14="http://schemas.microsoft.com/office/powerpoint/2010/main" val="1291760788"/>
+      </p:ext>
+    </p:extLst>
+  </p:cSld>
+  <p:clrMapOvr>
+    <a:masterClrMapping/>
+  </p:clrMapOvr>
+  <p:timing>
+    <p:tnLst>
+      <p:par>
+        <p:cTn id="1" dur="indefinite" restart="never" nodeType="tmRoot"/>
+      </p:par>
+    </p:tnLst>
+  </p:timing>
+</p:sld>
+</file>
+
+<file path=ppt/slides/slide2.xml><?xml version="1.0" encoding="utf-8"?>
+<p:sld xmlns:a="http://schemas.openxmlformats.org/drawingml/2006/main" xmlns:r="http://schemas.openxmlformats.org/officeDocument/2006/relationships" xmlns:p="http://schemas.openxmlformats.org/presentationml/2006/main">
+  <p:cSld>
+    <p:spTree>
+      <p:nvGrpSpPr>
+        <p:cNvPr id="1" name=""/>
+        <p:cNvGrpSpPr/>
+        <p:nvPr/>
+      </p:nvGrpSpPr>
+      <p:grpSpPr>
+        <a:xfrm>
+          <a:off x="0" y="0"/>
+          <a:ext cx="0" cy="0"/>
+          <a:chOff x="0" y="0"/>
+          <a:chExt cx="0" cy="0"/>
+        </a:xfrm>
+      </p:grpSpPr>
+      <p:sp>
+        <p:nvSpPr>
+          <p:cNvPr id="3" name="TextBox 2"/>
+          <p:cNvSpPr txBox="1"/>
+          <p:nvPr/>
+        </p:nvSpPr>
+        <p:spPr>
+          <a:xfrm>
+            <a:off x="0" y="3200782"/>
+            <a:ext cx="9144000" cy="1107996"/>
+          </a:xfrm>
+          <a:prstGeom prst="rect">
+            <a:avLst/>
+          </a:prstGeom>
+          <a:noFill/>
+        </p:spPr>
+        <p:txBody>
+          <a:bodyPr wrap="square" rtlCol="0">
+            <a:spAutoFit/>
+          </a:bodyPr>
+          <a:lstStyle/>
+          <a:p>
+            <a:pPr algn="ctr"/>
+            <a:r>
+              <a:rPr lang="en-US" sz="6600" dirty="0" smtClean="0">
+                <a:hlinkClick r:id="rId3"/>
+              </a:rPr>
+              <a:t>www.sli.do/openslava</a:t>
+            </a:r>
+            <a:endParaRPr lang="en-US" sz="6600" dirty="0"/>
+          </a:p>
+        </p:txBody>
+      </p:sp>
+      <p:sp>
+        <p:nvSpPr>
+          <p:cNvPr id="2" name="TextBox 1"/>
+          <p:cNvSpPr txBox="1"/>
+          <p:nvPr/>
+        </p:nvSpPr>
+        <p:spPr>
+          <a:xfrm>
+            <a:off x="755576" y="2492896"/>
+            <a:ext cx="4460516" cy="707886"/>
+          </a:xfrm>
+          <a:prstGeom prst="rect">
+            <a:avLst/>
+          </a:prstGeom>
+          <a:noFill/>
+        </p:spPr>
+        <p:txBody>
+          <a:bodyPr wrap="none" rtlCol="0">
+            <a:spAutoFit/>
+          </a:bodyPr>
+          <a:lstStyle/>
+          <a:p>
+            <a:r>
+              <a:rPr lang="en-US" sz="4000" dirty="0" smtClean="0"/>
+              <a:t>Ask questions online</a:t>
+            </a:r>
+            <a:endParaRPr lang="en-US" sz="4000" dirty="0"/>
+          </a:p>
+        </p:txBody>
+      </p:sp>
+    </p:spTree>
+    <p:extLst>
+      <p:ext uri="{BB962C8B-B14F-4D97-AF65-F5344CB8AC3E}">
+        <p14:creationId xmlns:p14="http://schemas.microsoft.com/office/powerpoint/2010/main" val="3788984854"/>
+      </p:ext>
+    </p:extLst>
+  </p:cSld>
+  <p:clrMapOvr>
+    <a:masterClrMapping/>
+  </p:clrMapOvr>
+  <p:timing>
+    <p:tnLst>
+      <p:par>
+        <p:cTn id="1" dur="indefinite" restart="never" nodeType="tmRoot"/>
+      </p:par>
+    </p:tnLst>
+  </p:timing>
+</p:sld>
+</file>
+
+<file path=ppt/slides/slide20.xml><?xml version="1.0" encoding="utf-8"?>
+<p:sld xmlns:a="http://schemas.openxmlformats.org/drawingml/2006/main" xmlns:r="http://schemas.openxmlformats.org/officeDocument/2006/relationships" xmlns:p="http://schemas.openxmlformats.org/presentationml/2006/main">
+  <p:cSld>
+    <p:spTree>
+      <p:nvGrpSpPr>
+        <p:cNvPr id="1" name=""/>
+        <p:cNvGrpSpPr/>
+        <p:nvPr/>
+      </p:nvGrpSpPr>
+      <p:grpSpPr>
+        <a:xfrm>
+          <a:off x="0" y="0"/>
+          <a:ext cx="0" cy="0"/>
+          <a:chOff x="0" y="0"/>
+          <a:chExt cx="0" cy="0"/>
+        </a:xfrm>
+      </p:grpSpPr>
+      <p:sp>
+        <p:nvSpPr>
+          <p:cNvPr id="3" name="Content Placeholder 2"/>
+          <p:cNvSpPr>
+            <a:spLocks noGrp="1"/>
+          </p:cNvSpPr>
+          <p:nvPr>
+            <p:ph sz="quarter" idx="12"/>
+          </p:nvPr>
+        </p:nvSpPr>
+        <p:spPr/>
+        <p:txBody>
+          <a:bodyPr>
             <a:normAutofit lnSpcReduction="10000"/>
           </a:bodyPr>
           <a:lstStyle/>
@@ -11729,13 +9639,8 @@
             <a:pPr lvl="1"/>
             <a:r>
               <a:rPr lang="en-US" dirty="0" smtClean="0"/>
-              <a:t>Application </a:t>
-            </a:r>
-            <a:r>
-              <a:rPr lang="en-US" dirty="0" smtClean="0"/>
-              <a:t>pilots</a:t>
-            </a:r>
-            <a:endParaRPr lang="en-US" dirty="0" smtClean="0"/>
+              <a:t>Application pilots</a:t>
+            </a:r>
           </a:p>
           <a:p>
             <a:pPr lvl="1"/>
@@ -11743,7 +9648,6 @@
               <a:rPr lang="en-US" dirty="0" smtClean="0"/>
               <a:t>Location-based, mobile web applications</a:t>
             </a:r>
-            <a:endParaRPr lang="en-US" dirty="0" smtClean="0"/>
           </a:p>
           <a:p>
             <a:pPr lvl="1"/>
@@ -11760,13 +9664,8 @@
             </a:r>
             <a:r>
               <a:rPr lang="en-US" dirty="0" smtClean="0"/>
-              <a:t> service </a:t>
-            </a:r>
-            <a:r>
-              <a:rPr lang="en-US" dirty="0" smtClean="0"/>
-              <a:t>APIs</a:t>
-            </a:r>
-            <a:endParaRPr lang="en-US" dirty="0" smtClean="0"/>
+              <a:t> service APIs</a:t>
+            </a:r>
           </a:p>
           <a:p>
             <a:pPr lvl="1"/>
@@ -11842,7 +9741,1153 @@
 </p:sld>
 </file>
 
-<file path=ppt/slides/slide2.xml><?xml version="1.0" encoding="utf-8"?>
+<file path=ppt/slides/slide21.xml><?xml version="1.0" encoding="utf-8"?>
+<p:sld xmlns:a="http://schemas.openxmlformats.org/drawingml/2006/main" xmlns:r="http://schemas.openxmlformats.org/officeDocument/2006/relationships" xmlns:p="http://schemas.openxmlformats.org/presentationml/2006/main">
+  <p:cSld>
+    <p:spTree>
+      <p:nvGrpSpPr>
+        <p:cNvPr id="1" name=""/>
+        <p:cNvGrpSpPr/>
+        <p:nvPr/>
+      </p:nvGrpSpPr>
+      <p:grpSpPr>
+        <a:xfrm>
+          <a:off x="0" y="0"/>
+          <a:ext cx="0" cy="0"/>
+          <a:chOff x="0" y="0"/>
+          <a:chExt cx="0" cy="0"/>
+        </a:xfrm>
+      </p:grpSpPr>
+      <p:sp>
+        <p:nvSpPr>
+          <p:cNvPr id="3" name="Content Placeholder 2"/>
+          <p:cNvSpPr>
+            <a:spLocks noGrp="1"/>
+          </p:cNvSpPr>
+          <p:nvPr>
+            <p:ph sz="quarter" idx="12"/>
+          </p:nvPr>
+        </p:nvSpPr>
+        <p:spPr/>
+        <p:txBody>
+          <a:bodyPr>
+            <a:normAutofit fontScale="92500" lnSpcReduction="10000"/>
+          </a:bodyPr>
+          <a:lstStyle/>
+          <a:p>
+            <a:r>
+              <a:rPr lang="en-US" dirty="0" smtClean="0"/>
+              <a:t>Dynamic languages are an important enabler of software delivery for the enterprise</a:t>
+            </a:r>
+          </a:p>
+          <a:p>
+            <a:pPr lvl="1"/>
+            <a:r>
+              <a:rPr lang="en-US" dirty="0" smtClean="0"/>
+              <a:t>Organizations and large companies use dynamic languages</a:t>
+            </a:r>
+          </a:p>
+          <a:p>
+            <a:pPr lvl="1"/>
+            <a:r>
+              <a:rPr lang="en-US" dirty="0" smtClean="0"/>
+              <a:t>High productivity, agile development, fast time-to-market</a:t>
+            </a:r>
+          </a:p>
+          <a:p>
+            <a:pPr lvl="1"/>
+            <a:r>
+              <a:rPr lang="en-US" dirty="0" smtClean="0"/>
+              <a:t>Reliability</a:t>
+            </a:r>
+          </a:p>
+          <a:p>
+            <a:pPr lvl="1"/>
+            <a:r>
+              <a:rPr lang="en-US" dirty="0" smtClean="0"/>
+              <a:t>Abundance </a:t>
+            </a:r>
+            <a:r>
+              <a:rPr lang="en-US" dirty="0"/>
+              <a:t>of </a:t>
+            </a:r>
+            <a:r>
+              <a:rPr lang="en-US" dirty="0" smtClean="0"/>
+              <a:t>libraries</a:t>
+            </a:r>
+          </a:p>
+          <a:p>
+            <a:pPr lvl="1"/>
+            <a:r>
+              <a:rPr lang="en-US" dirty="0" smtClean="0"/>
+              <a:t>Multi-platform</a:t>
+            </a:r>
+          </a:p>
+          <a:p>
+            <a:pPr lvl="1"/>
+            <a:r>
+              <a:rPr lang="en-US" dirty="0" smtClean="0"/>
+              <a:t>Mature </a:t>
+            </a:r>
+            <a:r>
+              <a:rPr lang="en-US" dirty="0"/>
+              <a:t>set of development tools </a:t>
+            </a:r>
+            <a:endParaRPr lang="en-US" dirty="0" smtClean="0"/>
+          </a:p>
+          <a:p>
+            <a:pPr lvl="1"/>
+            <a:r>
+              <a:rPr lang="en-US" dirty="0" smtClean="0"/>
+              <a:t>Strong </a:t>
+            </a:r>
+            <a:r>
+              <a:rPr lang="en-US" dirty="0"/>
+              <a:t>support </a:t>
+            </a:r>
+            <a:r>
+              <a:rPr lang="en-US" dirty="0" smtClean="0"/>
+              <a:t>ecosystem and </a:t>
+            </a:r>
+            <a:r>
+              <a:rPr lang="en-US" dirty="0"/>
+              <a:t>commercial vendor support</a:t>
+            </a:r>
+            <a:endParaRPr lang="en-US" dirty="0" smtClean="0"/>
+          </a:p>
+          <a:p>
+            <a:pPr lvl="1"/>
+            <a:r>
+              <a:rPr lang="en-US" dirty="0" smtClean="0"/>
+              <a:t>Performance ranges from acceptable to excellent</a:t>
+            </a:r>
+          </a:p>
+          <a:p>
+            <a:pPr lvl="1"/>
+            <a:r>
+              <a:rPr lang="es-ES_tradnl" dirty="0" err="1" smtClean="0"/>
+              <a:t>Synergies</a:t>
+            </a:r>
+            <a:r>
+              <a:rPr lang="es-ES_tradnl" dirty="0" smtClean="0"/>
+              <a:t> </a:t>
+            </a:r>
+            <a:r>
+              <a:rPr lang="es-ES_tradnl" dirty="0" err="1" smtClean="0"/>
+              <a:t>with</a:t>
+            </a:r>
+            <a:r>
+              <a:rPr lang="es-ES_tradnl" dirty="0" smtClean="0"/>
+              <a:t> </a:t>
+            </a:r>
+            <a:r>
+              <a:rPr lang="es-ES_tradnl" dirty="0" err="1" smtClean="0"/>
+              <a:t>existing</a:t>
+            </a:r>
+            <a:r>
+              <a:rPr lang="es-ES_tradnl" dirty="0" smtClean="0"/>
+              <a:t> </a:t>
+            </a:r>
+            <a:r>
+              <a:rPr lang="es-ES_tradnl" dirty="0" err="1" smtClean="0"/>
+              <a:t>technologies</a:t>
+            </a:r>
+            <a:endParaRPr lang="en-US" dirty="0" smtClean="0"/>
+          </a:p>
+        </p:txBody>
+      </p:sp>
+      <p:sp>
+        <p:nvSpPr>
+          <p:cNvPr id="2" name="Title 1"/>
+          <p:cNvSpPr>
+            <a:spLocks noGrp="1"/>
+          </p:cNvSpPr>
+          <p:nvPr>
+            <p:ph type="title"/>
+          </p:nvPr>
+        </p:nvSpPr>
+        <p:spPr/>
+        <p:txBody>
+          <a:bodyPr/>
+          <a:lstStyle/>
+          <a:p>
+            <a:r>
+              <a:rPr lang="en-US" dirty="0" smtClean="0"/>
+              <a:t>Fit for Enterprise</a:t>
+            </a:r>
+            <a:endParaRPr lang="en-US" dirty="0"/>
+          </a:p>
+        </p:txBody>
+      </p:sp>
+    </p:spTree>
+    <p:extLst>
+      <p:ext uri="{BB962C8B-B14F-4D97-AF65-F5344CB8AC3E}">
+        <p14:creationId xmlns:p14="http://schemas.microsoft.com/office/powerpoint/2010/main" val="1385153438"/>
+      </p:ext>
+    </p:extLst>
+  </p:cSld>
+  <p:clrMapOvr>
+    <a:masterClrMapping/>
+  </p:clrMapOvr>
+  <mc:AlternateContent xmlns:mc="http://schemas.openxmlformats.org/markup-compatibility/2006" xmlns:p14="http://schemas.microsoft.com/office/powerpoint/2010/main">
+    <mc:Choice Requires="p14">
+      <p:transition spd="slow" p14:dur="2000"/>
+    </mc:Choice>
+    <mc:Fallback xmlns="">
+      <p:transition spd="slow"/>
+    </mc:Fallback>
+  </mc:AlternateContent>
+  <p:timing>
+    <p:tnLst>
+      <p:par>
+        <p:cTn id="1" dur="indefinite" restart="never" nodeType="tmRoot"/>
+      </p:par>
+    </p:tnLst>
+  </p:timing>
+</p:sld>
+</file>
+
+<file path=ppt/slides/slide22.xml><?xml version="1.0" encoding="utf-8"?>
+<p:sld xmlns:a="http://schemas.openxmlformats.org/drawingml/2006/main" xmlns:r="http://schemas.openxmlformats.org/officeDocument/2006/relationships" xmlns:p="http://schemas.openxmlformats.org/presentationml/2006/main">
+  <p:cSld>
+    <p:spTree>
+      <p:nvGrpSpPr>
+        <p:cNvPr id="1" name=""/>
+        <p:cNvGrpSpPr/>
+        <p:nvPr/>
+      </p:nvGrpSpPr>
+      <p:grpSpPr>
+        <a:xfrm>
+          <a:off x="0" y="0"/>
+          <a:ext cx="0" cy="0"/>
+          <a:chOff x="0" y="0"/>
+          <a:chExt cx="0" cy="0"/>
+        </a:xfrm>
+      </p:grpSpPr>
+      <p:sp>
+        <p:nvSpPr>
+          <p:cNvPr id="3" name="Text Placeholder 2"/>
+          <p:cNvSpPr>
+            <a:spLocks noGrp="1"/>
+          </p:cNvSpPr>
+          <p:nvPr>
+            <p:ph sz="quarter" idx="12"/>
+          </p:nvPr>
+        </p:nvSpPr>
+        <p:spPr/>
+        <p:txBody>
+          <a:bodyPr>
+            <a:normAutofit/>
+          </a:bodyPr>
+          <a:lstStyle/>
+          <a:p>
+            <a:r>
+              <a:rPr lang="en-US" b="1" dirty="0"/>
+              <a:t>Augmenting Java</a:t>
+            </a:r>
+          </a:p>
+          <a:p>
+            <a:pPr lvl="1"/>
+            <a:r>
+              <a:rPr lang="en-US" dirty="0" smtClean="0"/>
+              <a:t>Significantly </a:t>
+            </a:r>
+            <a:r>
+              <a:rPr lang="en-US" dirty="0"/>
+              <a:t>faster development of web </a:t>
+            </a:r>
+            <a:r>
+              <a:rPr lang="en-US" dirty="0" smtClean="0"/>
+              <a:t>front-ends</a:t>
+            </a:r>
+            <a:endParaRPr lang="en-US" dirty="0"/>
+          </a:p>
+          <a:p>
+            <a:pPr lvl="1"/>
+            <a:r>
+              <a:rPr lang="en-US" dirty="0" smtClean="0"/>
+              <a:t>Development </a:t>
+            </a:r>
+            <a:r>
+              <a:rPr lang="en-US" dirty="0"/>
+              <a:t>of frameworks and complex </a:t>
+            </a:r>
+            <a:r>
+              <a:rPr lang="en-US" dirty="0" smtClean="0"/>
+              <a:t>logic</a:t>
+            </a:r>
+          </a:p>
+          <a:p>
+            <a:pPr lvl="1"/>
+            <a:r>
+              <a:rPr lang="en-US" dirty="0" smtClean="0"/>
+              <a:t>Continue leveraging </a:t>
+            </a:r>
+            <a:r>
+              <a:rPr lang="en-US" dirty="0"/>
+              <a:t>existing Java skills and </a:t>
+            </a:r>
+            <a:r>
+              <a:rPr lang="en-US" dirty="0" smtClean="0"/>
+              <a:t>tooling</a:t>
+            </a:r>
+            <a:endParaRPr lang="en-US" dirty="0"/>
+          </a:p>
+        </p:txBody>
+      </p:sp>
+      <p:sp>
+        <p:nvSpPr>
+          <p:cNvPr id="2" name="Title 1"/>
+          <p:cNvSpPr>
+            <a:spLocks noGrp="1"/>
+          </p:cNvSpPr>
+          <p:nvPr>
+            <p:ph type="title"/>
+          </p:nvPr>
+        </p:nvSpPr>
+        <p:spPr/>
+        <p:txBody>
+          <a:bodyPr/>
+          <a:lstStyle/>
+          <a:p>
+            <a:r>
+              <a:rPr lang="en-US" dirty="0" smtClean="0"/>
+              <a:t>Synergy with Other Technologies</a:t>
+            </a:r>
+          </a:p>
+        </p:txBody>
+      </p:sp>
+    </p:spTree>
+    <p:extLst>
+      <p:ext uri="{BB962C8B-B14F-4D97-AF65-F5344CB8AC3E}">
+        <p14:creationId xmlns:p14="http://schemas.microsoft.com/office/powerpoint/2010/main" val="1419664628"/>
+      </p:ext>
+    </p:extLst>
+  </p:cSld>
+  <p:clrMapOvr>
+    <a:masterClrMapping/>
+  </p:clrMapOvr>
+  <p:timing>
+    <p:tnLst>
+      <p:par>
+        <p:cTn id="1" dur="indefinite" restart="never" nodeType="tmRoot"/>
+      </p:par>
+    </p:tnLst>
+  </p:timing>
+</p:sld>
+</file>
+
+<file path=ppt/slides/slide23.xml><?xml version="1.0" encoding="utf-8"?>
+<p:sld xmlns:a="http://schemas.openxmlformats.org/drawingml/2006/main" xmlns:r="http://schemas.openxmlformats.org/officeDocument/2006/relationships" xmlns:p="http://schemas.openxmlformats.org/presentationml/2006/main">
+  <p:cSld>
+    <p:spTree>
+      <p:nvGrpSpPr>
+        <p:cNvPr id="1" name=""/>
+        <p:cNvGrpSpPr/>
+        <p:nvPr/>
+      </p:nvGrpSpPr>
+      <p:grpSpPr>
+        <a:xfrm>
+          <a:off x="0" y="0"/>
+          <a:ext cx="0" cy="0"/>
+          <a:chOff x="0" y="0"/>
+          <a:chExt cx="0" cy="0"/>
+        </a:xfrm>
+      </p:grpSpPr>
+      <p:sp>
+        <p:nvSpPr>
+          <p:cNvPr id="3" name="Text Placeholder 2"/>
+          <p:cNvSpPr>
+            <a:spLocks noGrp="1"/>
+          </p:cNvSpPr>
+          <p:nvPr>
+            <p:ph sz="quarter" idx="12"/>
+          </p:nvPr>
+        </p:nvSpPr>
+        <p:spPr/>
+        <p:txBody>
+          <a:bodyPr>
+            <a:normAutofit/>
+          </a:bodyPr>
+          <a:lstStyle/>
+          <a:p>
+            <a:r>
+              <a:rPr lang="en-US" b="1" dirty="0" smtClean="0"/>
+              <a:t>Agility for “New Web” applications</a:t>
+            </a:r>
+          </a:p>
+          <a:p>
+            <a:pPr lvl="1"/>
+            <a:r>
+              <a:rPr lang="en-US" dirty="0" smtClean="0"/>
+              <a:t>Applications </a:t>
+            </a:r>
+            <a:r>
+              <a:rPr lang="en-US" dirty="0"/>
+              <a:t>involving event-driven and highly responsive user </a:t>
+            </a:r>
+            <a:r>
+              <a:rPr lang="en-US" dirty="0" smtClean="0"/>
+              <a:t>interfaces</a:t>
+            </a:r>
+            <a:endParaRPr lang="en-US" dirty="0"/>
+          </a:p>
+          <a:p>
+            <a:pPr lvl="1"/>
+            <a:r>
+              <a:rPr lang="en-US" dirty="0"/>
+              <a:t>Gartner recommends </a:t>
+            </a:r>
+            <a:r>
+              <a:rPr lang="en-US" dirty="0" smtClean="0"/>
+              <a:t>dynamic </a:t>
+            </a:r>
+            <a:r>
+              <a:rPr lang="en-US" dirty="0"/>
+              <a:t>language </a:t>
+            </a:r>
+            <a:r>
+              <a:rPr lang="en-US" dirty="0" smtClean="0"/>
+              <a:t>frameworks, avoid </a:t>
+            </a:r>
+            <a:r>
+              <a:rPr lang="en-US" dirty="0"/>
+              <a:t>traditional </a:t>
+            </a:r>
+            <a:r>
+              <a:rPr lang="en-US" dirty="0" smtClean="0"/>
+              <a:t>MVC frameworks</a:t>
+            </a:r>
+            <a:endParaRPr lang="en-US" dirty="0"/>
+          </a:p>
+        </p:txBody>
+      </p:sp>
+      <p:sp>
+        <p:nvSpPr>
+          <p:cNvPr id="2" name="Title 1"/>
+          <p:cNvSpPr>
+            <a:spLocks noGrp="1"/>
+          </p:cNvSpPr>
+          <p:nvPr>
+            <p:ph type="title"/>
+          </p:nvPr>
+        </p:nvSpPr>
+        <p:spPr/>
+        <p:txBody>
+          <a:bodyPr/>
+          <a:lstStyle/>
+          <a:p>
+            <a:r>
+              <a:rPr lang="en-US" dirty="0" smtClean="0"/>
+              <a:t>Synergy with Existing Technologies</a:t>
+            </a:r>
+          </a:p>
+        </p:txBody>
+      </p:sp>
+    </p:spTree>
+    <p:extLst>
+      <p:ext uri="{BB962C8B-B14F-4D97-AF65-F5344CB8AC3E}">
+        <p14:creationId xmlns:p14="http://schemas.microsoft.com/office/powerpoint/2010/main" val="1898898150"/>
+      </p:ext>
+    </p:extLst>
+  </p:cSld>
+  <p:clrMapOvr>
+    <a:masterClrMapping/>
+  </p:clrMapOvr>
+  <p:timing>
+    <p:tnLst>
+      <p:par>
+        <p:cTn id="1" dur="indefinite" restart="never" nodeType="tmRoot"/>
+      </p:par>
+    </p:tnLst>
+  </p:timing>
+</p:sld>
+</file>
+
+<file path=ppt/slides/slide24.xml><?xml version="1.0" encoding="utf-8"?>
+<p:sld xmlns:a="http://schemas.openxmlformats.org/drawingml/2006/main" xmlns:r="http://schemas.openxmlformats.org/officeDocument/2006/relationships" xmlns:p="http://schemas.openxmlformats.org/presentationml/2006/main">
+  <p:cSld>
+    <p:spTree>
+      <p:nvGrpSpPr>
+        <p:cNvPr id="1" name=""/>
+        <p:cNvGrpSpPr/>
+        <p:nvPr/>
+      </p:nvGrpSpPr>
+      <p:grpSpPr>
+        <a:xfrm>
+          <a:off x="0" y="0"/>
+          <a:ext cx="0" cy="0"/>
+          <a:chOff x="0" y="0"/>
+          <a:chExt cx="0" cy="0"/>
+        </a:xfrm>
+      </p:grpSpPr>
+      <p:sp>
+        <p:nvSpPr>
+          <p:cNvPr id="3" name="Text Placeholder 2"/>
+          <p:cNvSpPr>
+            <a:spLocks noGrp="1"/>
+          </p:cNvSpPr>
+          <p:nvPr>
+            <p:ph sz="quarter" idx="12"/>
+          </p:nvPr>
+        </p:nvSpPr>
+        <p:spPr/>
+        <p:txBody>
+          <a:bodyPr>
+            <a:normAutofit/>
+          </a:bodyPr>
+          <a:lstStyle/>
+          <a:p>
+            <a:r>
+              <a:rPr lang="en-US" b="1" dirty="0" smtClean="0"/>
+              <a:t>Agility </a:t>
+            </a:r>
+            <a:r>
+              <a:rPr lang="en-US" b="1" dirty="0"/>
+              <a:t>for mobile development</a:t>
+            </a:r>
+          </a:p>
+          <a:p>
+            <a:pPr lvl="1"/>
+            <a:r>
+              <a:rPr lang="en-US" dirty="0" smtClean="0"/>
+              <a:t>Develop </a:t>
+            </a:r>
+            <a:r>
+              <a:rPr lang="en-US" dirty="0"/>
+              <a:t>mobile web sites and </a:t>
+            </a:r>
+            <a:r>
+              <a:rPr lang="en-US" dirty="0" err="1"/>
+              <a:t>RESTful</a:t>
+            </a:r>
+            <a:r>
+              <a:rPr lang="en-US" dirty="0"/>
+              <a:t> APIs</a:t>
+            </a:r>
+          </a:p>
+          <a:p>
+            <a:pPr lvl="1"/>
+            <a:r>
+              <a:rPr lang="en-US" dirty="0"/>
+              <a:t>JavaScript / </a:t>
+            </a:r>
+            <a:r>
+              <a:rPr lang="en-US" dirty="0" smtClean="0"/>
+              <a:t>HTML5 write-once-deploy-many, usability approaching that of native</a:t>
+            </a:r>
+            <a:endParaRPr lang="en-US" dirty="0"/>
+          </a:p>
+        </p:txBody>
+      </p:sp>
+      <p:sp>
+        <p:nvSpPr>
+          <p:cNvPr id="2" name="Title 1"/>
+          <p:cNvSpPr>
+            <a:spLocks noGrp="1"/>
+          </p:cNvSpPr>
+          <p:nvPr>
+            <p:ph type="title"/>
+          </p:nvPr>
+        </p:nvSpPr>
+        <p:spPr/>
+        <p:txBody>
+          <a:bodyPr/>
+          <a:lstStyle/>
+          <a:p>
+            <a:r>
+              <a:rPr lang="en-US" dirty="0" smtClean="0"/>
+              <a:t>Synergy with Existing Technologies</a:t>
+            </a:r>
+          </a:p>
+        </p:txBody>
+      </p:sp>
+    </p:spTree>
+    <p:extLst>
+      <p:ext uri="{BB962C8B-B14F-4D97-AF65-F5344CB8AC3E}">
+        <p14:creationId xmlns:p14="http://schemas.microsoft.com/office/powerpoint/2010/main" val="2580891107"/>
+      </p:ext>
+    </p:extLst>
+  </p:cSld>
+  <p:clrMapOvr>
+    <a:masterClrMapping/>
+  </p:clrMapOvr>
+  <p:timing>
+    <p:tnLst>
+      <p:par>
+        <p:cTn id="1" dur="indefinite" restart="never" nodeType="tmRoot"/>
+      </p:par>
+    </p:tnLst>
+  </p:timing>
+</p:sld>
+</file>
+
+<file path=ppt/slides/slide25.xml><?xml version="1.0" encoding="utf-8"?>
+<p:sld xmlns:a="http://schemas.openxmlformats.org/drawingml/2006/main" xmlns:r="http://schemas.openxmlformats.org/officeDocument/2006/relationships" xmlns:p="http://schemas.openxmlformats.org/presentationml/2006/main">
+  <p:cSld>
+    <p:spTree>
+      <p:nvGrpSpPr>
+        <p:cNvPr id="1" name=""/>
+        <p:cNvGrpSpPr/>
+        <p:nvPr/>
+      </p:nvGrpSpPr>
+      <p:grpSpPr>
+        <a:xfrm>
+          <a:off x="0" y="0"/>
+          <a:ext cx="0" cy="0"/>
+          <a:chOff x="0" y="0"/>
+          <a:chExt cx="0" cy="0"/>
+        </a:xfrm>
+      </p:grpSpPr>
+      <p:sp>
+        <p:nvSpPr>
+          <p:cNvPr id="3" name="Text Placeholder 2"/>
+          <p:cNvSpPr>
+            <a:spLocks noGrp="1"/>
+          </p:cNvSpPr>
+          <p:nvPr>
+            <p:ph sz="quarter" idx="12"/>
+          </p:nvPr>
+        </p:nvSpPr>
+        <p:spPr/>
+        <p:txBody>
+          <a:bodyPr>
+            <a:normAutofit/>
+          </a:bodyPr>
+          <a:lstStyle/>
+          <a:p>
+            <a:r>
+              <a:rPr lang="en-US" b="1" dirty="0" smtClean="0"/>
+              <a:t>Synergy </a:t>
+            </a:r>
+            <a:r>
+              <a:rPr lang="en-US" b="1" dirty="0"/>
+              <a:t>with </a:t>
+            </a:r>
+            <a:r>
+              <a:rPr lang="en-US" b="1" dirty="0" err="1"/>
+              <a:t>PaaS</a:t>
+            </a:r>
+            <a:r>
+              <a:rPr lang="en-US" b="1" dirty="0"/>
+              <a:t> technology</a:t>
+            </a:r>
+          </a:p>
+          <a:p>
+            <a:pPr lvl="1"/>
+            <a:r>
+              <a:rPr lang="en-US" dirty="0" smtClean="0"/>
+              <a:t>Streamlined </a:t>
+            </a:r>
+            <a:r>
+              <a:rPr lang="en-US" dirty="0" err="1" smtClean="0"/>
+              <a:t>PaaS</a:t>
+            </a:r>
+            <a:r>
+              <a:rPr lang="en-US" dirty="0" smtClean="0"/>
+              <a:t> support, </a:t>
+            </a:r>
+            <a:r>
+              <a:rPr lang="en-US" dirty="0"/>
+              <a:t>further accelerating end-to-end solution </a:t>
+            </a:r>
+            <a:r>
+              <a:rPr lang="en-US" dirty="0" smtClean="0"/>
+              <a:t>delivery</a:t>
+            </a:r>
+            <a:endParaRPr lang="en-US" dirty="0"/>
+          </a:p>
+        </p:txBody>
+      </p:sp>
+      <p:sp>
+        <p:nvSpPr>
+          <p:cNvPr id="2" name="Title 1"/>
+          <p:cNvSpPr>
+            <a:spLocks noGrp="1"/>
+          </p:cNvSpPr>
+          <p:nvPr>
+            <p:ph type="title"/>
+          </p:nvPr>
+        </p:nvSpPr>
+        <p:spPr/>
+        <p:txBody>
+          <a:bodyPr/>
+          <a:lstStyle/>
+          <a:p>
+            <a:r>
+              <a:rPr lang="en-US" dirty="0" smtClean="0"/>
+              <a:t>Synergy with Existing Technologies</a:t>
+            </a:r>
+          </a:p>
+        </p:txBody>
+      </p:sp>
+    </p:spTree>
+    <p:extLst>
+      <p:ext uri="{BB962C8B-B14F-4D97-AF65-F5344CB8AC3E}">
+        <p14:creationId xmlns:p14="http://schemas.microsoft.com/office/powerpoint/2010/main" val="2205694643"/>
+      </p:ext>
+    </p:extLst>
+  </p:cSld>
+  <p:clrMapOvr>
+    <a:masterClrMapping/>
+  </p:clrMapOvr>
+  <p:timing>
+    <p:tnLst>
+      <p:par>
+        <p:cTn id="1" dur="indefinite" restart="never" nodeType="tmRoot"/>
+      </p:par>
+    </p:tnLst>
+  </p:timing>
+</p:sld>
+</file>
+
+<file path=ppt/slides/slide26.xml><?xml version="1.0" encoding="utf-8"?>
+<p:sld xmlns:a="http://schemas.openxmlformats.org/drawingml/2006/main" xmlns:r="http://schemas.openxmlformats.org/officeDocument/2006/relationships" xmlns:p="http://schemas.openxmlformats.org/presentationml/2006/main">
+  <p:cSld>
+    <p:spTree>
+      <p:nvGrpSpPr>
+        <p:cNvPr id="1" name=""/>
+        <p:cNvGrpSpPr/>
+        <p:nvPr/>
+      </p:nvGrpSpPr>
+      <p:grpSpPr>
+        <a:xfrm>
+          <a:off x="0" y="0"/>
+          <a:ext cx="0" cy="0"/>
+          <a:chOff x="0" y="0"/>
+          <a:chExt cx="0" cy="0"/>
+        </a:xfrm>
+      </p:grpSpPr>
+      <p:sp>
+        <p:nvSpPr>
+          <p:cNvPr id="3" name="Text Placeholder 2"/>
+          <p:cNvSpPr>
+            <a:spLocks noGrp="1"/>
+          </p:cNvSpPr>
+          <p:nvPr>
+            <p:ph sz="quarter" idx="12"/>
+          </p:nvPr>
+        </p:nvSpPr>
+        <p:spPr/>
+        <p:txBody>
+          <a:bodyPr>
+            <a:normAutofit/>
+          </a:bodyPr>
+          <a:lstStyle/>
+          <a:p>
+            <a:r>
+              <a:rPr lang="en-US" b="1" dirty="0" smtClean="0"/>
+              <a:t>Development </a:t>
+            </a:r>
+            <a:r>
+              <a:rPr lang="en-US" b="1" dirty="0"/>
+              <a:t>architecture with </a:t>
+            </a:r>
+            <a:r>
+              <a:rPr lang="en-US" b="1" dirty="0" err="1"/>
+              <a:t>SaaS</a:t>
+            </a:r>
+            <a:r>
+              <a:rPr lang="en-US" b="1" dirty="0"/>
+              <a:t> technology</a:t>
+            </a:r>
+          </a:p>
+          <a:p>
+            <a:pPr lvl="1"/>
+            <a:r>
+              <a:rPr lang="en-US" dirty="0" smtClean="0"/>
+              <a:t>Accelerate </a:t>
+            </a:r>
+            <a:r>
+              <a:rPr lang="en-US" dirty="0"/>
+              <a:t>the establishment of critical development architecture tools and processes</a:t>
+            </a:r>
+            <a:endParaRPr lang="en-US" b="1" dirty="0"/>
+          </a:p>
+        </p:txBody>
+      </p:sp>
+      <p:sp>
+        <p:nvSpPr>
+          <p:cNvPr id="2" name="Title 1"/>
+          <p:cNvSpPr>
+            <a:spLocks noGrp="1"/>
+          </p:cNvSpPr>
+          <p:nvPr>
+            <p:ph type="title"/>
+          </p:nvPr>
+        </p:nvSpPr>
+        <p:spPr/>
+        <p:txBody>
+          <a:bodyPr/>
+          <a:lstStyle/>
+          <a:p>
+            <a:r>
+              <a:rPr lang="en-US" dirty="0" smtClean="0"/>
+              <a:t>Synergy with Existing Technologies</a:t>
+            </a:r>
+          </a:p>
+        </p:txBody>
+      </p:sp>
+    </p:spTree>
+    <p:extLst>
+      <p:ext uri="{BB962C8B-B14F-4D97-AF65-F5344CB8AC3E}">
+        <p14:creationId xmlns:p14="http://schemas.microsoft.com/office/powerpoint/2010/main" val="2404590035"/>
+      </p:ext>
+    </p:extLst>
+  </p:cSld>
+  <p:clrMapOvr>
+    <a:masterClrMapping/>
+  </p:clrMapOvr>
+  <p:timing>
+    <p:tnLst>
+      <p:par>
+        <p:cTn id="1" dur="indefinite" restart="never" nodeType="tmRoot"/>
+      </p:par>
+    </p:tnLst>
+  </p:timing>
+</p:sld>
+</file>
+
+<file path=ppt/slides/slide27.xml><?xml version="1.0" encoding="utf-8"?>
+<p:sld xmlns:a="http://schemas.openxmlformats.org/drawingml/2006/main" xmlns:r="http://schemas.openxmlformats.org/officeDocument/2006/relationships" xmlns:p="http://schemas.openxmlformats.org/presentationml/2006/main">
+  <p:cSld>
+    <p:spTree>
+      <p:nvGrpSpPr>
+        <p:cNvPr id="1" name=""/>
+        <p:cNvGrpSpPr/>
+        <p:nvPr/>
+      </p:nvGrpSpPr>
+      <p:grpSpPr>
+        <a:xfrm>
+          <a:off x="0" y="0"/>
+          <a:ext cx="0" cy="0"/>
+          <a:chOff x="0" y="0"/>
+          <a:chExt cx="0" cy="0"/>
+        </a:xfrm>
+      </p:grpSpPr>
+      <p:sp>
+        <p:nvSpPr>
+          <p:cNvPr id="3" name="Content Placeholder 2"/>
+          <p:cNvSpPr>
+            <a:spLocks noGrp="1"/>
+          </p:cNvSpPr>
+          <p:nvPr>
+            <p:ph sz="quarter" idx="12"/>
+          </p:nvPr>
+        </p:nvSpPr>
+        <p:spPr/>
+        <p:txBody>
+          <a:bodyPr>
+            <a:normAutofit/>
+          </a:bodyPr>
+          <a:lstStyle/>
+          <a:p>
+            <a:r>
+              <a:rPr lang="en-US" dirty="0" smtClean="0"/>
+              <a:t>Performance and Scalability</a:t>
+            </a:r>
+          </a:p>
+          <a:p>
+            <a:pPr lvl="1"/>
+            <a:r>
+              <a:rPr lang="en-US" dirty="0" smtClean="0"/>
+              <a:t>Dynamic language performance can’t be ignored, but it is typically not an issue</a:t>
+            </a:r>
+          </a:p>
+          <a:p>
+            <a:pPr lvl="1"/>
+            <a:r>
+              <a:rPr lang="en-US" dirty="0" smtClean="0"/>
+              <a:t>Dynamic language applications proven to scale up to very high transaction volumes</a:t>
+            </a:r>
+          </a:p>
+        </p:txBody>
+      </p:sp>
+      <p:sp>
+        <p:nvSpPr>
+          <p:cNvPr id="2" name="Title 1"/>
+          <p:cNvSpPr>
+            <a:spLocks noGrp="1"/>
+          </p:cNvSpPr>
+          <p:nvPr>
+            <p:ph type="title"/>
+          </p:nvPr>
+        </p:nvSpPr>
+        <p:spPr/>
+        <p:txBody>
+          <a:bodyPr/>
+          <a:lstStyle/>
+          <a:p>
+            <a:r>
+              <a:rPr lang="en-US" dirty="0" smtClean="0"/>
+              <a:t>Challenges and Concerns – Performance </a:t>
+            </a:r>
+            <a:endParaRPr lang="en-US" dirty="0"/>
+          </a:p>
+        </p:txBody>
+      </p:sp>
+    </p:spTree>
+    <p:extLst>
+      <p:ext uri="{BB962C8B-B14F-4D97-AF65-F5344CB8AC3E}">
+        <p14:creationId xmlns:p14="http://schemas.microsoft.com/office/powerpoint/2010/main" val="2673713228"/>
+      </p:ext>
+    </p:extLst>
+  </p:cSld>
+  <p:clrMapOvr>
+    <a:masterClrMapping/>
+  </p:clrMapOvr>
+  <p:timing>
+    <p:tnLst>
+      <p:par>
+        <p:cTn id="1" dur="indefinite" restart="never" nodeType="tmRoot"/>
+      </p:par>
+    </p:tnLst>
+  </p:timing>
+</p:sld>
+</file>
+
+<file path=ppt/slides/slide28.xml><?xml version="1.0" encoding="utf-8"?>
+<p:sld xmlns:a="http://schemas.openxmlformats.org/drawingml/2006/main" xmlns:r="http://schemas.openxmlformats.org/officeDocument/2006/relationships" xmlns:p="http://schemas.openxmlformats.org/presentationml/2006/main">
+  <p:cSld>
+    <p:spTree>
+      <p:nvGrpSpPr>
+        <p:cNvPr id="1" name=""/>
+        <p:cNvGrpSpPr/>
+        <p:nvPr/>
+      </p:nvGrpSpPr>
+      <p:grpSpPr>
+        <a:xfrm>
+          <a:off x="0" y="0"/>
+          <a:ext cx="0" cy="0"/>
+          <a:chOff x="0" y="0"/>
+          <a:chExt cx="0" cy="0"/>
+        </a:xfrm>
+      </p:grpSpPr>
+      <p:sp>
+        <p:nvSpPr>
+          <p:cNvPr id="3" name="Content Placeholder 2"/>
+          <p:cNvSpPr>
+            <a:spLocks noGrp="1"/>
+          </p:cNvSpPr>
+          <p:nvPr>
+            <p:ph sz="quarter" idx="12"/>
+          </p:nvPr>
+        </p:nvSpPr>
+        <p:spPr/>
+        <p:txBody>
+          <a:bodyPr>
+            <a:normAutofit/>
+          </a:bodyPr>
+          <a:lstStyle/>
+          <a:p>
+            <a:r>
+              <a:rPr lang="en-US" dirty="0" smtClean="0"/>
+              <a:t>Skills and Team Size</a:t>
+            </a:r>
+          </a:p>
+          <a:p>
+            <a:pPr lvl="1"/>
+            <a:r>
+              <a:rPr lang="en-US" dirty="0" smtClean="0"/>
+              <a:t>Skills availability can be a challenge -- fewer developers than with Java</a:t>
+            </a:r>
+          </a:p>
+          <a:p>
+            <a:pPr lvl="1"/>
+            <a:r>
+              <a:rPr lang="en-US" dirty="0" smtClean="0"/>
+              <a:t>Our </a:t>
+            </a:r>
+            <a:r>
+              <a:rPr lang="en-US" dirty="0"/>
+              <a:t>experience </a:t>
+            </a:r>
+            <a:r>
+              <a:rPr lang="en-US" dirty="0" smtClean="0"/>
+              <a:t>shows Java </a:t>
+            </a:r>
+            <a:r>
+              <a:rPr lang="en-US" dirty="0"/>
+              <a:t>developers </a:t>
+            </a:r>
+            <a:r>
+              <a:rPr lang="en-US" dirty="0" smtClean="0"/>
+              <a:t>can be rapidly trained to a </a:t>
+            </a:r>
+            <a:r>
+              <a:rPr lang="en-US" dirty="0"/>
+              <a:t>moderate level of proficiency </a:t>
+            </a:r>
+            <a:endParaRPr lang="en-US" dirty="0" smtClean="0"/>
+          </a:p>
+          <a:p>
+            <a:pPr lvl="1"/>
+            <a:r>
+              <a:rPr lang="en-US" dirty="0" smtClean="0"/>
+              <a:t>Scaling to very large applications with large teams is unproven for some dynamic languages</a:t>
+            </a:r>
+          </a:p>
+        </p:txBody>
+      </p:sp>
+      <p:sp>
+        <p:nvSpPr>
+          <p:cNvPr id="2" name="Title 1"/>
+          <p:cNvSpPr>
+            <a:spLocks noGrp="1"/>
+          </p:cNvSpPr>
+          <p:nvPr>
+            <p:ph type="title"/>
+          </p:nvPr>
+        </p:nvSpPr>
+        <p:spPr/>
+        <p:txBody>
+          <a:bodyPr/>
+          <a:lstStyle/>
+          <a:p>
+            <a:r>
+              <a:rPr lang="en-US" dirty="0" smtClean="0"/>
+              <a:t>Challenges and Concerns – Skills </a:t>
+            </a:r>
+            <a:endParaRPr lang="en-US" dirty="0"/>
+          </a:p>
+        </p:txBody>
+      </p:sp>
+    </p:spTree>
+    <p:extLst>
+      <p:ext uri="{BB962C8B-B14F-4D97-AF65-F5344CB8AC3E}">
+        <p14:creationId xmlns:p14="http://schemas.microsoft.com/office/powerpoint/2010/main" val="2091147001"/>
+      </p:ext>
+    </p:extLst>
+  </p:cSld>
+  <p:clrMapOvr>
+    <a:masterClrMapping/>
+  </p:clrMapOvr>
+  <p:timing>
+    <p:tnLst>
+      <p:par>
+        <p:cTn id="1" dur="indefinite" restart="never" nodeType="tmRoot"/>
+      </p:par>
+    </p:tnLst>
+  </p:timing>
+</p:sld>
+</file>
+
+<file path=ppt/slides/slide29.xml><?xml version="1.0" encoding="utf-8"?>
+<p:sld xmlns:a="http://schemas.openxmlformats.org/drawingml/2006/main" xmlns:r="http://schemas.openxmlformats.org/officeDocument/2006/relationships" xmlns:p="http://schemas.openxmlformats.org/presentationml/2006/main">
+  <p:cSld>
+    <p:spTree>
+      <p:nvGrpSpPr>
+        <p:cNvPr id="1" name=""/>
+        <p:cNvGrpSpPr/>
+        <p:nvPr/>
+      </p:nvGrpSpPr>
+      <p:grpSpPr>
+        <a:xfrm>
+          <a:off x="0" y="0"/>
+          <a:ext cx="0" cy="0"/>
+          <a:chOff x="0" y="0"/>
+          <a:chExt cx="0" cy="0"/>
+        </a:xfrm>
+      </p:grpSpPr>
+      <p:sp>
+        <p:nvSpPr>
+          <p:cNvPr id="3" name="Content Placeholder 2"/>
+          <p:cNvSpPr>
+            <a:spLocks noGrp="1"/>
+          </p:cNvSpPr>
+          <p:nvPr>
+            <p:ph sz="quarter" idx="12"/>
+          </p:nvPr>
+        </p:nvSpPr>
+        <p:spPr/>
+        <p:txBody>
+          <a:bodyPr>
+            <a:normAutofit/>
+          </a:bodyPr>
+          <a:lstStyle/>
+          <a:p>
+            <a:r>
+              <a:rPr lang="en-US" dirty="0" smtClean="0"/>
+              <a:t>Adoption can be politically difficult due to prior investments</a:t>
+            </a:r>
+          </a:p>
+          <a:p>
+            <a:pPr lvl="1"/>
+            <a:r>
+              <a:rPr lang="en-US" dirty="0" smtClean="0"/>
+              <a:t>Corporate IT departments reluctant to introduce additional languages</a:t>
+            </a:r>
+          </a:p>
+          <a:p>
+            <a:pPr lvl="1"/>
+            <a:r>
+              <a:rPr lang="en-US" dirty="0" smtClean="0"/>
+              <a:t>Compatibility with existing corporate practices, standards, and tools can be a challenge</a:t>
+            </a:r>
+          </a:p>
+          <a:p>
+            <a:pPr lvl="1"/>
+            <a:r>
+              <a:rPr lang="en-US" dirty="0" smtClean="0"/>
+              <a:t>In a Java shop, the introduction of JVM dynamic languages can be relatively smooth -- existing investments can be leveraged</a:t>
+            </a:r>
+          </a:p>
+          <a:p>
+            <a:pPr lvl="1"/>
+            <a:r>
+              <a:rPr lang="en-US" dirty="0" smtClean="0"/>
+              <a:t>Complexity associated with introducing another required skill may be overrated</a:t>
+            </a:r>
+          </a:p>
+          <a:p>
+            <a:endParaRPr lang="en-US" dirty="0" smtClean="0"/>
+          </a:p>
+        </p:txBody>
+      </p:sp>
+      <p:sp>
+        <p:nvSpPr>
+          <p:cNvPr id="2" name="Title 1"/>
+          <p:cNvSpPr>
+            <a:spLocks noGrp="1"/>
+          </p:cNvSpPr>
+          <p:nvPr>
+            <p:ph type="title"/>
+          </p:nvPr>
+        </p:nvSpPr>
+        <p:spPr/>
+        <p:txBody>
+          <a:bodyPr/>
+          <a:lstStyle/>
+          <a:p>
+            <a:r>
+              <a:rPr lang="en-US" dirty="0" smtClean="0"/>
+              <a:t>Challenges and Concerns – Adoption</a:t>
+            </a:r>
+            <a:endParaRPr lang="en-US" dirty="0"/>
+          </a:p>
+        </p:txBody>
+      </p:sp>
+    </p:spTree>
+    <p:extLst>
+      <p:ext uri="{BB962C8B-B14F-4D97-AF65-F5344CB8AC3E}">
+        <p14:creationId xmlns:p14="http://schemas.microsoft.com/office/powerpoint/2010/main" val="888718414"/>
+      </p:ext>
+    </p:extLst>
+  </p:cSld>
+  <p:clrMapOvr>
+    <a:masterClrMapping/>
+  </p:clrMapOvr>
+  <p:timing>
+    <p:tnLst>
+      <p:par>
+        <p:cTn id="1" dur="indefinite" restart="never" nodeType="tmRoot"/>
+      </p:par>
+    </p:tnLst>
+  </p:timing>
+</p:sld>
+</file>
+
+<file path=ppt/slides/slide3.xml><?xml version="1.0" encoding="utf-8"?>
 <p:sld xmlns:a="http://schemas.openxmlformats.org/drawingml/2006/main" xmlns:r="http://schemas.openxmlformats.org/officeDocument/2006/relationships" xmlns:p="http://schemas.openxmlformats.org/presentationml/2006/main">
   <p:cSld>
     <p:spTree>
@@ -12123,1157 +11168,7 @@
 </p:sld>
 </file>
 
-<file path=ppt/slides/slide20.xml><?xml version="1.0" encoding="utf-8"?>
-<p:sld xmlns:a="http://schemas.openxmlformats.org/drawingml/2006/main" xmlns:r="http://schemas.openxmlformats.org/officeDocument/2006/relationships" xmlns:p="http://schemas.openxmlformats.org/presentationml/2006/main">
-  <p:cSld>
-    <p:spTree>
-      <p:nvGrpSpPr>
-        <p:cNvPr id="1" name=""/>
-        <p:cNvGrpSpPr/>
-        <p:nvPr/>
-      </p:nvGrpSpPr>
-      <p:grpSpPr>
-        <a:xfrm>
-          <a:off x="0" y="0"/>
-          <a:ext cx="0" cy="0"/>
-          <a:chOff x="0" y="0"/>
-          <a:chExt cx="0" cy="0"/>
-        </a:xfrm>
-      </p:grpSpPr>
-      <p:sp>
-        <p:nvSpPr>
-          <p:cNvPr id="3" name="Content Placeholder 2"/>
-          <p:cNvSpPr>
-            <a:spLocks noGrp="1"/>
-          </p:cNvSpPr>
-          <p:nvPr>
-            <p:ph sz="quarter" idx="12"/>
-          </p:nvPr>
-        </p:nvSpPr>
-        <p:spPr/>
-        <p:txBody>
-          <a:bodyPr>
-            <a:normAutofit fontScale="92500" lnSpcReduction="10000"/>
-          </a:bodyPr>
-          <a:lstStyle/>
-          <a:p>
-            <a:r>
-              <a:rPr lang="en-US" dirty="0" smtClean="0"/>
-              <a:t>Dynamic languages are an important enabler of software delivery for the enterprise</a:t>
-            </a:r>
-          </a:p>
-          <a:p>
-            <a:pPr lvl="1"/>
-            <a:r>
-              <a:rPr lang="en-US" dirty="0" smtClean="0"/>
-              <a:t>Organizations and large companies use dynamic languages</a:t>
-            </a:r>
-          </a:p>
-          <a:p>
-            <a:pPr lvl="1"/>
-            <a:r>
-              <a:rPr lang="en-US" dirty="0" smtClean="0"/>
-              <a:t>High productivity, agile development, fast time-to-market</a:t>
-            </a:r>
-          </a:p>
-          <a:p>
-            <a:pPr lvl="1"/>
-            <a:r>
-              <a:rPr lang="en-US" dirty="0" smtClean="0"/>
-              <a:t>Reliability</a:t>
-            </a:r>
-          </a:p>
-          <a:p>
-            <a:pPr lvl="1"/>
-            <a:r>
-              <a:rPr lang="en-US" dirty="0" smtClean="0"/>
-              <a:t>Abundance </a:t>
-            </a:r>
-            <a:r>
-              <a:rPr lang="en-US" dirty="0"/>
-              <a:t>of </a:t>
-            </a:r>
-            <a:r>
-              <a:rPr lang="en-US" dirty="0" smtClean="0"/>
-              <a:t>libraries</a:t>
-            </a:r>
-          </a:p>
-          <a:p>
-            <a:pPr lvl="1"/>
-            <a:r>
-              <a:rPr lang="en-US" dirty="0" smtClean="0"/>
-              <a:t>Multi-platform</a:t>
-            </a:r>
-          </a:p>
-          <a:p>
-            <a:pPr lvl="1"/>
-            <a:r>
-              <a:rPr lang="en-US" dirty="0" smtClean="0"/>
-              <a:t>Mature </a:t>
-            </a:r>
-            <a:r>
-              <a:rPr lang="en-US" dirty="0"/>
-              <a:t>set of development tools </a:t>
-            </a:r>
-            <a:endParaRPr lang="en-US" dirty="0" smtClean="0"/>
-          </a:p>
-          <a:p>
-            <a:pPr lvl="1"/>
-            <a:r>
-              <a:rPr lang="en-US" dirty="0" smtClean="0"/>
-              <a:t>Strong </a:t>
-            </a:r>
-            <a:r>
-              <a:rPr lang="en-US" dirty="0"/>
-              <a:t>support </a:t>
-            </a:r>
-            <a:r>
-              <a:rPr lang="en-US" dirty="0" smtClean="0"/>
-              <a:t>ecosystem and </a:t>
-            </a:r>
-            <a:r>
-              <a:rPr lang="en-US" dirty="0"/>
-              <a:t>commercial vendor support</a:t>
-            </a:r>
-            <a:endParaRPr lang="en-US" dirty="0" smtClean="0"/>
-          </a:p>
-          <a:p>
-            <a:pPr lvl="1"/>
-            <a:r>
-              <a:rPr lang="en-US" dirty="0" smtClean="0"/>
-              <a:t>Performance ranges from acceptable to excellent</a:t>
-            </a:r>
-          </a:p>
-          <a:p>
-            <a:pPr lvl="1"/>
-            <a:r>
-              <a:rPr lang="es-ES_tradnl" dirty="0" err="1" smtClean="0"/>
-              <a:t>Synergies</a:t>
-            </a:r>
-            <a:r>
-              <a:rPr lang="es-ES_tradnl" dirty="0" smtClean="0"/>
-              <a:t> </a:t>
-            </a:r>
-            <a:r>
-              <a:rPr lang="es-ES_tradnl" dirty="0" err="1" smtClean="0"/>
-              <a:t>with</a:t>
-            </a:r>
-            <a:r>
-              <a:rPr lang="es-ES_tradnl" dirty="0" smtClean="0"/>
-              <a:t> </a:t>
-            </a:r>
-            <a:r>
-              <a:rPr lang="es-ES_tradnl" dirty="0" err="1" smtClean="0"/>
-              <a:t>existing</a:t>
-            </a:r>
-            <a:r>
-              <a:rPr lang="es-ES_tradnl" dirty="0" smtClean="0"/>
-              <a:t> </a:t>
-            </a:r>
-            <a:r>
-              <a:rPr lang="es-ES_tradnl" dirty="0" err="1" smtClean="0"/>
-              <a:t>technologies</a:t>
-            </a:r>
-            <a:endParaRPr lang="en-US" dirty="0" smtClean="0"/>
-          </a:p>
-        </p:txBody>
-      </p:sp>
-      <p:sp>
-        <p:nvSpPr>
-          <p:cNvPr id="2" name="Title 1"/>
-          <p:cNvSpPr>
-            <a:spLocks noGrp="1"/>
-          </p:cNvSpPr>
-          <p:nvPr>
-            <p:ph type="title"/>
-          </p:nvPr>
-        </p:nvSpPr>
-        <p:spPr/>
-        <p:txBody>
-          <a:bodyPr/>
-          <a:lstStyle/>
-          <a:p>
-            <a:r>
-              <a:rPr lang="en-US" dirty="0" smtClean="0"/>
-              <a:t>Fit for Enterprise</a:t>
-            </a:r>
-            <a:endParaRPr lang="en-US" dirty="0"/>
-          </a:p>
-        </p:txBody>
-      </p:sp>
-    </p:spTree>
-    <p:extLst>
-      <p:ext uri="{BB962C8B-B14F-4D97-AF65-F5344CB8AC3E}">
-        <p14:creationId xmlns:p14="http://schemas.microsoft.com/office/powerpoint/2010/main" val="1385153438"/>
-      </p:ext>
-    </p:extLst>
-  </p:cSld>
-  <p:clrMapOvr>
-    <a:masterClrMapping/>
-  </p:clrMapOvr>
-  <mc:AlternateContent xmlns:mc="http://schemas.openxmlformats.org/markup-compatibility/2006" xmlns:p14="http://schemas.microsoft.com/office/powerpoint/2010/main">
-    <mc:Choice Requires="p14">
-      <p:transition spd="slow" p14:dur="2000"/>
-    </mc:Choice>
-    <mc:Fallback xmlns="">
-      <p:transition spd="slow"/>
-    </mc:Fallback>
-  </mc:AlternateContent>
-  <p:timing>
-    <p:tnLst>
-      <p:par>
-        <p:cTn id="1" dur="indefinite" restart="never" nodeType="tmRoot"/>
-      </p:par>
-    </p:tnLst>
-  </p:timing>
-</p:sld>
-</file>
-
-<file path=ppt/slides/slide21.xml><?xml version="1.0" encoding="utf-8"?>
-<p:sld xmlns:a="http://schemas.openxmlformats.org/drawingml/2006/main" xmlns:r="http://schemas.openxmlformats.org/officeDocument/2006/relationships" xmlns:p="http://schemas.openxmlformats.org/presentationml/2006/main">
-  <p:cSld>
-    <p:spTree>
-      <p:nvGrpSpPr>
-        <p:cNvPr id="1" name=""/>
-        <p:cNvGrpSpPr/>
-        <p:nvPr/>
-      </p:nvGrpSpPr>
-      <p:grpSpPr>
-        <a:xfrm>
-          <a:off x="0" y="0"/>
-          <a:ext cx="0" cy="0"/>
-          <a:chOff x="0" y="0"/>
-          <a:chExt cx="0" cy="0"/>
-        </a:xfrm>
-      </p:grpSpPr>
-      <p:sp>
-        <p:nvSpPr>
-          <p:cNvPr id="3" name="Text Placeholder 2"/>
-          <p:cNvSpPr>
-            <a:spLocks noGrp="1"/>
-          </p:cNvSpPr>
-          <p:nvPr>
-            <p:ph sz="quarter" idx="12"/>
-          </p:nvPr>
-        </p:nvSpPr>
-        <p:spPr/>
-        <p:txBody>
-          <a:bodyPr>
-            <a:normAutofit/>
-          </a:bodyPr>
-          <a:lstStyle/>
-          <a:p>
-            <a:r>
-              <a:rPr lang="en-US" b="1" dirty="0"/>
-              <a:t>Augmenting Java</a:t>
-            </a:r>
-          </a:p>
-          <a:p>
-            <a:pPr lvl="1"/>
-            <a:r>
-              <a:rPr lang="en-US" dirty="0" smtClean="0"/>
-              <a:t>Significantly </a:t>
-            </a:r>
-            <a:r>
-              <a:rPr lang="en-US" dirty="0"/>
-              <a:t>faster development of web </a:t>
-            </a:r>
-            <a:r>
-              <a:rPr lang="en-US" dirty="0" smtClean="0"/>
-              <a:t>front-ends</a:t>
-            </a:r>
-            <a:endParaRPr lang="en-US" dirty="0"/>
-          </a:p>
-          <a:p>
-            <a:pPr lvl="1"/>
-            <a:r>
-              <a:rPr lang="en-US" dirty="0" smtClean="0"/>
-              <a:t>Development </a:t>
-            </a:r>
-            <a:r>
-              <a:rPr lang="en-US" dirty="0"/>
-              <a:t>of frameworks and complex </a:t>
-            </a:r>
-            <a:r>
-              <a:rPr lang="en-US" dirty="0" smtClean="0"/>
-              <a:t>logic</a:t>
-            </a:r>
-          </a:p>
-          <a:p>
-            <a:pPr lvl="1"/>
-            <a:r>
-              <a:rPr lang="en-US" dirty="0" smtClean="0"/>
-              <a:t>Continue leveraging </a:t>
-            </a:r>
-            <a:r>
-              <a:rPr lang="en-US" dirty="0"/>
-              <a:t>existing Java skills and </a:t>
-            </a:r>
-            <a:r>
-              <a:rPr lang="en-US" dirty="0" smtClean="0"/>
-              <a:t>tooling</a:t>
-            </a:r>
-            <a:endParaRPr lang="en-US" dirty="0"/>
-          </a:p>
-        </p:txBody>
-      </p:sp>
-      <p:sp>
-        <p:nvSpPr>
-          <p:cNvPr id="2" name="Title 1"/>
-          <p:cNvSpPr>
-            <a:spLocks noGrp="1"/>
-          </p:cNvSpPr>
-          <p:nvPr>
-            <p:ph type="title"/>
-          </p:nvPr>
-        </p:nvSpPr>
-        <p:spPr/>
-        <p:txBody>
-          <a:bodyPr/>
-          <a:lstStyle/>
-          <a:p>
-            <a:r>
-              <a:rPr lang="en-US" dirty="0" smtClean="0"/>
-              <a:t>Synergy with Other Technologies</a:t>
-            </a:r>
-          </a:p>
-        </p:txBody>
-      </p:sp>
-    </p:spTree>
-    <p:extLst>
-      <p:ext uri="{BB962C8B-B14F-4D97-AF65-F5344CB8AC3E}">
-        <p14:creationId xmlns:p14="http://schemas.microsoft.com/office/powerpoint/2010/main" val="1419664628"/>
-      </p:ext>
-    </p:extLst>
-  </p:cSld>
-  <p:clrMapOvr>
-    <a:masterClrMapping/>
-  </p:clrMapOvr>
-  <p:timing>
-    <p:tnLst>
-      <p:par>
-        <p:cTn id="1" dur="indefinite" restart="never" nodeType="tmRoot"/>
-      </p:par>
-    </p:tnLst>
-  </p:timing>
-</p:sld>
-</file>
-
-<file path=ppt/slides/slide22.xml><?xml version="1.0" encoding="utf-8"?>
-<p:sld xmlns:a="http://schemas.openxmlformats.org/drawingml/2006/main" xmlns:r="http://schemas.openxmlformats.org/officeDocument/2006/relationships" xmlns:p="http://schemas.openxmlformats.org/presentationml/2006/main">
-  <p:cSld>
-    <p:spTree>
-      <p:nvGrpSpPr>
-        <p:cNvPr id="1" name=""/>
-        <p:cNvGrpSpPr/>
-        <p:nvPr/>
-      </p:nvGrpSpPr>
-      <p:grpSpPr>
-        <a:xfrm>
-          <a:off x="0" y="0"/>
-          <a:ext cx="0" cy="0"/>
-          <a:chOff x="0" y="0"/>
-          <a:chExt cx="0" cy="0"/>
-        </a:xfrm>
-      </p:grpSpPr>
-      <p:sp>
-        <p:nvSpPr>
-          <p:cNvPr id="3" name="Text Placeholder 2"/>
-          <p:cNvSpPr>
-            <a:spLocks noGrp="1"/>
-          </p:cNvSpPr>
-          <p:nvPr>
-            <p:ph sz="quarter" idx="12"/>
-          </p:nvPr>
-        </p:nvSpPr>
-        <p:spPr/>
-        <p:txBody>
-          <a:bodyPr>
-            <a:normAutofit/>
-          </a:bodyPr>
-          <a:lstStyle/>
-          <a:p>
-            <a:r>
-              <a:rPr lang="en-US" b="1" dirty="0" smtClean="0"/>
-              <a:t>Agility for “New Web” applications</a:t>
-            </a:r>
-          </a:p>
-          <a:p>
-            <a:pPr lvl="1"/>
-            <a:r>
-              <a:rPr lang="en-US" dirty="0" smtClean="0"/>
-              <a:t>Applications </a:t>
-            </a:r>
-            <a:r>
-              <a:rPr lang="en-US" dirty="0"/>
-              <a:t>involving event-driven and highly responsive user </a:t>
-            </a:r>
-            <a:r>
-              <a:rPr lang="en-US" dirty="0" smtClean="0"/>
-              <a:t>interfaces</a:t>
-            </a:r>
-            <a:endParaRPr lang="en-US" dirty="0"/>
-          </a:p>
-          <a:p>
-            <a:pPr lvl="1"/>
-            <a:r>
-              <a:rPr lang="en-US" dirty="0"/>
-              <a:t>Gartner recommends </a:t>
-            </a:r>
-            <a:r>
-              <a:rPr lang="en-US" dirty="0" smtClean="0"/>
-              <a:t>dynamic </a:t>
-            </a:r>
-            <a:r>
-              <a:rPr lang="en-US" dirty="0"/>
-              <a:t>language </a:t>
-            </a:r>
-            <a:r>
-              <a:rPr lang="en-US" dirty="0" smtClean="0"/>
-              <a:t>frameworks, avoid </a:t>
-            </a:r>
-            <a:r>
-              <a:rPr lang="en-US" dirty="0"/>
-              <a:t>traditional </a:t>
-            </a:r>
-            <a:r>
-              <a:rPr lang="en-US" dirty="0" smtClean="0"/>
-              <a:t>MVC frameworks</a:t>
-            </a:r>
-            <a:endParaRPr lang="en-US" dirty="0"/>
-          </a:p>
-        </p:txBody>
-      </p:sp>
-      <p:sp>
-        <p:nvSpPr>
-          <p:cNvPr id="2" name="Title 1"/>
-          <p:cNvSpPr>
-            <a:spLocks noGrp="1"/>
-          </p:cNvSpPr>
-          <p:nvPr>
-            <p:ph type="title"/>
-          </p:nvPr>
-        </p:nvSpPr>
-        <p:spPr/>
-        <p:txBody>
-          <a:bodyPr/>
-          <a:lstStyle/>
-          <a:p>
-            <a:r>
-              <a:rPr lang="en-US" dirty="0" smtClean="0"/>
-              <a:t>Synergy with Existing Technologies</a:t>
-            </a:r>
-          </a:p>
-        </p:txBody>
-      </p:sp>
-    </p:spTree>
-    <p:extLst>
-      <p:ext uri="{BB962C8B-B14F-4D97-AF65-F5344CB8AC3E}">
-        <p14:creationId xmlns:p14="http://schemas.microsoft.com/office/powerpoint/2010/main" val="1898898150"/>
-      </p:ext>
-    </p:extLst>
-  </p:cSld>
-  <p:clrMapOvr>
-    <a:masterClrMapping/>
-  </p:clrMapOvr>
-  <p:timing>
-    <p:tnLst>
-      <p:par>
-        <p:cTn id="1" dur="indefinite" restart="never" nodeType="tmRoot"/>
-      </p:par>
-    </p:tnLst>
-  </p:timing>
-</p:sld>
-</file>
-
-<file path=ppt/slides/slide23.xml><?xml version="1.0" encoding="utf-8"?>
-<p:sld xmlns:a="http://schemas.openxmlformats.org/drawingml/2006/main" xmlns:r="http://schemas.openxmlformats.org/officeDocument/2006/relationships" xmlns:p="http://schemas.openxmlformats.org/presentationml/2006/main">
-  <p:cSld>
-    <p:spTree>
-      <p:nvGrpSpPr>
-        <p:cNvPr id="1" name=""/>
-        <p:cNvGrpSpPr/>
-        <p:nvPr/>
-      </p:nvGrpSpPr>
-      <p:grpSpPr>
-        <a:xfrm>
-          <a:off x="0" y="0"/>
-          <a:ext cx="0" cy="0"/>
-          <a:chOff x="0" y="0"/>
-          <a:chExt cx="0" cy="0"/>
-        </a:xfrm>
-      </p:grpSpPr>
-      <p:sp>
-        <p:nvSpPr>
-          <p:cNvPr id="3" name="Text Placeholder 2"/>
-          <p:cNvSpPr>
-            <a:spLocks noGrp="1"/>
-          </p:cNvSpPr>
-          <p:nvPr>
-            <p:ph sz="quarter" idx="12"/>
-          </p:nvPr>
-        </p:nvSpPr>
-        <p:spPr/>
-        <p:txBody>
-          <a:bodyPr>
-            <a:normAutofit/>
-          </a:bodyPr>
-          <a:lstStyle/>
-          <a:p>
-            <a:r>
-              <a:rPr lang="en-US" b="1" dirty="0" smtClean="0"/>
-              <a:t>Agility </a:t>
-            </a:r>
-            <a:r>
-              <a:rPr lang="en-US" b="1" dirty="0"/>
-              <a:t>for mobile development</a:t>
-            </a:r>
-          </a:p>
-          <a:p>
-            <a:pPr lvl="1"/>
-            <a:r>
-              <a:rPr lang="en-US" dirty="0" smtClean="0"/>
-              <a:t>Develop </a:t>
-            </a:r>
-            <a:r>
-              <a:rPr lang="en-US" dirty="0"/>
-              <a:t>mobile web sites and </a:t>
-            </a:r>
-            <a:r>
-              <a:rPr lang="en-US" dirty="0" err="1"/>
-              <a:t>RESTful</a:t>
-            </a:r>
-            <a:r>
-              <a:rPr lang="en-US" dirty="0"/>
-              <a:t> APIs</a:t>
-            </a:r>
-          </a:p>
-          <a:p>
-            <a:pPr lvl="1"/>
-            <a:r>
-              <a:rPr lang="en-US" dirty="0"/>
-              <a:t>JavaScript / </a:t>
-            </a:r>
-            <a:r>
-              <a:rPr lang="en-US" dirty="0" smtClean="0"/>
-              <a:t>HTML5 write-once-deploy-many, usability approaching that of native</a:t>
-            </a:r>
-            <a:endParaRPr lang="en-US" dirty="0"/>
-          </a:p>
-        </p:txBody>
-      </p:sp>
-      <p:sp>
-        <p:nvSpPr>
-          <p:cNvPr id="2" name="Title 1"/>
-          <p:cNvSpPr>
-            <a:spLocks noGrp="1"/>
-          </p:cNvSpPr>
-          <p:nvPr>
-            <p:ph type="title"/>
-          </p:nvPr>
-        </p:nvSpPr>
-        <p:spPr/>
-        <p:txBody>
-          <a:bodyPr/>
-          <a:lstStyle/>
-          <a:p>
-            <a:r>
-              <a:rPr lang="en-US" dirty="0" smtClean="0"/>
-              <a:t>Synergy with Existing Technologies</a:t>
-            </a:r>
-          </a:p>
-        </p:txBody>
-      </p:sp>
-    </p:spTree>
-    <p:extLst>
-      <p:ext uri="{BB962C8B-B14F-4D97-AF65-F5344CB8AC3E}">
-        <p14:creationId xmlns:p14="http://schemas.microsoft.com/office/powerpoint/2010/main" val="2580891107"/>
-      </p:ext>
-    </p:extLst>
-  </p:cSld>
-  <p:clrMapOvr>
-    <a:masterClrMapping/>
-  </p:clrMapOvr>
-  <p:timing>
-    <p:tnLst>
-      <p:par>
-        <p:cTn id="1" dur="indefinite" restart="never" nodeType="tmRoot"/>
-      </p:par>
-    </p:tnLst>
-  </p:timing>
-</p:sld>
-</file>
-
-<file path=ppt/slides/slide24.xml><?xml version="1.0" encoding="utf-8"?>
-<p:sld xmlns:a="http://schemas.openxmlformats.org/drawingml/2006/main" xmlns:r="http://schemas.openxmlformats.org/officeDocument/2006/relationships" xmlns:p="http://schemas.openxmlformats.org/presentationml/2006/main">
-  <p:cSld>
-    <p:spTree>
-      <p:nvGrpSpPr>
-        <p:cNvPr id="1" name=""/>
-        <p:cNvGrpSpPr/>
-        <p:nvPr/>
-      </p:nvGrpSpPr>
-      <p:grpSpPr>
-        <a:xfrm>
-          <a:off x="0" y="0"/>
-          <a:ext cx="0" cy="0"/>
-          <a:chOff x="0" y="0"/>
-          <a:chExt cx="0" cy="0"/>
-        </a:xfrm>
-      </p:grpSpPr>
-      <p:sp>
-        <p:nvSpPr>
-          <p:cNvPr id="3" name="Text Placeholder 2"/>
-          <p:cNvSpPr>
-            <a:spLocks noGrp="1"/>
-          </p:cNvSpPr>
-          <p:nvPr>
-            <p:ph sz="quarter" idx="12"/>
-          </p:nvPr>
-        </p:nvSpPr>
-        <p:spPr/>
-        <p:txBody>
-          <a:bodyPr>
-            <a:normAutofit/>
-          </a:bodyPr>
-          <a:lstStyle/>
-          <a:p>
-            <a:r>
-              <a:rPr lang="en-US" b="1" dirty="0" smtClean="0"/>
-              <a:t>Synergy </a:t>
-            </a:r>
-            <a:r>
-              <a:rPr lang="en-US" b="1" dirty="0"/>
-              <a:t>with </a:t>
-            </a:r>
-            <a:r>
-              <a:rPr lang="en-US" b="1" dirty="0" err="1"/>
-              <a:t>PaaS</a:t>
-            </a:r>
-            <a:r>
-              <a:rPr lang="en-US" b="1" dirty="0"/>
-              <a:t> technology</a:t>
-            </a:r>
-          </a:p>
-          <a:p>
-            <a:pPr lvl="1"/>
-            <a:r>
-              <a:rPr lang="en-US" dirty="0" smtClean="0"/>
-              <a:t>Streamlined </a:t>
-            </a:r>
-            <a:r>
-              <a:rPr lang="en-US" dirty="0" err="1" smtClean="0"/>
-              <a:t>PaaS</a:t>
-            </a:r>
-            <a:r>
-              <a:rPr lang="en-US" dirty="0" smtClean="0"/>
-              <a:t> support, </a:t>
-            </a:r>
-            <a:r>
-              <a:rPr lang="en-US" dirty="0"/>
-              <a:t>further accelerating end-to-end solution </a:t>
-            </a:r>
-            <a:r>
-              <a:rPr lang="en-US" dirty="0" smtClean="0"/>
-              <a:t>delivery</a:t>
-            </a:r>
-            <a:endParaRPr lang="en-US" dirty="0"/>
-          </a:p>
-        </p:txBody>
-      </p:sp>
-      <p:sp>
-        <p:nvSpPr>
-          <p:cNvPr id="2" name="Title 1"/>
-          <p:cNvSpPr>
-            <a:spLocks noGrp="1"/>
-          </p:cNvSpPr>
-          <p:nvPr>
-            <p:ph type="title"/>
-          </p:nvPr>
-        </p:nvSpPr>
-        <p:spPr/>
-        <p:txBody>
-          <a:bodyPr/>
-          <a:lstStyle/>
-          <a:p>
-            <a:r>
-              <a:rPr lang="en-US" dirty="0" smtClean="0"/>
-              <a:t>Synergy with Existing Technologies</a:t>
-            </a:r>
-          </a:p>
-        </p:txBody>
-      </p:sp>
-    </p:spTree>
-    <p:extLst>
-      <p:ext uri="{BB962C8B-B14F-4D97-AF65-F5344CB8AC3E}">
-        <p14:creationId xmlns:p14="http://schemas.microsoft.com/office/powerpoint/2010/main" val="2205694643"/>
-      </p:ext>
-    </p:extLst>
-  </p:cSld>
-  <p:clrMapOvr>
-    <a:masterClrMapping/>
-  </p:clrMapOvr>
-  <p:timing>
-    <p:tnLst>
-      <p:par>
-        <p:cTn id="1" dur="indefinite" restart="never" nodeType="tmRoot"/>
-      </p:par>
-    </p:tnLst>
-  </p:timing>
-</p:sld>
-</file>
-
-<file path=ppt/slides/slide25.xml><?xml version="1.0" encoding="utf-8"?>
-<p:sld xmlns:a="http://schemas.openxmlformats.org/drawingml/2006/main" xmlns:r="http://schemas.openxmlformats.org/officeDocument/2006/relationships" xmlns:p="http://schemas.openxmlformats.org/presentationml/2006/main">
-  <p:cSld>
-    <p:spTree>
-      <p:nvGrpSpPr>
-        <p:cNvPr id="1" name=""/>
-        <p:cNvGrpSpPr/>
-        <p:nvPr/>
-      </p:nvGrpSpPr>
-      <p:grpSpPr>
-        <a:xfrm>
-          <a:off x="0" y="0"/>
-          <a:ext cx="0" cy="0"/>
-          <a:chOff x="0" y="0"/>
-          <a:chExt cx="0" cy="0"/>
-        </a:xfrm>
-      </p:grpSpPr>
-      <p:sp>
-        <p:nvSpPr>
-          <p:cNvPr id="3" name="Text Placeholder 2"/>
-          <p:cNvSpPr>
-            <a:spLocks noGrp="1"/>
-          </p:cNvSpPr>
-          <p:nvPr>
-            <p:ph sz="quarter" idx="12"/>
-          </p:nvPr>
-        </p:nvSpPr>
-        <p:spPr/>
-        <p:txBody>
-          <a:bodyPr>
-            <a:normAutofit/>
-          </a:bodyPr>
-          <a:lstStyle/>
-          <a:p>
-            <a:r>
-              <a:rPr lang="en-US" b="1" dirty="0" smtClean="0"/>
-              <a:t>Development </a:t>
-            </a:r>
-            <a:r>
-              <a:rPr lang="en-US" b="1" dirty="0"/>
-              <a:t>architecture with </a:t>
-            </a:r>
-            <a:r>
-              <a:rPr lang="en-US" b="1" dirty="0" err="1"/>
-              <a:t>SaaS</a:t>
-            </a:r>
-            <a:r>
-              <a:rPr lang="en-US" b="1" dirty="0"/>
-              <a:t> technology</a:t>
-            </a:r>
-          </a:p>
-          <a:p>
-            <a:pPr lvl="1"/>
-            <a:r>
-              <a:rPr lang="en-US" dirty="0" smtClean="0"/>
-              <a:t>Accelerate </a:t>
-            </a:r>
-            <a:r>
-              <a:rPr lang="en-US" dirty="0"/>
-              <a:t>the establishment of critical development architecture tools and processes</a:t>
-            </a:r>
-            <a:endParaRPr lang="en-US" b="1" dirty="0"/>
-          </a:p>
-        </p:txBody>
-      </p:sp>
-      <p:sp>
-        <p:nvSpPr>
-          <p:cNvPr id="2" name="Title 1"/>
-          <p:cNvSpPr>
-            <a:spLocks noGrp="1"/>
-          </p:cNvSpPr>
-          <p:nvPr>
-            <p:ph type="title"/>
-          </p:nvPr>
-        </p:nvSpPr>
-        <p:spPr/>
-        <p:txBody>
-          <a:bodyPr/>
-          <a:lstStyle/>
-          <a:p>
-            <a:r>
-              <a:rPr lang="en-US" dirty="0" smtClean="0"/>
-              <a:t>Synergy with Existing Technologies</a:t>
-            </a:r>
-          </a:p>
-        </p:txBody>
-      </p:sp>
-    </p:spTree>
-    <p:extLst>
-      <p:ext uri="{BB962C8B-B14F-4D97-AF65-F5344CB8AC3E}">
-        <p14:creationId xmlns:p14="http://schemas.microsoft.com/office/powerpoint/2010/main" val="2404590035"/>
-      </p:ext>
-    </p:extLst>
-  </p:cSld>
-  <p:clrMapOvr>
-    <a:masterClrMapping/>
-  </p:clrMapOvr>
-  <p:timing>
-    <p:tnLst>
-      <p:par>
-        <p:cTn id="1" dur="indefinite" restart="never" nodeType="tmRoot"/>
-      </p:par>
-    </p:tnLst>
-  </p:timing>
-</p:sld>
-</file>
-
-<file path=ppt/slides/slide26.xml><?xml version="1.0" encoding="utf-8"?>
-<p:sld xmlns:a="http://schemas.openxmlformats.org/drawingml/2006/main" xmlns:r="http://schemas.openxmlformats.org/officeDocument/2006/relationships" xmlns:p="http://schemas.openxmlformats.org/presentationml/2006/main">
-  <p:cSld>
-    <p:spTree>
-      <p:nvGrpSpPr>
-        <p:cNvPr id="1" name=""/>
-        <p:cNvGrpSpPr/>
-        <p:nvPr/>
-      </p:nvGrpSpPr>
-      <p:grpSpPr>
-        <a:xfrm>
-          <a:off x="0" y="0"/>
-          <a:ext cx="0" cy="0"/>
-          <a:chOff x="0" y="0"/>
-          <a:chExt cx="0" cy="0"/>
-        </a:xfrm>
-      </p:grpSpPr>
-      <p:sp>
-        <p:nvSpPr>
-          <p:cNvPr id="3" name="Content Placeholder 2"/>
-          <p:cNvSpPr>
-            <a:spLocks noGrp="1"/>
-          </p:cNvSpPr>
-          <p:nvPr>
-            <p:ph sz="quarter" idx="12"/>
-          </p:nvPr>
-        </p:nvSpPr>
-        <p:spPr/>
-        <p:txBody>
-          <a:bodyPr>
-            <a:normAutofit/>
-          </a:bodyPr>
-          <a:lstStyle/>
-          <a:p>
-            <a:r>
-              <a:rPr lang="en-US" dirty="0" smtClean="0"/>
-              <a:t>Performance and Scalability</a:t>
-            </a:r>
-          </a:p>
-          <a:p>
-            <a:pPr lvl="1"/>
-            <a:r>
-              <a:rPr lang="en-US" dirty="0" smtClean="0"/>
-              <a:t>Dynamic language performance can’t be ignored, but it is typically not an issue</a:t>
-            </a:r>
-          </a:p>
-          <a:p>
-            <a:pPr lvl="1"/>
-            <a:r>
-              <a:rPr lang="en-US" dirty="0" smtClean="0"/>
-              <a:t>Dynamic language applications proven to scale up to very high transaction volumes</a:t>
-            </a:r>
-          </a:p>
-        </p:txBody>
-      </p:sp>
-      <p:sp>
-        <p:nvSpPr>
-          <p:cNvPr id="2" name="Title 1"/>
-          <p:cNvSpPr>
-            <a:spLocks noGrp="1"/>
-          </p:cNvSpPr>
-          <p:nvPr>
-            <p:ph type="title"/>
-          </p:nvPr>
-        </p:nvSpPr>
-        <p:spPr/>
-        <p:txBody>
-          <a:bodyPr/>
-          <a:lstStyle/>
-          <a:p>
-            <a:r>
-              <a:rPr lang="en-US" dirty="0" smtClean="0"/>
-              <a:t>Challenges and Concerns – Performance </a:t>
-            </a:r>
-            <a:endParaRPr lang="en-US" dirty="0"/>
-          </a:p>
-        </p:txBody>
-      </p:sp>
-    </p:spTree>
-    <p:extLst>
-      <p:ext uri="{BB962C8B-B14F-4D97-AF65-F5344CB8AC3E}">
-        <p14:creationId xmlns:p14="http://schemas.microsoft.com/office/powerpoint/2010/main" val="2673713228"/>
-      </p:ext>
-    </p:extLst>
-  </p:cSld>
-  <p:clrMapOvr>
-    <a:masterClrMapping/>
-  </p:clrMapOvr>
-  <p:timing>
-    <p:tnLst>
-      <p:par>
-        <p:cTn id="1" dur="indefinite" restart="never" nodeType="tmRoot"/>
-      </p:par>
-    </p:tnLst>
-  </p:timing>
-</p:sld>
-</file>
-
-<file path=ppt/slides/slide27.xml><?xml version="1.0" encoding="utf-8"?>
-<p:sld xmlns:a="http://schemas.openxmlformats.org/drawingml/2006/main" xmlns:r="http://schemas.openxmlformats.org/officeDocument/2006/relationships" xmlns:p="http://schemas.openxmlformats.org/presentationml/2006/main">
-  <p:cSld>
-    <p:spTree>
-      <p:nvGrpSpPr>
-        <p:cNvPr id="1" name=""/>
-        <p:cNvGrpSpPr/>
-        <p:nvPr/>
-      </p:nvGrpSpPr>
-      <p:grpSpPr>
-        <a:xfrm>
-          <a:off x="0" y="0"/>
-          <a:ext cx="0" cy="0"/>
-          <a:chOff x="0" y="0"/>
-          <a:chExt cx="0" cy="0"/>
-        </a:xfrm>
-      </p:grpSpPr>
-      <p:sp>
-        <p:nvSpPr>
-          <p:cNvPr id="3" name="Content Placeholder 2"/>
-          <p:cNvSpPr>
-            <a:spLocks noGrp="1"/>
-          </p:cNvSpPr>
-          <p:nvPr>
-            <p:ph sz="quarter" idx="12"/>
-          </p:nvPr>
-        </p:nvSpPr>
-        <p:spPr/>
-        <p:txBody>
-          <a:bodyPr>
-            <a:normAutofit/>
-          </a:bodyPr>
-          <a:lstStyle/>
-          <a:p>
-            <a:r>
-              <a:rPr lang="en-US" dirty="0" smtClean="0"/>
-              <a:t>Skills and Team Size</a:t>
-            </a:r>
-          </a:p>
-          <a:p>
-            <a:pPr lvl="1"/>
-            <a:r>
-              <a:rPr lang="en-US" dirty="0" smtClean="0"/>
-              <a:t>Skills availability can be a challenge -- fewer developers than with Java</a:t>
-            </a:r>
-          </a:p>
-          <a:p>
-            <a:pPr lvl="1"/>
-            <a:r>
-              <a:rPr lang="en-US" dirty="0" smtClean="0"/>
-              <a:t>Our </a:t>
-            </a:r>
-            <a:r>
-              <a:rPr lang="en-US" dirty="0"/>
-              <a:t>experience </a:t>
-            </a:r>
-            <a:r>
-              <a:rPr lang="en-US" dirty="0" smtClean="0"/>
-              <a:t>shows Java </a:t>
-            </a:r>
-            <a:r>
-              <a:rPr lang="en-US" dirty="0"/>
-              <a:t>developers </a:t>
-            </a:r>
-            <a:r>
-              <a:rPr lang="en-US" dirty="0" smtClean="0"/>
-              <a:t>can be rapidly trained to a </a:t>
-            </a:r>
-            <a:r>
-              <a:rPr lang="en-US" dirty="0"/>
-              <a:t>moderate level of proficiency </a:t>
-            </a:r>
-            <a:endParaRPr lang="en-US" dirty="0" smtClean="0"/>
-          </a:p>
-          <a:p>
-            <a:pPr lvl="1"/>
-            <a:r>
-              <a:rPr lang="en-US" dirty="0" smtClean="0"/>
-              <a:t>Scaling </a:t>
-            </a:r>
-            <a:r>
-              <a:rPr lang="en-US" dirty="0" smtClean="0"/>
-              <a:t>to very large applications with large teams is unproven for some dynamic languages</a:t>
-            </a:r>
-          </a:p>
-        </p:txBody>
-      </p:sp>
-      <p:sp>
-        <p:nvSpPr>
-          <p:cNvPr id="2" name="Title 1"/>
-          <p:cNvSpPr>
-            <a:spLocks noGrp="1"/>
-          </p:cNvSpPr>
-          <p:nvPr>
-            <p:ph type="title"/>
-          </p:nvPr>
-        </p:nvSpPr>
-        <p:spPr/>
-        <p:txBody>
-          <a:bodyPr/>
-          <a:lstStyle/>
-          <a:p>
-            <a:r>
-              <a:rPr lang="en-US" dirty="0" smtClean="0"/>
-              <a:t>Challenges and Concerns – Skills </a:t>
-            </a:r>
-            <a:endParaRPr lang="en-US" dirty="0"/>
-          </a:p>
-        </p:txBody>
-      </p:sp>
-    </p:spTree>
-    <p:extLst>
-      <p:ext uri="{BB962C8B-B14F-4D97-AF65-F5344CB8AC3E}">
-        <p14:creationId xmlns:p14="http://schemas.microsoft.com/office/powerpoint/2010/main" val="2091147001"/>
-      </p:ext>
-    </p:extLst>
-  </p:cSld>
-  <p:clrMapOvr>
-    <a:masterClrMapping/>
-  </p:clrMapOvr>
-  <p:timing>
-    <p:tnLst>
-      <p:par>
-        <p:cTn id="1" dur="indefinite" restart="never" nodeType="tmRoot"/>
-      </p:par>
-    </p:tnLst>
-  </p:timing>
-</p:sld>
-</file>
-
-<file path=ppt/slides/slide28.xml><?xml version="1.0" encoding="utf-8"?>
-<p:sld xmlns:a="http://schemas.openxmlformats.org/drawingml/2006/main" xmlns:r="http://schemas.openxmlformats.org/officeDocument/2006/relationships" xmlns:p="http://schemas.openxmlformats.org/presentationml/2006/main">
-  <p:cSld>
-    <p:spTree>
-      <p:nvGrpSpPr>
-        <p:cNvPr id="1" name=""/>
-        <p:cNvGrpSpPr/>
-        <p:nvPr/>
-      </p:nvGrpSpPr>
-      <p:grpSpPr>
-        <a:xfrm>
-          <a:off x="0" y="0"/>
-          <a:ext cx="0" cy="0"/>
-          <a:chOff x="0" y="0"/>
-          <a:chExt cx="0" cy="0"/>
-        </a:xfrm>
-      </p:grpSpPr>
-      <p:sp>
-        <p:nvSpPr>
-          <p:cNvPr id="3" name="Content Placeholder 2"/>
-          <p:cNvSpPr>
-            <a:spLocks noGrp="1"/>
-          </p:cNvSpPr>
-          <p:nvPr>
-            <p:ph sz="quarter" idx="12"/>
-          </p:nvPr>
-        </p:nvSpPr>
-        <p:spPr/>
-        <p:txBody>
-          <a:bodyPr>
-            <a:normAutofit/>
-          </a:bodyPr>
-          <a:lstStyle/>
-          <a:p>
-            <a:r>
-              <a:rPr lang="en-US" dirty="0" smtClean="0"/>
-              <a:t>Adoption can be politically difficult due to prior investments</a:t>
-            </a:r>
-          </a:p>
-          <a:p>
-            <a:pPr lvl="1"/>
-            <a:r>
-              <a:rPr lang="en-US" dirty="0" smtClean="0"/>
-              <a:t>Corporate IT departments reluctant to introduce additional languages</a:t>
-            </a:r>
-          </a:p>
-          <a:p>
-            <a:pPr lvl="1"/>
-            <a:r>
-              <a:rPr lang="en-US" dirty="0" smtClean="0"/>
-              <a:t>Compatibility with existing corporate practices, standards, and tools can be a challenge</a:t>
-            </a:r>
-          </a:p>
-          <a:p>
-            <a:pPr lvl="1"/>
-            <a:r>
-              <a:rPr lang="en-US" dirty="0" smtClean="0"/>
-              <a:t>In a Java shop, the introduction of JVM dynamic languages can be relatively smooth -- existing investments can be leveraged</a:t>
-            </a:r>
-          </a:p>
-          <a:p>
-            <a:pPr lvl="1"/>
-            <a:r>
-              <a:rPr lang="en-US" dirty="0" smtClean="0"/>
-              <a:t>Complexity associated with introducing another required skill may be overrated</a:t>
-            </a:r>
-          </a:p>
-          <a:p>
-            <a:endParaRPr lang="en-US" dirty="0" smtClean="0"/>
-          </a:p>
-        </p:txBody>
-      </p:sp>
-      <p:sp>
-        <p:nvSpPr>
-          <p:cNvPr id="2" name="Title 1"/>
-          <p:cNvSpPr>
-            <a:spLocks noGrp="1"/>
-          </p:cNvSpPr>
-          <p:nvPr>
-            <p:ph type="title"/>
-          </p:nvPr>
-        </p:nvSpPr>
-        <p:spPr/>
-        <p:txBody>
-          <a:bodyPr/>
-          <a:lstStyle/>
-          <a:p>
-            <a:r>
-              <a:rPr lang="en-US" dirty="0" smtClean="0"/>
-              <a:t>Challenges and Concerns – Adoption</a:t>
-            </a:r>
-            <a:endParaRPr lang="en-US" dirty="0"/>
-          </a:p>
-        </p:txBody>
-      </p:sp>
-    </p:spTree>
-    <p:extLst>
-      <p:ext uri="{BB962C8B-B14F-4D97-AF65-F5344CB8AC3E}">
-        <p14:creationId xmlns:p14="http://schemas.microsoft.com/office/powerpoint/2010/main" val="888718414"/>
-      </p:ext>
-    </p:extLst>
-  </p:cSld>
-  <p:clrMapOvr>
-    <a:masterClrMapping/>
-  </p:clrMapOvr>
-  <p:timing>
-    <p:tnLst>
-      <p:par>
-        <p:cTn id="1" dur="indefinite" restart="never" nodeType="tmRoot"/>
-      </p:par>
-    </p:tnLst>
-  </p:timing>
-</p:sld>
-</file>
-
-<file path=ppt/slides/slide29.xml><?xml version="1.0" encoding="utf-8"?>
+<file path=ppt/slides/slide30.xml><?xml version="1.0" encoding="utf-8"?>
 <p:sld xmlns:a="http://schemas.openxmlformats.org/drawingml/2006/main" xmlns:r="http://schemas.openxmlformats.org/officeDocument/2006/relationships" xmlns:p="http://schemas.openxmlformats.org/presentationml/2006/main">
   <p:cSld>
     <p:spTree>
@@ -13391,7 +11286,7 @@
 </p:sld>
 </file>
 
-<file path=ppt/slides/slide3.xml><?xml version="1.0" encoding="utf-8"?>
+<file path=ppt/slides/slide31.xml><?xml version="1.0" encoding="utf-8"?>
 <p:sld xmlns:a="http://schemas.openxmlformats.org/drawingml/2006/main" xmlns:r="http://schemas.openxmlformats.org/officeDocument/2006/relationships" xmlns:p="http://schemas.openxmlformats.org/presentationml/2006/main">
   <p:cSld>
     <p:spTree>
@@ -13410,53 +11305,40 @@
       </p:grpSpPr>
       <p:sp>
         <p:nvSpPr>
-          <p:cNvPr id="3" name="Content Placeholder 2"/>
-          <p:cNvSpPr>
-            <a:spLocks noGrp="1"/>
-          </p:cNvSpPr>
-          <p:nvPr>
-            <p:ph sz="quarter" idx="12"/>
-          </p:nvPr>
-        </p:nvSpPr>
-        <p:spPr/>
+          <p:cNvPr id="4" name="TextBox 3"/>
+          <p:cNvSpPr txBox="1"/>
+          <p:nvPr/>
+        </p:nvSpPr>
+        <p:spPr>
+          <a:xfrm>
+            <a:off x="0" y="2911554"/>
+            <a:ext cx="9144000" cy="1107996"/>
+          </a:xfrm>
+          <a:prstGeom prst="rect">
+            <a:avLst/>
+          </a:prstGeom>
+          <a:noFill/>
+        </p:spPr>
         <p:txBody>
-          <a:bodyPr>
-            <a:normAutofit/>
+          <a:bodyPr wrap="square" rtlCol="0">
+            <a:spAutoFit/>
           </a:bodyPr>
           <a:lstStyle/>
           <a:p>
-            <a:pPr lvl="1"/>
-            <a:r>
-              <a:rPr lang="en-US" dirty="0" smtClean="0"/>
-              <a:t>Dynamic typing</a:t>
-            </a:r>
-          </a:p>
-          <a:p>
-            <a:pPr lvl="1"/>
-            <a:r>
-              <a:rPr lang="en-US" dirty="0" smtClean="0"/>
-              <a:t>Interpreted</a:t>
-            </a:r>
-          </a:p>
-          <a:p>
-            <a:pPr lvl="1"/>
-            <a:r>
-              <a:rPr lang="en-US" dirty="0" smtClean="0"/>
-              <a:t>Code conciseness</a:t>
-            </a:r>
-          </a:p>
-          <a:p>
-            <a:pPr lvl="1"/>
-            <a:r>
-              <a:rPr lang="en-US" dirty="0" smtClean="0"/>
-              <a:t>Support for the interactive REPL (read-evaluate-print loop)</a:t>
-            </a:r>
+            <a:pPr algn="ctr"/>
+            <a:r>
+              <a:rPr lang="en-US" sz="6600" dirty="0" smtClean="0">
+                <a:hlinkClick r:id="rId2"/>
+              </a:rPr>
+              <a:t>www.sli.do/openslava</a:t>
+            </a:r>
+            <a:endParaRPr lang="en-US" sz="6600" dirty="0"/>
           </a:p>
         </p:txBody>
       </p:sp>
       <p:sp>
         <p:nvSpPr>
-          <p:cNvPr id="2" name="Title 1"/>
+          <p:cNvPr id="7" name="Title 4"/>
           <p:cNvSpPr>
             <a:spLocks noGrp="1"/>
           </p:cNvSpPr>
@@ -13464,18 +11346,19 @@
             <p:ph type="title"/>
           </p:nvPr>
         </p:nvSpPr>
-        <p:spPr/>
+        <p:spPr>
+          <a:xfrm>
+            <a:off x="461035" y="170122"/>
+            <a:ext cx="8341320" cy="785553"/>
+          </a:xfrm>
+        </p:spPr>
         <p:txBody>
           <a:bodyPr/>
           <a:lstStyle/>
           <a:p>
             <a:r>
-              <a:rPr lang="en-US" dirty="0"/>
-              <a:t>Key characteristics of Dynamic </a:t>
-            </a:r>
-            <a:r>
-              <a:rPr lang="en-US" dirty="0" smtClean="0"/>
-              <a:t>Languages</a:t>
+              <a:rPr lang="es-ES_tradnl" dirty="0" err="1" smtClean="0"/>
+              <a:t>Discussion</a:t>
             </a:r>
             <a:endParaRPr lang="en-US" dirty="0"/>
           </a:p>
@@ -13484,7 +11367,7 @@
     </p:spTree>
     <p:extLst>
       <p:ext uri="{BB962C8B-B14F-4D97-AF65-F5344CB8AC3E}">
-        <p14:creationId xmlns:p14="http://schemas.microsoft.com/office/powerpoint/2010/main" val="2265796954"/>
+        <p14:creationId xmlns:p14="http://schemas.microsoft.com/office/powerpoint/2010/main" val="928196083"/>
       </p:ext>
     </p:extLst>
   </p:cSld>
@@ -13535,6 +11418,116 @@
           </a:bodyPr>
           <a:lstStyle/>
           <a:p>
+            <a:pPr lvl="1"/>
+            <a:r>
+              <a:rPr lang="en-US" dirty="0" smtClean="0"/>
+              <a:t>Dynamic typing</a:t>
+            </a:r>
+          </a:p>
+          <a:p>
+            <a:pPr lvl="1"/>
+            <a:r>
+              <a:rPr lang="en-US" dirty="0" smtClean="0"/>
+              <a:t>Interpreted</a:t>
+            </a:r>
+          </a:p>
+          <a:p>
+            <a:pPr lvl="1"/>
+            <a:r>
+              <a:rPr lang="en-US" dirty="0" smtClean="0"/>
+              <a:t>Code conciseness</a:t>
+            </a:r>
+          </a:p>
+          <a:p>
+            <a:pPr lvl="1"/>
+            <a:r>
+              <a:rPr lang="en-US" dirty="0" smtClean="0"/>
+              <a:t>Support for the interactive REPL (read-evaluate-print loop)</a:t>
+            </a:r>
+          </a:p>
+        </p:txBody>
+      </p:sp>
+      <p:sp>
+        <p:nvSpPr>
+          <p:cNvPr id="2" name="Title 1"/>
+          <p:cNvSpPr>
+            <a:spLocks noGrp="1"/>
+          </p:cNvSpPr>
+          <p:nvPr>
+            <p:ph type="title"/>
+          </p:nvPr>
+        </p:nvSpPr>
+        <p:spPr/>
+        <p:txBody>
+          <a:bodyPr/>
+          <a:lstStyle/>
+          <a:p>
+            <a:r>
+              <a:rPr lang="en-US" dirty="0"/>
+              <a:t>Key characteristics of Dynamic </a:t>
+            </a:r>
+            <a:r>
+              <a:rPr lang="en-US" dirty="0" smtClean="0"/>
+              <a:t>Languages</a:t>
+            </a:r>
+            <a:endParaRPr lang="en-US" dirty="0"/>
+          </a:p>
+        </p:txBody>
+      </p:sp>
+    </p:spTree>
+    <p:extLst>
+      <p:ext uri="{BB962C8B-B14F-4D97-AF65-F5344CB8AC3E}">
+        <p14:creationId xmlns:p14="http://schemas.microsoft.com/office/powerpoint/2010/main" val="2265796954"/>
+      </p:ext>
+    </p:extLst>
+  </p:cSld>
+  <p:clrMapOvr>
+    <a:masterClrMapping/>
+  </p:clrMapOvr>
+  <p:timing>
+    <p:tnLst>
+      <p:par>
+        <p:cTn id="1" dur="indefinite" restart="never" nodeType="tmRoot"/>
+      </p:par>
+    </p:tnLst>
+  </p:timing>
+</p:sld>
+</file>
+
+<file path=ppt/slides/slide5.xml><?xml version="1.0" encoding="utf-8"?>
+<p:sld xmlns:a="http://schemas.openxmlformats.org/drawingml/2006/main" xmlns:r="http://schemas.openxmlformats.org/officeDocument/2006/relationships" xmlns:p="http://schemas.openxmlformats.org/presentationml/2006/main">
+  <p:cSld>
+    <p:spTree>
+      <p:nvGrpSpPr>
+        <p:cNvPr id="1" name=""/>
+        <p:cNvGrpSpPr/>
+        <p:nvPr/>
+      </p:nvGrpSpPr>
+      <p:grpSpPr>
+        <a:xfrm>
+          <a:off x="0" y="0"/>
+          <a:ext cx="0" cy="0"/>
+          <a:chOff x="0" y="0"/>
+          <a:chExt cx="0" cy="0"/>
+        </a:xfrm>
+      </p:grpSpPr>
+      <p:sp>
+        <p:nvSpPr>
+          <p:cNvPr id="3" name="Content Placeholder 2"/>
+          <p:cNvSpPr>
+            <a:spLocks noGrp="1"/>
+          </p:cNvSpPr>
+          <p:nvPr>
+            <p:ph sz="quarter" idx="12"/>
+          </p:nvPr>
+        </p:nvSpPr>
+        <p:spPr/>
+        <p:txBody>
+          <a:bodyPr>
+            <a:normAutofit/>
+          </a:bodyPr>
+          <a:lstStyle/>
+          <a:p>
             <a:pPr marL="53975" lvl="1" indent="0">
               <a:buNone/>
             </a:pPr>
@@ -13640,7 +11633,7 @@
 </p:sld>
 </file>
 
-<file path=ppt/slides/slide5.xml><?xml version="1.0" encoding="utf-8"?>
+<file path=ppt/slides/slide6.xml><?xml version="1.0" encoding="utf-8"?>
 <p:sld xmlns:a="http://schemas.openxmlformats.org/drawingml/2006/main" xmlns:r="http://schemas.openxmlformats.org/officeDocument/2006/relationships" xmlns:p="http://schemas.openxmlformats.org/presentationml/2006/main">
   <p:cSld>
     <p:spTree>
@@ -16448,7 +14441,7 @@
 </p:sld>
 </file>
 
-<file path=ppt/slides/slide6.xml><?xml version="1.0" encoding="utf-8"?>
+<file path=ppt/slides/slide7.xml><?xml version="1.0" encoding="utf-8"?>
 <p:sld xmlns:a="http://schemas.openxmlformats.org/drawingml/2006/main" xmlns:r="http://schemas.openxmlformats.org/officeDocument/2006/relationships" xmlns:p="http://schemas.openxmlformats.org/presentationml/2006/main">
   <p:cSld>
     <p:spTree>
@@ -16819,7 +14812,7 @@
 </p:sld>
 </file>
 
-<file path=ppt/slides/slide7.xml><?xml version="1.0" encoding="utf-8"?>
+<file path=ppt/slides/slide8.xml><?xml version="1.0" encoding="utf-8"?>
 <p:sld xmlns:a="http://schemas.openxmlformats.org/drawingml/2006/main" xmlns:r="http://schemas.openxmlformats.org/officeDocument/2006/relationships" xmlns:p="http://schemas.openxmlformats.org/presentationml/2006/main">
   <p:cSld>
     <p:spTree>
@@ -17134,7 +15127,7 @@
 </p:sld>
 </file>
 
-<file path=ppt/slides/slide8.xml><?xml version="1.0" encoding="utf-8"?>
+<file path=ppt/slides/slide9.xml><?xml version="1.0" encoding="utf-8"?>
 <p:sld xmlns:a="http://schemas.openxmlformats.org/drawingml/2006/main" xmlns:r="http://schemas.openxmlformats.org/officeDocument/2006/relationships" xmlns:p="http://schemas.openxmlformats.org/presentationml/2006/main">
   <p:cSld>
     <p:spTree>
@@ -17315,214 +15308,6 @@
     <p:extLst>
       <p:ext uri="{BB962C8B-B14F-4D97-AF65-F5344CB8AC3E}">
         <p14:creationId xmlns:p14="http://schemas.microsoft.com/office/powerpoint/2010/main" val="4169460491"/>
-      </p:ext>
-    </p:extLst>
-  </p:cSld>
-  <p:clrMapOvr>
-    <a:masterClrMapping/>
-  </p:clrMapOvr>
-  <mc:AlternateContent xmlns:mc="http://schemas.openxmlformats.org/markup-compatibility/2006" xmlns:p14="http://schemas.microsoft.com/office/powerpoint/2010/main">
-    <mc:Choice Requires="p14">
-      <p:transition spd="slow" p14:dur="2000"/>
-    </mc:Choice>
-    <mc:Fallback xmlns="">
-      <p:transition spd="slow"/>
-    </mc:Fallback>
-  </mc:AlternateContent>
-  <p:timing>
-    <p:tnLst>
-      <p:par>
-        <p:cTn id="1" dur="indefinite" restart="never" nodeType="tmRoot"/>
-      </p:par>
-    </p:tnLst>
-  </p:timing>
-</p:sld>
-</file>
-
-<file path=ppt/slides/slide9.xml><?xml version="1.0" encoding="utf-8"?>
-<p:sld xmlns:a="http://schemas.openxmlformats.org/drawingml/2006/main" xmlns:r="http://schemas.openxmlformats.org/officeDocument/2006/relationships" xmlns:p="http://schemas.openxmlformats.org/presentationml/2006/main">
-  <p:cSld>
-    <p:spTree>
-      <p:nvGrpSpPr>
-        <p:cNvPr id="1" name=""/>
-        <p:cNvGrpSpPr/>
-        <p:nvPr/>
-      </p:nvGrpSpPr>
-      <p:grpSpPr>
-        <a:xfrm>
-          <a:off x="0" y="0"/>
-          <a:ext cx="0" cy="0"/>
-          <a:chOff x="0" y="0"/>
-          <a:chExt cx="0" cy="0"/>
-        </a:xfrm>
-      </p:grpSpPr>
-      <p:sp>
-        <p:nvSpPr>
-          <p:cNvPr id="3" name="Content Placeholder 2"/>
-          <p:cNvSpPr>
-            <a:spLocks noGrp="1"/>
-          </p:cNvSpPr>
-          <p:nvPr>
-            <p:ph sz="quarter" idx="12"/>
-          </p:nvPr>
-        </p:nvSpPr>
-        <p:spPr>
-          <a:prstGeom prst="rect">
-            <a:avLst/>
-          </a:prstGeom>
-        </p:spPr>
-        <p:txBody>
-          <a:bodyPr>
-            <a:normAutofit/>
-          </a:bodyPr>
-          <a:lstStyle/>
-          <a:p>
-            <a:pPr indent="-403225"/>
-            <a:r>
-              <a:rPr lang="en-CA" dirty="0" smtClean="0"/>
-              <a:t>Clean, well-designed language that enforces readable code</a:t>
-            </a:r>
-          </a:p>
-          <a:p>
-            <a:pPr lvl="1"/>
-            <a:r>
-              <a:rPr lang="en-CA" dirty="0" smtClean="0"/>
-              <a:t>Mature language</a:t>
-            </a:r>
-          </a:p>
-          <a:p>
-            <a:pPr lvl="1"/>
-            <a:r>
-              <a:rPr lang="en-US" dirty="0" smtClean="0"/>
-              <a:t>Object-oriented with functional programming support</a:t>
-            </a:r>
-          </a:p>
-          <a:p>
-            <a:pPr lvl="1"/>
-            <a:r>
-              <a:rPr lang="en-CA" dirty="0" smtClean="0"/>
-              <a:t>Extensive library</a:t>
-            </a:r>
-          </a:p>
-          <a:p>
-            <a:pPr lvl="1"/>
-            <a:r>
-              <a:rPr lang="en-CA" dirty="0" smtClean="0"/>
-              <a:t>Readable structure promotes maintainable code</a:t>
-            </a:r>
-            <a:endParaRPr lang="en-US" dirty="0" smtClean="0"/>
-          </a:p>
-          <a:p>
-            <a:pPr lvl="1"/>
-            <a:r>
-              <a:rPr lang="en-CA" dirty="0" smtClean="0"/>
-              <a:t>Easy to integrate with and wrap C/C++ code</a:t>
-            </a:r>
-          </a:p>
-          <a:p>
-            <a:pPr lvl="1"/>
-            <a:r>
-              <a:rPr lang="en-CA" dirty="0" smtClean="0"/>
-              <a:t>No commercial vendor support</a:t>
-            </a:r>
-          </a:p>
-          <a:p>
-            <a:pPr lvl="1"/>
-            <a:r>
-              <a:rPr lang="en-US" dirty="0" err="1" smtClean="0"/>
-              <a:t>Jython</a:t>
-            </a:r>
-            <a:r>
-              <a:rPr lang="en-US" dirty="0" smtClean="0"/>
-              <a:t> is a fully-compliant Python implementation that runs on the JVM</a:t>
-            </a:r>
-          </a:p>
-        </p:txBody>
-      </p:sp>
-      <p:sp>
-        <p:nvSpPr>
-          <p:cNvPr id="2" name="Title 1"/>
-          <p:cNvSpPr>
-            <a:spLocks noGrp="1"/>
-          </p:cNvSpPr>
-          <p:nvPr>
-            <p:ph type="title"/>
-          </p:nvPr>
-        </p:nvSpPr>
-        <p:spPr/>
-        <p:txBody>
-          <a:bodyPr/>
-          <a:lstStyle/>
-          <a:p>
-            <a:r>
-              <a:rPr lang="en-US" dirty="0" smtClean="0"/>
-              <a:t>Python</a:t>
-            </a:r>
-            <a:endParaRPr lang="en-US" dirty="0"/>
-          </a:p>
-        </p:txBody>
-      </p:sp>
-      <p:pic>
-        <p:nvPicPr>
-          <p:cNvPr id="3078" name="Picture 6" descr="http://digitizor.com/wp-content/uploads/2011/07/pylogo.png?dur=520"/>
-          <p:cNvPicPr>
-            <a:picLocks noChangeAspect="1" noChangeArrowheads="1"/>
-          </p:cNvPicPr>
-          <p:nvPr/>
-        </p:nvPicPr>
-        <p:blipFill>
-          <a:blip r:embed="rId3" cstate="print">
-            <a:extLst>
-              <a:ext uri="{BEBA8EAE-BF5A-486C-A8C5-ECC9F3942E4B}">
-                <a14:imgProps xmlns:a14="http://schemas.microsoft.com/office/drawing/2010/main">
-                  <a14:imgLayer r:embed="rId4">
-                    <a14:imgEffect>
-                      <a14:backgroundRemoval t="7500" b="92143" l="7143" r="92143">
-                        <a14:foregroundMark x1="58571" y1="34286" x2="31071" y2="32857"/>
-                        <a14:foregroundMark x1="23214" y1="42857" x2="18214" y2="56786"/>
-                        <a14:foregroundMark x1="42857" y1="12857" x2="59643" y2="15714"/>
-                        <a14:foregroundMark x1="84286" y1="49286" x2="50357" y2="59643"/>
-                        <a14:foregroundMark x1="39286" y1="76786" x2="54286" y2="81071"/>
-                        <a14:foregroundMark x1="49286" y1="40357" x2="15000" y2="36429"/>
-                      </a14:backgroundRemoval>
-                    </a14:imgEffect>
-                  </a14:imgLayer>
-                </a14:imgProps>
-              </a:ext>
-              <a:ext uri="{28A0092B-C50C-407E-A947-70E740481C1C}">
-                <a14:useLocalDpi xmlns:a14="http://schemas.microsoft.com/office/drawing/2010/main" val="0"/>
-              </a:ext>
-            </a:extLst>
-          </a:blip>
-          <a:srcRect/>
-          <a:stretch>
-            <a:fillRect/>
-          </a:stretch>
-        </p:blipFill>
-        <p:spPr bwMode="auto">
-          <a:xfrm>
-            <a:off x="8071109" y="0"/>
-            <a:ext cx="1072891" cy="1072891"/>
-          </a:xfrm>
-          <a:prstGeom prst="rect">
-            <a:avLst/>
-          </a:prstGeom>
-          <a:noFill/>
-          <a:extLst>
-            <a:ext uri="{909E8E84-426E-40DD-AFC4-6F175D3DCCD1}">
-              <a14:hiddenFill xmlns:a14="http://schemas.microsoft.com/office/drawing/2010/main">
-                <a:solidFill>
-                  <a:srgbClr val="FFFFFF"/>
-                </a:solidFill>
-              </a14:hiddenFill>
-            </a:ext>
-          </a:extLst>
-        </p:spPr>
-      </p:pic>
-    </p:spTree>
-    <p:extLst>
-      <p:ext uri="{BB962C8B-B14F-4D97-AF65-F5344CB8AC3E}">
-        <p14:creationId xmlns:p14="http://schemas.microsoft.com/office/powerpoint/2010/main" val="491086951"/>
       </p:ext>
     </p:extLst>
   </p:cSld>
@@ -18483,14 +16268,14 @@
 <file path=customXml/itemProps3.xml><?xml version="1.0" encoding="utf-8"?>
 <ds:datastoreItem xmlns:ds="http://schemas.openxmlformats.org/officeDocument/2006/customXml" ds:itemID="{F053FA75-22F8-42FF-B769-9F48A5E319F8}">
   <ds:schemaRefs>
-    <ds:schemaRef ds:uri="http://purl.org/dc/elements/1.1/"/>
+    <ds:schemaRef ds:uri="http://purl.org/dc/dcmitype/"/>
+    <ds:schemaRef ds:uri="bc841b31-d549-43ed-bc47-0086310aa7e9"/>
     <ds:schemaRef ds:uri="http://schemas.microsoft.com/office/2006/documentManagement/types"/>
     <ds:schemaRef ds:uri="http://www.w3.org/XML/1998/namespace"/>
     <ds:schemaRef ds:uri="http://purl.org/dc/terms/"/>
-    <ds:schemaRef ds:uri="bc841b31-d549-43ed-bc47-0086310aa7e9"/>
+    <ds:schemaRef ds:uri="http://purl.org/dc/elements/1.1/"/>
     <ds:schemaRef ds:uri="http://schemas.openxmlformats.org/package/2006/metadata/core-properties"/>
     <ds:schemaRef ds:uri="http://schemas.microsoft.com/office/2006/metadata/properties"/>
-    <ds:schemaRef ds:uri="http://purl.org/dc/dcmitype/"/>
   </ds:schemaRefs>
 </ds:datastoreItem>
 </file>
--- a/Dynamic languages/OpenSlava 2013 - Dynamic languages.pptx
+++ b/Dynamic languages/OpenSlava 2013 - Dynamic languages.pptx
@@ -5,10 +5,10 @@
     <p:sldMasterId id="2147483648" r:id="rId4"/>
   </p:sldMasterIdLst>
   <p:notesMasterIdLst>
-    <p:notesMasterId r:id="rId36"/>
+    <p:notesMasterId r:id="rId35"/>
   </p:notesMasterIdLst>
   <p:handoutMasterIdLst>
-    <p:handoutMasterId r:id="rId37"/>
+    <p:handoutMasterId r:id="rId36"/>
   </p:handoutMasterIdLst>
   <p:sldIdLst>
     <p:sldId id="419" r:id="rId5"/>
@@ -36,30 +36,16 @@
     <p:sldId id="396" r:id="rId27"/>
     <p:sldId id="397" r:id="rId28"/>
     <p:sldId id="398" r:id="rId29"/>
-    <p:sldId id="399" r:id="rId30"/>
-    <p:sldId id="400" r:id="rId31"/>
-    <p:sldId id="401" r:id="rId32"/>
-    <p:sldId id="402" r:id="rId33"/>
-    <p:sldId id="407" r:id="rId34"/>
-    <p:sldId id="421" r:id="rId35"/>
+    <p:sldId id="400" r:id="rId30"/>
+    <p:sldId id="401" r:id="rId31"/>
+    <p:sldId id="402" r:id="rId32"/>
+    <p:sldId id="407" r:id="rId33"/>
+    <p:sldId id="421" r:id="rId34"/>
   </p:sldIdLst>
   <p:sldSz cx="9144000" cy="6858000" type="screen4x3"/>
   <p:notesSz cx="6858000" cy="9144000"/>
-  <p:embeddedFontLst>
-    <p:embeddedFont>
-      <p:font typeface="Webdings" panose="05030102010509060703" pitchFamily="18" charset="2"/>
-      <p:regular r:id="rId38"/>
-    </p:embeddedFont>
-    <p:embeddedFont>
-      <p:font typeface="Calibri" panose="020F0502020204030204" pitchFamily="34" charset="0"/>
-      <p:regular r:id="rId39"/>
-      <p:bold r:id="rId40"/>
-      <p:italic r:id="rId41"/>
-      <p:boldItalic r:id="rId42"/>
-    </p:embeddedFont>
-  </p:embeddedFontLst>
   <p:custDataLst>
-    <p:tags r:id="rId43"/>
+    <p:tags r:id="rId38"/>
   </p:custDataLst>
   <p:defaultTextStyle>
     <a:defPPr>
@@ -158,7 +144,7 @@
   </p:defaultTextStyle>
   <p:extLst>
     <p:ext uri="{EFAFB233-063F-42B5-8137-9DF3F51BA10A}">
-      <p15:sldGuideLst xmlns:p15="http://schemas.microsoft.com/office/powerpoint/2012/main">
+      <p15:sldGuideLst xmlns:p15="http://schemas.microsoft.com/office/powerpoint/2012/main" xmlns="">
         <p15:guide id="1" orient="horz" pos="602">
           <p15:clr>
             <a:srgbClr val="A4A3A4"/>
@@ -227,7 +213,7 @@
       </p15:sldGuideLst>
     </p:ext>
     <p:ext uri="{2D200454-40CA-4A62-9FC3-DE9A4176ACB9}">
-      <p15:notesGuideLst xmlns:p15="http://schemas.microsoft.com/office/powerpoint/2012/main">
+      <p15:notesGuideLst xmlns:p15="http://schemas.microsoft.com/office/powerpoint/2012/main" xmlns="">
         <p15:guide id="1" orient="horz" pos="2880">
           <p15:clr>
             <a:srgbClr val="A4A3A4"/>
@@ -333,7 +319,7 @@
             <a:fld id="{BD8FA3CA-5725-4BA7-A851-72A62AC5A8EE}" type="datetimeFigureOut">
               <a:rPr lang="en-CA" smtClean="0"/>
               <a:pPr/>
-              <a:t>30/09/2013</a:t>
+              <a:t>10/2/13</a:t>
             </a:fld>
             <a:endParaRPr lang="en-CA"/>
           </a:p>
@@ -464,7 +450,7 @@
             <a:fld id="{C3B58700-9FA2-48CE-AC88-D71D45EB490A}" type="datetimeFigureOut">
               <a:rPr lang="en-US" smtClean="0"/>
               <a:pPr/>
-              <a:t>9/30/2013</a:t>
+              <a:t>10/2/13</a:t>
             </a:fld>
             <a:endParaRPr lang="en-US"/>
           </a:p>
@@ -3766,41 +3752,19 @@
         </p:nvSpPr>
         <p:spPr/>
         <p:txBody>
-          <a:bodyPr/>
+          <a:bodyPr>
+            <a:normAutofit/>
+          </a:bodyPr>
           <a:lstStyle/>
           <a:p>
             <a:endParaRPr lang="en-US" dirty="0"/>
-          </a:p>
-        </p:txBody>
-      </p:sp>
-      <p:sp>
-        <p:nvSpPr>
-          <p:cNvPr id="4" name="Slide Number Placeholder 3"/>
-          <p:cNvSpPr>
-            <a:spLocks noGrp="1"/>
-          </p:cNvSpPr>
-          <p:nvPr>
-            <p:ph type="sldNum" sz="quarter" idx="10"/>
-          </p:nvPr>
-        </p:nvSpPr>
-        <p:spPr/>
-        <p:txBody>
-          <a:bodyPr/>
-          <a:lstStyle/>
-          <a:p>
-            <a:fld id="{FE9BC4E5-2BC1-4F43-85DD-A1B8F74CB7EB}" type="slidenum">
-              <a:rPr lang="en-US" smtClean="0"/>
-              <a:pPr/>
-              <a:t>26</a:t>
-            </a:fld>
-            <a:endParaRPr lang="en-US"/>
           </a:p>
         </p:txBody>
       </p:sp>
     </p:spTree>
     <p:extLst>
       <p:ext uri="{BB962C8B-B14F-4D97-AF65-F5344CB8AC3E}">
-        <p14:creationId xmlns:p14="http://schemas.microsoft.com/office/powerpoint/2010/main" val="670075122"/>
+        <p14:creationId xmlns:p14="http://schemas.microsoft.com/office/powerpoint/2010/main" val="3245807082"/>
       </p:ext>
     </p:extLst>
   </p:cSld>
@@ -3863,7 +3827,7 @@
     </p:spTree>
     <p:extLst>
       <p:ext uri="{BB962C8B-B14F-4D97-AF65-F5344CB8AC3E}">
-        <p14:creationId xmlns:p14="http://schemas.microsoft.com/office/powerpoint/2010/main" val="3245807082"/>
+        <p14:creationId xmlns:p14="http://schemas.microsoft.com/office/powerpoint/2010/main" val="1269527749"/>
       </p:ext>
     </p:extLst>
   </p:cSld>
@@ -3919,14 +3883,14 @@
           </a:bodyPr>
           <a:lstStyle/>
           <a:p>
-            <a:endParaRPr lang="en-US" dirty="0"/>
+            <a:endParaRPr lang="en-US" sz="1100" dirty="0"/>
           </a:p>
         </p:txBody>
       </p:sp>
     </p:spTree>
     <p:extLst>
       <p:ext uri="{BB962C8B-B14F-4D97-AF65-F5344CB8AC3E}">
-        <p14:creationId xmlns:p14="http://schemas.microsoft.com/office/powerpoint/2010/main" val="1269527749"/>
+        <p14:creationId xmlns:p14="http://schemas.microsoft.com/office/powerpoint/2010/main" val="1293484630"/>
       </p:ext>
     </p:extLst>
   </p:cSld>
@@ -3977,69 +3941,6 @@
         </p:nvSpPr>
         <p:spPr/>
         <p:txBody>
-          <a:bodyPr>
-            <a:normAutofit/>
-          </a:bodyPr>
-          <a:lstStyle/>
-          <a:p>
-            <a:endParaRPr lang="en-US" sz="1100" dirty="0"/>
-          </a:p>
-        </p:txBody>
-      </p:sp>
-    </p:spTree>
-    <p:extLst>
-      <p:ext uri="{BB962C8B-B14F-4D97-AF65-F5344CB8AC3E}">
-        <p14:creationId xmlns:p14="http://schemas.microsoft.com/office/powerpoint/2010/main" val="1293484630"/>
-      </p:ext>
-    </p:extLst>
-  </p:cSld>
-  <p:clrMapOvr>
-    <a:masterClrMapping/>
-  </p:clrMapOvr>
-</p:notes>
-</file>
-
-<file path=ppt/notesSlides/notesSlide28.xml><?xml version="1.0" encoding="utf-8"?>
-<p:notes xmlns:a="http://schemas.openxmlformats.org/drawingml/2006/main" xmlns:r="http://schemas.openxmlformats.org/officeDocument/2006/relationships" xmlns:p="http://schemas.openxmlformats.org/presentationml/2006/main">
-  <p:cSld>
-    <p:spTree>
-      <p:nvGrpSpPr>
-        <p:cNvPr id="1" name=""/>
-        <p:cNvGrpSpPr/>
-        <p:nvPr/>
-      </p:nvGrpSpPr>
-      <p:grpSpPr>
-        <a:xfrm>
-          <a:off x="0" y="0"/>
-          <a:ext cx="0" cy="0"/>
-          <a:chOff x="0" y="0"/>
-          <a:chExt cx="0" cy="0"/>
-        </a:xfrm>
-      </p:grpSpPr>
-      <p:sp>
-        <p:nvSpPr>
-          <p:cNvPr id="2" name="Slide Image Placeholder 1"/>
-          <p:cNvSpPr>
-            <a:spLocks noGrp="1" noRot="1" noChangeAspect="1"/>
-          </p:cNvSpPr>
-          <p:nvPr>
-            <p:ph type="sldImg"/>
-          </p:nvPr>
-        </p:nvSpPr>
-        <p:spPr/>
-      </p:sp>
-      <p:sp>
-        <p:nvSpPr>
-          <p:cNvPr id="3" name="Notes Placeholder 2"/>
-          <p:cNvSpPr>
-            <a:spLocks noGrp="1"/>
-          </p:cNvSpPr>
-          <p:nvPr>
-            <p:ph type="body" idx="1"/>
-          </p:nvPr>
-        </p:nvSpPr>
-        <p:spPr/>
-        <p:txBody>
           <a:bodyPr/>
           <a:lstStyle/>
           <a:p>
@@ -4069,7 +3970,7 @@
                 </a:solidFill>
               </a:rPr>
               <a:pPr/>
-              <a:t>30</a:t>
+              <a:t>29</a:t>
             </a:fld>
             <a:endParaRPr lang="en-US">
               <a:solidFill>
@@ -5217,7 +5118,7 @@
   <p:timing>
     <p:tnLst>
       <p:par>
-        <p:cTn id="1" dur="indefinite" restart="never" nodeType="tmRoot"/>
+        <p:cTn xmlns:p14="http://schemas.microsoft.com/office/powerpoint/2010/main" id="1" dur="indefinite" restart="never" nodeType="tmRoot"/>
       </p:par>
     </p:tnLst>
   </p:timing>
@@ -5448,7 +5349,7 @@
   <p:timing>
     <p:tnLst>
       <p:par>
-        <p:cTn id="1" dur="indefinite" restart="never" nodeType="tmRoot"/>
+        <p:cTn xmlns:p14="http://schemas.microsoft.com/office/powerpoint/2010/main" id="1" dur="indefinite" restart="never" nodeType="tmRoot"/>
       </p:par>
     </p:tnLst>
   </p:timing>
@@ -5485,7 +5386,7 @@
   <p:timing>
     <p:tnLst>
       <p:par>
-        <p:cTn id="1" dur="indefinite" restart="never" nodeType="tmRoot"/>
+        <p:cTn xmlns:p14="http://schemas.microsoft.com/office/powerpoint/2010/main" id="1" dur="indefinite" restart="never" nodeType="tmRoot"/>
       </p:par>
     </p:tnLst>
   </p:timing>
@@ -5527,7 +5428,7 @@
   <p:timing>
     <p:tnLst>
       <p:par>
-        <p:cTn id="1" dur="indefinite" restart="never" nodeType="tmRoot"/>
+        <p:cTn xmlns:p14="http://schemas.microsoft.com/office/powerpoint/2010/main" id="1" dur="indefinite" restart="never" nodeType="tmRoot"/>
       </p:par>
     </p:tnLst>
   </p:timing>
@@ -5584,14 +5485,14 @@
           </a:ln>
           <a:effectLst/>
           <a:extLst>
-            <a:ext uri="{909E8E84-426E-40DD-AFC4-6F175D3DCCD1}">
+            <a:ext uri="{909E8E84-426E-40dd-AFC4-6F175D3DCCD1}">
               <a14:hiddenFill xmlns:a14="http://schemas.microsoft.com/office/drawing/2010/main">
                 <a:solidFill>
                   <a:schemeClr val="accent1"/>
                 </a:solidFill>
               </a14:hiddenFill>
             </a:ext>
-            <a:ext uri="{91240B29-F687-4F45-9708-019B960494DF}">
+            <a:ext uri="{91240B29-F687-4f45-9708-019B960494DF}">
               <a14:hiddenLine xmlns:a14="http://schemas.microsoft.com/office/drawing/2010/main" w="9525">
                 <a:solidFill>
                   <a:schemeClr val="tx1"/>
@@ -5601,7 +5502,7 @@
                 <a:tailEnd/>
               </a14:hiddenLine>
             </a:ext>
-            <a:ext uri="{AF507438-7753-43E0-B8FC-AC1667EBCBE1}">
+            <a:ext uri="{AF507438-7753-43e0-B8FC-AC1667EBCBE1}">
               <a14:hiddenEffects xmlns:a14="http://schemas.microsoft.com/office/drawing/2010/main">
                 <a:effectLst>
                   <a:outerShdw dist="35921" dir="2700000" algn="ctr" rotWithShape="0">
@@ -5675,14 +5576,14 @@
             <a:noFill/>
           </a:ln>
           <a:extLst>
-            <a:ext uri="{909E8E84-426E-40DD-AFC4-6F175D3DCCD1}">
+            <a:ext uri="{909E8E84-426E-40dd-AFC4-6F175D3DCCD1}">
               <a14:hiddenFill xmlns:a14="http://schemas.microsoft.com/office/drawing/2010/main">
                 <a:solidFill>
                   <a:schemeClr val="accent1"/>
                 </a:solidFill>
               </a14:hiddenFill>
             </a:ext>
-            <a:ext uri="{91240B29-F687-4F45-9708-019B960494DF}">
+            <a:ext uri="{91240B29-F687-4f45-9708-019B960494DF}">
               <a14:hiddenLine xmlns:a14="http://schemas.microsoft.com/office/drawing/2010/main" w="9525">
                 <a:solidFill>
                   <a:schemeClr val="tx1"/>
@@ -5790,14 +5691,14 @@
           </a:ln>
           <a:effectLst/>
           <a:extLst>
-            <a:ext uri="{909E8E84-426E-40DD-AFC4-6F175D3DCCD1}">
+            <a:ext uri="{909E8E84-426E-40dd-AFC4-6F175D3DCCD1}">
               <a14:hiddenFill xmlns:a14="http://schemas.microsoft.com/office/drawing/2010/main">
                 <a:solidFill>
                   <a:schemeClr val="accent1"/>
                 </a:solidFill>
               </a14:hiddenFill>
             </a:ext>
-            <a:ext uri="{91240B29-F687-4F45-9708-019B960494DF}">
+            <a:ext uri="{91240B29-F687-4f45-9708-019B960494DF}">
               <a14:hiddenLine xmlns:a14="http://schemas.microsoft.com/office/drawing/2010/main" w="9525">
                 <a:solidFill>
                   <a:schemeClr val="tx1"/>
@@ -5807,7 +5708,7 @@
                 <a:tailEnd/>
               </a14:hiddenLine>
             </a:ext>
-            <a:ext uri="{AF507438-7753-43E0-B8FC-AC1667EBCBE1}">
+            <a:ext uri="{AF507438-7753-43e0-B8FC-AC1667EBCBE1}">
               <a14:hiddenEffects xmlns:a14="http://schemas.microsoft.com/office/drawing/2010/main">
                 <a:effectLst>
                   <a:outerShdw dist="35921" dir="2700000" algn="ctr" rotWithShape="0">
@@ -6117,7 +6018,7 @@
   <p:timing>
     <p:tnLst>
       <p:par>
-        <p:cTn id="1" dur="indefinite" restart="never" nodeType="tmRoot"/>
+        <p:cTn xmlns:p14="http://schemas.microsoft.com/office/powerpoint/2010/main" id="1" dur="indefinite" restart="never" nodeType="tmRoot"/>
       </p:par>
     </p:tnLst>
   </p:timing>
@@ -6516,7 +6417,7 @@
   <p:timing>
     <p:tnLst>
       <p:par>
-        <p:cTn id="1" dur="indefinite" restart="never" nodeType="tmRoot"/>
+        <p:cTn xmlns:p14="http://schemas.microsoft.com/office/powerpoint/2010/main" id="1" dur="indefinite" restart="never" nodeType="tmRoot"/>
       </p:par>
     </p:tnLst>
   </p:timing>
@@ -6573,7 +6474,6 @@
               <a:rPr lang="en-CA" dirty="0" smtClean="0"/>
               <a:t>Predates Java</a:t>
             </a:r>
-            <a:endParaRPr lang="en-CA" dirty="0" smtClean="0"/>
           </a:p>
           <a:p>
             <a:pPr lvl="1"/>
@@ -6694,7 +6594,7 @@
           </a:prstGeom>
           <a:noFill/>
           <a:extLst>
-            <a:ext uri="{909E8E84-426E-40DD-AFC4-6F175D3DCCD1}">
+            <a:ext uri="{909E8E84-426E-40dd-AFC4-6F175D3DCCD1}">
               <a14:hiddenFill xmlns:a14="http://schemas.microsoft.com/office/drawing/2010/main">
                 <a:solidFill>
                   <a:srgbClr val="FFFFFF"/>
@@ -6725,7 +6625,7 @@
   <p:timing>
     <p:tnLst>
       <p:par>
-        <p:cTn id="1" dur="indefinite" restart="never" nodeType="tmRoot"/>
+        <p:cTn xmlns:p14="http://schemas.microsoft.com/office/powerpoint/2010/main" id="1" dur="indefinite" restart="never" nodeType="tmRoot"/>
       </p:par>
     </p:tnLst>
   </p:timing>
@@ -6904,7 +6804,7 @@
   <p:timing>
     <p:tnLst>
       <p:par>
-        <p:cTn id="1" dur="indefinite" restart="never" nodeType="tmRoot"/>
+        <p:cTn xmlns:p14="http://schemas.microsoft.com/office/powerpoint/2010/main" id="1" dur="indefinite" restart="never" nodeType="tmRoot"/>
       </p:par>
     </p:tnLst>
   </p:timing>
@@ -7002,7 +6902,6 @@
               <a:rPr lang="en-US" dirty="0" smtClean="0"/>
               <a:t> capabilities on the JVM </a:t>
             </a:r>
-            <a:endParaRPr lang="en-US" dirty="0" smtClean="0"/>
           </a:p>
           <a:p>
             <a:pPr lvl="1"/>
@@ -7096,7 +6995,7 @@
           </a:prstGeom>
           <a:noFill/>
           <a:extLst>
-            <a:ext uri="{909E8E84-426E-40DD-AFC4-6F175D3DCCD1}">
+            <a:ext uri="{909E8E84-426E-40dd-AFC4-6F175D3DCCD1}">
               <a14:hiddenFill xmlns:a14="http://schemas.microsoft.com/office/drawing/2010/main">
                 <a:solidFill>
                   <a:srgbClr val="FFFFFF"/>
@@ -7127,7 +7026,7 @@
   <p:timing>
     <p:tnLst>
       <p:par>
-        <p:cTn id="1" dur="indefinite" restart="never" nodeType="tmRoot"/>
+        <p:cTn xmlns:p14="http://schemas.microsoft.com/office/powerpoint/2010/main" id="1" dur="indefinite" restart="never" nodeType="tmRoot"/>
       </p:par>
     </p:tnLst>
   </p:timing>
@@ -7227,11 +7126,7 @@
             <a:pPr lvl="1"/>
             <a:r>
               <a:rPr lang="en-US" dirty="0" smtClean="0"/>
-              <a:t>Strong </a:t>
-            </a:r>
-            <a:r>
-              <a:rPr lang="en-US" dirty="0" smtClean="0"/>
-              <a:t>following</a:t>
+              <a:t>Strong following</a:t>
             </a:r>
           </a:p>
           <a:p>
@@ -7358,7 +7253,7 @@
           </a:prstGeom>
           <a:noFill/>
           <a:extLst>
-            <a:ext uri="{909E8E84-426E-40DD-AFC4-6F175D3DCCD1}">
+            <a:ext uri="{909E8E84-426E-40dd-AFC4-6F175D3DCCD1}">
               <a14:hiddenFill xmlns:a14="http://schemas.microsoft.com/office/drawing/2010/main">
                 <a:solidFill>
                   <a:srgbClr val="FFFFFF"/>
@@ -7389,7 +7284,7 @@
   <p:timing>
     <p:tnLst>
       <p:par>
-        <p:cTn id="1" dur="indefinite" restart="never" nodeType="tmRoot"/>
+        <p:cTn xmlns:p14="http://schemas.microsoft.com/office/powerpoint/2010/main" id="1" dur="indefinite" restart="never" nodeType="tmRoot"/>
       </p:par>
     </p:tnLst>
   </p:timing>
@@ -7622,7 +7517,7 @@
           </a:prstGeom>
           <a:noFill/>
           <a:extLst>
-            <a:ext uri="{909E8E84-426E-40DD-AFC4-6F175D3DCCD1}">
+            <a:ext uri="{909E8E84-426E-40dd-AFC4-6F175D3DCCD1}">
               <a14:hiddenFill xmlns:a14="http://schemas.microsoft.com/office/drawing/2010/main">
                 <a:solidFill>
                   <a:srgbClr val="FFFFFF"/>
@@ -7653,7 +7548,7 @@
   <p:timing>
     <p:tnLst>
       <p:par>
-        <p:cTn id="1" dur="indefinite" restart="never" nodeType="tmRoot"/>
+        <p:cTn xmlns:p14="http://schemas.microsoft.com/office/powerpoint/2010/main" id="1" dur="indefinite" restart="never" nodeType="tmRoot"/>
       </p:par>
     </p:tnLst>
   </p:timing>
@@ -7942,7 +7837,7 @@
           </a:prstGeom>
           <a:noFill/>
           <a:extLst>
-            <a:ext uri="{909E8E84-426E-40DD-AFC4-6F175D3DCCD1}">
+            <a:ext uri="{909E8E84-426E-40dd-AFC4-6F175D3DCCD1}">
               <a14:hiddenFill xmlns:a14="http://schemas.microsoft.com/office/drawing/2010/main">
                 <a:solidFill>
                   <a:srgbClr val="FFFFFF"/>
@@ -7973,7 +7868,7 @@
   <p:timing>
     <p:tnLst>
       <p:par>
-        <p:cTn id="1" dur="indefinite" restart="never" nodeType="tmRoot"/>
+        <p:cTn xmlns:p14="http://schemas.microsoft.com/office/powerpoint/2010/main" id="1" dur="indefinite" restart="never" nodeType="tmRoot"/>
       </p:par>
     </p:tnLst>
   </p:timing>
@@ -9019,7 +8914,7 @@
   <p:timing>
     <p:tnLst>
       <p:par>
-        <p:cTn id="1" dur="indefinite" restart="never" nodeType="tmRoot"/>
+        <p:cTn xmlns:p14="http://schemas.microsoft.com/office/powerpoint/2010/main" id="1" dur="indefinite" restart="never" nodeType="tmRoot"/>
       </p:par>
     </p:tnLst>
   </p:timing>
@@ -9056,7 +8951,7 @@
         <p:spPr/>
         <p:txBody>
           <a:bodyPr>
-            <a:normAutofit fontScale="85000" lnSpcReduction="20000"/>
+            <a:normAutofit lnSpcReduction="10000"/>
           </a:bodyPr>
           <a:lstStyle/>
           <a:p>
@@ -9099,19 +8994,6 @@
             <a:r>
               <a:rPr lang="en-US" dirty="0" smtClean="0"/>
               <a:t>New generation of developers considers them more fun and exciting Growing support from industry analysts and thought leaders</a:t>
-            </a:r>
-          </a:p>
-          <a:p>
-            <a:r>
-              <a:rPr lang="en-CA" dirty="0" smtClean="0"/>
-              <a:t>Need to augment enterprise toolset</a:t>
-            </a:r>
-          </a:p>
-          <a:p>
-            <a:pPr lvl="1"/>
-            <a:r>
-              <a:rPr lang="en-US" dirty="0" smtClean="0"/>
-              <a:t>Not a cure-all, but can have a tremendous positive impact in the right situations</a:t>
             </a:r>
           </a:p>
           <a:p>
@@ -9162,7 +9044,7 @@
   <p:timing>
     <p:tnLst>
       <p:par>
-        <p:cTn id="1" dur="indefinite" restart="never" nodeType="tmRoot"/>
+        <p:cTn xmlns:p14="http://schemas.microsoft.com/office/powerpoint/2010/main" id="1" dur="indefinite" restart="never" nodeType="tmRoot"/>
       </p:par>
     </p:tnLst>
   </p:timing>
@@ -9296,7 +9178,7 @@
   <p:timing>
     <p:tnLst>
       <p:par>
-        <p:cTn id="1" dur="indefinite" restart="never" nodeType="tmRoot"/>
+        <p:cTn xmlns:p14="http://schemas.microsoft.com/office/powerpoint/2010/main" id="1" dur="indefinite" restart="never" nodeType="tmRoot"/>
       </p:par>
     </p:tnLst>
   </p:timing>
@@ -9482,7 +9364,7 @@
   <p:timing>
     <p:tnLst>
       <p:par>
-        <p:cTn id="1" dur="indefinite" restart="never" nodeType="tmRoot"/>
+        <p:cTn xmlns:p14="http://schemas.microsoft.com/office/powerpoint/2010/main" id="1" dur="indefinite" restart="never" nodeType="tmRoot"/>
       </p:par>
     </p:tnLst>
   </p:timing>
@@ -9582,7 +9464,7 @@
   <p:timing>
     <p:tnLst>
       <p:par>
-        <p:cTn id="1" dur="indefinite" restart="never" nodeType="tmRoot"/>
+        <p:cTn xmlns:p14="http://schemas.microsoft.com/office/powerpoint/2010/main" id="1" dur="indefinite" restart="never" nodeType="tmRoot"/>
       </p:par>
     </p:tnLst>
   </p:timing>
@@ -9619,7 +9501,7 @@
         <p:spPr/>
         <p:txBody>
           <a:bodyPr>
-            <a:normAutofit lnSpcReduction="10000"/>
+            <a:normAutofit/>
           </a:bodyPr>
           <a:lstStyle/>
           <a:p>
@@ -9734,7 +9616,7 @@
   <p:timing>
     <p:tnLst>
       <p:par>
-        <p:cTn id="1" dur="indefinite" restart="never" nodeType="tmRoot"/>
+        <p:cTn xmlns:p14="http://schemas.microsoft.com/office/powerpoint/2010/main" id="1" dur="indefinite" restart="never" nodeType="tmRoot"/>
       </p:par>
     </p:tnLst>
   </p:timing>
@@ -9940,7 +9822,7 @@
   <p:timing>
     <p:tnLst>
       <p:par>
-        <p:cTn id="1" dur="indefinite" restart="never" nodeType="tmRoot"/>
+        <p:cTn xmlns:p14="http://schemas.microsoft.com/office/powerpoint/2010/main" id="1" dur="indefinite" restart="never" nodeType="tmRoot"/>
       </p:par>
     </p:tnLst>
   </p:timing>
@@ -10070,7 +9952,7 @@
   <p:timing>
     <p:tnLst>
       <p:par>
-        <p:cTn id="1" dur="indefinite" restart="never" nodeType="tmRoot"/>
+        <p:cTn xmlns:p14="http://schemas.microsoft.com/office/powerpoint/2010/main" id="1" dur="indefinite" restart="never" nodeType="tmRoot"/>
       </p:par>
     </p:tnLst>
   </p:timing>
@@ -10197,7 +10079,7 @@
   <p:timing>
     <p:tnLst>
       <p:par>
-        <p:cTn id="1" dur="indefinite" restart="never" nodeType="tmRoot"/>
+        <p:cTn xmlns:p14="http://schemas.microsoft.com/office/powerpoint/2010/main" id="1" dur="indefinite" restart="never" nodeType="tmRoot"/>
       </p:par>
     </p:tnLst>
   </p:timing>
@@ -10269,12 +10151,12 @@
           <a:p>
             <a:pPr lvl="1"/>
             <a:r>
-              <a:rPr lang="en-US" dirty="0"/>
-              <a:t>JavaScript / </a:t>
-            </a:r>
-            <a:r>
-              <a:rPr lang="en-US" dirty="0" smtClean="0"/>
-              <a:t>HTML5 write-once-deploy-many, usability approaching that of native</a:t>
+              <a:rPr lang="en-US" smtClean="0"/>
+              <a:t>JavaScript &amp; HTML5 </a:t>
+            </a:r>
+            <a:r>
+              <a:rPr lang="en-US" dirty="0" smtClean="0"/>
+              <a:t>write-once-deploy-many, usability approaching that of native</a:t>
             </a:r>
             <a:endParaRPr lang="en-US" dirty="0"/>
           </a:p>
@@ -10315,7 +10197,7 @@
   <p:timing>
     <p:tnLst>
       <p:par>
-        <p:cTn id="1" dur="indefinite" restart="never" nodeType="tmRoot"/>
+        <p:cTn xmlns:p14="http://schemas.microsoft.com/office/powerpoint/2010/main" id="1" dur="indefinite" restart="never" nodeType="tmRoot"/>
       </p:par>
     </p:tnLst>
   </p:timing>
@@ -10434,7 +10316,7 @@
   <p:timing>
     <p:tnLst>
       <p:par>
-        <p:cTn id="1" dur="indefinite" restart="never" nodeType="tmRoot"/>
+        <p:cTn xmlns:p14="http://schemas.microsoft.com/office/powerpoint/2010/main" id="1" dur="indefinite" restart="never" nodeType="tmRoot"/>
       </p:par>
     </p:tnLst>
   </p:timing>
@@ -10460,7 +10342,7 @@
       </p:grpSpPr>
       <p:sp>
         <p:nvSpPr>
-          <p:cNvPr id="3" name="Text Placeholder 2"/>
+          <p:cNvPr id="3" name="Content Placeholder 2"/>
           <p:cNvSpPr>
             <a:spLocks noGrp="1"/>
           </p:cNvSpPr>
@@ -10476,33 +10358,23 @@
           <a:lstStyle/>
           <a:p>
             <a:r>
-              <a:rPr lang="en-US" b="1" dirty="0" smtClean="0"/>
-              <a:t>Development </a:t>
-            </a:r>
-            <a:r>
-              <a:rPr lang="en-US" b="1" dirty="0"/>
-              <a:t>architecture with </a:t>
-            </a:r>
-            <a:r>
-              <a:rPr lang="en-US" b="1" dirty="0" err="1"/>
-              <a:t>SaaS</a:t>
-            </a:r>
-            <a:r>
-              <a:rPr lang="en-US" b="1" dirty="0"/>
-              <a:t> technology</a:t>
+              <a:rPr lang="en-US" dirty="0" smtClean="0"/>
+              <a:t>Performance and Scalability</a:t>
             </a:r>
           </a:p>
           <a:p>
             <a:pPr lvl="1"/>
             <a:r>
               <a:rPr lang="en-US" dirty="0" smtClean="0"/>
-              <a:t>Accelerate </a:t>
-            </a:r>
-            <a:r>
-              <a:rPr lang="en-US" dirty="0"/>
-              <a:t>the establishment of critical development architecture tools and processes</a:t>
-            </a:r>
-            <a:endParaRPr lang="en-US" b="1" dirty="0"/>
+              <a:t>Dynamic language performance can’t be ignored, but it is typically not an issue</a:t>
+            </a:r>
+          </a:p>
+          <a:p>
+            <a:pPr lvl="1"/>
+            <a:r>
+              <a:rPr lang="en-US" dirty="0" smtClean="0"/>
+              <a:t>Dynamic language applications proven to scale up to very high transaction volumes</a:t>
+            </a:r>
           </a:p>
         </p:txBody>
       </p:sp>
@@ -10523,15 +10395,16 @@
           <a:p>
             <a:r>
               <a:rPr lang="en-US" dirty="0" smtClean="0"/>
-              <a:t>Synergy with Existing Technologies</a:t>
-            </a:r>
+              <a:t>Challenges and Concerns – Performance </a:t>
+            </a:r>
+            <a:endParaRPr lang="en-US" dirty="0"/>
           </a:p>
         </p:txBody>
       </p:sp>
     </p:spTree>
     <p:extLst>
       <p:ext uri="{BB962C8B-B14F-4D97-AF65-F5344CB8AC3E}">
-        <p14:creationId xmlns:p14="http://schemas.microsoft.com/office/powerpoint/2010/main" val="2404590035"/>
+        <p14:creationId xmlns:p14="http://schemas.microsoft.com/office/powerpoint/2010/main" val="2673713228"/>
       </p:ext>
     </p:extLst>
   </p:cSld>
@@ -10541,7 +10414,7 @@
   <p:timing>
     <p:tnLst>
       <p:par>
-        <p:cTn id="1" dur="indefinite" restart="never" nodeType="tmRoot"/>
+        <p:cTn xmlns:p14="http://schemas.microsoft.com/office/powerpoint/2010/main" id="1" dur="indefinite" restart="never" nodeType="tmRoot"/>
       </p:par>
     </p:tnLst>
   </p:timing>
@@ -10584,21 +10457,49 @@
           <a:p>
             <a:r>
               <a:rPr lang="en-US" dirty="0" smtClean="0"/>
-              <a:t>Performance and Scalability</a:t>
+              <a:t>Skills and Team Size</a:t>
             </a:r>
           </a:p>
           <a:p>
             <a:pPr lvl="1"/>
             <a:r>
               <a:rPr lang="en-US" dirty="0" smtClean="0"/>
-              <a:t>Dynamic language performance can’t be ignored, but it is typically not an issue</a:t>
+              <a:t>Skills availability can be a challenge -- fewer developers than with Java</a:t>
             </a:r>
           </a:p>
           <a:p>
             <a:pPr lvl="1"/>
             <a:r>
               <a:rPr lang="en-US" dirty="0" smtClean="0"/>
-              <a:t>Dynamic language applications proven to scale up to very high transaction volumes</a:t>
+              <a:t>Our </a:t>
+            </a:r>
+            <a:r>
+              <a:rPr lang="en-US" dirty="0"/>
+              <a:t>experience </a:t>
+            </a:r>
+            <a:r>
+              <a:rPr lang="en-US" dirty="0" smtClean="0"/>
+              <a:t>shows Java </a:t>
+            </a:r>
+            <a:r>
+              <a:rPr lang="en-US" dirty="0"/>
+              <a:t>developers </a:t>
+            </a:r>
+            <a:r>
+              <a:rPr lang="en-US" dirty="0" smtClean="0"/>
+              <a:t>can be rapidly trained to a </a:t>
+            </a:r>
+            <a:r>
+              <a:rPr lang="en-US" dirty="0"/>
+              <a:t>moderate level of proficiency </a:t>
+            </a:r>
+            <a:endParaRPr lang="en-US" dirty="0" smtClean="0"/>
+          </a:p>
+          <a:p>
+            <a:pPr lvl="1"/>
+            <a:r>
+              <a:rPr lang="en-US" dirty="0" smtClean="0"/>
+              <a:t>Scaling to very large applications with large teams is unproven for some dynamic languages</a:t>
             </a:r>
           </a:p>
         </p:txBody>
@@ -10620,7 +10521,7 @@
           <a:p>
             <a:r>
               <a:rPr lang="en-US" dirty="0" smtClean="0"/>
-              <a:t>Challenges and Concerns – Performance </a:t>
+              <a:t>Challenges and Concerns – Skills </a:t>
             </a:r>
             <a:endParaRPr lang="en-US" dirty="0"/>
           </a:p>
@@ -10629,7 +10530,7 @@
     </p:spTree>
     <p:extLst>
       <p:ext uri="{BB962C8B-B14F-4D97-AF65-F5344CB8AC3E}">
-        <p14:creationId xmlns:p14="http://schemas.microsoft.com/office/powerpoint/2010/main" val="2673713228"/>
+        <p14:creationId xmlns:p14="http://schemas.microsoft.com/office/powerpoint/2010/main" val="2091147001"/>
       </p:ext>
     </p:extLst>
   </p:cSld>
@@ -10639,7 +10540,7 @@
   <p:timing>
     <p:tnLst>
       <p:par>
-        <p:cTn id="1" dur="indefinite" restart="never" nodeType="tmRoot"/>
+        <p:cTn xmlns:p14="http://schemas.microsoft.com/office/powerpoint/2010/main" id="1" dur="indefinite" restart="never" nodeType="tmRoot"/>
       </p:par>
     </p:tnLst>
   </p:timing>
@@ -10682,50 +10583,39 @@
           <a:p>
             <a:r>
               <a:rPr lang="en-US" dirty="0" smtClean="0"/>
-              <a:t>Skills and Team Size</a:t>
+              <a:t>Adoption can be politically difficult due to prior investments</a:t>
             </a:r>
           </a:p>
           <a:p>
             <a:pPr lvl="1"/>
             <a:r>
               <a:rPr lang="en-US" dirty="0" smtClean="0"/>
-              <a:t>Skills availability can be a challenge -- fewer developers than with Java</a:t>
+              <a:t>Corporate IT departments reluctant to introduce additional languages</a:t>
             </a:r>
           </a:p>
           <a:p>
             <a:pPr lvl="1"/>
             <a:r>
               <a:rPr lang="en-US" dirty="0" smtClean="0"/>
-              <a:t>Our </a:t>
-            </a:r>
-            <a:r>
-              <a:rPr lang="en-US" dirty="0"/>
-              <a:t>experience </a:t>
-            </a:r>
-            <a:r>
-              <a:rPr lang="en-US" dirty="0" smtClean="0"/>
-              <a:t>shows Java </a:t>
-            </a:r>
-            <a:r>
-              <a:rPr lang="en-US" dirty="0"/>
-              <a:t>developers </a:t>
-            </a:r>
-            <a:r>
-              <a:rPr lang="en-US" dirty="0" smtClean="0"/>
-              <a:t>can be rapidly trained to a </a:t>
-            </a:r>
-            <a:r>
-              <a:rPr lang="en-US" dirty="0"/>
-              <a:t>moderate level of proficiency </a:t>
-            </a:r>
+              <a:t>Compatibility with existing corporate practices, standards, and tools can be a challenge</a:t>
+            </a:r>
+          </a:p>
+          <a:p>
+            <a:pPr lvl="1"/>
+            <a:r>
+              <a:rPr lang="en-US" dirty="0" smtClean="0"/>
+              <a:t>In a Java shop, the introduction of JVM dynamic languages can be relatively smooth -- existing investments can be leveraged</a:t>
+            </a:r>
+          </a:p>
+          <a:p>
+            <a:pPr lvl="1"/>
+            <a:r>
+              <a:rPr lang="en-US" dirty="0" smtClean="0"/>
+              <a:t>Complexity associated with introducing another required skill may be overrated</a:t>
+            </a:r>
+          </a:p>
+          <a:p>
             <a:endParaRPr lang="en-US" dirty="0" smtClean="0"/>
-          </a:p>
-          <a:p>
-            <a:pPr lvl="1"/>
-            <a:r>
-              <a:rPr lang="en-US" dirty="0" smtClean="0"/>
-              <a:t>Scaling to very large applications with large teams is unproven for some dynamic languages</a:t>
-            </a:r>
           </a:p>
         </p:txBody>
       </p:sp>
@@ -10746,7 +10636,7 @@
           <a:p>
             <a:r>
               <a:rPr lang="en-US" dirty="0" smtClean="0"/>
-              <a:t>Challenges and Concerns – Skills </a:t>
+              <a:t>Challenges and Concerns – Adoption</a:t>
             </a:r>
             <a:endParaRPr lang="en-US" dirty="0"/>
           </a:p>
@@ -10755,7 +10645,7 @@
     </p:spTree>
     <p:extLst>
       <p:ext uri="{BB962C8B-B14F-4D97-AF65-F5344CB8AC3E}">
-        <p14:creationId xmlns:p14="http://schemas.microsoft.com/office/powerpoint/2010/main" val="2091147001"/>
+        <p14:creationId xmlns:p14="http://schemas.microsoft.com/office/powerpoint/2010/main" val="888718414"/>
       </p:ext>
     </p:extLst>
   </p:cSld>
@@ -10765,7 +10655,7 @@
   <p:timing>
     <p:tnLst>
       <p:par>
-        <p:cTn id="1" dur="indefinite" restart="never" nodeType="tmRoot"/>
+        <p:cTn xmlns:p14="http://schemas.microsoft.com/office/powerpoint/2010/main" id="1" dur="indefinite" restart="never" nodeType="tmRoot"/>
       </p:par>
     </p:tnLst>
   </p:timing>
@@ -10801,46 +10691,41 @@
         </p:nvSpPr>
         <p:spPr/>
         <p:txBody>
-          <a:bodyPr>
-            <a:normAutofit/>
-          </a:bodyPr>
+          <a:bodyPr/>
           <a:lstStyle/>
           <a:p>
             <a:r>
-              <a:rPr lang="en-US" dirty="0" smtClean="0"/>
-              <a:t>Adoption can be politically difficult due to prior investments</a:t>
+              <a:rPr lang="en-CA" dirty="0" smtClean="0"/>
+              <a:t>We care when we need to…</a:t>
             </a:r>
           </a:p>
           <a:p>
             <a:pPr lvl="1"/>
             <a:r>
-              <a:rPr lang="en-US" dirty="0" smtClean="0"/>
-              <a:t>Corporate IT departments reluctant to introduce additional languages</a:t>
+              <a:rPr lang="en-CA" dirty="0" smtClean="0"/>
+              <a:t>Compress timelines</a:t>
             </a:r>
           </a:p>
           <a:p>
             <a:pPr lvl="1"/>
             <a:r>
-              <a:rPr lang="en-US" dirty="0" smtClean="0"/>
-              <a:t>Compatibility with existing corporate practices, standards, and tools can be a challenge</a:t>
+              <a:rPr lang="en-CA" dirty="0" smtClean="0"/>
+              <a:t>Be more flexible</a:t>
             </a:r>
           </a:p>
           <a:p>
             <a:pPr lvl="1"/>
             <a:r>
-              <a:rPr lang="en-US" dirty="0" smtClean="0"/>
-              <a:t>In a Java shop, the introduction of JVM dynamic languages can be relatively smooth -- existing investments can be leveraged</a:t>
+              <a:rPr lang="en-CA" dirty="0" smtClean="0"/>
+              <a:t>Increase creativity</a:t>
             </a:r>
           </a:p>
           <a:p>
             <a:pPr lvl="1"/>
             <a:r>
-              <a:rPr lang="en-US" dirty="0" smtClean="0"/>
-              <a:t>Complexity associated with introducing another required skill may be overrated</a:t>
-            </a:r>
-          </a:p>
-          <a:p>
-            <a:endParaRPr lang="en-US" dirty="0" smtClean="0"/>
+              <a:rPr lang="en-CA" dirty="0" smtClean="0"/>
+              <a:t>Mitigate risk</a:t>
+            </a:r>
           </a:p>
         </p:txBody>
       </p:sp>
@@ -10861,7 +10746,7 @@
           <a:p>
             <a:r>
               <a:rPr lang="en-US" dirty="0" smtClean="0"/>
-              <a:t>Challenges and Concerns – Adoption</a:t>
+              <a:t>Take-away:  Why We Should Care About Dynamic Languages</a:t>
             </a:r>
             <a:endParaRPr lang="en-US" dirty="0"/>
           </a:p>
@@ -10870,17 +10755,25 @@
     </p:spTree>
     <p:extLst>
       <p:ext uri="{BB962C8B-B14F-4D97-AF65-F5344CB8AC3E}">
-        <p14:creationId xmlns:p14="http://schemas.microsoft.com/office/powerpoint/2010/main" val="888718414"/>
+        <p14:creationId xmlns:p14="http://schemas.microsoft.com/office/powerpoint/2010/main" val="3438825014"/>
       </p:ext>
     </p:extLst>
   </p:cSld>
   <p:clrMapOvr>
     <a:masterClrMapping/>
   </p:clrMapOvr>
+  <mc:AlternateContent xmlns:mc="http://schemas.openxmlformats.org/markup-compatibility/2006" xmlns:p14="http://schemas.microsoft.com/office/powerpoint/2010/main">
+    <mc:Choice Requires="p14">
+      <p:transition spd="slow" p14:dur="2000"/>
+    </mc:Choice>
+    <mc:Fallback xmlns="">
+      <p:transition spd="slow"/>
+    </mc:Fallback>
+  </mc:AlternateContent>
   <p:timing>
     <p:tnLst>
       <p:par>
-        <p:cTn id="1" dur="indefinite" restart="never" nodeType="tmRoot"/>
+        <p:cTn xmlns:p14="http://schemas.microsoft.com/office/powerpoint/2010/main" id="1" dur="indefinite" restart="never" nodeType="tmRoot"/>
       </p:par>
     </p:tnLst>
   </p:timing>
@@ -11138,7 +11031,7 @@
           </a:prstGeom>
           <a:noFill/>
           <a:extLst>
-            <a:ext uri="{909E8E84-426E-40DD-AFC4-6F175D3DCCD1}">
+            <a:ext uri="{909E8E84-426E-40dd-AFC4-6F175D3DCCD1}">
               <a14:hiddenFill xmlns:a14="http://schemas.microsoft.com/office/drawing/2010/main">
                 <a:solidFill>
                   <a:srgbClr val="FFFFFF"/>
@@ -11161,7 +11054,7 @@
   <p:timing>
     <p:tnLst>
       <p:par>
-        <p:cTn id="1" dur="indefinite" restart="never" nodeType="tmRoot"/>
+        <p:cTn xmlns:p14="http://schemas.microsoft.com/office/powerpoint/2010/main" id="1" dur="indefinite" restart="never" nodeType="tmRoot"/>
       </p:par>
     </p:tnLst>
   </p:timing>
@@ -11187,124 +11080,6 @@
       </p:grpSpPr>
       <p:sp>
         <p:nvSpPr>
-          <p:cNvPr id="3" name="Content Placeholder 2"/>
-          <p:cNvSpPr>
-            <a:spLocks noGrp="1"/>
-          </p:cNvSpPr>
-          <p:nvPr>
-            <p:ph sz="quarter" idx="12"/>
-          </p:nvPr>
-        </p:nvSpPr>
-        <p:spPr/>
-        <p:txBody>
-          <a:bodyPr/>
-          <a:lstStyle/>
-          <a:p>
-            <a:r>
-              <a:rPr lang="en-CA" dirty="0" smtClean="0"/>
-              <a:t>We care when we need to…</a:t>
-            </a:r>
-          </a:p>
-          <a:p>
-            <a:pPr lvl="1"/>
-            <a:r>
-              <a:rPr lang="en-CA" dirty="0" smtClean="0"/>
-              <a:t>Compress timelines</a:t>
-            </a:r>
-          </a:p>
-          <a:p>
-            <a:pPr lvl="1"/>
-            <a:r>
-              <a:rPr lang="en-CA" dirty="0" smtClean="0"/>
-              <a:t>Be more flexible</a:t>
-            </a:r>
-          </a:p>
-          <a:p>
-            <a:pPr lvl="1"/>
-            <a:r>
-              <a:rPr lang="en-CA" dirty="0" smtClean="0"/>
-              <a:t>Increase creativity</a:t>
-            </a:r>
-          </a:p>
-          <a:p>
-            <a:pPr lvl="1"/>
-            <a:r>
-              <a:rPr lang="en-CA" dirty="0" smtClean="0"/>
-              <a:t>Mitigate risk</a:t>
-            </a:r>
-          </a:p>
-        </p:txBody>
-      </p:sp>
-      <p:sp>
-        <p:nvSpPr>
-          <p:cNvPr id="2" name="Title 1"/>
-          <p:cNvSpPr>
-            <a:spLocks noGrp="1"/>
-          </p:cNvSpPr>
-          <p:nvPr>
-            <p:ph type="title"/>
-          </p:nvPr>
-        </p:nvSpPr>
-        <p:spPr/>
-        <p:txBody>
-          <a:bodyPr/>
-          <a:lstStyle/>
-          <a:p>
-            <a:r>
-              <a:rPr lang="en-US" dirty="0" smtClean="0"/>
-              <a:t>Take-away:  Why We Should Care About Dynamic Languages</a:t>
-            </a:r>
-            <a:endParaRPr lang="en-US" dirty="0"/>
-          </a:p>
-        </p:txBody>
-      </p:sp>
-    </p:spTree>
-    <p:extLst>
-      <p:ext uri="{BB962C8B-B14F-4D97-AF65-F5344CB8AC3E}">
-        <p14:creationId xmlns:p14="http://schemas.microsoft.com/office/powerpoint/2010/main" val="3438825014"/>
-      </p:ext>
-    </p:extLst>
-  </p:cSld>
-  <p:clrMapOvr>
-    <a:masterClrMapping/>
-  </p:clrMapOvr>
-  <mc:AlternateContent xmlns:mc="http://schemas.openxmlformats.org/markup-compatibility/2006" xmlns:p14="http://schemas.microsoft.com/office/powerpoint/2010/main">
-    <mc:Choice Requires="p14">
-      <p:transition spd="slow" p14:dur="2000"/>
-    </mc:Choice>
-    <mc:Fallback xmlns="">
-      <p:transition spd="slow"/>
-    </mc:Fallback>
-  </mc:AlternateContent>
-  <p:timing>
-    <p:tnLst>
-      <p:par>
-        <p:cTn id="1" dur="indefinite" restart="never" nodeType="tmRoot"/>
-      </p:par>
-    </p:tnLst>
-  </p:timing>
-</p:sld>
-</file>
-
-<file path=ppt/slides/slide31.xml><?xml version="1.0" encoding="utf-8"?>
-<p:sld xmlns:a="http://schemas.openxmlformats.org/drawingml/2006/main" xmlns:r="http://schemas.openxmlformats.org/officeDocument/2006/relationships" xmlns:p="http://schemas.openxmlformats.org/presentationml/2006/main">
-  <p:cSld>
-    <p:spTree>
-      <p:nvGrpSpPr>
-        <p:cNvPr id="1" name=""/>
-        <p:cNvGrpSpPr/>
-        <p:nvPr/>
-      </p:nvGrpSpPr>
-      <p:grpSpPr>
-        <a:xfrm>
-          <a:off x="0" y="0"/>
-          <a:ext cx="0" cy="0"/>
-          <a:chOff x="0" y="0"/>
-          <a:chExt cx="0" cy="0"/>
-        </a:xfrm>
-      </p:grpSpPr>
-      <p:sp>
-        <p:nvSpPr>
           <p:cNvPr id="4" name="TextBox 3"/>
           <p:cNvSpPr txBox="1"/>
           <p:nvPr/>
@@ -11377,7 +11152,7 @@
   <p:timing>
     <p:tnLst>
       <p:par>
-        <p:cTn id="1" dur="indefinite" restart="never" nodeType="tmRoot"/>
+        <p:cTn xmlns:p14="http://schemas.microsoft.com/office/powerpoint/2010/main" id="1" dur="indefinite" restart="never" nodeType="tmRoot"/>
       </p:par>
     </p:tnLst>
   </p:timing>
@@ -11487,7 +11262,7 @@
   <p:timing>
     <p:tnLst>
       <p:par>
-        <p:cTn id="1" dur="indefinite" restart="never" nodeType="tmRoot"/>
+        <p:cTn xmlns:p14="http://schemas.microsoft.com/office/powerpoint/2010/main" id="1" dur="indefinite" restart="never" nodeType="tmRoot"/>
       </p:par>
     </p:tnLst>
   </p:timing>
@@ -11626,7 +11401,7 @@
   <p:timing>
     <p:tnLst>
       <p:par>
-        <p:cTn id="1" dur="indefinite" restart="never" nodeType="tmRoot"/>
+        <p:cTn xmlns:p14="http://schemas.microsoft.com/office/powerpoint/2010/main" id="1" dur="indefinite" restart="never" nodeType="tmRoot"/>
       </p:par>
     </p:tnLst>
   </p:timing>
@@ -12395,7 +12170,7 @@
               </a:ln>
               <a:effectLst/>
               <a:extLst>
-                <a:ext uri="{91240B29-F687-4F45-9708-019B960494DF}">
+                <a:ext uri="{91240B29-F687-4f45-9708-019B960494DF}">
                   <a14:hiddenLine xmlns:a14="http://schemas.microsoft.com/office/drawing/2010/main" w="9525">
                     <a:solidFill>
                       <a:schemeClr val="tx1"/>
@@ -12405,7 +12180,7 @@
                     <a:tailEnd/>
                   </a14:hiddenLine>
                 </a:ext>
-                <a:ext uri="{AF507438-7753-43E0-B8FC-AC1667EBCBE1}">
+                <a:ext uri="{AF507438-7753-43e0-B8FC-AC1667EBCBE1}">
                   <a14:hiddenEffects xmlns:a14="http://schemas.microsoft.com/office/drawing/2010/main">
                     <a:effectLst>
                       <a:outerShdw dist="35921" dir="2700000" algn="ctr" rotWithShape="0">
@@ -13664,7 +13439,7 @@
               </a:prstGeom>
               <a:noFill/>
               <a:extLst>
-                <a:ext uri="{909E8E84-426E-40DD-AFC4-6F175D3DCCD1}">
+                <a:ext uri="{909E8E84-426E-40dd-AFC4-6F175D3DCCD1}">
                   <a14:hiddenFill xmlns:a14="http://schemas.microsoft.com/office/drawing/2010/main">
                     <a:solidFill>
                       <a:srgbClr val="FFFFFF"/>
@@ -13706,7 +13481,7 @@
             </a:prstGeom>
             <a:noFill/>
             <a:extLst>
-              <a:ext uri="{909E8E84-426E-40DD-AFC4-6F175D3DCCD1}">
+              <a:ext uri="{909E8E84-426E-40dd-AFC4-6F175D3DCCD1}">
                 <a14:hiddenFill xmlns:a14="http://schemas.microsoft.com/office/drawing/2010/main">
                   <a:solidFill>
                     <a:srgbClr val="FFFFFF"/>
@@ -14183,7 +13958,7 @@
               </a:ln>
               <a:effectLst/>
               <a:extLst>
-                <a:ext uri="{91240B29-F687-4F45-9708-019B960494DF}">
+                <a:ext uri="{91240B29-F687-4f45-9708-019B960494DF}">
                   <a14:hiddenLine xmlns:a14="http://schemas.microsoft.com/office/drawing/2010/main" w="9525">
                     <a:solidFill>
                       <a:schemeClr val="tx1"/>
@@ -14193,7 +13968,7 @@
                     <a:tailEnd/>
                   </a14:hiddenLine>
                 </a:ext>
-                <a:ext uri="{AF507438-7753-43E0-B8FC-AC1667EBCBE1}">
+                <a:ext uri="{AF507438-7753-43e0-B8FC-AC1667EBCBE1}">
                   <a14:hiddenEffects xmlns:a14="http://schemas.microsoft.com/office/drawing/2010/main">
                     <a:effectLst>
                       <a:outerShdw dist="35921" dir="2700000" algn="ctr" rotWithShape="0">
@@ -14315,14 +14090,14 @@
               </a:ln>
               <a:effectLst/>
               <a:extLst>
-                <a:ext uri="{909E8E84-426E-40DD-AFC4-6F175D3DCCD1}">
+                <a:ext uri="{909E8E84-426E-40dd-AFC4-6F175D3DCCD1}">
                   <a14:hiddenFill xmlns:a14="http://schemas.microsoft.com/office/drawing/2010/main">
                     <a:solidFill>
                       <a:schemeClr val="accent1"/>
                     </a:solidFill>
                   </a14:hiddenFill>
                 </a:ext>
-                <a:ext uri="{91240B29-F687-4F45-9708-019B960494DF}">
+                <a:ext uri="{91240B29-F687-4f45-9708-019B960494DF}">
                   <a14:hiddenLine xmlns:a14="http://schemas.microsoft.com/office/drawing/2010/main" w="9525">
                     <a:solidFill>
                       <a:schemeClr val="tx1"/>
@@ -14332,7 +14107,7 @@
                     <a:tailEnd/>
                   </a14:hiddenLine>
                 </a:ext>
-                <a:ext uri="{AF507438-7753-43E0-B8FC-AC1667EBCBE1}">
+                <a:ext uri="{AF507438-7753-43e0-B8FC-AC1667EBCBE1}">
                   <a14:hiddenEffects xmlns:a14="http://schemas.microsoft.com/office/drawing/2010/main">
                     <a:effectLst>
                       <a:outerShdw dist="35921" dir="2700000" algn="ctr" rotWithShape="0">
@@ -14434,7 +14209,7 @@
   <p:timing>
     <p:tnLst>
       <p:par>
-        <p:cTn id="1" dur="indefinite" restart="never" nodeType="tmRoot"/>
+        <p:cTn xmlns:p14="http://schemas.microsoft.com/office/powerpoint/2010/main" id="1" dur="indefinite" restart="never" nodeType="tmRoot"/>
       </p:par>
     </p:tnLst>
   </p:timing>
@@ -14774,7 +14549,7 @@
           </a:prstGeom>
           <a:noFill/>
           <a:extLst>
-            <a:ext uri="{909E8E84-426E-40DD-AFC4-6F175D3DCCD1}">
+            <a:ext uri="{909E8E84-426E-40dd-AFC4-6F175D3DCCD1}">
               <a14:hiddenFill xmlns:a14="http://schemas.microsoft.com/office/drawing/2010/main">
                 <a:solidFill>
                   <a:srgbClr val="FFFFFF"/>
@@ -14805,7 +14580,7 @@
   <p:timing>
     <p:tnLst>
       <p:par>
-        <p:cTn id="1" dur="indefinite" restart="never" nodeType="tmRoot"/>
+        <p:cTn xmlns:p14="http://schemas.microsoft.com/office/powerpoint/2010/main" id="1" dur="indefinite" restart="never" nodeType="tmRoot"/>
       </p:par>
     </p:tnLst>
   </p:timing>
@@ -15070,14 +14845,14 @@
           </a:ln>
           <a:effectLst/>
           <a:extLst>
-            <a:ext uri="{909E8E84-426E-40DD-AFC4-6F175D3DCCD1}">
+            <a:ext uri="{909E8E84-426E-40dd-AFC4-6F175D3DCCD1}">
               <a14:hiddenFill xmlns:a14="http://schemas.microsoft.com/office/drawing/2010/main">
                 <a:solidFill>
                   <a:schemeClr val="accent1"/>
                 </a:solidFill>
               </a14:hiddenFill>
             </a:ext>
-            <a:ext uri="{91240B29-F687-4F45-9708-019B960494DF}">
+            <a:ext uri="{91240B29-F687-4f45-9708-019B960494DF}">
               <a14:hiddenLine xmlns:a14="http://schemas.microsoft.com/office/drawing/2010/main" w="9525">
                 <a:solidFill>
                   <a:schemeClr val="tx1"/>
@@ -15087,7 +14862,7 @@
                 <a:tailEnd/>
               </a14:hiddenLine>
             </a:ext>
-            <a:ext uri="{AF507438-7753-43E0-B8FC-AC1667EBCBE1}">
+            <a:ext uri="{AF507438-7753-43e0-B8FC-AC1667EBCBE1}">
               <a14:hiddenEffects xmlns:a14="http://schemas.microsoft.com/office/drawing/2010/main">
                 <a:effectLst>
                   <a:outerShdw dist="35921" dir="2700000" algn="ctr" rotWithShape="0">
@@ -15120,7 +14895,7 @@
   <p:timing>
     <p:tnLst>
       <p:par>
-        <p:cTn id="1" dur="indefinite" restart="never" nodeType="tmRoot"/>
+        <p:cTn xmlns:p14="http://schemas.microsoft.com/office/powerpoint/2010/main" id="1" dur="indefinite" restart="never" nodeType="tmRoot"/>
       </p:par>
     </p:tnLst>
   </p:timing>
@@ -15294,7 +15069,7 @@
           </a:prstGeom>
           <a:noFill/>
           <a:extLst>
-            <a:ext uri="{909E8E84-426E-40DD-AFC4-6F175D3DCCD1}">
+            <a:ext uri="{909E8E84-426E-40dd-AFC4-6F175D3DCCD1}">
               <a14:hiddenFill xmlns:a14="http://schemas.microsoft.com/office/drawing/2010/main">
                 <a:solidFill>
                   <a:srgbClr val="FFFFFF"/>
@@ -15325,7 +15100,7 @@
   <p:timing>
     <p:tnLst>
       <p:par>
-        <p:cTn id="1" dur="indefinite" restart="never" nodeType="tmRoot"/>
+        <p:cTn xmlns:p14="http://schemas.microsoft.com/office/powerpoint/2010/main" id="1" dur="indefinite" restart="never" nodeType="tmRoot"/>
       </p:par>
     </p:tnLst>
   </p:timing>

--- a/Dynamic languages/OpenSlava 2013 - Dynamic languages.pptx
+++ b/Dynamic languages/OpenSlava 2013 - Dynamic languages.pptx
@@ -15,8 +15,8 @@
     <p:sldId id="420" r:id="rId6"/>
     <p:sldId id="408" r:id="rId7"/>
     <p:sldId id="317" r:id="rId8"/>
-    <p:sldId id="371" r:id="rId9"/>
-    <p:sldId id="321" r:id="rId10"/>
+    <p:sldId id="321" r:id="rId9"/>
+    <p:sldId id="422" r:id="rId10"/>
     <p:sldId id="378" r:id="rId11"/>
     <p:sldId id="380" r:id="rId12"/>
     <p:sldId id="381" r:id="rId13"/>
@@ -44,8 +44,21 @@
   </p:sldIdLst>
   <p:sldSz cx="9144000" cy="6858000" type="screen4x3"/>
   <p:notesSz cx="6858000" cy="9144000"/>
+  <p:embeddedFontLst>
+    <p:embeddedFont>
+      <p:font typeface="Webdings" panose="05030102010509060703" pitchFamily="18" charset="2"/>
+      <p:regular r:id="rId37"/>
+    </p:embeddedFont>
+    <p:embeddedFont>
+      <p:font typeface="Calibri" panose="020F0502020204030204" pitchFamily="34" charset="0"/>
+      <p:regular r:id="rId38"/>
+      <p:bold r:id="rId39"/>
+      <p:italic r:id="rId40"/>
+      <p:boldItalic r:id="rId41"/>
+    </p:embeddedFont>
+  </p:embeddedFontLst>
   <p:custDataLst>
-    <p:tags r:id="rId38"/>
+    <p:tags r:id="rId42"/>
   </p:custDataLst>
   <p:defaultTextStyle>
     <a:defPPr>
@@ -144,7 +157,7 @@
   </p:defaultTextStyle>
   <p:extLst>
     <p:ext uri="{EFAFB233-063F-42B5-8137-9DF3F51BA10A}">
-      <p15:sldGuideLst xmlns:p15="http://schemas.microsoft.com/office/powerpoint/2012/main" xmlns="">
+      <p15:sldGuideLst xmlns:p15="http://schemas.microsoft.com/office/powerpoint/2012/main">
         <p15:guide id="1" orient="horz" pos="602">
           <p15:clr>
             <a:srgbClr val="A4A3A4"/>
@@ -213,7 +226,7 @@
       </p15:sldGuideLst>
     </p:ext>
     <p:ext uri="{2D200454-40CA-4A62-9FC3-DE9A4176ACB9}">
-      <p15:notesGuideLst xmlns:p15="http://schemas.microsoft.com/office/powerpoint/2012/main" xmlns="">
+      <p15:notesGuideLst xmlns:p15="http://schemas.microsoft.com/office/powerpoint/2012/main">
         <p15:guide id="1" orient="horz" pos="2880">
           <p15:clr>
             <a:srgbClr val="A4A3A4"/>
@@ -319,7 +332,7 @@
             <a:fld id="{BD8FA3CA-5725-4BA7-A851-72A62AC5A8EE}" type="datetimeFigureOut">
               <a:rPr lang="en-CA" smtClean="0"/>
               <a:pPr/>
-              <a:t>10/2/13</a:t>
+              <a:t>05/10/2013</a:t>
             </a:fld>
             <a:endParaRPr lang="en-CA"/>
           </a:p>
@@ -450,7 +463,7 @@
             <a:fld id="{C3B58700-9FA2-48CE-AC88-D71D45EB490A}" type="datetimeFigureOut">
               <a:rPr lang="en-US" smtClean="0"/>
               <a:pPr/>
-              <a:t>10/2/13</a:t>
+              <a:t>10/5/2013</a:t>
             </a:fld>
             <a:endParaRPr lang="en-US"/>
           </a:p>
@@ -4259,10 +4272,47 @@
         </p:nvSpPr>
         <p:spPr/>
         <p:txBody>
-          <a:bodyPr>
-            <a:normAutofit/>
-          </a:bodyPr>
+          <a:bodyPr/>
           <a:lstStyle/>
+          <a:p>
+            <a:r>
+              <a:rPr lang="es-ES_tradnl" b="1" dirty="0" err="1" smtClean="0"/>
+              <a:t>Dynamic</a:t>
+            </a:r>
+            <a:r>
+              <a:rPr lang="es-ES_tradnl" b="1" dirty="0" smtClean="0"/>
+              <a:t> </a:t>
+            </a:r>
+            <a:r>
+              <a:rPr lang="es-ES_tradnl" b="1" dirty="0" err="1" smtClean="0"/>
+              <a:t>languages</a:t>
+            </a:r>
+            <a:r>
+              <a:rPr lang="es-ES_tradnl" b="1" dirty="0" smtClean="0"/>
+              <a:t> are </a:t>
+            </a:r>
+            <a:r>
+              <a:rPr lang="es-ES_tradnl" b="1" dirty="0" err="1" smtClean="0"/>
+              <a:t>not</a:t>
+            </a:r>
+            <a:r>
+              <a:rPr lang="es-ES_tradnl" b="1" dirty="0" smtClean="0"/>
+              <a:t> new</a:t>
+            </a:r>
+            <a:endParaRPr lang="en-US" b="1" dirty="0" smtClean="0"/>
+          </a:p>
+          <a:p>
+            <a:r>
+              <a:rPr lang="en-US" dirty="0" smtClean="0"/>
+              <a:t>Lisp, Smalltalk have been around for a long time</a:t>
+            </a:r>
+          </a:p>
+          <a:p>
+            <a:r>
+              <a:rPr lang="en-US" dirty="0" smtClean="0"/>
+              <a:t>Python has been around longer than Java (pre-1995)</a:t>
+            </a:r>
+          </a:p>
           <a:p>
             <a:endParaRPr lang="en-US" dirty="0"/>
           </a:p>
@@ -4283,27 +4333,19 @@
           <a:bodyPr/>
           <a:lstStyle/>
           <a:p>
-            <a:fld id="{45852B25-0A42-4B2F-A5CC-84F19853E605}" type="slidenum">
-              <a:rPr lang="en-US" smtClean="0">
-                <a:solidFill>
-                  <a:srgbClr val="000000"/>
-                </a:solidFill>
-              </a:rPr>
+            <a:fld id="{FE9BC4E5-2BC1-4F43-85DD-A1B8F74CB7EB}" type="slidenum">
+              <a:rPr lang="en-US" smtClean="0"/>
               <a:pPr/>
               <a:t>5</a:t>
             </a:fld>
-            <a:endParaRPr lang="en-US">
-              <a:solidFill>
-                <a:srgbClr val="000000"/>
-              </a:solidFill>
-            </a:endParaRPr>
+            <a:endParaRPr lang="en-US"/>
           </a:p>
         </p:txBody>
       </p:sp>
     </p:spTree>
     <p:extLst>
       <p:ext uri="{BB962C8B-B14F-4D97-AF65-F5344CB8AC3E}">
-        <p14:creationId xmlns:p14="http://schemas.microsoft.com/office/powerpoint/2010/main" val="2400612079"/>
+        <p14:creationId xmlns:p14="http://schemas.microsoft.com/office/powerpoint/2010/main" val="1708257873"/>
       </p:ext>
     </p:extLst>
   </p:cSld>
@@ -4357,9 +4399,13 @@
           <a:bodyPr/>
           <a:lstStyle/>
           <a:p>
+            <a:pPr marL="53975" lvl="1" indent="0">
+              <a:buFont typeface="Arial" panose="020B0604020202020204" pitchFamily="34" charset="0"/>
+              <a:buNone/>
+            </a:pPr>
             <a:r>
               <a:rPr lang="es-ES_tradnl" b="1" dirty="0" err="1" smtClean="0"/>
-              <a:t>Dynamic</a:t>
+              <a:t>Our</a:t>
             </a:r>
             <a:r>
               <a:rPr lang="es-ES_tradnl" b="1" dirty="0" smtClean="0"/>
@@ -4367,33 +4413,83 @@
             </a:r>
             <a:r>
               <a:rPr lang="es-ES_tradnl" b="1" dirty="0" err="1" smtClean="0"/>
-              <a:t>languages</a:t>
+              <a:t>focus</a:t>
             </a:r>
             <a:r>
               <a:rPr lang="es-ES_tradnl" b="1" dirty="0" smtClean="0"/>
-              <a:t> are </a:t>
-            </a:r>
-            <a:r>
-              <a:rPr lang="es-ES_tradnl" b="1" dirty="0" err="1" smtClean="0"/>
-              <a:t>not</a:t>
-            </a:r>
-            <a:r>
-              <a:rPr lang="es-ES_tradnl" b="1" dirty="0" smtClean="0"/>
-              <a:t> new</a:t>
-            </a:r>
-            <a:endParaRPr lang="en-US" b="1" dirty="0" smtClean="0"/>
-          </a:p>
-          <a:p>
+              <a:t>:</a:t>
+            </a:r>
+          </a:p>
+          <a:p>
+            <a:pPr marL="53975" lvl="1" indent="0">
+              <a:buFont typeface="Arial" panose="020B0604020202020204" pitchFamily="34" charset="0"/>
+              <a:buNone/>
+            </a:pPr>
+            <a:endParaRPr lang="en-US" dirty="0" smtClean="0"/>
+          </a:p>
+          <a:p>
+            <a:pPr marL="225425" lvl="1" indent="-171450">
+              <a:buFont typeface="Arial" panose="020B0604020202020204" pitchFamily="34" charset="0"/>
+              <a:buChar char="•"/>
+            </a:pPr>
             <a:r>
               <a:rPr lang="en-US" dirty="0" smtClean="0"/>
-              <a:t>Lisp, Smalltalk have been around for a long time</a:t>
-            </a:r>
-          </a:p>
-          <a:p>
+              <a:t>We distinguish general-purpose dynamic languages from scripting and specialty languages.  Our </a:t>
+            </a:r>
+            <a:r>
+              <a:rPr lang="en-US" dirty="0" err="1" smtClean="0"/>
+              <a:t>focus:General</a:t>
+            </a:r>
             <a:r>
               <a:rPr lang="en-US" dirty="0" smtClean="0"/>
-              <a:t>Python has been around longer than Java (pre-1995)</a:t>
-            </a:r>
+              <a:t> purpose: Ruby, Groovy, </a:t>
+            </a:r>
+            <a:r>
+              <a:rPr lang="en-US" dirty="0" err="1" smtClean="0"/>
+              <a:t>Clojure</a:t>
+            </a:r>
+            <a:r>
+              <a:rPr lang="en-US" dirty="0" smtClean="0"/>
+              <a:t>, JavaScript, Python</a:t>
+            </a:r>
+          </a:p>
+          <a:p>
+            <a:pPr marL="225425" lvl="1" indent="-171450">
+              <a:buFont typeface="Arial" panose="020B0604020202020204" pitchFamily="34" charset="0"/>
+              <a:buChar char="•"/>
+            </a:pPr>
+            <a:r>
+              <a:rPr lang="en-US" dirty="0" smtClean="0"/>
+              <a:t>Web application: PHP </a:t>
+            </a:r>
+          </a:p>
+          <a:p>
+            <a:pPr marL="53975" lvl="1" indent="0">
+              <a:buNone/>
+            </a:pPr>
+            <a:endParaRPr lang="en-US" dirty="0" smtClean="0"/>
+          </a:p>
+          <a:p>
+            <a:pPr marL="53975" lvl="1" indent="0">
+              <a:buNone/>
+            </a:pPr>
+            <a:r>
+              <a:rPr lang="en-US" dirty="0" smtClean="0"/>
+              <a:t>We also include statically-typed functional languages which support the REPL style and achieve code conciseness through type inference</a:t>
+            </a:r>
+          </a:p>
+          <a:p>
+            <a:pPr marL="225425" lvl="1" indent="-171450">
+              <a:buFont typeface="Arial" panose="020B0604020202020204" pitchFamily="34" charset="0"/>
+              <a:buChar char="•"/>
+            </a:pPr>
+            <a:r>
+              <a:rPr lang="en-US" dirty="0" smtClean="0"/>
+              <a:t>Scala</a:t>
+            </a:r>
+          </a:p>
+          <a:p>
+            <a:endParaRPr lang="en-US" dirty="0" smtClean="0"/>
           </a:p>
           <a:p>
             <a:endParaRPr lang="en-US" dirty="0"/>
@@ -4427,7 +4523,7 @@
     </p:spTree>
     <p:extLst>
       <p:ext uri="{BB962C8B-B14F-4D97-AF65-F5344CB8AC3E}">
-        <p14:creationId xmlns:p14="http://schemas.microsoft.com/office/powerpoint/2010/main" val="1708257873"/>
+        <p14:creationId xmlns:p14="http://schemas.microsoft.com/office/powerpoint/2010/main" val="2078525466"/>
       </p:ext>
     </p:extLst>
   </p:cSld>
@@ -4503,7 +4599,65 @@
             </a:r>
             <a:r>
               <a:rPr lang="en-US" baseline="0" dirty="0" smtClean="0"/>
-              <a:t> – http://rubygems.org</a:t>
+              <a:t> – http://</a:t>
+            </a:r>
+            <a:r>
+              <a:rPr lang="en-US" baseline="0" dirty="0" smtClean="0"/>
+              <a:t>rubygems.org</a:t>
+            </a:r>
+          </a:p>
+          <a:p>
+            <a:r>
+              <a:rPr lang="es-ES_tradnl" baseline="0" dirty="0" err="1" smtClean="0"/>
+              <a:t>Extensive</a:t>
+            </a:r>
+            <a:r>
+              <a:rPr lang="es-ES_tradnl" baseline="0" dirty="0" smtClean="0"/>
+              <a:t> </a:t>
+            </a:r>
+            <a:r>
+              <a:rPr lang="es-ES_tradnl" baseline="0" dirty="0" err="1" smtClean="0"/>
+              <a:t>library</a:t>
+            </a:r>
+            <a:r>
+              <a:rPr lang="es-ES_tradnl" baseline="0" dirty="0" smtClean="0"/>
+              <a:t> </a:t>
+            </a:r>
+            <a:r>
+              <a:rPr lang="es-ES_tradnl" baseline="0" dirty="0" err="1" smtClean="0"/>
+              <a:t>via</a:t>
+            </a:r>
+            <a:r>
+              <a:rPr lang="es-ES_tradnl" baseline="0" dirty="0" smtClean="0"/>
+              <a:t> Ruby </a:t>
+            </a:r>
+            <a:r>
+              <a:rPr lang="es-ES_tradnl" baseline="0" dirty="0" err="1" smtClean="0"/>
+              <a:t>gems</a:t>
+            </a:r>
+            <a:r>
+              <a:rPr lang="es-ES_tradnl" baseline="0" dirty="0" smtClean="0"/>
+              <a:t>, </a:t>
+            </a:r>
+            <a:r>
+              <a:rPr lang="es-ES_tradnl" baseline="0" dirty="0" err="1" smtClean="0"/>
+              <a:t>which</a:t>
+            </a:r>
+            <a:r>
+              <a:rPr lang="es-ES_tradnl" baseline="0" dirty="0" smtClean="0"/>
+              <a:t> </a:t>
+            </a:r>
+            <a:r>
+              <a:rPr lang="es-ES_tradnl" baseline="0" dirty="0" err="1" smtClean="0"/>
+              <a:t>is</a:t>
+            </a:r>
+            <a:r>
+              <a:rPr lang="es-ES_tradnl" baseline="0" dirty="0" smtClean="0"/>
+              <a:t> </a:t>
+            </a:r>
+            <a:r>
+              <a:rPr lang="es-ES_tradnl" baseline="0" dirty="0" err="1" smtClean="0"/>
+              <a:t>great</a:t>
             </a:r>
             <a:endParaRPr lang="es-ES_tradnl" baseline="0" dirty="0" smtClean="0"/>
           </a:p>
@@ -5118,7 +5272,7 @@
   <p:timing>
     <p:tnLst>
       <p:par>
-        <p:cTn xmlns:p14="http://schemas.microsoft.com/office/powerpoint/2010/main" id="1" dur="indefinite" restart="never" nodeType="tmRoot"/>
+        <p:cTn id="1" dur="indefinite" restart="never" nodeType="tmRoot"/>
       </p:par>
     </p:tnLst>
   </p:timing>
@@ -5349,7 +5503,7 @@
   <p:timing>
     <p:tnLst>
       <p:par>
-        <p:cTn xmlns:p14="http://schemas.microsoft.com/office/powerpoint/2010/main" id="1" dur="indefinite" restart="never" nodeType="tmRoot"/>
+        <p:cTn id="1" dur="indefinite" restart="never" nodeType="tmRoot"/>
       </p:par>
     </p:tnLst>
   </p:timing>
@@ -5386,7 +5540,7 @@
   <p:timing>
     <p:tnLst>
       <p:par>
-        <p:cTn xmlns:p14="http://schemas.microsoft.com/office/powerpoint/2010/main" id="1" dur="indefinite" restart="never" nodeType="tmRoot"/>
+        <p:cTn id="1" dur="indefinite" restart="never" nodeType="tmRoot"/>
       </p:par>
     </p:tnLst>
   </p:timing>
@@ -5428,7 +5582,7 @@
   <p:timing>
     <p:tnLst>
       <p:par>
-        <p:cTn xmlns:p14="http://schemas.microsoft.com/office/powerpoint/2010/main" id="1" dur="indefinite" restart="never" nodeType="tmRoot"/>
+        <p:cTn id="1" dur="indefinite" restart="never" nodeType="tmRoot"/>
       </p:par>
     </p:tnLst>
   </p:timing>
@@ -5486,14 +5640,14 @@
           <a:effectLst/>
           <a:extLst>
             <a:ext uri="{909E8E84-426E-40dd-AFC4-6F175D3DCCD1}">
-              <a14:hiddenFill xmlns:a14="http://schemas.microsoft.com/office/drawing/2010/main">
+              <a14:hiddenFill xmlns:a14="http://schemas.microsoft.com/office/drawing/2010/main" xmlns="">
                 <a:solidFill>
                   <a:schemeClr val="accent1"/>
                 </a:solidFill>
               </a14:hiddenFill>
             </a:ext>
             <a:ext uri="{91240B29-F687-4f45-9708-019B960494DF}">
-              <a14:hiddenLine xmlns:a14="http://schemas.microsoft.com/office/drawing/2010/main" w="9525">
+              <a14:hiddenLine xmlns:a14="http://schemas.microsoft.com/office/drawing/2010/main" xmlns="" w="9525">
                 <a:solidFill>
                   <a:schemeClr val="tx1"/>
                 </a:solidFill>
@@ -5503,7 +5657,7 @@
               </a14:hiddenLine>
             </a:ext>
             <a:ext uri="{AF507438-7753-43e0-B8FC-AC1667EBCBE1}">
-              <a14:hiddenEffects xmlns:a14="http://schemas.microsoft.com/office/drawing/2010/main">
+              <a14:hiddenEffects xmlns:a14="http://schemas.microsoft.com/office/drawing/2010/main" xmlns="">
                 <a:effectLst>
                   <a:outerShdw dist="35921" dir="2700000" algn="ctr" rotWithShape="0">
                     <a:schemeClr val="bg2"/>
@@ -5577,14 +5731,14 @@
           </a:ln>
           <a:extLst>
             <a:ext uri="{909E8E84-426E-40dd-AFC4-6F175D3DCCD1}">
-              <a14:hiddenFill xmlns:a14="http://schemas.microsoft.com/office/drawing/2010/main">
+              <a14:hiddenFill xmlns:a14="http://schemas.microsoft.com/office/drawing/2010/main" xmlns="">
                 <a:solidFill>
                   <a:schemeClr val="accent1"/>
                 </a:solidFill>
               </a14:hiddenFill>
             </a:ext>
             <a:ext uri="{91240B29-F687-4f45-9708-019B960494DF}">
-              <a14:hiddenLine xmlns:a14="http://schemas.microsoft.com/office/drawing/2010/main" w="9525">
+              <a14:hiddenLine xmlns:a14="http://schemas.microsoft.com/office/drawing/2010/main" xmlns="" w="9525">
                 <a:solidFill>
                   <a:schemeClr val="tx1"/>
                 </a:solidFill>
@@ -5692,14 +5846,14 @@
           <a:effectLst/>
           <a:extLst>
             <a:ext uri="{909E8E84-426E-40dd-AFC4-6F175D3DCCD1}">
-              <a14:hiddenFill xmlns:a14="http://schemas.microsoft.com/office/drawing/2010/main">
+              <a14:hiddenFill xmlns:a14="http://schemas.microsoft.com/office/drawing/2010/main" xmlns="">
                 <a:solidFill>
                   <a:schemeClr val="accent1"/>
                 </a:solidFill>
               </a14:hiddenFill>
             </a:ext>
             <a:ext uri="{91240B29-F687-4f45-9708-019B960494DF}">
-              <a14:hiddenLine xmlns:a14="http://schemas.microsoft.com/office/drawing/2010/main" w="9525">
+              <a14:hiddenLine xmlns:a14="http://schemas.microsoft.com/office/drawing/2010/main" xmlns="" w="9525">
                 <a:solidFill>
                   <a:schemeClr val="tx1"/>
                 </a:solidFill>
@@ -5709,7 +5863,7 @@
               </a14:hiddenLine>
             </a:ext>
             <a:ext uri="{AF507438-7753-43e0-B8FC-AC1667EBCBE1}">
-              <a14:hiddenEffects xmlns:a14="http://schemas.microsoft.com/office/drawing/2010/main">
+              <a14:hiddenEffects xmlns:a14="http://schemas.microsoft.com/office/drawing/2010/main" xmlns="">
                 <a:effectLst>
                   <a:outerShdw dist="35921" dir="2700000" algn="ctr" rotWithShape="0">
                     <a:schemeClr val="bg2"/>
@@ -6018,7 +6172,7 @@
   <p:timing>
     <p:tnLst>
       <p:par>
-        <p:cTn xmlns:p14="http://schemas.microsoft.com/office/powerpoint/2010/main" id="1" dur="indefinite" restart="never" nodeType="tmRoot"/>
+        <p:cTn id="1" dur="indefinite" restart="never" nodeType="tmRoot"/>
       </p:par>
     </p:tnLst>
   </p:timing>
@@ -6417,7 +6571,7 @@
   <p:timing>
     <p:tnLst>
       <p:par>
-        <p:cTn xmlns:p14="http://schemas.microsoft.com/office/powerpoint/2010/main" id="1" dur="indefinite" restart="never" nodeType="tmRoot"/>
+        <p:cTn id="1" dur="indefinite" restart="never" nodeType="tmRoot"/>
       </p:par>
     </p:tnLst>
   </p:timing>
@@ -6595,7 +6749,7 @@
           <a:noFill/>
           <a:extLst>
             <a:ext uri="{909E8E84-426E-40dd-AFC4-6F175D3DCCD1}">
-              <a14:hiddenFill xmlns:a14="http://schemas.microsoft.com/office/drawing/2010/main">
+              <a14:hiddenFill xmlns:a14="http://schemas.microsoft.com/office/drawing/2010/main" xmlns="">
                 <a:solidFill>
                   <a:srgbClr val="FFFFFF"/>
                 </a:solidFill>
@@ -6625,7 +6779,7 @@
   <p:timing>
     <p:tnLst>
       <p:par>
-        <p:cTn xmlns:p14="http://schemas.microsoft.com/office/powerpoint/2010/main" id="1" dur="indefinite" restart="never" nodeType="tmRoot"/>
+        <p:cTn id="1" dur="indefinite" restart="never" nodeType="tmRoot"/>
       </p:par>
     </p:tnLst>
   </p:timing>
@@ -6702,24 +6856,34 @@
           <a:p>
             <a:pPr lvl="1"/>
             <a:r>
+              <a:rPr lang="en-US" dirty="0"/>
+              <a:t>Prototype-based object-oriented language with support for functional programming</a:t>
+            </a:r>
+            <a:endParaRPr lang="en-CA" dirty="0" smtClean="0"/>
+          </a:p>
+          <a:p>
+            <a:pPr lvl="1"/>
+            <a:r>
               <a:rPr lang="en-CA" dirty="0" smtClean="0"/>
-              <a:t>Interest in </a:t>
-            </a:r>
-            <a:r>
-              <a:rPr lang="en-CA" dirty="0" err="1" smtClean="0"/>
-              <a:t>Javascript</a:t>
+              <a:t>Interest </a:t>
             </a:r>
             <a:r>
               <a:rPr lang="en-CA" dirty="0" smtClean="0"/>
-              <a:t> boosted by Ajax and frameworks like jQuery</a:t>
-            </a:r>
-          </a:p>
-          <a:p>
-            <a:pPr lvl="1"/>
-            <a:r>
-              <a:rPr lang="en-US" dirty="0" smtClean="0"/>
-              <a:t>Prototype-based object-oriented language with support for functional programming</a:t>
-            </a:r>
+              <a:t>in </a:t>
+            </a:r>
+            <a:r>
+              <a:rPr lang="en-CA" dirty="0" smtClean="0"/>
+              <a:t>JavaScript was boosted </a:t>
+            </a:r>
+            <a:r>
+              <a:rPr lang="en-CA" dirty="0" smtClean="0"/>
+              <a:t>by Ajax and frameworks like </a:t>
+            </a:r>
+            <a:r>
+              <a:rPr lang="en-CA" dirty="0" smtClean="0"/>
+              <a:t>jQuery</a:t>
+            </a:r>
+            <a:endParaRPr lang="en-US" dirty="0" smtClean="0"/>
           </a:p>
           <a:p>
             <a:pPr lvl="1"/>
@@ -6804,7 +6968,7 @@
   <p:timing>
     <p:tnLst>
       <p:par>
-        <p:cTn xmlns:p14="http://schemas.microsoft.com/office/powerpoint/2010/main" id="1" dur="indefinite" restart="never" nodeType="tmRoot"/>
+        <p:cTn id="1" dur="indefinite" restart="never" nodeType="tmRoot"/>
       </p:par>
     </p:tnLst>
   </p:timing>
@@ -6996,7 +7160,7 @@
           <a:noFill/>
           <a:extLst>
             <a:ext uri="{909E8E84-426E-40dd-AFC4-6F175D3DCCD1}">
-              <a14:hiddenFill xmlns:a14="http://schemas.microsoft.com/office/drawing/2010/main">
+              <a14:hiddenFill xmlns:a14="http://schemas.microsoft.com/office/drawing/2010/main" xmlns="">
                 <a:solidFill>
                   <a:srgbClr val="FFFFFF"/>
                 </a:solidFill>
@@ -7026,7 +7190,7 @@
   <p:timing>
     <p:tnLst>
       <p:par>
-        <p:cTn xmlns:p14="http://schemas.microsoft.com/office/powerpoint/2010/main" id="1" dur="indefinite" restart="never" nodeType="tmRoot"/>
+        <p:cTn id="1" dur="indefinite" restart="never" nodeType="tmRoot"/>
       </p:par>
     </p:tnLst>
   </p:timing>
@@ -7067,7 +7231,7 @@
         </p:spPr>
         <p:txBody>
           <a:bodyPr>
-            <a:normAutofit lnSpcReduction="10000"/>
+            <a:normAutofit fontScale="92500" lnSpcReduction="10000"/>
           </a:bodyPr>
           <a:lstStyle/>
           <a:p>
@@ -7194,6 +7358,34 @@
             <a:r>
               <a:rPr lang="en-US" dirty="0" err="1" smtClean="0"/>
               <a:t>Typesafe</a:t>
+            </a:r>
+            <a:endParaRPr lang="en-US" dirty="0" smtClean="0"/>
+          </a:p>
+          <a:p>
+            <a:pPr lvl="1"/>
+            <a:r>
+              <a:rPr lang="es-ES_tradnl" dirty="0" err="1" smtClean="0"/>
+              <a:t>Akka</a:t>
+            </a:r>
+            <a:r>
+              <a:rPr lang="es-ES_tradnl" dirty="0" smtClean="0"/>
+              <a:t> and Play Framework are </a:t>
+            </a:r>
+            <a:r>
+              <a:rPr lang="es-ES_tradnl" dirty="0" err="1" smtClean="0"/>
+              <a:t>built</a:t>
+            </a:r>
+            <a:r>
+              <a:rPr lang="es-ES_tradnl" dirty="0" smtClean="0"/>
+              <a:t> </a:t>
+            </a:r>
+            <a:r>
+              <a:rPr lang="es-ES_tradnl" dirty="0" err="1" smtClean="0"/>
+              <a:t>on</a:t>
+            </a:r>
+            <a:r>
+              <a:rPr lang="es-ES_tradnl" dirty="0" smtClean="0"/>
+              <a:t> Scala</a:t>
             </a:r>
             <a:endParaRPr lang="en-US" dirty="0" smtClean="0"/>
           </a:p>
@@ -7254,7 +7446,7 @@
           <a:noFill/>
           <a:extLst>
             <a:ext uri="{909E8E84-426E-40dd-AFC4-6F175D3DCCD1}">
-              <a14:hiddenFill xmlns:a14="http://schemas.microsoft.com/office/drawing/2010/main">
+              <a14:hiddenFill xmlns:a14="http://schemas.microsoft.com/office/drawing/2010/main" xmlns="">
                 <a:solidFill>
                   <a:srgbClr val="FFFFFF"/>
                 </a:solidFill>
@@ -7284,7 +7476,7 @@
   <p:timing>
     <p:tnLst>
       <p:par>
-        <p:cTn xmlns:p14="http://schemas.microsoft.com/office/powerpoint/2010/main" id="1" dur="indefinite" restart="never" nodeType="tmRoot"/>
+        <p:cTn id="1" dur="indefinite" restart="never" nodeType="tmRoot"/>
       </p:par>
     </p:tnLst>
   </p:timing>
@@ -7292,7 +7484,7 @@
 </file>
 
 <file path=ppt/slides/slide14.xml><?xml version="1.0" encoding="utf-8"?>
-<p:sld xmlns:a="http://schemas.openxmlformats.org/drawingml/2006/main" xmlns:r="http://schemas.openxmlformats.org/officeDocument/2006/relationships" xmlns:p="http://schemas.openxmlformats.org/presentationml/2006/main">
+<p:sld xmlns:a="http://schemas.openxmlformats.org/drawingml/2006/main" xmlns:r="http://schemas.openxmlformats.org/officeDocument/2006/relationships" xmlns:p="http://schemas.openxmlformats.org/presentationml/2006/main" show="0">
   <p:cSld>
     <p:spTree>
       <p:nvGrpSpPr>
@@ -7518,7 +7710,7 @@
           <a:noFill/>
           <a:extLst>
             <a:ext uri="{909E8E84-426E-40dd-AFC4-6F175D3DCCD1}">
-              <a14:hiddenFill xmlns:a14="http://schemas.microsoft.com/office/drawing/2010/main">
+              <a14:hiddenFill xmlns:a14="http://schemas.microsoft.com/office/drawing/2010/main" xmlns="">
                 <a:solidFill>
                   <a:srgbClr val="FFFFFF"/>
                 </a:solidFill>
@@ -7537,18 +7729,18 @@
   <p:clrMapOvr>
     <a:masterClrMapping/>
   </p:clrMapOvr>
-  <mc:AlternateContent xmlns:mc="http://schemas.openxmlformats.org/markup-compatibility/2006" xmlns:p14="http://schemas.microsoft.com/office/powerpoint/2010/main">
-    <mc:Choice Requires="p14">
+  <mc:AlternateContent xmlns:mc="http://schemas.openxmlformats.org/markup-compatibility/2006">
+    <mc:Choice xmlns:p14="http://schemas.microsoft.com/office/powerpoint/2010/main" Requires="p14">
       <p:transition spd="slow" p14:dur="2000"/>
     </mc:Choice>
-    <mc:Fallback xmlns="">
+    <mc:Fallback>
       <p:transition spd="slow"/>
     </mc:Fallback>
   </mc:AlternateContent>
   <p:timing>
     <p:tnLst>
       <p:par>
-        <p:cTn xmlns:p14="http://schemas.microsoft.com/office/powerpoint/2010/main" id="1" dur="indefinite" restart="never" nodeType="tmRoot"/>
+        <p:cTn id="1" dur="indefinite" restart="never" nodeType="tmRoot"/>
       </p:par>
     </p:tnLst>
   </p:timing>
@@ -7838,7 +8030,7 @@
           <a:noFill/>
           <a:extLst>
             <a:ext uri="{909E8E84-426E-40dd-AFC4-6F175D3DCCD1}">
-              <a14:hiddenFill xmlns:a14="http://schemas.microsoft.com/office/drawing/2010/main">
+              <a14:hiddenFill xmlns:a14="http://schemas.microsoft.com/office/drawing/2010/main" xmlns="">
                 <a:solidFill>
                   <a:srgbClr val="FFFFFF"/>
                 </a:solidFill>
@@ -7868,7 +8060,7 @@
   <p:timing>
     <p:tnLst>
       <p:par>
-        <p:cTn xmlns:p14="http://schemas.microsoft.com/office/powerpoint/2010/main" id="1" dur="indefinite" restart="never" nodeType="tmRoot"/>
+        <p:cTn id="1" dur="indefinite" restart="never" nodeType="tmRoot"/>
       </p:par>
     </p:tnLst>
   </p:timing>
@@ -7901,7 +8093,7 @@
           <p:nvPr>
             <p:extLst>
               <p:ext uri="{D42A27DB-BD31-4B8C-83A1-F6EECF244321}">
-                <p14:modId xmlns:p14="http://schemas.microsoft.com/office/powerpoint/2010/main" val="283961508"/>
+                <p14:modId xmlns:p14="http://schemas.microsoft.com/office/powerpoint/2010/main" val="1607324889"/>
               </p:ext>
             </p:extLst>
           </p:nvPr>
@@ -7929,11 +8121,7 @@
                     <a:p>
                       <a:r>
                         <a:rPr lang="es-ES_tradnl" dirty="0" smtClean="0"/>
-                        <a:t>Ruby, </a:t>
-                      </a:r>
-                      <a:r>
-                        <a:rPr lang="es-ES_tradnl" dirty="0" err="1" smtClean="0"/>
-                        <a:t>Rails</a:t>
+                        <a:t>Ruby</a:t>
                       </a:r>
                       <a:endParaRPr lang="en-US" dirty="0"/>
                     </a:p>
@@ -7967,8 +8155,24 @@
                     <a:lstStyle/>
                     <a:p>
                       <a:r>
+                        <a:rPr lang="es-ES_tradnl" dirty="0" err="1" smtClean="0"/>
+                        <a:t>Rails</a:t>
+                      </a:r>
+                      <a:r>
                         <a:rPr lang="es-ES_tradnl" dirty="0" smtClean="0"/>
-                        <a:t>Chef, </a:t>
+                        <a:t>,</a:t>
+                      </a:r>
+                      <a:r>
+                        <a:rPr lang="es-ES_tradnl" baseline="0" dirty="0" smtClean="0"/>
+                        <a:t> </a:t>
+                      </a:r>
+                      <a:r>
+                        <a:rPr lang="es-ES_tradnl" dirty="0" smtClean="0"/>
+                        <a:t>Chef</a:t>
+                      </a:r>
+                      <a:r>
+                        <a:rPr lang="es-ES_tradnl" dirty="0" smtClean="0"/>
+                        <a:t>, </a:t>
                       </a:r>
                       <a:r>
                         <a:rPr lang="es-ES_tradnl" dirty="0" err="1" smtClean="0"/>
@@ -8580,7 +8784,7 @@
                     <a:p>
                       <a:r>
                         <a:rPr lang="es-ES_tradnl" dirty="0" smtClean="0"/>
-                        <a:t>Scala, Play</a:t>
+                        <a:t>Scala</a:t>
                       </a:r>
                       <a:endParaRPr lang="en-US" dirty="0"/>
                     </a:p>
@@ -8613,6 +8817,10 @@
                     <a:bodyPr/>
                     <a:lstStyle/>
                     <a:p>
+                      <a:r>
+                        <a:rPr lang="es-ES_tradnl" dirty="0" smtClean="0"/>
+                        <a:t>Play, </a:t>
+                      </a:r>
                       <a:r>
                         <a:rPr lang="es-ES_tradnl" dirty="0" err="1" smtClean="0"/>
                         <a:t>Akka</a:t>
@@ -8914,7 +9122,7 @@
   <p:timing>
     <p:tnLst>
       <p:par>
-        <p:cTn xmlns:p14="http://schemas.microsoft.com/office/powerpoint/2010/main" id="1" dur="indefinite" restart="never" nodeType="tmRoot"/>
+        <p:cTn id="1" dur="indefinite" restart="never" nodeType="tmRoot"/>
       </p:par>
     </p:tnLst>
   </p:timing>
@@ -8951,7 +9159,7 @@
         <p:spPr/>
         <p:txBody>
           <a:bodyPr>
-            <a:normAutofit lnSpcReduction="10000"/>
+            <a:normAutofit fontScale="92500" lnSpcReduction="10000"/>
           </a:bodyPr>
           <a:lstStyle/>
           <a:p>
@@ -8978,7 +9186,15 @@
             <a:pPr lvl="1"/>
             <a:r>
               <a:rPr lang="pt-BR" dirty="0" smtClean="0"/>
-              <a:t>Increased interest in browser-centric and asynchronous Web technologies</a:t>
+              <a:t>Increased interest in browser-centric and asynchronous </a:t>
+            </a:r>
+            <a:r>
+              <a:rPr lang="pt-BR" dirty="0" smtClean="0"/>
+              <a:t>web </a:t>
+            </a:r>
+            <a:r>
+              <a:rPr lang="pt-BR" dirty="0" smtClean="0"/>
+              <a:t>technologies</a:t>
             </a:r>
             <a:endParaRPr lang="en-US" dirty="0" smtClean="0"/>
           </a:p>
@@ -8993,7 +9209,22 @@
             <a:pPr lvl="1"/>
             <a:r>
               <a:rPr lang="en-US" dirty="0" smtClean="0"/>
-              <a:t>New generation of developers considers them more fun and exciting Growing support from industry analysts and thought leaders</a:t>
+              <a:t>New generation of developers considers them more fun and </a:t>
+            </a:r>
+            <a:r>
+              <a:rPr lang="en-US" dirty="0" smtClean="0"/>
+              <a:t>exciting</a:t>
+            </a:r>
+          </a:p>
+          <a:p>
+            <a:pPr lvl="1"/>
+            <a:r>
+              <a:rPr lang="en-US" dirty="0" smtClean="0"/>
+              <a:t>Growing </a:t>
+            </a:r>
+            <a:r>
+              <a:rPr lang="en-US" dirty="0" smtClean="0"/>
+              <a:t>support from industry analysts and thought leaders</a:t>
             </a:r>
           </a:p>
           <a:p>
@@ -9044,7 +9275,7 @@
   <p:timing>
     <p:tnLst>
       <p:par>
-        <p:cTn xmlns:p14="http://schemas.microsoft.com/office/powerpoint/2010/main" id="1" dur="indefinite" restart="never" nodeType="tmRoot"/>
+        <p:cTn id="1" dur="indefinite" restart="never" nodeType="tmRoot"/>
       </p:par>
     </p:tnLst>
   </p:timing>
@@ -9094,14 +9325,22 @@
             <a:pPr lvl="1"/>
             <a:r>
               <a:rPr lang="en-US" dirty="0" smtClean="0"/>
-              <a:t>Ruby, Python, JavaScript, and PHP are consistently ranked among the top 10 most popular languages by industry surveys</a:t>
+              <a:t>Ruby, Python, JavaScript, and PHP are consistently ranked among the top 10 most popular languages by industry </a:t>
+            </a:r>
+            <a:r>
+              <a:rPr lang="en-US" dirty="0" smtClean="0"/>
+              <a:t>surveys</a:t>
             </a:r>
           </a:p>
           <a:p>
             <a:pPr lvl="1"/>
             <a:r>
               <a:rPr lang="en-US" dirty="0" smtClean="0"/>
-              <a:t>Recent increase </a:t>
+              <a:t>Recent </a:t>
+            </a:r>
+            <a:r>
+              <a:rPr lang="en-US" dirty="0" smtClean="0"/>
+              <a:t>increase </a:t>
             </a:r>
             <a:r>
               <a:rPr lang="en-US" dirty="0"/>
@@ -9178,7 +9417,7 @@
   <p:timing>
     <p:tnLst>
       <p:par>
-        <p:cTn xmlns:p14="http://schemas.microsoft.com/office/powerpoint/2010/main" id="1" dur="indefinite" restart="never" nodeType="tmRoot"/>
+        <p:cTn id="1" dur="indefinite" restart="never" nodeType="tmRoot"/>
       </p:par>
     </p:tnLst>
   </p:timing>
@@ -9364,7 +9603,7 @@
   <p:timing>
     <p:tnLst>
       <p:par>
-        <p:cTn xmlns:p14="http://schemas.microsoft.com/office/powerpoint/2010/main" id="1" dur="indefinite" restart="never" nodeType="tmRoot"/>
+        <p:cTn id="1" dur="indefinite" restart="never" nodeType="tmRoot"/>
       </p:par>
     </p:tnLst>
   </p:timing>
@@ -9464,7 +9703,7 @@
   <p:timing>
     <p:tnLst>
       <p:par>
-        <p:cTn xmlns:p14="http://schemas.microsoft.com/office/powerpoint/2010/main" id="1" dur="indefinite" restart="never" nodeType="tmRoot"/>
+        <p:cTn id="1" dur="indefinite" restart="never" nodeType="tmRoot"/>
       </p:par>
     </p:tnLst>
   </p:timing>
@@ -9501,7 +9740,7 @@
         <p:spPr/>
         <p:txBody>
           <a:bodyPr>
-            <a:normAutofit/>
+            <a:normAutofit lnSpcReduction="10000"/>
           </a:bodyPr>
           <a:lstStyle/>
           <a:p>
@@ -9616,7 +9855,7 @@
   <p:timing>
     <p:tnLst>
       <p:par>
-        <p:cTn xmlns:p14="http://schemas.microsoft.com/office/powerpoint/2010/main" id="1" dur="indefinite" restart="never" nodeType="tmRoot"/>
+        <p:cTn id="1" dur="indefinite" restart="never" nodeType="tmRoot"/>
       </p:par>
     </p:tnLst>
   </p:timing>
@@ -9653,7 +9892,7 @@
         <p:spPr/>
         <p:txBody>
           <a:bodyPr>
-            <a:normAutofit fontScale="92500" lnSpcReduction="10000"/>
+            <a:normAutofit fontScale="92500"/>
           </a:bodyPr>
           <a:lstStyle/>
           <a:p>
@@ -9741,38 +9980,11 @@
             <a:pPr lvl="1"/>
             <a:r>
               <a:rPr lang="en-US" dirty="0" smtClean="0"/>
-              <a:t>Performance ranges from acceptable to excellent</a:t>
-            </a:r>
-          </a:p>
-          <a:p>
-            <a:pPr lvl="1"/>
-            <a:r>
-              <a:rPr lang="es-ES_tradnl" dirty="0" err="1" smtClean="0"/>
-              <a:t>Synergies</a:t>
-            </a:r>
-            <a:r>
-              <a:rPr lang="es-ES_tradnl" dirty="0" smtClean="0"/>
-              <a:t> </a:t>
-            </a:r>
-            <a:r>
-              <a:rPr lang="es-ES_tradnl" dirty="0" err="1" smtClean="0"/>
-              <a:t>with</a:t>
-            </a:r>
-            <a:r>
-              <a:rPr lang="es-ES_tradnl" dirty="0" smtClean="0"/>
-              <a:t> </a:t>
-            </a:r>
-            <a:r>
-              <a:rPr lang="es-ES_tradnl" dirty="0" err="1" smtClean="0"/>
-              <a:t>existing</a:t>
-            </a:r>
-            <a:r>
-              <a:rPr lang="es-ES_tradnl" dirty="0" smtClean="0"/>
-              <a:t> </a:t>
-            </a:r>
-            <a:r>
-              <a:rPr lang="es-ES_tradnl" dirty="0" err="1" smtClean="0"/>
-              <a:t>technologies</a:t>
+              <a:t>Performance ranges from acceptable to </a:t>
+            </a:r>
+            <a:r>
+              <a:rPr lang="en-US" dirty="0" smtClean="0"/>
+              <a:t>excellent</a:t>
             </a:r>
             <a:endParaRPr lang="en-US" dirty="0" smtClean="0"/>
           </a:p>
@@ -9822,7 +10034,7 @@
   <p:timing>
     <p:tnLst>
       <p:par>
-        <p:cTn xmlns:p14="http://schemas.microsoft.com/office/powerpoint/2010/main" id="1" dur="indefinite" restart="never" nodeType="tmRoot"/>
+        <p:cTn id="1" dur="indefinite" restart="never" nodeType="tmRoot"/>
       </p:par>
     </p:tnLst>
   </p:timing>
@@ -9952,7 +10164,7 @@
   <p:timing>
     <p:tnLst>
       <p:par>
-        <p:cTn xmlns:p14="http://schemas.microsoft.com/office/powerpoint/2010/main" id="1" dur="indefinite" restart="never" nodeType="tmRoot"/>
+        <p:cTn id="1" dur="indefinite" restart="never" nodeType="tmRoot"/>
       </p:par>
     </p:tnLst>
   </p:timing>
@@ -10079,7 +10291,7 @@
   <p:timing>
     <p:tnLst>
       <p:par>
-        <p:cTn xmlns:p14="http://schemas.microsoft.com/office/powerpoint/2010/main" id="1" dur="indefinite" restart="never" nodeType="tmRoot"/>
+        <p:cTn id="1" dur="indefinite" restart="never" nodeType="tmRoot"/>
       </p:par>
     </p:tnLst>
   </p:timing>
@@ -10197,7 +10409,7 @@
   <p:timing>
     <p:tnLst>
       <p:par>
-        <p:cTn xmlns:p14="http://schemas.microsoft.com/office/powerpoint/2010/main" id="1" dur="indefinite" restart="never" nodeType="tmRoot"/>
+        <p:cTn id="1" dur="indefinite" restart="never" nodeType="tmRoot"/>
       </p:par>
     </p:tnLst>
   </p:timing>
@@ -10267,7 +10479,19 @@
             </a:r>
             <a:r>
               <a:rPr lang="en-US" dirty="0" smtClean="0"/>
-              <a:t> support, </a:t>
+              <a:t> </a:t>
+            </a:r>
+            <a:r>
+              <a:rPr lang="en-US" dirty="0" smtClean="0"/>
+              <a:t>support from many of the largest </a:t>
+            </a:r>
+            <a:r>
+              <a:rPr lang="en-US" dirty="0" err="1" smtClean="0"/>
+              <a:t>PaaS</a:t>
+            </a:r>
+            <a:r>
+              <a:rPr lang="en-US" dirty="0" smtClean="0"/>
+              <a:t> providers, </a:t>
             </a:r>
             <a:r>
               <a:rPr lang="en-US" dirty="0"/>
@@ -10316,7 +10540,7 @@
   <p:timing>
     <p:tnLst>
       <p:par>
-        <p:cTn xmlns:p14="http://schemas.microsoft.com/office/powerpoint/2010/main" id="1" dur="indefinite" restart="never" nodeType="tmRoot"/>
+        <p:cTn id="1" dur="indefinite" restart="never" nodeType="tmRoot"/>
       </p:par>
     </p:tnLst>
   </p:timing>
@@ -10414,7 +10638,7 @@
   <p:timing>
     <p:tnLst>
       <p:par>
-        <p:cTn xmlns:p14="http://schemas.microsoft.com/office/powerpoint/2010/main" id="1" dur="indefinite" restart="never" nodeType="tmRoot"/>
+        <p:cTn id="1" dur="indefinite" restart="never" nodeType="tmRoot"/>
       </p:par>
     </p:tnLst>
   </p:timing>
@@ -10540,7 +10764,7 @@
   <p:timing>
     <p:tnLst>
       <p:par>
-        <p:cTn xmlns:p14="http://schemas.microsoft.com/office/powerpoint/2010/main" id="1" dur="indefinite" restart="never" nodeType="tmRoot"/>
+        <p:cTn id="1" dur="indefinite" restart="never" nodeType="tmRoot"/>
       </p:par>
     </p:tnLst>
   </p:timing>
@@ -10655,7 +10879,7 @@
   <p:timing>
     <p:tnLst>
       <p:par>
-        <p:cTn xmlns:p14="http://schemas.microsoft.com/office/powerpoint/2010/main" id="1" dur="indefinite" restart="never" nodeType="tmRoot"/>
+        <p:cTn id="1" dur="indefinite" restart="never" nodeType="tmRoot"/>
       </p:par>
     </p:tnLst>
   </p:timing>
@@ -10773,7 +10997,7 @@
   <p:timing>
     <p:tnLst>
       <p:par>
-        <p:cTn xmlns:p14="http://schemas.microsoft.com/office/powerpoint/2010/main" id="1" dur="indefinite" restart="never" nodeType="tmRoot"/>
+        <p:cTn id="1" dur="indefinite" restart="never" nodeType="tmRoot"/>
       </p:par>
     </p:tnLst>
   </p:timing>
@@ -11032,7 +11256,7 @@
           <a:noFill/>
           <a:extLst>
             <a:ext uri="{909E8E84-426E-40dd-AFC4-6F175D3DCCD1}">
-              <a14:hiddenFill xmlns:a14="http://schemas.microsoft.com/office/drawing/2010/main">
+              <a14:hiddenFill xmlns:a14="http://schemas.microsoft.com/office/drawing/2010/main" xmlns="">
                 <a:solidFill>
                   <a:srgbClr val="FFFFFF"/>
                 </a:solidFill>
@@ -11054,7 +11278,7 @@
   <p:timing>
     <p:tnLst>
       <p:par>
-        <p:cTn xmlns:p14="http://schemas.microsoft.com/office/powerpoint/2010/main" id="1" dur="indefinite" restart="never" nodeType="tmRoot"/>
+        <p:cTn id="1" dur="indefinite" restart="never" nodeType="tmRoot"/>
       </p:par>
     </p:tnLst>
   </p:timing>
@@ -11152,7 +11376,7 @@
   <p:timing>
     <p:tnLst>
       <p:par>
-        <p:cTn xmlns:p14="http://schemas.microsoft.com/office/powerpoint/2010/main" id="1" dur="indefinite" restart="never" nodeType="tmRoot"/>
+        <p:cTn id="1" dur="indefinite" restart="never" nodeType="tmRoot"/>
       </p:par>
     </p:tnLst>
   </p:timing>
@@ -11262,7 +11486,7 @@
   <p:timing>
     <p:tnLst>
       <p:par>
-        <p:cTn xmlns:p14="http://schemas.microsoft.com/office/powerpoint/2010/main" id="1" dur="indefinite" restart="never" nodeType="tmRoot"/>
+        <p:cTn id="1" dur="indefinite" restart="never" nodeType="tmRoot"/>
       </p:par>
     </p:tnLst>
   </p:timing>
@@ -11270,145 +11494,6 @@
 </file>
 
 <file path=ppt/slides/slide5.xml><?xml version="1.0" encoding="utf-8"?>
-<p:sld xmlns:a="http://schemas.openxmlformats.org/drawingml/2006/main" xmlns:r="http://schemas.openxmlformats.org/officeDocument/2006/relationships" xmlns:p="http://schemas.openxmlformats.org/presentationml/2006/main">
-  <p:cSld>
-    <p:spTree>
-      <p:nvGrpSpPr>
-        <p:cNvPr id="1" name=""/>
-        <p:cNvGrpSpPr/>
-        <p:nvPr/>
-      </p:nvGrpSpPr>
-      <p:grpSpPr>
-        <a:xfrm>
-          <a:off x="0" y="0"/>
-          <a:ext cx="0" cy="0"/>
-          <a:chOff x="0" y="0"/>
-          <a:chExt cx="0" cy="0"/>
-        </a:xfrm>
-      </p:grpSpPr>
-      <p:sp>
-        <p:nvSpPr>
-          <p:cNvPr id="3" name="Content Placeholder 2"/>
-          <p:cNvSpPr>
-            <a:spLocks noGrp="1"/>
-          </p:cNvSpPr>
-          <p:nvPr>
-            <p:ph sz="quarter" idx="12"/>
-          </p:nvPr>
-        </p:nvSpPr>
-        <p:spPr/>
-        <p:txBody>
-          <a:bodyPr>
-            <a:normAutofit/>
-          </a:bodyPr>
-          <a:lstStyle/>
-          <a:p>
-            <a:pPr marL="53975" lvl="1" indent="0">
-              <a:buNone/>
-            </a:pPr>
-            <a:r>
-              <a:rPr lang="en-US" dirty="0" smtClean="0"/>
-              <a:t>We distinguish general-purpose dynamic languages from scripting and specialty languages.  Our focus:</a:t>
-            </a:r>
-          </a:p>
-          <a:p>
-            <a:pPr lvl="1"/>
-            <a:r>
-              <a:rPr lang="en-US" dirty="0" smtClean="0"/>
-              <a:t>General purpose: Ruby, Groovy, </a:t>
-            </a:r>
-            <a:r>
-              <a:rPr lang="en-US" dirty="0" err="1" smtClean="0"/>
-              <a:t>Clojure</a:t>
-            </a:r>
-            <a:r>
-              <a:rPr lang="en-US" dirty="0" smtClean="0"/>
-              <a:t>, JavaScript, Python</a:t>
-            </a:r>
-          </a:p>
-          <a:p>
-            <a:pPr lvl="1"/>
-            <a:r>
-              <a:rPr lang="en-US" dirty="0" smtClean="0"/>
-              <a:t>Web application: PHP </a:t>
-            </a:r>
-          </a:p>
-          <a:p>
-            <a:pPr marL="53975" lvl="1" indent="0">
-              <a:buNone/>
-            </a:pPr>
-            <a:endParaRPr lang="en-US" dirty="0" smtClean="0"/>
-          </a:p>
-          <a:p>
-            <a:pPr marL="53975" lvl="1" indent="0">
-              <a:buNone/>
-            </a:pPr>
-            <a:r>
-              <a:rPr lang="en-US" dirty="0" smtClean="0"/>
-              <a:t>Also including statically-typed functional languages and frameworks which support the REPL style and achieve code conciseness through type inference</a:t>
-            </a:r>
-          </a:p>
-          <a:p>
-            <a:pPr lvl="1"/>
-            <a:r>
-              <a:rPr lang="en-US" dirty="0" err="1" smtClean="0"/>
-              <a:t>Scala</a:t>
-            </a:r>
-            <a:endParaRPr lang="en-US" dirty="0"/>
-          </a:p>
-          <a:p>
-            <a:pPr lvl="1"/>
-            <a:r>
-              <a:rPr lang="en-US" dirty="0" smtClean="0"/>
-              <a:t>Play framework</a:t>
-            </a:r>
-          </a:p>
-        </p:txBody>
-      </p:sp>
-      <p:sp>
-        <p:nvSpPr>
-          <p:cNvPr id="2" name="Title 1"/>
-          <p:cNvSpPr>
-            <a:spLocks noGrp="1"/>
-          </p:cNvSpPr>
-          <p:nvPr>
-            <p:ph type="title"/>
-          </p:nvPr>
-        </p:nvSpPr>
-        <p:spPr/>
-        <p:txBody>
-          <a:bodyPr/>
-          <a:lstStyle/>
-          <a:p>
-            <a:r>
-              <a:rPr lang="en-US" dirty="0" smtClean="0"/>
-              <a:t>Our Focus</a:t>
-            </a:r>
-            <a:endParaRPr lang="en-US" dirty="0"/>
-          </a:p>
-        </p:txBody>
-      </p:sp>
-    </p:spTree>
-    <p:extLst>
-      <p:ext uri="{BB962C8B-B14F-4D97-AF65-F5344CB8AC3E}">
-        <p14:creationId xmlns:p14="http://schemas.microsoft.com/office/powerpoint/2010/main" val="2874091644"/>
-      </p:ext>
-    </p:extLst>
-  </p:cSld>
-  <p:clrMapOvr>
-    <a:masterClrMapping/>
-  </p:clrMapOvr>
-  <p:timing>
-    <p:tnLst>
-      <p:par>
-        <p:cTn xmlns:p14="http://schemas.microsoft.com/office/powerpoint/2010/main" id="1" dur="indefinite" restart="never" nodeType="tmRoot"/>
-      </p:par>
-    </p:tnLst>
-  </p:timing>
-</p:sld>
-</file>
-
-<file path=ppt/slides/slide6.xml><?xml version="1.0" encoding="utf-8"?>
 <p:sld xmlns:a="http://schemas.openxmlformats.org/drawingml/2006/main" xmlns:r="http://schemas.openxmlformats.org/officeDocument/2006/relationships" xmlns:p="http://schemas.openxmlformats.org/presentationml/2006/main">
   <p:cSld>
     <p:spTree>
@@ -12171,7 +12256,7 @@
               <a:effectLst/>
               <a:extLst>
                 <a:ext uri="{91240B29-F687-4f45-9708-019B960494DF}">
-                  <a14:hiddenLine xmlns:a14="http://schemas.microsoft.com/office/drawing/2010/main" w="9525">
+                  <a14:hiddenLine xmlns:a14="http://schemas.microsoft.com/office/drawing/2010/main" xmlns="" w="9525">
                     <a:solidFill>
                       <a:schemeClr val="tx1"/>
                     </a:solidFill>
@@ -12181,7 +12266,7 @@
                   </a14:hiddenLine>
                 </a:ext>
                 <a:ext uri="{AF507438-7753-43e0-B8FC-AC1667EBCBE1}">
-                  <a14:hiddenEffects xmlns:a14="http://schemas.microsoft.com/office/drawing/2010/main">
+                  <a14:hiddenEffects xmlns:a14="http://schemas.microsoft.com/office/drawing/2010/main" xmlns="">
                     <a:effectLst>
                       <a:outerShdw dist="35921" dir="2700000" algn="ctr" rotWithShape="0">
                         <a:schemeClr val="bg2"/>
@@ -13440,7 +13525,7 @@
               <a:noFill/>
               <a:extLst>
                 <a:ext uri="{909E8E84-426E-40dd-AFC4-6F175D3DCCD1}">
-                  <a14:hiddenFill xmlns:a14="http://schemas.microsoft.com/office/drawing/2010/main">
+                  <a14:hiddenFill xmlns:a14="http://schemas.microsoft.com/office/drawing/2010/main" xmlns="">
                     <a:solidFill>
                       <a:srgbClr val="FFFFFF"/>
                     </a:solidFill>
@@ -13482,7 +13567,7 @@
             <a:noFill/>
             <a:extLst>
               <a:ext uri="{909E8E84-426E-40dd-AFC4-6F175D3DCCD1}">
-                <a14:hiddenFill xmlns:a14="http://schemas.microsoft.com/office/drawing/2010/main">
+                <a14:hiddenFill xmlns:a14="http://schemas.microsoft.com/office/drawing/2010/main" xmlns="">
                   <a:solidFill>
                     <a:srgbClr val="FFFFFF"/>
                   </a:solidFill>
@@ -13959,7 +14044,7 @@
               <a:effectLst/>
               <a:extLst>
                 <a:ext uri="{91240B29-F687-4f45-9708-019B960494DF}">
-                  <a14:hiddenLine xmlns:a14="http://schemas.microsoft.com/office/drawing/2010/main" w="9525">
+                  <a14:hiddenLine xmlns:a14="http://schemas.microsoft.com/office/drawing/2010/main" xmlns="" w="9525">
                     <a:solidFill>
                       <a:schemeClr val="tx1"/>
                     </a:solidFill>
@@ -13969,7 +14054,7 @@
                   </a14:hiddenLine>
                 </a:ext>
                 <a:ext uri="{AF507438-7753-43e0-B8FC-AC1667EBCBE1}">
-                  <a14:hiddenEffects xmlns:a14="http://schemas.microsoft.com/office/drawing/2010/main">
+                  <a14:hiddenEffects xmlns:a14="http://schemas.microsoft.com/office/drawing/2010/main" xmlns="">
                     <a:effectLst>
                       <a:outerShdw dist="35921" dir="2700000" algn="ctr" rotWithShape="0">
                         <a:schemeClr val="bg2"/>
@@ -14091,14 +14176,14 @@
               <a:effectLst/>
               <a:extLst>
                 <a:ext uri="{909E8E84-426E-40dd-AFC4-6F175D3DCCD1}">
-                  <a14:hiddenFill xmlns:a14="http://schemas.microsoft.com/office/drawing/2010/main">
+                  <a14:hiddenFill xmlns:a14="http://schemas.microsoft.com/office/drawing/2010/main" xmlns="">
                     <a:solidFill>
                       <a:schemeClr val="accent1"/>
                     </a:solidFill>
                   </a14:hiddenFill>
                 </a:ext>
                 <a:ext uri="{91240B29-F687-4f45-9708-019B960494DF}">
-                  <a14:hiddenLine xmlns:a14="http://schemas.microsoft.com/office/drawing/2010/main" w="9525">
+                  <a14:hiddenLine xmlns:a14="http://schemas.microsoft.com/office/drawing/2010/main" xmlns="" w="9525">
                     <a:solidFill>
                       <a:schemeClr val="tx1"/>
                     </a:solidFill>
@@ -14108,7 +14193,7 @@
                   </a14:hiddenLine>
                 </a:ext>
                 <a:ext uri="{AF507438-7753-43e0-B8FC-AC1667EBCBE1}">
-                  <a14:hiddenEffects xmlns:a14="http://schemas.microsoft.com/office/drawing/2010/main">
+                  <a14:hiddenEffects xmlns:a14="http://schemas.microsoft.com/office/drawing/2010/main" xmlns="">
                     <a:effectLst>
                       <a:outerShdw dist="35921" dir="2700000" algn="ctr" rotWithShape="0">
                         <a:schemeClr val="bg2"/>
@@ -14209,7 +14294,2746 @@
   <p:timing>
     <p:tnLst>
       <p:par>
-        <p:cTn xmlns:p14="http://schemas.microsoft.com/office/powerpoint/2010/main" id="1" dur="indefinite" restart="never" nodeType="tmRoot"/>
+        <p:cTn id="1" dur="indefinite" restart="never" nodeType="tmRoot"/>
+      </p:par>
+    </p:tnLst>
+  </p:timing>
+</p:sld>
+</file>
+
+<file path=ppt/slides/slide6.xml><?xml version="1.0" encoding="utf-8"?>
+<p:sld xmlns:a="http://schemas.openxmlformats.org/drawingml/2006/main" xmlns:r="http://schemas.openxmlformats.org/officeDocument/2006/relationships" xmlns:p="http://schemas.openxmlformats.org/presentationml/2006/main">
+  <p:cSld>
+    <p:spTree>
+      <p:nvGrpSpPr>
+        <p:cNvPr id="1" name=""/>
+        <p:cNvGrpSpPr/>
+        <p:nvPr/>
+      </p:nvGrpSpPr>
+      <p:grpSpPr>
+        <a:xfrm>
+          <a:off x="0" y="0"/>
+          <a:ext cx="0" cy="0"/>
+          <a:chOff x="0" y="0"/>
+          <a:chExt cx="0" cy="0"/>
+        </a:xfrm>
+      </p:grpSpPr>
+      <p:sp>
+        <p:nvSpPr>
+          <p:cNvPr id="30" name="Rounded Rectangle 29"/>
+          <p:cNvSpPr/>
+          <p:nvPr/>
+        </p:nvSpPr>
+        <p:spPr>
+          <a:xfrm>
+            <a:off x="5638540" y="3390583"/>
+            <a:ext cx="3074508" cy="1049799"/>
+          </a:xfrm>
+          <a:prstGeom prst="roundRect">
+            <a:avLst>
+              <a:gd name="adj" fmla="val 10000"/>
+            </a:avLst>
+          </a:prstGeom>
+          <a:solidFill>
+            <a:srgbClr val="000000">
+              <a:alpha val="90980"/>
+            </a:srgbClr>
+          </a:solidFill>
+        </p:spPr>
+        <p:style>
+          <a:lnRef idx="2">
+            <a:schemeClr val="lt1">
+              <a:hueOff val="0"/>
+              <a:satOff val="0"/>
+              <a:lumOff val="0"/>
+              <a:alphaOff val="0"/>
+            </a:schemeClr>
+          </a:lnRef>
+          <a:fillRef idx="1">
+            <a:schemeClr val="accent1">
+              <a:hueOff val="0"/>
+              <a:satOff val="0"/>
+              <a:lumOff val="0"/>
+              <a:alphaOff val="0"/>
+            </a:schemeClr>
+          </a:fillRef>
+          <a:effectRef idx="0">
+            <a:schemeClr val="accent1">
+              <a:hueOff val="0"/>
+              <a:satOff val="0"/>
+              <a:lumOff val="0"/>
+              <a:alphaOff val="0"/>
+            </a:schemeClr>
+          </a:effectRef>
+          <a:fontRef idx="minor">
+            <a:schemeClr val="lt1"/>
+          </a:fontRef>
+        </p:style>
+        <p:txBody>
+          <a:bodyPr/>
+          <a:lstStyle/>
+          <a:p>
+            <a:pPr fontAlgn="base">
+              <a:lnSpc>
+                <a:spcPct val="90000"/>
+              </a:lnSpc>
+              <a:spcBef>
+                <a:spcPct val="0"/>
+              </a:spcBef>
+              <a:spcAft>
+                <a:spcPct val="0"/>
+              </a:spcAft>
+            </a:pPr>
+            <a:r>
+              <a:rPr lang="en-US" sz="1400" dirty="0">
+                <a:solidFill>
+                  <a:srgbClr val="000000"/>
+                </a:solidFill>
+              </a:rPr>
+              <a:t>Language</a:t>
+            </a:r>
+            <a:endParaRPr lang="en-US" sz="1400" dirty="0">
+              <a:solidFill>
+                <a:srgbClr val="000000"/>
+              </a:solidFill>
+            </a:endParaRPr>
+          </a:p>
+        </p:txBody>
+      </p:sp>
+      <p:pic>
+        <p:nvPicPr>
+          <p:cNvPr id="21" name="Picture 20"/>
+          <p:cNvPicPr>
+            <a:picLocks noChangeAspect="1"/>
+          </p:cNvPicPr>
+          <p:nvPr/>
+        </p:nvPicPr>
+        <p:blipFill>
+          <a:blip r:embed="rId3"/>
+          <a:stretch>
+            <a:fillRect/>
+          </a:stretch>
+        </p:blipFill>
+        <p:spPr>
+          <a:xfrm>
+            <a:off x="5844928" y="5182315"/>
+            <a:ext cx="1048278" cy="391621"/>
+          </a:xfrm>
+          <a:prstGeom prst="rect">
+            <a:avLst/>
+          </a:prstGeom>
+        </p:spPr>
+      </p:pic>
+      <p:pic>
+        <p:nvPicPr>
+          <p:cNvPr id="28" name="Picture 27"/>
+          <p:cNvPicPr>
+            <a:picLocks noChangeAspect="1"/>
+          </p:cNvPicPr>
+          <p:nvPr/>
+        </p:nvPicPr>
+        <p:blipFill>
+          <a:blip r:embed="rId4"/>
+          <a:stretch>
+            <a:fillRect/>
+          </a:stretch>
+        </p:blipFill>
+        <p:spPr>
+          <a:xfrm>
+            <a:off x="7637016" y="2546547"/>
+            <a:ext cx="791455" cy="353346"/>
+          </a:xfrm>
+          <a:prstGeom prst="rect">
+            <a:avLst/>
+          </a:prstGeom>
+        </p:spPr>
+      </p:pic>
+      <p:pic>
+        <p:nvPicPr>
+          <p:cNvPr id="54" name="Picture 53"/>
+          <p:cNvPicPr>
+            <a:picLocks noChangeAspect="1"/>
+          </p:cNvPicPr>
+          <p:nvPr/>
+        </p:nvPicPr>
+        <p:blipFill>
+          <a:blip r:embed="rId5"/>
+          <a:stretch>
+            <a:fillRect/>
+          </a:stretch>
+        </p:blipFill>
+        <p:spPr>
+          <a:xfrm>
+            <a:off x="7489598" y="2099333"/>
+            <a:ext cx="1086289" cy="255213"/>
+          </a:xfrm>
+          <a:prstGeom prst="rect">
+            <a:avLst/>
+          </a:prstGeom>
+        </p:spPr>
+      </p:pic>
+      <p:grpSp>
+        <p:nvGrpSpPr>
+          <p:cNvPr id="18" name="Group 17"/>
+          <p:cNvGrpSpPr/>
+          <p:nvPr/>
+        </p:nvGrpSpPr>
+        <p:grpSpPr>
+          <a:xfrm>
+            <a:off x="556995" y="2115176"/>
+            <a:ext cx="771787" cy="823092"/>
+            <a:chOff x="-1761688" y="817673"/>
+            <a:chExt cx="771787" cy="823092"/>
+          </a:xfrm>
+          <a:solidFill>
+            <a:srgbClr val="000000">
+              <a:alpha val="87843"/>
+            </a:srgbClr>
+          </a:solidFill>
+        </p:grpSpPr>
+        <p:sp>
+          <p:nvSpPr>
+            <p:cNvPr id="43" name="Rounded Rectangle 42"/>
+            <p:cNvSpPr/>
+            <p:nvPr/>
+          </p:nvSpPr>
+          <p:spPr>
+            <a:xfrm>
+              <a:off x="-1761688" y="817673"/>
+              <a:ext cx="771787" cy="823092"/>
+            </a:xfrm>
+            <a:prstGeom prst="roundRect">
+              <a:avLst/>
+            </a:prstGeom>
+            <a:grpFill/>
+            <a:ln>
+              <a:noFill/>
+            </a:ln>
+          </p:spPr>
+          <p:style>
+            <a:lnRef idx="2">
+              <a:schemeClr val="accent1">
+                <a:shade val="50000"/>
+              </a:schemeClr>
+            </a:lnRef>
+            <a:fillRef idx="1">
+              <a:schemeClr val="accent1"/>
+            </a:fillRef>
+            <a:effectRef idx="0">
+              <a:schemeClr val="accent1"/>
+            </a:effectRef>
+            <a:fontRef idx="minor">
+              <a:schemeClr val="lt1"/>
+            </a:fontRef>
+          </p:style>
+          <p:txBody>
+            <a:bodyPr rtlCol="0" anchor="ctr"/>
+            <a:lstStyle/>
+            <a:p>
+              <a:pPr fontAlgn="base">
+                <a:lnSpc>
+                  <a:spcPct val="90000"/>
+                </a:lnSpc>
+                <a:spcBef>
+                  <a:spcPct val="0"/>
+                </a:spcBef>
+                <a:spcAft>
+                  <a:spcPct val="0"/>
+                </a:spcAft>
+              </a:pPr>
+              <a:endParaRPr lang="en-US" sz="1400">
+                <a:solidFill>
+                  <a:srgbClr val="FFFFFF"/>
+                </a:solidFill>
+              </a:endParaRPr>
+            </a:p>
+          </p:txBody>
+        </p:sp>
+        <p:pic>
+          <p:nvPicPr>
+            <p:cNvPr id="16" name="Picture 2"/>
+            <p:cNvPicPr>
+              <a:picLocks noChangeAspect="1" noChangeArrowheads="1"/>
+            </p:cNvPicPr>
+            <p:nvPr/>
+          </p:nvPicPr>
+          <p:blipFill>
+            <a:blip r:embed="rId6">
+              <a:extLst>
+                <a:ext uri="{28A0092B-C50C-407E-A947-70E740481C1C}">
+                  <a14:useLocalDpi xmlns:a14="http://schemas.microsoft.com/office/drawing/2010/main" val="0"/>
+                </a:ext>
+              </a:extLst>
+            </a:blip>
+            <a:srcRect/>
+            <a:stretch>
+              <a:fillRect/>
+            </a:stretch>
+          </p:blipFill>
+          <p:spPr bwMode="auto">
+            <a:xfrm>
+              <a:off x="-1621177" y="913516"/>
+              <a:ext cx="507947" cy="648071"/>
+            </a:xfrm>
+            <a:prstGeom prst="rect">
+              <a:avLst/>
+            </a:prstGeom>
+            <a:grpFill/>
+            <a:ln>
+              <a:noFill/>
+            </a:ln>
+            <a:effectLst/>
+            <a:extLst>
+              <a:ext uri="{91240B29-F687-4f45-9708-019B960494DF}">
+                <a14:hiddenLine xmlns:a14="http://schemas.microsoft.com/office/drawing/2010/main" xmlns="" w="9525">
+                  <a:solidFill>
+                    <a:schemeClr val="tx1"/>
+                  </a:solidFill>
+                  <a:miter lim="800000"/>
+                  <a:headEnd/>
+                  <a:tailEnd/>
+                </a14:hiddenLine>
+              </a:ext>
+              <a:ext uri="{AF507438-7753-43e0-B8FC-AC1667EBCBE1}">
+                <a14:hiddenEffects xmlns:a14="http://schemas.microsoft.com/office/drawing/2010/main" xmlns="">
+                  <a:effectLst>
+                    <a:outerShdw dist="35921" dir="2700000" algn="ctr" rotWithShape="0">
+                      <a:schemeClr val="bg2"/>
+                    </a:outerShdw>
+                  </a:effectLst>
+                </a14:hiddenEffects>
+              </a:ext>
+            </a:extLst>
+          </p:spPr>
+        </p:pic>
+      </p:grpSp>
+      <p:grpSp>
+        <p:nvGrpSpPr>
+          <p:cNvPr id="31" name="Group 30"/>
+          <p:cNvGrpSpPr/>
+          <p:nvPr/>
+        </p:nvGrpSpPr>
+        <p:grpSpPr>
+          <a:xfrm>
+            <a:off x="1405824" y="2551376"/>
+            <a:ext cx="1141954" cy="548736"/>
+            <a:chOff x="-1796475" y="245034"/>
+            <a:chExt cx="1141954" cy="548736"/>
+          </a:xfrm>
+          <a:solidFill>
+            <a:srgbClr val="000000">
+              <a:alpha val="87843"/>
+            </a:srgbClr>
+          </a:solidFill>
+        </p:grpSpPr>
+        <p:sp>
+          <p:nvSpPr>
+            <p:cNvPr id="45" name="Rounded Rectangle 44"/>
+            <p:cNvSpPr/>
+            <p:nvPr/>
+          </p:nvSpPr>
+          <p:spPr>
+            <a:xfrm>
+              <a:off x="-1796475" y="245034"/>
+              <a:ext cx="1141954" cy="548736"/>
+            </a:xfrm>
+            <a:prstGeom prst="roundRect">
+              <a:avLst/>
+            </a:prstGeom>
+            <a:grpFill/>
+            <a:ln>
+              <a:noFill/>
+            </a:ln>
+          </p:spPr>
+          <p:style>
+            <a:lnRef idx="2">
+              <a:schemeClr val="accent1">
+                <a:shade val="50000"/>
+              </a:schemeClr>
+            </a:lnRef>
+            <a:fillRef idx="1">
+              <a:schemeClr val="accent1"/>
+            </a:fillRef>
+            <a:effectRef idx="0">
+              <a:schemeClr val="accent1"/>
+            </a:effectRef>
+            <a:fontRef idx="minor">
+              <a:schemeClr val="lt1"/>
+            </a:fontRef>
+          </p:style>
+          <p:txBody>
+            <a:bodyPr rtlCol="0" anchor="ctr"/>
+            <a:lstStyle/>
+            <a:p>
+              <a:pPr fontAlgn="base">
+                <a:lnSpc>
+                  <a:spcPct val="90000"/>
+                </a:lnSpc>
+                <a:spcBef>
+                  <a:spcPct val="0"/>
+                </a:spcBef>
+                <a:spcAft>
+                  <a:spcPct val="0"/>
+                </a:spcAft>
+              </a:pPr>
+              <a:endParaRPr lang="en-US" sz="1400">
+                <a:solidFill>
+                  <a:srgbClr val="FFFFFF"/>
+                </a:solidFill>
+              </a:endParaRPr>
+            </a:p>
+          </p:txBody>
+        </p:sp>
+        <p:pic>
+          <p:nvPicPr>
+            <p:cNvPr id="24" name="Picture 23"/>
+            <p:cNvPicPr>
+              <a:picLocks noChangeAspect="1"/>
+            </p:cNvPicPr>
+            <p:nvPr/>
+          </p:nvPicPr>
+          <p:blipFill>
+            <a:blip r:embed="rId7"/>
+            <a:stretch>
+              <a:fillRect/>
+            </a:stretch>
+          </p:blipFill>
+          <p:spPr>
+            <a:xfrm>
+              <a:off x="-1652702" y="331193"/>
+              <a:ext cx="854409" cy="376418"/>
+            </a:xfrm>
+            <a:prstGeom prst="rect">
+              <a:avLst/>
+            </a:prstGeom>
+            <a:grpFill/>
+          </p:spPr>
+        </p:pic>
+      </p:grpSp>
+      <p:grpSp>
+        <p:nvGrpSpPr>
+          <p:cNvPr id="5" name="Group 4"/>
+          <p:cNvGrpSpPr/>
+          <p:nvPr/>
+        </p:nvGrpSpPr>
+        <p:grpSpPr>
+          <a:xfrm>
+            <a:off x="1405824" y="1998088"/>
+            <a:ext cx="1251053" cy="509173"/>
+            <a:chOff x="-1928322" y="1301190"/>
+            <a:chExt cx="1489831" cy="621421"/>
+          </a:xfrm>
+          <a:solidFill>
+            <a:srgbClr val="000000">
+              <a:alpha val="87843"/>
+            </a:srgbClr>
+          </a:solidFill>
+        </p:grpSpPr>
+        <p:sp>
+          <p:nvSpPr>
+            <p:cNvPr id="38" name="Rounded Rectangle 37"/>
+            <p:cNvSpPr/>
+            <p:nvPr/>
+          </p:nvSpPr>
+          <p:spPr>
+            <a:xfrm>
+              <a:off x="-1928322" y="1301190"/>
+              <a:ext cx="1489831" cy="621421"/>
+            </a:xfrm>
+            <a:prstGeom prst="roundRect">
+              <a:avLst/>
+            </a:prstGeom>
+            <a:grpFill/>
+            <a:ln>
+              <a:noFill/>
+            </a:ln>
+          </p:spPr>
+          <p:style>
+            <a:lnRef idx="2">
+              <a:schemeClr val="accent1">
+                <a:shade val="50000"/>
+              </a:schemeClr>
+            </a:lnRef>
+            <a:fillRef idx="1">
+              <a:schemeClr val="accent1"/>
+            </a:fillRef>
+            <a:effectRef idx="0">
+              <a:schemeClr val="accent1"/>
+            </a:effectRef>
+            <a:fontRef idx="minor">
+              <a:schemeClr val="lt1"/>
+            </a:fontRef>
+          </p:style>
+          <p:txBody>
+            <a:bodyPr rtlCol="0" anchor="ctr"/>
+            <a:lstStyle/>
+            <a:p>
+              <a:pPr fontAlgn="base">
+                <a:lnSpc>
+                  <a:spcPct val="90000"/>
+                </a:lnSpc>
+                <a:spcBef>
+                  <a:spcPct val="0"/>
+                </a:spcBef>
+                <a:spcAft>
+                  <a:spcPct val="0"/>
+                </a:spcAft>
+              </a:pPr>
+              <a:endParaRPr lang="en-US" sz="1400">
+                <a:solidFill>
+                  <a:srgbClr val="FFFFFF"/>
+                </a:solidFill>
+              </a:endParaRPr>
+            </a:p>
+          </p:txBody>
+        </p:sp>
+        <p:pic>
+          <p:nvPicPr>
+            <p:cNvPr id="55" name="Picture 54"/>
+            <p:cNvPicPr>
+              <a:picLocks noChangeAspect="1"/>
+            </p:cNvPicPr>
+            <p:nvPr/>
+          </p:nvPicPr>
+          <p:blipFill>
+            <a:blip r:embed="rId8"/>
+            <a:stretch>
+              <a:fillRect/>
+            </a:stretch>
+          </p:blipFill>
+          <p:spPr>
+            <a:xfrm>
+              <a:off x="-1759524" y="1432912"/>
+              <a:ext cx="1152234" cy="357975"/>
+            </a:xfrm>
+            <a:prstGeom prst="rect">
+              <a:avLst/>
+            </a:prstGeom>
+            <a:grpFill/>
+          </p:spPr>
+        </p:pic>
+      </p:grpSp>
+      <p:sp>
+        <p:nvSpPr>
+          <p:cNvPr id="42" name="Rounded Rectangle 41"/>
+          <p:cNvSpPr/>
+          <p:nvPr/>
+        </p:nvSpPr>
+        <p:spPr>
+          <a:xfrm>
+            <a:off x="427983" y="1420684"/>
+            <a:ext cx="2290500" cy="1887842"/>
+          </a:xfrm>
+          <a:prstGeom prst="roundRect">
+            <a:avLst>
+              <a:gd name="adj" fmla="val 10000"/>
+            </a:avLst>
+          </a:prstGeom>
+          <a:solidFill>
+            <a:srgbClr val="000000">
+              <a:alpha val="90980"/>
+            </a:srgbClr>
+          </a:solidFill>
+        </p:spPr>
+        <p:style>
+          <a:lnRef idx="2">
+            <a:schemeClr val="lt1">
+              <a:hueOff val="0"/>
+              <a:satOff val="0"/>
+              <a:lumOff val="0"/>
+              <a:alphaOff val="0"/>
+            </a:schemeClr>
+          </a:lnRef>
+          <a:fillRef idx="1">
+            <a:schemeClr val="accent1">
+              <a:hueOff val="0"/>
+              <a:satOff val="0"/>
+              <a:lumOff val="0"/>
+              <a:alphaOff val="0"/>
+            </a:schemeClr>
+          </a:fillRef>
+          <a:effectRef idx="0">
+            <a:schemeClr val="accent1">
+              <a:hueOff val="0"/>
+              <a:satOff val="0"/>
+              <a:lumOff val="0"/>
+              <a:alphaOff val="0"/>
+            </a:schemeClr>
+          </a:effectRef>
+          <a:fontRef idx="minor">
+            <a:schemeClr val="lt1"/>
+          </a:fontRef>
+        </p:style>
+        <p:txBody>
+          <a:bodyPr/>
+          <a:lstStyle/>
+          <a:p>
+            <a:pPr fontAlgn="base">
+              <a:lnSpc>
+                <a:spcPct val="90000"/>
+              </a:lnSpc>
+              <a:spcBef>
+                <a:spcPct val="0"/>
+              </a:spcBef>
+              <a:spcAft>
+                <a:spcPct val="0"/>
+              </a:spcAft>
+            </a:pPr>
+            <a:r>
+              <a:rPr lang="en-US" sz="1400" dirty="0" smtClean="0">
+                <a:solidFill>
+                  <a:srgbClr val="000000"/>
+                </a:solidFill>
+              </a:rPr>
+              <a:t>Framework</a:t>
+            </a:r>
+            <a:endParaRPr lang="en-US" sz="1400" dirty="0">
+              <a:solidFill>
+                <a:srgbClr val="000000"/>
+              </a:solidFill>
+            </a:endParaRPr>
+          </a:p>
+        </p:txBody>
+      </p:sp>
+      <p:sp>
+        <p:nvSpPr>
+          <p:cNvPr id="56" name="Rounded Rectangle 55"/>
+          <p:cNvSpPr/>
+          <p:nvPr/>
+        </p:nvSpPr>
+        <p:spPr>
+          <a:xfrm>
+            <a:off x="422686" y="5889072"/>
+            <a:ext cx="8290362" cy="564264"/>
+          </a:xfrm>
+          <a:prstGeom prst="roundRect">
+            <a:avLst>
+              <a:gd name="adj" fmla="val 10000"/>
+            </a:avLst>
+          </a:prstGeom>
+          <a:solidFill>
+            <a:srgbClr val="003344"/>
+          </a:solidFill>
+        </p:spPr>
+        <p:style>
+          <a:lnRef idx="2">
+            <a:schemeClr val="lt1">
+              <a:hueOff val="0"/>
+              <a:satOff val="0"/>
+              <a:lumOff val="0"/>
+              <a:alphaOff val="0"/>
+            </a:schemeClr>
+          </a:lnRef>
+          <a:fillRef idx="1">
+            <a:schemeClr val="accent1">
+              <a:hueOff val="0"/>
+              <a:satOff val="0"/>
+              <a:lumOff val="0"/>
+              <a:alphaOff val="0"/>
+            </a:schemeClr>
+          </a:fillRef>
+          <a:effectRef idx="0">
+            <a:schemeClr val="accent1">
+              <a:hueOff val="0"/>
+              <a:satOff val="0"/>
+              <a:lumOff val="0"/>
+              <a:alphaOff val="0"/>
+            </a:schemeClr>
+          </a:effectRef>
+          <a:fontRef idx="minor">
+            <a:schemeClr val="lt1"/>
+          </a:fontRef>
+        </p:style>
+        <p:txBody>
+          <a:bodyPr anchor="ctr"/>
+          <a:lstStyle/>
+          <a:p>
+            <a:pPr algn="ctr" fontAlgn="base">
+              <a:lnSpc>
+                <a:spcPct val="90000"/>
+              </a:lnSpc>
+              <a:spcBef>
+                <a:spcPct val="0"/>
+              </a:spcBef>
+              <a:spcAft>
+                <a:spcPct val="0"/>
+              </a:spcAft>
+            </a:pPr>
+            <a:r>
+              <a:rPr lang="en-US" sz="1400" b="1" dirty="0" smtClean="0">
+                <a:solidFill>
+                  <a:srgbClr val="FFFFFF"/>
+                </a:solidFill>
+              </a:rPr>
+              <a:t>OS (Unix, Linux, Windows, </a:t>
+            </a:r>
+            <a:r>
+              <a:rPr lang="en-US" sz="1400" b="1" dirty="0" err="1" smtClean="0">
+                <a:solidFill>
+                  <a:srgbClr val="FFFFFF"/>
+                </a:solidFill>
+              </a:rPr>
+              <a:t>iOS</a:t>
+            </a:r>
+            <a:r>
+              <a:rPr lang="en-US" sz="1400" b="1" dirty="0" smtClean="0">
+                <a:solidFill>
+                  <a:srgbClr val="FFFFFF"/>
+                </a:solidFill>
+              </a:rPr>
+              <a:t>)</a:t>
+            </a:r>
+            <a:endParaRPr lang="en-US" sz="1400" b="1" dirty="0">
+              <a:solidFill>
+                <a:srgbClr val="FFFFFF"/>
+              </a:solidFill>
+            </a:endParaRPr>
+          </a:p>
+        </p:txBody>
+      </p:sp>
+      <p:pic>
+        <p:nvPicPr>
+          <p:cNvPr id="2" name="Picture 1"/>
+          <p:cNvPicPr>
+            <a:picLocks noChangeAspect="1"/>
+          </p:cNvPicPr>
+          <p:nvPr/>
+        </p:nvPicPr>
+        <p:blipFill>
+          <a:blip r:embed="rId9"/>
+          <a:stretch>
+            <a:fillRect/>
+          </a:stretch>
+        </p:blipFill>
+        <p:spPr>
+          <a:xfrm>
+            <a:off x="6582327" y="3704220"/>
+            <a:ext cx="1004140" cy="562350"/>
+          </a:xfrm>
+          <a:prstGeom prst="rect">
+            <a:avLst/>
+          </a:prstGeom>
+        </p:spPr>
+      </p:pic>
+      <p:sp>
+        <p:nvSpPr>
+          <p:cNvPr id="52" name="Rounded Rectangle 4"/>
+          <p:cNvSpPr/>
+          <p:nvPr/>
+        </p:nvSpPr>
+        <p:spPr>
+          <a:xfrm>
+            <a:off x="7350707" y="5224762"/>
+            <a:ext cx="1263627" cy="349174"/>
+          </a:xfrm>
+          <a:prstGeom prst="rect">
+            <a:avLst/>
+          </a:prstGeom>
+          <a:solidFill>
+            <a:srgbClr val="00B050"/>
+          </a:solidFill>
+        </p:spPr>
+        <p:style>
+          <a:lnRef idx="0">
+            <a:scrgbClr r="0" g="0" b="0"/>
+          </a:lnRef>
+          <a:fillRef idx="0">
+            <a:scrgbClr r="0" g="0" b="0"/>
+          </a:fillRef>
+          <a:effectRef idx="0">
+            <a:scrgbClr r="0" g="0" b="0"/>
+          </a:effectRef>
+          <a:fontRef idx="minor">
+            <a:schemeClr val="lt1"/>
+          </a:fontRef>
+        </p:style>
+        <p:txBody>
+          <a:bodyPr spcFirstLastPara="0" vert="horz" wrap="square" lIns="0" tIns="247650" rIns="0" bIns="247650" numCol="1" spcCol="1270" anchor="ctr" anchorCtr="0">
+            <a:noAutofit/>
+          </a:bodyPr>
+          <a:lstStyle/>
+          <a:p>
+            <a:pPr algn="ctr" defTabSz="2889250" fontAlgn="base">
+              <a:lnSpc>
+                <a:spcPct val="90000"/>
+              </a:lnSpc>
+              <a:spcBef>
+                <a:spcPct val="0"/>
+              </a:spcBef>
+              <a:spcAft>
+                <a:spcPct val="35000"/>
+              </a:spcAft>
+            </a:pPr>
+            <a:r>
+              <a:rPr lang="en-US" sz="1600" b="1" dirty="0" smtClean="0">
+                <a:solidFill>
+                  <a:srgbClr val="FFFFFF"/>
+                </a:solidFill>
+              </a:rPr>
+              <a:t>Browser</a:t>
+            </a:r>
+            <a:endParaRPr lang="en-US" sz="1600" b="1" dirty="0">
+              <a:solidFill>
+                <a:srgbClr val="FFFFFF"/>
+              </a:solidFill>
+            </a:endParaRPr>
+          </a:p>
+        </p:txBody>
+      </p:sp>
+      <p:grpSp>
+        <p:nvGrpSpPr>
+          <p:cNvPr id="48" name="Group 47"/>
+          <p:cNvGrpSpPr/>
+          <p:nvPr/>
+        </p:nvGrpSpPr>
+        <p:grpSpPr>
+          <a:xfrm>
+            <a:off x="2939310" y="1930987"/>
+            <a:ext cx="1224793" cy="609773"/>
+            <a:chOff x="-2175883" y="3127397"/>
+            <a:chExt cx="1224793" cy="609773"/>
+          </a:xfrm>
+          <a:solidFill>
+            <a:schemeClr val="accent6">
+              <a:lumMod val="60000"/>
+              <a:lumOff val="40000"/>
+            </a:schemeClr>
+          </a:solidFill>
+        </p:grpSpPr>
+        <p:sp>
+          <p:nvSpPr>
+            <p:cNvPr id="68" name="Rounded Rectangle 67"/>
+            <p:cNvSpPr/>
+            <p:nvPr/>
+          </p:nvSpPr>
+          <p:spPr>
+            <a:xfrm>
+              <a:off x="-2175883" y="3127397"/>
+              <a:ext cx="1224793" cy="609773"/>
+            </a:xfrm>
+            <a:prstGeom prst="roundRect">
+              <a:avLst/>
+            </a:prstGeom>
+            <a:grpFill/>
+            <a:ln>
+              <a:noFill/>
+            </a:ln>
+          </p:spPr>
+          <p:style>
+            <a:lnRef idx="2">
+              <a:schemeClr val="accent1">
+                <a:shade val="50000"/>
+              </a:schemeClr>
+            </a:lnRef>
+            <a:fillRef idx="1">
+              <a:schemeClr val="accent1"/>
+            </a:fillRef>
+            <a:effectRef idx="0">
+              <a:schemeClr val="accent1"/>
+            </a:effectRef>
+            <a:fontRef idx="minor">
+              <a:schemeClr val="lt1"/>
+            </a:fontRef>
+          </p:style>
+          <p:txBody>
+            <a:bodyPr rtlCol="0" anchor="ctr"/>
+            <a:lstStyle/>
+            <a:p>
+              <a:pPr fontAlgn="base">
+                <a:lnSpc>
+                  <a:spcPct val="90000"/>
+                </a:lnSpc>
+                <a:spcBef>
+                  <a:spcPct val="0"/>
+                </a:spcBef>
+                <a:spcAft>
+                  <a:spcPct val="0"/>
+                </a:spcAft>
+              </a:pPr>
+              <a:endParaRPr lang="en-US" sz="1400">
+                <a:solidFill>
+                  <a:srgbClr val="FFFFFF"/>
+                </a:solidFill>
+              </a:endParaRPr>
+            </a:p>
+          </p:txBody>
+        </p:sp>
+        <p:pic>
+          <p:nvPicPr>
+            <p:cNvPr id="10" name="Picture 9"/>
+            <p:cNvPicPr>
+              <a:picLocks noChangeAspect="1"/>
+            </p:cNvPicPr>
+            <p:nvPr/>
+          </p:nvPicPr>
+          <p:blipFill>
+            <a:blip r:embed="rId10"/>
+            <a:stretch>
+              <a:fillRect/>
+            </a:stretch>
+          </p:blipFill>
+          <p:spPr>
+            <a:xfrm>
+              <a:off x="-2116805" y="3219588"/>
+              <a:ext cx="1106636" cy="425391"/>
+            </a:xfrm>
+            <a:prstGeom prst="rect">
+              <a:avLst/>
+            </a:prstGeom>
+            <a:grpFill/>
+          </p:spPr>
+        </p:pic>
+      </p:grpSp>
+      <p:grpSp>
+        <p:nvGrpSpPr>
+          <p:cNvPr id="76" name="Group 75"/>
+          <p:cNvGrpSpPr/>
+          <p:nvPr/>
+        </p:nvGrpSpPr>
+        <p:grpSpPr>
+          <a:xfrm>
+            <a:off x="2970089" y="2643411"/>
+            <a:ext cx="1325348" cy="521634"/>
+            <a:chOff x="-1643472" y="1624298"/>
+            <a:chExt cx="1325348" cy="521634"/>
+          </a:xfrm>
+        </p:grpSpPr>
+        <p:sp>
+          <p:nvSpPr>
+            <p:cNvPr id="70" name="Rounded Rectangle 69"/>
+            <p:cNvSpPr/>
+            <p:nvPr/>
+          </p:nvSpPr>
+          <p:spPr>
+            <a:xfrm>
+              <a:off x="-1643472" y="1624298"/>
+              <a:ext cx="1325348" cy="521634"/>
+            </a:xfrm>
+            <a:prstGeom prst="roundRect">
+              <a:avLst/>
+            </a:prstGeom>
+            <a:solidFill>
+              <a:srgbClr val="FDFABB"/>
+            </a:solidFill>
+            <a:ln>
+              <a:noFill/>
+            </a:ln>
+          </p:spPr>
+          <p:style>
+            <a:lnRef idx="2">
+              <a:schemeClr val="accent1">
+                <a:shade val="50000"/>
+              </a:schemeClr>
+            </a:lnRef>
+            <a:fillRef idx="1">
+              <a:schemeClr val="accent1"/>
+            </a:fillRef>
+            <a:effectRef idx="0">
+              <a:schemeClr val="accent1"/>
+            </a:effectRef>
+            <a:fontRef idx="minor">
+              <a:schemeClr val="lt1"/>
+            </a:fontRef>
+          </p:style>
+          <p:txBody>
+            <a:bodyPr rtlCol="0" anchor="ctr"/>
+            <a:lstStyle/>
+            <a:p>
+              <a:pPr fontAlgn="base">
+                <a:lnSpc>
+                  <a:spcPct val="90000"/>
+                </a:lnSpc>
+                <a:spcBef>
+                  <a:spcPct val="0"/>
+                </a:spcBef>
+                <a:spcAft>
+                  <a:spcPct val="0"/>
+                </a:spcAft>
+              </a:pPr>
+              <a:endParaRPr lang="en-US" sz="1400">
+                <a:solidFill>
+                  <a:srgbClr val="FFFFFF"/>
+                </a:solidFill>
+              </a:endParaRPr>
+            </a:p>
+          </p:txBody>
+        </p:sp>
+        <p:pic>
+          <p:nvPicPr>
+            <p:cNvPr id="11" name="Picture 4" descr="http://www.playframework.org/public/images/logo.png"/>
+            <p:cNvPicPr>
+              <a:picLocks noChangeAspect="1" noChangeArrowheads="1"/>
+            </p:cNvPicPr>
+            <p:nvPr/>
+          </p:nvPicPr>
+          <p:blipFill>
+            <a:blip r:embed="rId11">
+              <a:extLst>
+                <a:ext uri="{28A0092B-C50C-407E-A947-70E740481C1C}">
+                  <a14:useLocalDpi xmlns:a14="http://schemas.microsoft.com/office/drawing/2010/main" val="0"/>
+                </a:ext>
+              </a:extLst>
+            </a:blip>
+            <a:srcRect/>
+            <a:stretch>
+              <a:fillRect/>
+            </a:stretch>
+          </p:blipFill>
+          <p:spPr bwMode="auto">
+            <a:xfrm>
+              <a:off x="-1489893" y="1697948"/>
+              <a:ext cx="1018191" cy="374335"/>
+            </a:xfrm>
+            <a:prstGeom prst="rect">
+              <a:avLst/>
+            </a:prstGeom>
+            <a:noFill/>
+            <a:extLst>
+              <a:ext uri="{909E8E84-426E-40dd-AFC4-6F175D3DCCD1}">
+                <a14:hiddenFill xmlns:a14="http://schemas.microsoft.com/office/drawing/2010/main" xmlns="">
+                  <a:solidFill>
+                    <a:srgbClr val="FFFFFF"/>
+                  </a:solidFill>
+                </a14:hiddenFill>
+              </a:ext>
+            </a:extLst>
+          </p:spPr>
+        </p:pic>
+      </p:grpSp>
+      <p:grpSp>
+        <p:nvGrpSpPr>
+          <p:cNvPr id="32" name="Group 31"/>
+          <p:cNvGrpSpPr/>
+          <p:nvPr/>
+        </p:nvGrpSpPr>
+        <p:grpSpPr>
+          <a:xfrm>
+            <a:off x="4323915" y="4783762"/>
+            <a:ext cx="1137913" cy="494474"/>
+            <a:chOff x="-1819423" y="2691256"/>
+            <a:chExt cx="1233182" cy="560441"/>
+          </a:xfrm>
+          <a:solidFill>
+            <a:srgbClr val="FF7C80"/>
+          </a:solidFill>
+        </p:grpSpPr>
+        <p:sp>
+          <p:nvSpPr>
+            <p:cNvPr id="67" name="Rounded Rectangle 66"/>
+            <p:cNvSpPr/>
+            <p:nvPr/>
+          </p:nvSpPr>
+          <p:spPr>
+            <a:xfrm>
+              <a:off x="-1819423" y="2691256"/>
+              <a:ext cx="1233182" cy="560441"/>
+            </a:xfrm>
+            <a:prstGeom prst="roundRect">
+              <a:avLst/>
+            </a:prstGeom>
+            <a:grpFill/>
+            <a:ln>
+              <a:noFill/>
+            </a:ln>
+          </p:spPr>
+          <p:style>
+            <a:lnRef idx="2">
+              <a:schemeClr val="accent1">
+                <a:shade val="50000"/>
+              </a:schemeClr>
+            </a:lnRef>
+            <a:fillRef idx="1">
+              <a:schemeClr val="accent1"/>
+            </a:fillRef>
+            <a:effectRef idx="0">
+              <a:schemeClr val="accent1"/>
+            </a:effectRef>
+            <a:fontRef idx="minor">
+              <a:schemeClr val="lt1"/>
+            </a:fontRef>
+          </p:style>
+          <p:txBody>
+            <a:bodyPr rtlCol="0" anchor="ctr"/>
+            <a:lstStyle/>
+            <a:p>
+              <a:pPr fontAlgn="base">
+                <a:lnSpc>
+                  <a:spcPct val="90000"/>
+                </a:lnSpc>
+                <a:spcBef>
+                  <a:spcPct val="0"/>
+                </a:spcBef>
+                <a:spcAft>
+                  <a:spcPct val="0"/>
+                </a:spcAft>
+              </a:pPr>
+              <a:endParaRPr lang="en-US" sz="1400">
+                <a:solidFill>
+                  <a:srgbClr val="FFFFFF"/>
+                </a:solidFill>
+              </a:endParaRPr>
+            </a:p>
+          </p:txBody>
+        </p:sp>
+        <p:pic>
+          <p:nvPicPr>
+            <p:cNvPr id="13" name="Picture 12"/>
+            <p:cNvPicPr>
+              <a:picLocks noChangeAspect="1"/>
+            </p:cNvPicPr>
+            <p:nvPr/>
+          </p:nvPicPr>
+          <p:blipFill>
+            <a:blip r:embed="rId12"/>
+            <a:stretch>
+              <a:fillRect/>
+            </a:stretch>
+          </p:blipFill>
+          <p:spPr>
+            <a:xfrm>
+              <a:off x="-1705360" y="2770465"/>
+              <a:ext cx="1005056" cy="402022"/>
+            </a:xfrm>
+            <a:prstGeom prst="rect">
+              <a:avLst/>
+            </a:prstGeom>
+            <a:grpFill/>
+          </p:spPr>
+        </p:pic>
+      </p:grpSp>
+      <p:sp>
+        <p:nvSpPr>
+          <p:cNvPr id="49" name="Rounded Rectangle 4"/>
+          <p:cNvSpPr/>
+          <p:nvPr/>
+        </p:nvSpPr>
+        <p:spPr>
+          <a:xfrm>
+            <a:off x="2901726" y="5455001"/>
+            <a:ext cx="2584371" cy="305280"/>
+          </a:xfrm>
+          <a:prstGeom prst="rect">
+            <a:avLst/>
+          </a:prstGeom>
+          <a:solidFill>
+            <a:srgbClr val="00B050"/>
+          </a:solidFill>
+        </p:spPr>
+        <p:style>
+          <a:lnRef idx="0">
+            <a:scrgbClr r="0" g="0" b="0"/>
+          </a:lnRef>
+          <a:fillRef idx="0">
+            <a:scrgbClr r="0" g="0" b="0"/>
+          </a:fillRef>
+          <a:effectRef idx="0">
+            <a:scrgbClr r="0" g="0" b="0"/>
+          </a:effectRef>
+          <a:fontRef idx="minor">
+            <a:schemeClr val="lt1"/>
+          </a:fontRef>
+        </p:style>
+        <p:txBody>
+          <a:bodyPr spcFirstLastPara="0" vert="horz" wrap="square" lIns="247650" tIns="247650" rIns="247650" bIns="247650" numCol="1" spcCol="1270" anchor="ctr" anchorCtr="0">
+            <a:noAutofit/>
+          </a:bodyPr>
+          <a:lstStyle/>
+          <a:p>
+            <a:pPr algn="ctr" defTabSz="2889250" fontAlgn="base">
+              <a:lnSpc>
+                <a:spcPct val="90000"/>
+              </a:lnSpc>
+              <a:spcBef>
+                <a:spcPct val="0"/>
+              </a:spcBef>
+              <a:spcAft>
+                <a:spcPct val="35000"/>
+              </a:spcAft>
+            </a:pPr>
+            <a:r>
+              <a:rPr lang="en-US" sz="1600" b="1" dirty="0" smtClean="0">
+                <a:solidFill>
+                  <a:srgbClr val="FFFFFF"/>
+                </a:solidFill>
+              </a:rPr>
+              <a:t>JVM</a:t>
+            </a:r>
+            <a:endParaRPr lang="en-US" sz="1600" b="1" dirty="0">
+              <a:solidFill>
+                <a:srgbClr val="FFFFFF"/>
+              </a:solidFill>
+            </a:endParaRPr>
+          </a:p>
+        </p:txBody>
+      </p:sp>
+      <p:grpSp>
+        <p:nvGrpSpPr>
+          <p:cNvPr id="29" name="Group 28"/>
+          <p:cNvGrpSpPr/>
+          <p:nvPr/>
+        </p:nvGrpSpPr>
+        <p:grpSpPr>
+          <a:xfrm>
+            <a:off x="4381302" y="3666137"/>
+            <a:ext cx="941468" cy="548736"/>
+            <a:chOff x="-1805534" y="2739343"/>
+            <a:chExt cx="941468" cy="548736"/>
+          </a:xfrm>
+          <a:solidFill>
+            <a:schemeClr val="accent1">
+              <a:lumMod val="40000"/>
+              <a:lumOff val="60000"/>
+            </a:schemeClr>
+          </a:solidFill>
+        </p:grpSpPr>
+        <p:sp>
+          <p:nvSpPr>
+            <p:cNvPr id="57" name="Rounded Rectangle 56"/>
+            <p:cNvSpPr/>
+            <p:nvPr/>
+          </p:nvSpPr>
+          <p:spPr>
+            <a:xfrm>
+              <a:off x="-1805534" y="2739343"/>
+              <a:ext cx="941468" cy="548736"/>
+            </a:xfrm>
+            <a:prstGeom prst="roundRect">
+              <a:avLst/>
+            </a:prstGeom>
+            <a:grpFill/>
+            <a:ln>
+              <a:noFill/>
+            </a:ln>
+          </p:spPr>
+          <p:style>
+            <a:lnRef idx="2">
+              <a:schemeClr val="accent1">
+                <a:shade val="50000"/>
+              </a:schemeClr>
+            </a:lnRef>
+            <a:fillRef idx="1">
+              <a:schemeClr val="accent1"/>
+            </a:fillRef>
+            <a:effectRef idx="0">
+              <a:schemeClr val="accent1"/>
+            </a:effectRef>
+            <a:fontRef idx="minor">
+              <a:schemeClr val="lt1"/>
+            </a:fontRef>
+          </p:style>
+          <p:txBody>
+            <a:bodyPr rtlCol="0" anchor="ctr"/>
+            <a:lstStyle/>
+            <a:p>
+              <a:pPr fontAlgn="base">
+                <a:lnSpc>
+                  <a:spcPct val="90000"/>
+                </a:lnSpc>
+                <a:spcBef>
+                  <a:spcPct val="0"/>
+                </a:spcBef>
+                <a:spcAft>
+                  <a:spcPct val="0"/>
+                </a:spcAft>
+              </a:pPr>
+              <a:endParaRPr lang="en-US" sz="1400">
+                <a:solidFill>
+                  <a:srgbClr val="FFFFFF"/>
+                </a:solidFill>
+              </a:endParaRPr>
+            </a:p>
+          </p:txBody>
+        </p:sp>
+        <p:pic>
+          <p:nvPicPr>
+            <p:cNvPr id="3" name="Picture 2"/>
+            <p:cNvPicPr>
+              <a:picLocks noChangeAspect="1"/>
+            </p:cNvPicPr>
+            <p:nvPr/>
+          </p:nvPicPr>
+          <p:blipFill>
+            <a:blip r:embed="rId13"/>
+            <a:stretch>
+              <a:fillRect/>
+            </a:stretch>
+          </p:blipFill>
+          <p:spPr>
+            <a:xfrm>
+              <a:off x="-1681461" y="2823047"/>
+              <a:ext cx="693323" cy="381328"/>
+            </a:xfrm>
+            <a:prstGeom prst="rect">
+              <a:avLst/>
+            </a:prstGeom>
+            <a:grpFill/>
+          </p:spPr>
+        </p:pic>
+      </p:grpSp>
+      <p:sp>
+        <p:nvSpPr>
+          <p:cNvPr id="59" name="Rounded Rectangle 58"/>
+          <p:cNvSpPr/>
+          <p:nvPr/>
+        </p:nvSpPr>
+        <p:spPr>
+          <a:xfrm>
+            <a:off x="4249842" y="1719491"/>
+            <a:ext cx="1141954" cy="548736"/>
+          </a:xfrm>
+          <a:prstGeom prst="roundRect">
+            <a:avLst/>
+          </a:prstGeom>
+          <a:solidFill>
+            <a:schemeClr val="accent1">
+              <a:lumMod val="40000"/>
+              <a:lumOff val="60000"/>
+            </a:schemeClr>
+          </a:solidFill>
+          <a:ln>
+            <a:noFill/>
+          </a:ln>
+        </p:spPr>
+        <p:style>
+          <a:lnRef idx="2">
+            <a:schemeClr val="accent1">
+              <a:shade val="50000"/>
+            </a:schemeClr>
+          </a:lnRef>
+          <a:fillRef idx="1">
+            <a:schemeClr val="accent1"/>
+          </a:fillRef>
+          <a:effectRef idx="0">
+            <a:schemeClr val="accent1"/>
+          </a:effectRef>
+          <a:fontRef idx="minor">
+            <a:schemeClr val="lt1"/>
+          </a:fontRef>
+        </p:style>
+        <p:txBody>
+          <a:bodyPr rtlCol="0" anchor="ctr"/>
+          <a:lstStyle/>
+          <a:p>
+            <a:pPr fontAlgn="base">
+              <a:lnSpc>
+                <a:spcPct val="90000"/>
+              </a:lnSpc>
+              <a:spcBef>
+                <a:spcPct val="0"/>
+              </a:spcBef>
+              <a:spcAft>
+                <a:spcPct val="0"/>
+              </a:spcAft>
+            </a:pPr>
+            <a:endParaRPr lang="en-US" sz="1400">
+              <a:solidFill>
+                <a:srgbClr val="FFFFFF"/>
+              </a:solidFill>
+            </a:endParaRPr>
+          </a:p>
+        </p:txBody>
+      </p:sp>
+      <p:pic>
+        <p:nvPicPr>
+          <p:cNvPr id="60" name="Picture 59"/>
+          <p:cNvPicPr>
+            <a:picLocks noChangeAspect="1"/>
+          </p:cNvPicPr>
+          <p:nvPr/>
+        </p:nvPicPr>
+        <p:blipFill>
+          <a:blip r:embed="rId7"/>
+          <a:stretch>
+            <a:fillRect/>
+          </a:stretch>
+        </p:blipFill>
+        <p:spPr>
+          <a:xfrm>
+            <a:off x="4393615" y="1805650"/>
+            <a:ext cx="854409" cy="376418"/>
+          </a:xfrm>
+          <a:prstGeom prst="rect">
+            <a:avLst/>
+          </a:prstGeom>
+        </p:spPr>
+      </p:pic>
+      <p:grpSp>
+        <p:nvGrpSpPr>
+          <p:cNvPr id="61" name="Group 60"/>
+          <p:cNvGrpSpPr/>
+          <p:nvPr/>
+        </p:nvGrpSpPr>
+        <p:grpSpPr>
+          <a:xfrm>
+            <a:off x="4466142" y="2369432"/>
+            <a:ext cx="771787" cy="823092"/>
+            <a:chOff x="-1761688" y="817673"/>
+            <a:chExt cx="771787" cy="823092"/>
+          </a:xfrm>
+          <a:solidFill>
+            <a:srgbClr val="FF7C80"/>
+          </a:solidFill>
+        </p:grpSpPr>
+        <p:sp>
+          <p:nvSpPr>
+            <p:cNvPr id="62" name="Rounded Rectangle 61"/>
+            <p:cNvSpPr/>
+            <p:nvPr/>
+          </p:nvSpPr>
+          <p:spPr>
+            <a:xfrm>
+              <a:off x="-1761688" y="817673"/>
+              <a:ext cx="771787" cy="823092"/>
+            </a:xfrm>
+            <a:prstGeom prst="roundRect">
+              <a:avLst/>
+            </a:prstGeom>
+            <a:grpFill/>
+            <a:ln>
+              <a:noFill/>
+            </a:ln>
+          </p:spPr>
+          <p:style>
+            <a:lnRef idx="2">
+              <a:schemeClr val="accent1">
+                <a:shade val="50000"/>
+              </a:schemeClr>
+            </a:lnRef>
+            <a:fillRef idx="1">
+              <a:schemeClr val="accent1"/>
+            </a:fillRef>
+            <a:effectRef idx="0">
+              <a:schemeClr val="accent1"/>
+            </a:effectRef>
+            <a:fontRef idx="minor">
+              <a:schemeClr val="lt1"/>
+            </a:fontRef>
+          </p:style>
+          <p:txBody>
+            <a:bodyPr rtlCol="0" anchor="ctr"/>
+            <a:lstStyle/>
+            <a:p>
+              <a:pPr fontAlgn="base">
+                <a:lnSpc>
+                  <a:spcPct val="90000"/>
+                </a:lnSpc>
+                <a:spcBef>
+                  <a:spcPct val="0"/>
+                </a:spcBef>
+                <a:spcAft>
+                  <a:spcPct val="0"/>
+                </a:spcAft>
+              </a:pPr>
+              <a:endParaRPr lang="en-US" sz="1400">
+                <a:solidFill>
+                  <a:srgbClr val="FFFFFF"/>
+                </a:solidFill>
+              </a:endParaRPr>
+            </a:p>
+          </p:txBody>
+        </p:sp>
+        <p:pic>
+          <p:nvPicPr>
+            <p:cNvPr id="63" name="Picture 2"/>
+            <p:cNvPicPr>
+              <a:picLocks noChangeAspect="1" noChangeArrowheads="1"/>
+            </p:cNvPicPr>
+            <p:nvPr/>
+          </p:nvPicPr>
+          <p:blipFill>
+            <a:blip r:embed="rId6">
+              <a:extLst>
+                <a:ext uri="{28A0092B-C50C-407E-A947-70E740481C1C}">
+                  <a14:useLocalDpi xmlns:a14="http://schemas.microsoft.com/office/drawing/2010/main" val="0"/>
+                </a:ext>
+              </a:extLst>
+            </a:blip>
+            <a:srcRect/>
+            <a:stretch>
+              <a:fillRect/>
+            </a:stretch>
+          </p:blipFill>
+          <p:spPr bwMode="auto">
+            <a:xfrm>
+              <a:off x="-1621177" y="913516"/>
+              <a:ext cx="507947" cy="648071"/>
+            </a:xfrm>
+            <a:prstGeom prst="rect">
+              <a:avLst/>
+            </a:prstGeom>
+            <a:grpFill/>
+            <a:ln>
+              <a:noFill/>
+            </a:ln>
+            <a:effectLst/>
+            <a:extLst>
+              <a:ext uri="{91240B29-F687-4f45-9708-019B960494DF}">
+                <a14:hiddenLine xmlns:a14="http://schemas.microsoft.com/office/drawing/2010/main" xmlns="" w="9525">
+                  <a:solidFill>
+                    <a:schemeClr val="tx1"/>
+                  </a:solidFill>
+                  <a:miter lim="800000"/>
+                  <a:headEnd/>
+                  <a:tailEnd/>
+                </a14:hiddenLine>
+              </a:ext>
+              <a:ext uri="{AF507438-7753-43e0-B8FC-AC1667EBCBE1}">
+                <a14:hiddenEffects xmlns:a14="http://schemas.microsoft.com/office/drawing/2010/main" xmlns="">
+                  <a:effectLst>
+                    <a:outerShdw dist="35921" dir="2700000" algn="ctr" rotWithShape="0">
+                      <a:schemeClr val="bg2"/>
+                    </a:outerShdw>
+                  </a:effectLst>
+                </a14:hiddenEffects>
+              </a:ext>
+            </a:extLst>
+          </p:spPr>
+        </p:pic>
+      </p:grpSp>
+      <p:pic>
+        <p:nvPicPr>
+          <p:cNvPr id="73" name="Picture 72"/>
+          <p:cNvPicPr>
+            <a:picLocks noChangeAspect="1"/>
+          </p:cNvPicPr>
+          <p:nvPr/>
+        </p:nvPicPr>
+        <p:blipFill>
+          <a:blip r:embed="rId14"/>
+          <a:stretch>
+            <a:fillRect/>
+          </a:stretch>
+        </p:blipFill>
+        <p:spPr>
+          <a:xfrm>
+            <a:off x="5812698" y="2044481"/>
+            <a:ext cx="1141170" cy="360811"/>
+          </a:xfrm>
+          <a:prstGeom prst="rect">
+            <a:avLst/>
+          </a:prstGeom>
+        </p:spPr>
+      </p:pic>
+      <p:pic>
+        <p:nvPicPr>
+          <p:cNvPr id="74" name="Picture 73"/>
+          <p:cNvPicPr>
+            <a:picLocks noChangeAspect="1"/>
+          </p:cNvPicPr>
+          <p:nvPr/>
+        </p:nvPicPr>
+        <p:blipFill>
+          <a:blip r:embed="rId15"/>
+          <a:stretch>
+            <a:fillRect/>
+          </a:stretch>
+        </p:blipFill>
+        <p:spPr>
+          <a:xfrm>
+            <a:off x="6114130" y="2509730"/>
+            <a:ext cx="616037" cy="629974"/>
+          </a:xfrm>
+          <a:prstGeom prst="rect">
+            <a:avLst/>
+          </a:prstGeom>
+        </p:spPr>
+      </p:pic>
+      <p:sp>
+        <p:nvSpPr>
+          <p:cNvPr id="17" name="Title 16"/>
+          <p:cNvSpPr>
+            <a:spLocks noGrp="1"/>
+          </p:cNvSpPr>
+          <p:nvPr>
+            <p:ph type="title"/>
+          </p:nvPr>
+        </p:nvSpPr>
+        <p:spPr/>
+        <p:txBody>
+          <a:bodyPr/>
+          <a:lstStyle/>
+          <a:p>
+            <a:r>
+              <a:rPr lang="pt-BR" dirty="0" smtClean="0"/>
+              <a:t>Our focus</a:t>
+            </a:r>
+            <a:endParaRPr lang="en-US" dirty="0"/>
+          </a:p>
+        </p:txBody>
+      </p:sp>
+      <p:sp>
+        <p:nvSpPr>
+          <p:cNvPr id="35" name="Rounded Rectangle 34"/>
+          <p:cNvSpPr/>
+          <p:nvPr/>
+        </p:nvSpPr>
+        <p:spPr>
+          <a:xfrm>
+            <a:off x="2874576" y="1410734"/>
+            <a:ext cx="2611521" cy="1907410"/>
+          </a:xfrm>
+          <a:prstGeom prst="roundRect">
+            <a:avLst>
+              <a:gd name="adj" fmla="val 10000"/>
+            </a:avLst>
+          </a:prstGeom>
+          <a:solidFill>
+            <a:srgbClr val="000000">
+              <a:alpha val="90980"/>
+            </a:srgbClr>
+          </a:solidFill>
+        </p:spPr>
+        <p:style>
+          <a:lnRef idx="2">
+            <a:schemeClr val="lt1">
+              <a:hueOff val="0"/>
+              <a:satOff val="0"/>
+              <a:lumOff val="0"/>
+              <a:alphaOff val="0"/>
+            </a:schemeClr>
+          </a:lnRef>
+          <a:fillRef idx="1">
+            <a:schemeClr val="accent1">
+              <a:hueOff val="0"/>
+              <a:satOff val="0"/>
+              <a:lumOff val="0"/>
+              <a:alphaOff val="0"/>
+            </a:schemeClr>
+          </a:fillRef>
+          <a:effectRef idx="0">
+            <a:schemeClr val="accent1">
+              <a:hueOff val="0"/>
+              <a:satOff val="0"/>
+              <a:lumOff val="0"/>
+              <a:alphaOff val="0"/>
+            </a:schemeClr>
+          </a:effectRef>
+          <a:fontRef idx="minor">
+            <a:schemeClr val="lt1"/>
+          </a:fontRef>
+        </p:style>
+        <p:txBody>
+          <a:bodyPr/>
+          <a:lstStyle/>
+          <a:p>
+            <a:pPr fontAlgn="base">
+              <a:lnSpc>
+                <a:spcPct val="90000"/>
+              </a:lnSpc>
+              <a:spcBef>
+                <a:spcPct val="0"/>
+              </a:spcBef>
+              <a:spcAft>
+                <a:spcPct val="0"/>
+              </a:spcAft>
+            </a:pPr>
+            <a:r>
+              <a:rPr lang="en-US" sz="1400" dirty="0">
+                <a:solidFill>
+                  <a:srgbClr val="000000"/>
+                </a:solidFill>
+              </a:rPr>
+              <a:t>Framework</a:t>
+            </a:r>
+            <a:endParaRPr lang="en-US" sz="1400" dirty="0">
+              <a:solidFill>
+                <a:srgbClr val="000000"/>
+              </a:solidFill>
+            </a:endParaRPr>
+          </a:p>
+        </p:txBody>
+      </p:sp>
+      <p:sp>
+        <p:nvSpPr>
+          <p:cNvPr id="37" name="Rounded Rectangle 36"/>
+          <p:cNvSpPr/>
+          <p:nvPr/>
+        </p:nvSpPr>
+        <p:spPr>
+          <a:xfrm>
+            <a:off x="5638540" y="1410734"/>
+            <a:ext cx="1461054" cy="1903140"/>
+          </a:xfrm>
+          <a:prstGeom prst="roundRect">
+            <a:avLst>
+              <a:gd name="adj" fmla="val 10000"/>
+            </a:avLst>
+          </a:prstGeom>
+          <a:solidFill>
+            <a:srgbClr val="000000">
+              <a:alpha val="90980"/>
+            </a:srgbClr>
+          </a:solidFill>
+        </p:spPr>
+        <p:style>
+          <a:lnRef idx="2">
+            <a:schemeClr val="lt1">
+              <a:hueOff val="0"/>
+              <a:satOff val="0"/>
+              <a:lumOff val="0"/>
+              <a:alphaOff val="0"/>
+            </a:schemeClr>
+          </a:lnRef>
+          <a:fillRef idx="1">
+            <a:schemeClr val="accent1">
+              <a:hueOff val="0"/>
+              <a:satOff val="0"/>
+              <a:lumOff val="0"/>
+              <a:alphaOff val="0"/>
+            </a:schemeClr>
+          </a:fillRef>
+          <a:effectRef idx="0">
+            <a:schemeClr val="accent1">
+              <a:hueOff val="0"/>
+              <a:satOff val="0"/>
+              <a:lumOff val="0"/>
+              <a:alphaOff val="0"/>
+            </a:schemeClr>
+          </a:effectRef>
+          <a:fontRef idx="minor">
+            <a:schemeClr val="lt1"/>
+          </a:fontRef>
+        </p:style>
+        <p:txBody>
+          <a:bodyPr/>
+          <a:lstStyle/>
+          <a:p>
+            <a:pPr fontAlgn="base">
+              <a:lnSpc>
+                <a:spcPct val="90000"/>
+              </a:lnSpc>
+              <a:spcBef>
+                <a:spcPct val="0"/>
+              </a:spcBef>
+              <a:spcAft>
+                <a:spcPct val="0"/>
+              </a:spcAft>
+            </a:pPr>
+            <a:r>
+              <a:rPr lang="en-US" sz="1400" dirty="0">
+                <a:solidFill>
+                  <a:srgbClr val="000000"/>
+                </a:solidFill>
+              </a:rPr>
+              <a:t>Framework</a:t>
+            </a:r>
+          </a:p>
+          <a:p>
+            <a:pPr fontAlgn="base">
+              <a:lnSpc>
+                <a:spcPct val="90000"/>
+              </a:lnSpc>
+              <a:spcBef>
+                <a:spcPct val="0"/>
+              </a:spcBef>
+              <a:spcAft>
+                <a:spcPct val="0"/>
+              </a:spcAft>
+            </a:pPr>
+            <a:endParaRPr lang="pt-BR" sz="1400" dirty="0">
+              <a:solidFill>
+                <a:srgbClr val="000000"/>
+              </a:solidFill>
+            </a:endParaRPr>
+          </a:p>
+        </p:txBody>
+      </p:sp>
+      <p:sp>
+        <p:nvSpPr>
+          <p:cNvPr id="53" name="Rounded Rectangle 52"/>
+          <p:cNvSpPr/>
+          <p:nvPr/>
+        </p:nvSpPr>
+        <p:spPr>
+          <a:xfrm>
+            <a:off x="7244901" y="1410734"/>
+            <a:ext cx="1468148" cy="1887842"/>
+          </a:xfrm>
+          <a:prstGeom prst="roundRect">
+            <a:avLst>
+              <a:gd name="adj" fmla="val 10000"/>
+            </a:avLst>
+          </a:prstGeom>
+          <a:solidFill>
+            <a:srgbClr val="000000">
+              <a:alpha val="90980"/>
+            </a:srgbClr>
+          </a:solidFill>
+        </p:spPr>
+        <p:style>
+          <a:lnRef idx="2">
+            <a:schemeClr val="lt1">
+              <a:hueOff val="0"/>
+              <a:satOff val="0"/>
+              <a:lumOff val="0"/>
+              <a:alphaOff val="0"/>
+            </a:schemeClr>
+          </a:lnRef>
+          <a:fillRef idx="1">
+            <a:schemeClr val="accent1">
+              <a:hueOff val="0"/>
+              <a:satOff val="0"/>
+              <a:lumOff val="0"/>
+              <a:alphaOff val="0"/>
+            </a:schemeClr>
+          </a:fillRef>
+          <a:effectRef idx="0">
+            <a:schemeClr val="accent1">
+              <a:hueOff val="0"/>
+              <a:satOff val="0"/>
+              <a:lumOff val="0"/>
+              <a:alphaOff val="0"/>
+            </a:schemeClr>
+          </a:effectRef>
+          <a:fontRef idx="minor">
+            <a:schemeClr val="lt1"/>
+          </a:fontRef>
+        </p:style>
+        <p:txBody>
+          <a:bodyPr/>
+          <a:lstStyle/>
+          <a:p>
+            <a:pPr fontAlgn="base">
+              <a:lnSpc>
+                <a:spcPct val="90000"/>
+              </a:lnSpc>
+              <a:spcBef>
+                <a:spcPct val="0"/>
+              </a:spcBef>
+              <a:spcAft>
+                <a:spcPct val="0"/>
+              </a:spcAft>
+            </a:pPr>
+            <a:r>
+              <a:rPr lang="en-US" sz="1400" dirty="0">
+                <a:solidFill>
+                  <a:srgbClr val="000000"/>
+                </a:solidFill>
+              </a:rPr>
+              <a:t>Framework</a:t>
+            </a:r>
+            <a:endParaRPr lang="en-US" sz="1400" dirty="0">
+              <a:solidFill>
+                <a:srgbClr val="000000"/>
+              </a:solidFill>
+            </a:endParaRPr>
+          </a:p>
+        </p:txBody>
+      </p:sp>
+      <p:sp>
+        <p:nvSpPr>
+          <p:cNvPr id="65" name="Rounded Rectangle 64"/>
+          <p:cNvSpPr/>
+          <p:nvPr/>
+        </p:nvSpPr>
+        <p:spPr>
+          <a:xfrm>
+            <a:off x="406083" y="3420015"/>
+            <a:ext cx="2299666" cy="2357567"/>
+          </a:xfrm>
+          <a:prstGeom prst="roundRect">
+            <a:avLst>
+              <a:gd name="adj" fmla="val 10000"/>
+            </a:avLst>
+          </a:prstGeom>
+          <a:solidFill>
+            <a:srgbClr val="000000">
+              <a:alpha val="90980"/>
+            </a:srgbClr>
+          </a:solidFill>
+        </p:spPr>
+        <p:style>
+          <a:lnRef idx="2">
+            <a:schemeClr val="lt1">
+              <a:hueOff val="0"/>
+              <a:satOff val="0"/>
+              <a:lumOff val="0"/>
+              <a:alphaOff val="0"/>
+            </a:schemeClr>
+          </a:lnRef>
+          <a:fillRef idx="1">
+            <a:schemeClr val="accent1">
+              <a:hueOff val="0"/>
+              <a:satOff val="0"/>
+              <a:lumOff val="0"/>
+              <a:alphaOff val="0"/>
+            </a:schemeClr>
+          </a:fillRef>
+          <a:effectRef idx="0">
+            <a:schemeClr val="accent1">
+              <a:hueOff val="0"/>
+              <a:satOff val="0"/>
+              <a:lumOff val="0"/>
+              <a:alphaOff val="0"/>
+            </a:schemeClr>
+          </a:effectRef>
+          <a:fontRef idx="minor">
+            <a:schemeClr val="lt1"/>
+          </a:fontRef>
+        </p:style>
+        <p:txBody>
+          <a:bodyPr/>
+          <a:lstStyle/>
+          <a:p>
+            <a:pPr fontAlgn="base">
+              <a:lnSpc>
+                <a:spcPct val="90000"/>
+              </a:lnSpc>
+              <a:spcBef>
+                <a:spcPct val="0"/>
+              </a:spcBef>
+              <a:spcAft>
+                <a:spcPct val="0"/>
+              </a:spcAft>
+            </a:pPr>
+            <a:r>
+              <a:rPr lang="en-US" sz="1400" dirty="0">
+                <a:solidFill>
+                  <a:srgbClr val="000000"/>
+                </a:solidFill>
+              </a:rPr>
+              <a:t>Language</a:t>
+            </a:r>
+            <a:endParaRPr lang="en-US" sz="1400" dirty="0">
+              <a:solidFill>
+                <a:srgbClr val="000000"/>
+              </a:solidFill>
+            </a:endParaRPr>
+          </a:p>
+        </p:txBody>
+      </p:sp>
+      <p:sp>
+        <p:nvSpPr>
+          <p:cNvPr id="66" name="Rounded Rectangle 65"/>
+          <p:cNvSpPr/>
+          <p:nvPr/>
+        </p:nvSpPr>
+        <p:spPr>
+          <a:xfrm>
+            <a:off x="591182" y="4470798"/>
+            <a:ext cx="1233182" cy="560441"/>
+          </a:xfrm>
+          <a:prstGeom prst="roundRect">
+            <a:avLst/>
+          </a:prstGeom>
+          <a:solidFill>
+            <a:srgbClr val="FF7C80"/>
+          </a:solidFill>
+          <a:ln>
+            <a:noFill/>
+          </a:ln>
+        </p:spPr>
+        <p:style>
+          <a:lnRef idx="2">
+            <a:schemeClr val="accent1">
+              <a:shade val="50000"/>
+            </a:schemeClr>
+          </a:lnRef>
+          <a:fillRef idx="1">
+            <a:schemeClr val="accent1"/>
+          </a:fillRef>
+          <a:effectRef idx="0">
+            <a:schemeClr val="accent1"/>
+          </a:effectRef>
+          <a:fontRef idx="minor">
+            <a:schemeClr val="lt1"/>
+          </a:fontRef>
+        </p:style>
+        <p:txBody>
+          <a:bodyPr rtlCol="0" anchor="ctr"/>
+          <a:lstStyle/>
+          <a:p>
+            <a:pPr fontAlgn="base">
+              <a:lnSpc>
+                <a:spcPct val="90000"/>
+              </a:lnSpc>
+              <a:spcBef>
+                <a:spcPct val="0"/>
+              </a:spcBef>
+              <a:spcAft>
+                <a:spcPct val="0"/>
+              </a:spcAft>
+            </a:pPr>
+            <a:endParaRPr lang="en-US" sz="1400">
+              <a:solidFill>
+                <a:srgbClr val="FFFFFF"/>
+              </a:solidFill>
+            </a:endParaRPr>
+          </a:p>
+        </p:txBody>
+      </p:sp>
+      <p:pic>
+        <p:nvPicPr>
+          <p:cNvPr id="71" name="Picture 70" descr="C:\Users\duston.r.mounts\Documents\Accenture\1. Projects\1 - Current Projects\Architecture Innovation\Application Development\Heroku\Webinar\Need To Know\LanguageLogos\LanguageLogos\ruby.gif"/>
+          <p:cNvPicPr>
+            <a:picLocks noChangeAspect="1" noChangeArrowheads="1"/>
+          </p:cNvPicPr>
+          <p:nvPr/>
+        </p:nvPicPr>
+        <p:blipFill>
+          <a:blip r:embed="rId16" cstate="print">
+            <a:extLst>
+              <a:ext uri="{28A0092B-C50C-407E-A947-70E740481C1C}">
+                <a14:useLocalDpi xmlns:a14="http://schemas.microsoft.com/office/drawing/2010/main" val="0"/>
+              </a:ext>
+            </a:extLst>
+          </a:blip>
+          <a:srcRect/>
+          <a:stretch>
+            <a:fillRect/>
+          </a:stretch>
+        </p:blipFill>
+        <p:spPr bwMode="auto">
+          <a:xfrm>
+            <a:off x="672731" y="4517428"/>
+            <a:ext cx="1070085" cy="467181"/>
+          </a:xfrm>
+          <a:prstGeom prst="rect">
+            <a:avLst/>
+          </a:prstGeom>
+          <a:solidFill>
+            <a:srgbClr val="FF7C80"/>
+          </a:solidFill>
+          <a:extLst/>
+        </p:spPr>
+      </p:pic>
+      <p:sp>
+        <p:nvSpPr>
+          <p:cNvPr id="72" name="Rounded Rectangle 71"/>
+          <p:cNvSpPr/>
+          <p:nvPr/>
+        </p:nvSpPr>
+        <p:spPr>
+          <a:xfrm>
+            <a:off x="1193740" y="5102387"/>
+            <a:ext cx="1367406" cy="548736"/>
+          </a:xfrm>
+          <a:prstGeom prst="roundRect">
+            <a:avLst/>
+          </a:prstGeom>
+          <a:solidFill>
+            <a:schemeClr val="accent1">
+              <a:lumMod val="40000"/>
+              <a:lumOff val="60000"/>
+            </a:schemeClr>
+          </a:solidFill>
+          <a:ln>
+            <a:noFill/>
+          </a:ln>
+        </p:spPr>
+        <p:style>
+          <a:lnRef idx="2">
+            <a:schemeClr val="accent1">
+              <a:shade val="50000"/>
+            </a:schemeClr>
+          </a:lnRef>
+          <a:fillRef idx="1">
+            <a:schemeClr val="accent1"/>
+          </a:fillRef>
+          <a:effectRef idx="0">
+            <a:schemeClr val="accent1"/>
+          </a:effectRef>
+          <a:fontRef idx="minor">
+            <a:schemeClr val="lt1"/>
+          </a:fontRef>
+        </p:style>
+        <p:txBody>
+          <a:bodyPr rtlCol="0" anchor="ctr"/>
+          <a:lstStyle/>
+          <a:p>
+            <a:pPr fontAlgn="base">
+              <a:lnSpc>
+                <a:spcPct val="90000"/>
+              </a:lnSpc>
+              <a:spcBef>
+                <a:spcPct val="0"/>
+              </a:spcBef>
+              <a:spcAft>
+                <a:spcPct val="0"/>
+              </a:spcAft>
+            </a:pPr>
+            <a:endParaRPr lang="en-US" sz="1400">
+              <a:solidFill>
+                <a:srgbClr val="FFFFFF"/>
+              </a:solidFill>
+            </a:endParaRPr>
+          </a:p>
+        </p:txBody>
+      </p:sp>
+      <p:pic>
+        <p:nvPicPr>
+          <p:cNvPr id="77" name="Picture 76" descr="C:\Users\duston.r.mounts\Documents\Accenture\1. Projects\1 - Current Projects\Architecture Innovation\Application Development\Heroku\Webinar\Need To Know\LanguageLogos\LanguageLogos\python-logo.gif"/>
+          <p:cNvPicPr>
+            <a:picLocks noChangeAspect="1" noChangeArrowheads="1"/>
+          </p:cNvPicPr>
+          <p:nvPr/>
+        </p:nvPicPr>
+        <p:blipFill>
+          <a:blip r:embed="rId17">
+            <a:extLst>
+              <a:ext uri="{28A0092B-C50C-407E-A947-70E740481C1C}">
+                <a14:useLocalDpi xmlns:a14="http://schemas.microsoft.com/office/drawing/2010/main" val="0"/>
+              </a:ext>
+            </a:extLst>
+          </a:blip>
+          <a:srcRect/>
+          <a:stretch>
+            <a:fillRect/>
+          </a:stretch>
+        </p:blipFill>
+        <p:spPr bwMode="auto">
+          <a:xfrm>
+            <a:off x="1288341" y="5108212"/>
+            <a:ext cx="1272806" cy="537086"/>
+          </a:xfrm>
+          <a:prstGeom prst="rect">
+            <a:avLst/>
+          </a:prstGeom>
+          <a:solidFill>
+            <a:schemeClr val="accent1">
+              <a:lumMod val="40000"/>
+              <a:lumOff val="60000"/>
+            </a:schemeClr>
+          </a:solidFill>
+          <a:extLst/>
+        </p:spPr>
+      </p:pic>
+      <p:sp>
+        <p:nvSpPr>
+          <p:cNvPr id="78" name="Rounded Rectangle 77"/>
+          <p:cNvSpPr/>
+          <p:nvPr/>
+        </p:nvSpPr>
+        <p:spPr>
+          <a:xfrm>
+            <a:off x="1466013" y="3792734"/>
+            <a:ext cx="1073679" cy="631900"/>
+          </a:xfrm>
+          <a:prstGeom prst="roundRect">
+            <a:avLst/>
+          </a:prstGeom>
+          <a:solidFill>
+            <a:srgbClr val="6600FF"/>
+          </a:solidFill>
+          <a:ln>
+            <a:noFill/>
+          </a:ln>
+        </p:spPr>
+        <p:style>
+          <a:lnRef idx="2">
+            <a:schemeClr val="accent1">
+              <a:shade val="50000"/>
+            </a:schemeClr>
+          </a:lnRef>
+          <a:fillRef idx="1">
+            <a:schemeClr val="accent1"/>
+          </a:fillRef>
+          <a:effectRef idx="0">
+            <a:schemeClr val="accent1"/>
+          </a:effectRef>
+          <a:fontRef idx="minor">
+            <a:schemeClr val="lt1"/>
+          </a:fontRef>
+        </p:style>
+        <p:txBody>
+          <a:bodyPr rtlCol="0" anchor="ctr"/>
+          <a:lstStyle/>
+          <a:p>
+            <a:pPr fontAlgn="base">
+              <a:lnSpc>
+                <a:spcPct val="90000"/>
+              </a:lnSpc>
+              <a:spcBef>
+                <a:spcPct val="0"/>
+              </a:spcBef>
+              <a:spcAft>
+                <a:spcPct val="0"/>
+              </a:spcAft>
+            </a:pPr>
+            <a:endParaRPr lang="en-US" sz="1400">
+              <a:solidFill>
+                <a:srgbClr val="FFFFFF"/>
+              </a:solidFill>
+            </a:endParaRPr>
+          </a:p>
+        </p:txBody>
+      </p:sp>
+      <p:pic>
+        <p:nvPicPr>
+          <p:cNvPr id="79" name="Picture 78"/>
+          <p:cNvPicPr>
+            <a:picLocks noChangeAspect="1"/>
+          </p:cNvPicPr>
+          <p:nvPr/>
+        </p:nvPicPr>
+        <p:blipFill>
+          <a:blip r:embed="rId18"/>
+          <a:stretch>
+            <a:fillRect/>
+          </a:stretch>
+        </p:blipFill>
+        <p:spPr>
+          <a:xfrm>
+            <a:off x="1612364" y="3892292"/>
+            <a:ext cx="780977" cy="432786"/>
+          </a:xfrm>
+          <a:prstGeom prst="rect">
+            <a:avLst/>
+          </a:prstGeom>
+        </p:spPr>
+      </p:pic>
+      <p:sp>
+        <p:nvSpPr>
+          <p:cNvPr id="33" name="Rounded Rectangle 32"/>
+          <p:cNvSpPr/>
+          <p:nvPr/>
+        </p:nvSpPr>
+        <p:spPr>
+          <a:xfrm>
+            <a:off x="2879296" y="3390583"/>
+            <a:ext cx="2628705" cy="1946646"/>
+          </a:xfrm>
+          <a:prstGeom prst="roundRect">
+            <a:avLst>
+              <a:gd name="adj" fmla="val 10000"/>
+            </a:avLst>
+          </a:prstGeom>
+          <a:solidFill>
+            <a:srgbClr val="000000">
+              <a:alpha val="90980"/>
+            </a:srgbClr>
+          </a:solidFill>
+        </p:spPr>
+        <p:style>
+          <a:lnRef idx="2">
+            <a:schemeClr val="lt1">
+              <a:hueOff val="0"/>
+              <a:satOff val="0"/>
+              <a:lumOff val="0"/>
+              <a:alphaOff val="0"/>
+            </a:schemeClr>
+          </a:lnRef>
+          <a:fillRef idx="1">
+            <a:schemeClr val="accent1">
+              <a:hueOff val="0"/>
+              <a:satOff val="0"/>
+              <a:lumOff val="0"/>
+              <a:alphaOff val="0"/>
+            </a:schemeClr>
+          </a:fillRef>
+          <a:effectRef idx="0">
+            <a:schemeClr val="accent1">
+              <a:hueOff val="0"/>
+              <a:satOff val="0"/>
+              <a:lumOff val="0"/>
+              <a:alphaOff val="0"/>
+            </a:schemeClr>
+          </a:effectRef>
+          <a:fontRef idx="minor">
+            <a:schemeClr val="lt1"/>
+          </a:fontRef>
+        </p:style>
+        <p:txBody>
+          <a:bodyPr/>
+          <a:lstStyle/>
+          <a:p>
+            <a:pPr fontAlgn="base">
+              <a:lnSpc>
+                <a:spcPct val="90000"/>
+              </a:lnSpc>
+              <a:spcBef>
+                <a:spcPct val="0"/>
+              </a:spcBef>
+              <a:spcAft>
+                <a:spcPct val="0"/>
+              </a:spcAft>
+            </a:pPr>
+            <a:r>
+              <a:rPr lang="en-US" sz="1400" dirty="0">
+                <a:solidFill>
+                  <a:srgbClr val="000000"/>
+                </a:solidFill>
+              </a:rPr>
+              <a:t>Language</a:t>
+            </a:r>
+            <a:endParaRPr lang="en-US" sz="1400" dirty="0">
+              <a:solidFill>
+                <a:srgbClr val="000000"/>
+              </a:solidFill>
+            </a:endParaRPr>
+          </a:p>
+        </p:txBody>
+      </p:sp>
+      <p:grpSp>
+        <p:nvGrpSpPr>
+          <p:cNvPr id="80" name="Group 79"/>
+          <p:cNvGrpSpPr/>
+          <p:nvPr/>
+        </p:nvGrpSpPr>
+        <p:grpSpPr>
+          <a:xfrm>
+            <a:off x="2968855" y="3807509"/>
+            <a:ext cx="1224793" cy="750990"/>
+            <a:chOff x="-1736522" y="1500994"/>
+            <a:chExt cx="1224793" cy="750990"/>
+          </a:xfrm>
+          <a:solidFill>
+            <a:schemeClr val="accent6">
+              <a:lumMod val="60000"/>
+              <a:lumOff val="40000"/>
+            </a:schemeClr>
+          </a:solidFill>
+        </p:grpSpPr>
+        <p:sp>
+          <p:nvSpPr>
+            <p:cNvPr id="81" name="Rounded Rectangle 80"/>
+            <p:cNvSpPr/>
+            <p:nvPr/>
+          </p:nvSpPr>
+          <p:spPr>
+            <a:xfrm>
+              <a:off x="-1736522" y="1500994"/>
+              <a:ext cx="1224793" cy="750990"/>
+            </a:xfrm>
+            <a:prstGeom prst="roundRect">
+              <a:avLst/>
+            </a:prstGeom>
+            <a:grpFill/>
+            <a:ln>
+              <a:noFill/>
+            </a:ln>
+          </p:spPr>
+          <p:style>
+            <a:lnRef idx="2">
+              <a:schemeClr val="accent1">
+                <a:shade val="50000"/>
+              </a:schemeClr>
+            </a:lnRef>
+            <a:fillRef idx="1">
+              <a:schemeClr val="accent1"/>
+            </a:fillRef>
+            <a:effectRef idx="0">
+              <a:schemeClr val="accent1"/>
+            </a:effectRef>
+            <a:fontRef idx="minor">
+              <a:schemeClr val="lt1"/>
+            </a:fontRef>
+          </p:style>
+          <p:txBody>
+            <a:bodyPr rtlCol="0" anchor="ctr"/>
+            <a:lstStyle/>
+            <a:p>
+              <a:pPr fontAlgn="base">
+                <a:lnSpc>
+                  <a:spcPct val="90000"/>
+                </a:lnSpc>
+                <a:spcBef>
+                  <a:spcPct val="0"/>
+                </a:spcBef>
+                <a:spcAft>
+                  <a:spcPct val="0"/>
+                </a:spcAft>
+              </a:pPr>
+              <a:endParaRPr lang="en-US" sz="1400">
+                <a:solidFill>
+                  <a:srgbClr val="FFFFFF"/>
+                </a:solidFill>
+              </a:endParaRPr>
+            </a:p>
+          </p:txBody>
+        </p:sp>
+        <p:pic>
+          <p:nvPicPr>
+            <p:cNvPr id="82" name="Picture 2" descr="C:\Users\duston.r.mounts\Documents\Accenture\1. Projects\1 - Current Projects\Architecture Innovation\Application Development\Heroku\Webinar\Need To Know\LanguageLogos\LanguageLogos\groovy.png"/>
+            <p:cNvPicPr>
+              <a:picLocks noChangeAspect="1" noChangeArrowheads="1"/>
+            </p:cNvPicPr>
+            <p:nvPr/>
+          </p:nvPicPr>
+          <p:blipFill>
+            <a:blip r:embed="rId19">
+              <a:extLst>
+                <a:ext uri="{28A0092B-C50C-407E-A947-70E740481C1C}">
+                  <a14:useLocalDpi xmlns:a14="http://schemas.microsoft.com/office/drawing/2010/main" val="0"/>
+                </a:ext>
+              </a:extLst>
+            </a:blip>
+            <a:srcRect/>
+            <a:stretch>
+              <a:fillRect/>
+            </a:stretch>
+          </p:blipFill>
+          <p:spPr bwMode="auto">
+            <a:xfrm>
+              <a:off x="-1667274" y="1608929"/>
+              <a:ext cx="1086296" cy="535121"/>
+            </a:xfrm>
+            <a:prstGeom prst="rect">
+              <a:avLst/>
+            </a:prstGeom>
+            <a:grpFill/>
+            <a:extLst/>
+          </p:spPr>
+        </p:pic>
+      </p:grpSp>
+      <p:pic>
+        <p:nvPicPr>
+          <p:cNvPr id="83" name="Picture 2" descr="https://encrypted-tbn1.gstatic.com/images?q=tbn:ANd9GcQPjOOrKkG6p-6TtFUclNnZHYTN5FkWa8SFzZJa2JEcqBi7qhXEdw"/>
+          <p:cNvPicPr>
+            <a:picLocks noChangeAspect="1" noChangeArrowheads="1"/>
+          </p:cNvPicPr>
+          <p:nvPr/>
+        </p:nvPicPr>
+        <p:blipFill>
+          <a:blip r:embed="rId20">
+            <a:extLst>
+              <a:ext uri="{28A0092B-C50C-407E-A947-70E740481C1C}">
+                <a14:useLocalDpi xmlns:a14="http://schemas.microsoft.com/office/drawing/2010/main" val="0"/>
+              </a:ext>
+            </a:extLst>
+          </a:blip>
+          <a:srcRect/>
+          <a:stretch>
+            <a:fillRect/>
+          </a:stretch>
+        </p:blipFill>
+        <p:spPr bwMode="auto">
+          <a:xfrm>
+            <a:off x="4585603" y="4271657"/>
+            <a:ext cx="450437" cy="450437"/>
+          </a:xfrm>
+          <a:prstGeom prst="rect">
+            <a:avLst/>
+          </a:prstGeom>
+          <a:noFill/>
+          <a:extLst>
+            <a:ext uri="{909E8E84-426E-40dd-AFC4-6F175D3DCCD1}">
+              <a14:hiddenFill xmlns:a14="http://schemas.microsoft.com/office/drawing/2010/main" xmlns="">
+                <a:solidFill>
+                  <a:srgbClr val="FFFFFF"/>
+                </a:solidFill>
+              </a14:hiddenFill>
+            </a:ext>
+          </a:extLst>
+        </p:spPr>
+      </p:pic>
+      <p:grpSp>
+        <p:nvGrpSpPr>
+          <p:cNvPr id="84" name="Group 83"/>
+          <p:cNvGrpSpPr/>
+          <p:nvPr/>
+        </p:nvGrpSpPr>
+        <p:grpSpPr>
+          <a:xfrm>
+            <a:off x="2951418" y="4653725"/>
+            <a:ext cx="1325348" cy="521634"/>
+            <a:chOff x="-2133666" y="2703431"/>
+            <a:chExt cx="1325348" cy="521634"/>
+          </a:xfrm>
+        </p:grpSpPr>
+        <p:sp>
+          <p:nvSpPr>
+            <p:cNvPr id="85" name="Rounded Rectangle 84"/>
+            <p:cNvSpPr/>
+            <p:nvPr/>
+          </p:nvSpPr>
+          <p:spPr>
+            <a:xfrm>
+              <a:off x="-2133666" y="2703431"/>
+              <a:ext cx="1325348" cy="521634"/>
+            </a:xfrm>
+            <a:prstGeom prst="roundRect">
+              <a:avLst/>
+            </a:prstGeom>
+            <a:solidFill>
+              <a:srgbClr val="FDFABB"/>
+            </a:solidFill>
+            <a:ln>
+              <a:noFill/>
+            </a:ln>
+          </p:spPr>
+          <p:style>
+            <a:lnRef idx="2">
+              <a:schemeClr val="accent1">
+                <a:shade val="50000"/>
+              </a:schemeClr>
+            </a:lnRef>
+            <a:fillRef idx="1">
+              <a:schemeClr val="accent1"/>
+            </a:fillRef>
+            <a:effectRef idx="0">
+              <a:schemeClr val="accent1"/>
+            </a:effectRef>
+            <a:fontRef idx="minor">
+              <a:schemeClr val="lt1"/>
+            </a:fontRef>
+          </p:style>
+          <p:txBody>
+            <a:bodyPr rtlCol="0" anchor="ctr"/>
+            <a:lstStyle/>
+            <a:p>
+              <a:pPr fontAlgn="base">
+                <a:lnSpc>
+                  <a:spcPct val="90000"/>
+                </a:lnSpc>
+                <a:spcBef>
+                  <a:spcPct val="0"/>
+                </a:spcBef>
+                <a:spcAft>
+                  <a:spcPct val="0"/>
+                </a:spcAft>
+              </a:pPr>
+              <a:endParaRPr lang="en-US" sz="1400">
+                <a:solidFill>
+                  <a:srgbClr val="FFFFFF"/>
+                </a:solidFill>
+              </a:endParaRPr>
+            </a:p>
+          </p:txBody>
+        </p:sp>
+        <p:pic>
+          <p:nvPicPr>
+            <p:cNvPr id="86" name="Picture 4"/>
+            <p:cNvPicPr>
+              <a:picLocks noChangeAspect="1" noChangeArrowheads="1"/>
+            </p:cNvPicPr>
+            <p:nvPr/>
+          </p:nvPicPr>
+          <p:blipFill>
+            <a:blip r:embed="rId21">
+              <a:extLst>
+                <a:ext uri="{28A0092B-C50C-407E-A947-70E740481C1C}">
+                  <a14:useLocalDpi xmlns:a14="http://schemas.microsoft.com/office/drawing/2010/main" val="0"/>
+                </a:ext>
+              </a:extLst>
+            </a:blip>
+            <a:srcRect/>
+            <a:stretch>
+              <a:fillRect/>
+            </a:stretch>
+          </p:blipFill>
+          <p:spPr bwMode="auto">
+            <a:xfrm>
+              <a:off x="-2071741" y="2776227"/>
+              <a:ext cx="1201499" cy="376042"/>
+            </a:xfrm>
+            <a:prstGeom prst="rect">
+              <a:avLst/>
+            </a:prstGeom>
+            <a:noFill/>
+            <a:ln>
+              <a:noFill/>
+            </a:ln>
+            <a:effectLst/>
+            <a:extLst>
+              <a:ext uri="{909E8E84-426E-40dd-AFC4-6F175D3DCCD1}">
+                <a14:hiddenFill xmlns:a14="http://schemas.microsoft.com/office/drawing/2010/main" xmlns="">
+                  <a:solidFill>
+                    <a:schemeClr val="accent1"/>
+                  </a:solidFill>
+                </a14:hiddenFill>
+              </a:ext>
+              <a:ext uri="{91240B29-F687-4f45-9708-019B960494DF}">
+                <a14:hiddenLine xmlns:a14="http://schemas.microsoft.com/office/drawing/2010/main" xmlns="" w="9525">
+                  <a:solidFill>
+                    <a:schemeClr val="tx1"/>
+                  </a:solidFill>
+                  <a:miter lim="800000"/>
+                  <a:headEnd/>
+                  <a:tailEnd/>
+                </a14:hiddenLine>
+              </a:ext>
+              <a:ext uri="{AF507438-7753-43e0-B8FC-AC1667EBCBE1}">
+                <a14:hiddenEffects xmlns:a14="http://schemas.microsoft.com/office/drawing/2010/main" xmlns="">
+                  <a:effectLst>
+                    <a:outerShdw dist="35921" dir="2700000" algn="ctr" rotWithShape="0">
+                      <a:schemeClr val="bg2"/>
+                    </a:outerShdw>
+                  </a:effectLst>
+                </a14:hiddenEffects>
+              </a:ext>
+            </a:extLst>
+          </p:spPr>
+        </p:pic>
+      </p:grpSp>
+      <p:sp>
+        <p:nvSpPr>
+          <p:cNvPr id="46" name="Rounded Rectangle 45"/>
+          <p:cNvSpPr/>
+          <p:nvPr/>
+        </p:nvSpPr>
+        <p:spPr>
+          <a:xfrm>
+            <a:off x="5638540" y="4549484"/>
+            <a:ext cx="1461054" cy="1203893"/>
+          </a:xfrm>
+          <a:prstGeom prst="roundRect">
+            <a:avLst>
+              <a:gd name="adj" fmla="val 10000"/>
+            </a:avLst>
+          </a:prstGeom>
+          <a:solidFill>
+            <a:srgbClr val="000000">
+              <a:alpha val="90980"/>
+            </a:srgbClr>
+          </a:solidFill>
+        </p:spPr>
+        <p:style>
+          <a:lnRef idx="2">
+            <a:schemeClr val="lt1">
+              <a:hueOff val="0"/>
+              <a:satOff val="0"/>
+              <a:lumOff val="0"/>
+              <a:alphaOff val="0"/>
+            </a:schemeClr>
+          </a:lnRef>
+          <a:fillRef idx="1">
+            <a:schemeClr val="accent1">
+              <a:hueOff val="0"/>
+              <a:satOff val="0"/>
+              <a:lumOff val="0"/>
+              <a:alphaOff val="0"/>
+            </a:schemeClr>
+          </a:fillRef>
+          <a:effectRef idx="0">
+            <a:schemeClr val="accent1">
+              <a:hueOff val="0"/>
+              <a:satOff val="0"/>
+              <a:lumOff val="0"/>
+              <a:alphaOff val="0"/>
+            </a:schemeClr>
+          </a:effectRef>
+          <a:fontRef idx="minor">
+            <a:schemeClr val="lt1"/>
+          </a:fontRef>
+        </p:style>
+        <p:txBody>
+          <a:bodyPr/>
+          <a:lstStyle/>
+          <a:p>
+            <a:pPr fontAlgn="base">
+              <a:lnSpc>
+                <a:spcPct val="90000"/>
+              </a:lnSpc>
+              <a:spcBef>
+                <a:spcPct val="0"/>
+              </a:spcBef>
+              <a:spcAft>
+                <a:spcPct val="0"/>
+              </a:spcAft>
+            </a:pPr>
+            <a:r>
+              <a:rPr lang="en-US" sz="1400" dirty="0">
+                <a:solidFill>
+                  <a:srgbClr val="000000"/>
+                </a:solidFill>
+              </a:rPr>
+              <a:t>Platform</a:t>
+            </a:r>
+            <a:endParaRPr lang="en-US" sz="1400" dirty="0">
+              <a:solidFill>
+                <a:srgbClr val="000000"/>
+              </a:solidFill>
+            </a:endParaRPr>
+          </a:p>
+        </p:txBody>
+      </p:sp>
+      <p:sp>
+        <p:nvSpPr>
+          <p:cNvPr id="36" name="Rounded Rectangle 35"/>
+          <p:cNvSpPr/>
+          <p:nvPr/>
+        </p:nvSpPr>
+        <p:spPr>
+          <a:xfrm>
+            <a:off x="7251994" y="4549484"/>
+            <a:ext cx="1461054" cy="1203893"/>
+          </a:xfrm>
+          <a:prstGeom prst="roundRect">
+            <a:avLst>
+              <a:gd name="adj" fmla="val 10000"/>
+            </a:avLst>
+          </a:prstGeom>
+          <a:solidFill>
+            <a:srgbClr val="000000">
+              <a:alpha val="90980"/>
+            </a:srgbClr>
+          </a:solidFill>
+        </p:spPr>
+        <p:style>
+          <a:lnRef idx="2">
+            <a:schemeClr val="lt1">
+              <a:hueOff val="0"/>
+              <a:satOff val="0"/>
+              <a:lumOff val="0"/>
+              <a:alphaOff val="0"/>
+            </a:schemeClr>
+          </a:lnRef>
+          <a:fillRef idx="1">
+            <a:schemeClr val="accent1">
+              <a:hueOff val="0"/>
+              <a:satOff val="0"/>
+              <a:lumOff val="0"/>
+              <a:alphaOff val="0"/>
+            </a:schemeClr>
+          </a:fillRef>
+          <a:effectRef idx="0">
+            <a:schemeClr val="accent1">
+              <a:hueOff val="0"/>
+              <a:satOff val="0"/>
+              <a:lumOff val="0"/>
+              <a:alphaOff val="0"/>
+            </a:schemeClr>
+          </a:effectRef>
+          <a:fontRef idx="minor">
+            <a:schemeClr val="lt1"/>
+          </a:fontRef>
+        </p:style>
+        <p:txBody>
+          <a:bodyPr/>
+          <a:lstStyle/>
+          <a:p>
+            <a:pPr fontAlgn="base">
+              <a:lnSpc>
+                <a:spcPct val="90000"/>
+              </a:lnSpc>
+              <a:spcBef>
+                <a:spcPct val="0"/>
+              </a:spcBef>
+              <a:spcAft>
+                <a:spcPct val="0"/>
+              </a:spcAft>
+            </a:pPr>
+            <a:r>
+              <a:rPr lang="en-US" sz="1400" dirty="0">
+                <a:solidFill>
+                  <a:srgbClr val="000000"/>
+                </a:solidFill>
+              </a:rPr>
+              <a:t>Platform</a:t>
+            </a:r>
+            <a:endParaRPr lang="en-US" sz="1400" dirty="0">
+              <a:solidFill>
+                <a:srgbClr val="000000"/>
+              </a:solidFill>
+            </a:endParaRPr>
+          </a:p>
+        </p:txBody>
+      </p:sp>
+    </p:spTree>
+    <p:extLst>
+      <p:ext uri="{BB962C8B-B14F-4D97-AF65-F5344CB8AC3E}">
+        <p14:creationId xmlns:p14="http://schemas.microsoft.com/office/powerpoint/2010/main" val="3885334098"/>
+      </p:ext>
+    </p:extLst>
+  </p:cSld>
+  <p:clrMapOvr>
+    <a:masterClrMapping/>
+  </p:clrMapOvr>
+  <p:timing>
+    <p:tnLst>
+      <p:par>
+        <p:cTn id="1" dur="indefinite" restart="never" nodeType="tmRoot"/>
       </p:par>
     </p:tnLst>
   </p:timing>
@@ -14250,7 +17074,7 @@
         </p:spPr>
         <p:txBody>
           <a:bodyPr>
-            <a:normAutofit/>
+            <a:normAutofit lnSpcReduction="10000"/>
           </a:bodyPr>
           <a:lstStyle/>
           <a:p>
@@ -14492,6 +17316,78 @@
             <a:r>
               <a:rPr lang="en-US" dirty="0" err="1" smtClean="0"/>
               <a:t>JRuby</a:t>
+            </a:r>
+            <a:endParaRPr lang="en-US" dirty="0" smtClean="0"/>
+          </a:p>
+          <a:p>
+            <a:pPr lvl="1"/>
+            <a:r>
+              <a:rPr lang="es-ES_tradnl" dirty="0" smtClean="0"/>
+              <a:t>Ruby </a:t>
+            </a:r>
+            <a:r>
+              <a:rPr lang="es-ES_tradnl" dirty="0" err="1" smtClean="0"/>
+              <a:t>on</a:t>
+            </a:r>
+            <a:r>
+              <a:rPr lang="es-ES_tradnl" dirty="0" smtClean="0"/>
+              <a:t> </a:t>
+            </a:r>
+            <a:r>
+              <a:rPr lang="es-ES_tradnl" dirty="0" err="1" smtClean="0"/>
+              <a:t>Rails</a:t>
+            </a:r>
+            <a:r>
+              <a:rPr lang="es-ES_tradnl" dirty="0" smtClean="0"/>
+              <a:t> </a:t>
+            </a:r>
+            <a:r>
+              <a:rPr lang="es-ES_tradnl" dirty="0" err="1" smtClean="0"/>
+              <a:t>is</a:t>
+            </a:r>
+            <a:r>
+              <a:rPr lang="es-ES_tradnl" dirty="0" smtClean="0"/>
+              <a:t> </a:t>
+            </a:r>
+            <a:r>
+              <a:rPr lang="es-ES_tradnl" dirty="0" err="1" smtClean="0"/>
+              <a:t>the</a:t>
+            </a:r>
+            <a:r>
+              <a:rPr lang="es-ES_tradnl" dirty="0" smtClean="0"/>
+              <a:t> </a:t>
+            </a:r>
+            <a:r>
+              <a:rPr lang="es-ES_tradnl" dirty="0" err="1" smtClean="0"/>
+              <a:t>best</a:t>
+            </a:r>
+            <a:r>
+              <a:rPr lang="es-ES_tradnl" dirty="0" smtClean="0"/>
+              <a:t> </a:t>
+            </a:r>
+            <a:r>
+              <a:rPr lang="es-ES_tradnl" dirty="0" err="1" smtClean="0"/>
+              <a:t>example</a:t>
+            </a:r>
+            <a:r>
+              <a:rPr lang="es-ES_tradnl" dirty="0" smtClean="0"/>
+              <a:t> of </a:t>
+            </a:r>
+            <a:r>
+              <a:rPr lang="es-ES_tradnl" dirty="0" err="1" smtClean="0"/>
+              <a:t>what</a:t>
+            </a:r>
+            <a:r>
+              <a:rPr lang="es-ES_tradnl" dirty="0" smtClean="0"/>
+              <a:t> can be done </a:t>
+            </a:r>
+            <a:r>
+              <a:rPr lang="es-ES_tradnl" dirty="0" err="1" smtClean="0"/>
+              <a:t>with</a:t>
+            </a:r>
+            <a:r>
+              <a:rPr lang="es-ES_tradnl" dirty="0" smtClean="0"/>
+              <a:t> Ruby</a:t>
             </a:r>
             <a:endParaRPr lang="en-US" dirty="0" smtClean="0"/>
           </a:p>
@@ -14550,7 +17446,7 @@
           <a:noFill/>
           <a:extLst>
             <a:ext uri="{909E8E84-426E-40dd-AFC4-6F175D3DCCD1}">
-              <a14:hiddenFill xmlns:a14="http://schemas.microsoft.com/office/drawing/2010/main">
+              <a14:hiddenFill xmlns:a14="http://schemas.microsoft.com/office/drawing/2010/main" xmlns="">
                 <a:solidFill>
                   <a:srgbClr val="FFFFFF"/>
                 </a:solidFill>
@@ -14580,7 +17476,7 @@
   <p:timing>
     <p:tnLst>
       <p:par>
-        <p:cTn xmlns:p14="http://schemas.microsoft.com/office/powerpoint/2010/main" id="1" dur="indefinite" restart="never" nodeType="tmRoot"/>
+        <p:cTn id="1" dur="indefinite" restart="never" nodeType="tmRoot"/>
       </p:par>
     </p:tnLst>
   </p:timing>
@@ -14588,7 +17484,7 @@
 </file>
 
 <file path=ppt/slides/slide8.xml><?xml version="1.0" encoding="utf-8"?>
-<p:sld xmlns:a="http://schemas.openxmlformats.org/drawingml/2006/main" xmlns:r="http://schemas.openxmlformats.org/officeDocument/2006/relationships" xmlns:p="http://schemas.openxmlformats.org/presentationml/2006/main">
+<p:sld xmlns:a="http://schemas.openxmlformats.org/drawingml/2006/main" xmlns:r="http://schemas.openxmlformats.org/officeDocument/2006/relationships" xmlns:p="http://schemas.openxmlformats.org/presentationml/2006/main" show="0">
   <p:cSld>
     <p:spTree>
       <p:nvGrpSpPr>
@@ -14846,14 +17742,14 @@
           <a:effectLst/>
           <a:extLst>
             <a:ext uri="{909E8E84-426E-40dd-AFC4-6F175D3DCCD1}">
-              <a14:hiddenFill xmlns:a14="http://schemas.microsoft.com/office/drawing/2010/main">
+              <a14:hiddenFill xmlns:a14="http://schemas.microsoft.com/office/drawing/2010/main" xmlns="">
                 <a:solidFill>
                   <a:schemeClr val="accent1"/>
                 </a:solidFill>
               </a14:hiddenFill>
             </a:ext>
             <a:ext uri="{91240B29-F687-4f45-9708-019B960494DF}">
-              <a14:hiddenLine xmlns:a14="http://schemas.microsoft.com/office/drawing/2010/main" w="9525">
+              <a14:hiddenLine xmlns:a14="http://schemas.microsoft.com/office/drawing/2010/main" xmlns="" w="9525">
                 <a:solidFill>
                   <a:schemeClr val="tx1"/>
                 </a:solidFill>
@@ -14863,7 +17759,7 @@
               </a14:hiddenLine>
             </a:ext>
             <a:ext uri="{AF507438-7753-43e0-B8FC-AC1667EBCBE1}">
-              <a14:hiddenEffects xmlns:a14="http://schemas.microsoft.com/office/drawing/2010/main">
+              <a14:hiddenEffects xmlns:a14="http://schemas.microsoft.com/office/drawing/2010/main" xmlns="">
                 <a:effectLst>
                   <a:outerShdw dist="35921" dir="2700000" algn="ctr" rotWithShape="0">
                     <a:schemeClr val="bg2"/>
@@ -14884,18 +17780,18 @@
   <p:clrMapOvr>
     <a:masterClrMapping/>
   </p:clrMapOvr>
-  <mc:AlternateContent xmlns:mc="http://schemas.openxmlformats.org/markup-compatibility/2006" xmlns:p14="http://schemas.microsoft.com/office/powerpoint/2010/main">
-    <mc:Choice Requires="p14">
+  <mc:AlternateContent xmlns:mc="http://schemas.openxmlformats.org/markup-compatibility/2006">
+    <mc:Choice xmlns:p14="http://schemas.microsoft.com/office/powerpoint/2010/main" Requires="p14">
       <p:transition spd="slow" p14:dur="2000"/>
     </mc:Choice>
-    <mc:Fallback xmlns="">
+    <mc:Fallback>
       <p:transition spd="slow"/>
     </mc:Fallback>
   </mc:AlternateContent>
   <p:timing>
     <p:tnLst>
       <p:par>
-        <p:cTn xmlns:p14="http://schemas.microsoft.com/office/powerpoint/2010/main" id="1" dur="indefinite" restart="never" nodeType="tmRoot"/>
+        <p:cTn id="1" dur="indefinite" restart="never" nodeType="tmRoot"/>
       </p:par>
     </p:tnLst>
   </p:timing>
@@ -15070,7 +17966,7 @@
           <a:noFill/>
           <a:extLst>
             <a:ext uri="{909E8E84-426E-40dd-AFC4-6F175D3DCCD1}">
-              <a14:hiddenFill xmlns:a14="http://schemas.microsoft.com/office/drawing/2010/main">
+              <a14:hiddenFill xmlns:a14="http://schemas.microsoft.com/office/drawing/2010/main" xmlns="">
                 <a:solidFill>
                   <a:srgbClr val="FFFFFF"/>
                 </a:solidFill>
@@ -15100,7 +17996,7 @@
   <p:timing>
     <p:tnLst>
       <p:par>
-        <p:cTn xmlns:p14="http://schemas.microsoft.com/office/powerpoint/2010/main" id="1" dur="indefinite" restart="never" nodeType="tmRoot"/>
+        <p:cTn id="1" dur="indefinite" restart="never" nodeType="tmRoot"/>
       </p:par>
     </p:tnLst>
   </p:timing>
@@ -15939,12 +18835,11 @@
 </file>
 
 <file path=customXml/item1.xml><?xml version="1.0" encoding="utf-8"?>
-<?mso-contentType ?>
-<FormTemplates xmlns="http://schemas.microsoft.com/sharepoint/v3/contenttype/forms">
-  <Display>DocumentLibraryForm</Display>
-  <Edit>DocumentLibraryForm</Edit>
-  <New>DocumentLibraryForm</New>
-</FormTemplates>
+<p:properties xmlns:p="http://schemas.microsoft.com/office/2006/metadata/properties" xmlns:xsi="http://www.w3.org/2001/XMLSchema-instance">
+  <documentManagement>
+    <Description0 xmlns="bc841b31-d549-43ed-bc47-0086310aa7e9" xsi:nil="true"/>
+  </documentManagement>
+</p:properties>
 </file>
 
 <file path=customXml/item2.xml><?xml version="1.0" encoding="utf-8"?>
@@ -16008,17 +18903,25 @@
 </file>
 
 <file path=customXml/item3.xml><?xml version="1.0" encoding="utf-8"?>
-<p:properties xmlns:p="http://schemas.microsoft.com/office/2006/metadata/properties" xmlns:xsi="http://www.w3.org/2001/XMLSchema-instance">
-  <documentManagement>
-    <Description0 xmlns="bc841b31-d549-43ed-bc47-0086310aa7e9" xsi:nil="true"/>
-  </documentManagement>
-</p:properties>
+<?mso-contentType ?>
+<FormTemplates xmlns="http://schemas.microsoft.com/sharepoint/v3/contenttype/forms">
+  <Display>DocumentLibraryForm</Display>
+  <Edit>DocumentLibraryForm</Edit>
+  <New>DocumentLibraryForm</New>
+</FormTemplates>
 </file>
 
 <file path=customXml/itemProps1.xml><?xml version="1.0" encoding="utf-8"?>
-<ds:datastoreItem xmlns:ds="http://schemas.openxmlformats.org/officeDocument/2006/customXml" ds:itemID="{6721EA93-7F6E-49B2-8AC1-8B418BC0787D}">
+<ds:datastoreItem xmlns:ds="http://schemas.openxmlformats.org/officeDocument/2006/customXml" ds:itemID="{F053FA75-22F8-42FF-B769-9F48A5E319F8}">
   <ds:schemaRefs>
-    <ds:schemaRef ds:uri="http://schemas.microsoft.com/sharepoint/v3/contenttype/forms"/>
+    <ds:schemaRef ds:uri="http://purl.org/dc/dcmitype/"/>
+    <ds:schemaRef ds:uri="bc841b31-d549-43ed-bc47-0086310aa7e9"/>
+    <ds:schemaRef ds:uri="http://schemas.microsoft.com/office/2006/documentManagement/types"/>
+    <ds:schemaRef ds:uri="http://www.w3.org/XML/1998/namespace"/>
+    <ds:schemaRef ds:uri="http://purl.org/dc/terms/"/>
+    <ds:schemaRef ds:uri="http://purl.org/dc/elements/1.1/"/>
+    <ds:schemaRef ds:uri="http://schemas.openxmlformats.org/package/2006/metadata/core-properties"/>
+    <ds:schemaRef ds:uri="http://schemas.microsoft.com/office/2006/metadata/properties"/>
   </ds:schemaRefs>
 </ds:datastoreItem>
 </file>
@@ -16041,16 +18944,9 @@
 </file>
 
 <file path=customXml/itemProps3.xml><?xml version="1.0" encoding="utf-8"?>
-<ds:datastoreItem xmlns:ds="http://schemas.openxmlformats.org/officeDocument/2006/customXml" ds:itemID="{F053FA75-22F8-42FF-B769-9F48A5E319F8}">
+<ds:datastoreItem xmlns:ds="http://schemas.openxmlformats.org/officeDocument/2006/customXml" ds:itemID="{6721EA93-7F6E-49B2-8AC1-8B418BC0787D}">
   <ds:schemaRefs>
-    <ds:schemaRef ds:uri="http://purl.org/dc/dcmitype/"/>
-    <ds:schemaRef ds:uri="bc841b31-d549-43ed-bc47-0086310aa7e9"/>
-    <ds:schemaRef ds:uri="http://schemas.microsoft.com/office/2006/documentManagement/types"/>
-    <ds:schemaRef ds:uri="http://www.w3.org/XML/1998/namespace"/>
-    <ds:schemaRef ds:uri="http://purl.org/dc/terms/"/>
-    <ds:schemaRef ds:uri="http://purl.org/dc/elements/1.1/"/>
-    <ds:schemaRef ds:uri="http://schemas.openxmlformats.org/package/2006/metadata/core-properties"/>
-    <ds:schemaRef ds:uri="http://schemas.microsoft.com/office/2006/metadata/properties"/>
+    <ds:schemaRef ds:uri="http://schemas.microsoft.com/sharepoint/v3/contenttype/forms"/>
   </ds:schemaRefs>
 </ds:datastoreItem>
 </file>